--- a/Documents/Grand_Stage.pptx
+++ b/Documents/Grand_Stage.pptx
@@ -1,29 +1,124 @@
 
 <file path=ppt/presentation.xml><?xml version="1.0" encoding="utf-8"?>
-<p:presentation xmlns:a="http://schemas.openxmlformats.org/drawingml/2006/main" xmlns:p="http://schemas.openxmlformats.org/presentationml/2006/main" xmlns:r="http://schemas.openxmlformats.org/officeDocument/2006/relationships" xmlns:p14="http://schemas.microsoft.com/office/powerpoint/2010/main" xmlns:p15="http://schemas.microsoft.com/office/powerpoint/2012/main" xmlns:mc="http://schemas.openxmlformats.org/markup-compatibility/2006">
+<p:presentation xmlns:a="http://schemas.openxmlformats.org/drawingml/2006/main" xmlns:r="http://schemas.openxmlformats.org/officeDocument/2006/relationships" xmlns:p="http://schemas.openxmlformats.org/presentationml/2006/main">
   <p:sldMasterIdLst>
-    <p:sldMasterId id="2147483648" r:id="rId2"/>
+    <p:sldMasterId id="2147483648" r:id="rId1"/>
   </p:sldMasterIdLst>
   <p:sldIdLst>
-    <p:sldId id="256" r:id="rId3"/>
-    <p:sldId id="257" r:id="rId4"/>
-    <p:sldId id="258" r:id="rId5"/>
-    <p:sldId id="259" r:id="rId6"/>
-    <p:sldId id="260" r:id="rId7"/>
-    <p:sldId id="261" r:id="rId8"/>
-    <p:sldId id="262" r:id="rId9"/>
-    <p:sldId id="263" r:id="rId10"/>
-    <p:sldId id="264" r:id="rId11"/>
-    <p:sldId id="265" r:id="rId12"/>
-    <p:sldId id="266" r:id="rId13"/>
+    <p:sldId id="256" r:id="rId2"/>
+    <p:sldId id="257" r:id="rId3"/>
+    <p:sldId id="258" r:id="rId4"/>
+    <p:sldId id="259" r:id="rId5"/>
+    <p:sldId id="260" r:id="rId6"/>
+    <p:sldId id="261" r:id="rId7"/>
+    <p:sldId id="262" r:id="rId8"/>
+    <p:sldId id="263" r:id="rId9"/>
+    <p:sldId id="264" r:id="rId10"/>
+    <p:sldId id="265" r:id="rId11"/>
+    <p:sldId id="266" r:id="rId12"/>
   </p:sldIdLst>
   <p:sldSz cx="12192000" cy="6858000"/>
   <p:notesSz cx="7559675" cy="10691813"/>
+  <p:defaultTextStyle>
+    <a:defPPr>
+      <a:defRPr lang="ko-KR"/>
+    </a:defPPr>
+    <a:lvl1pPr marL="0" algn="l" defTabSz="914400" rtl="0" eaLnBrk="1" latinLnBrk="1" hangingPunct="1">
+      <a:defRPr sz="1800" kern="1200">
+        <a:solidFill>
+          <a:schemeClr val="tx1"/>
+        </a:solidFill>
+        <a:latin typeface="+mn-lt"/>
+        <a:ea typeface="+mn-ea"/>
+        <a:cs typeface="+mn-cs"/>
+      </a:defRPr>
+    </a:lvl1pPr>
+    <a:lvl2pPr marL="457200" algn="l" defTabSz="914400" rtl="0" eaLnBrk="1" latinLnBrk="1" hangingPunct="1">
+      <a:defRPr sz="1800" kern="1200">
+        <a:solidFill>
+          <a:schemeClr val="tx1"/>
+        </a:solidFill>
+        <a:latin typeface="+mn-lt"/>
+        <a:ea typeface="+mn-ea"/>
+        <a:cs typeface="+mn-cs"/>
+      </a:defRPr>
+    </a:lvl2pPr>
+    <a:lvl3pPr marL="914400" algn="l" defTabSz="914400" rtl="0" eaLnBrk="1" latinLnBrk="1" hangingPunct="1">
+      <a:defRPr sz="1800" kern="1200">
+        <a:solidFill>
+          <a:schemeClr val="tx1"/>
+        </a:solidFill>
+        <a:latin typeface="+mn-lt"/>
+        <a:ea typeface="+mn-ea"/>
+        <a:cs typeface="+mn-cs"/>
+      </a:defRPr>
+    </a:lvl3pPr>
+    <a:lvl4pPr marL="1371600" algn="l" defTabSz="914400" rtl="0" eaLnBrk="1" latinLnBrk="1" hangingPunct="1">
+      <a:defRPr sz="1800" kern="1200">
+        <a:solidFill>
+          <a:schemeClr val="tx1"/>
+        </a:solidFill>
+        <a:latin typeface="+mn-lt"/>
+        <a:ea typeface="+mn-ea"/>
+        <a:cs typeface="+mn-cs"/>
+      </a:defRPr>
+    </a:lvl4pPr>
+    <a:lvl5pPr marL="1828800" algn="l" defTabSz="914400" rtl="0" eaLnBrk="1" latinLnBrk="1" hangingPunct="1">
+      <a:defRPr sz="1800" kern="1200">
+        <a:solidFill>
+          <a:schemeClr val="tx1"/>
+        </a:solidFill>
+        <a:latin typeface="+mn-lt"/>
+        <a:ea typeface="+mn-ea"/>
+        <a:cs typeface="+mn-cs"/>
+      </a:defRPr>
+    </a:lvl5pPr>
+    <a:lvl6pPr marL="2286000" algn="l" defTabSz="914400" rtl="0" eaLnBrk="1" latinLnBrk="1" hangingPunct="1">
+      <a:defRPr sz="1800" kern="1200">
+        <a:solidFill>
+          <a:schemeClr val="tx1"/>
+        </a:solidFill>
+        <a:latin typeface="+mn-lt"/>
+        <a:ea typeface="+mn-ea"/>
+        <a:cs typeface="+mn-cs"/>
+      </a:defRPr>
+    </a:lvl6pPr>
+    <a:lvl7pPr marL="2743200" algn="l" defTabSz="914400" rtl="0" eaLnBrk="1" latinLnBrk="1" hangingPunct="1">
+      <a:defRPr sz="1800" kern="1200">
+        <a:solidFill>
+          <a:schemeClr val="tx1"/>
+        </a:solidFill>
+        <a:latin typeface="+mn-lt"/>
+        <a:ea typeface="+mn-ea"/>
+        <a:cs typeface="+mn-cs"/>
+      </a:defRPr>
+    </a:lvl7pPr>
+    <a:lvl8pPr marL="3200400" algn="l" defTabSz="914400" rtl="0" eaLnBrk="1" latinLnBrk="1" hangingPunct="1">
+      <a:defRPr sz="1800" kern="1200">
+        <a:solidFill>
+          <a:schemeClr val="tx1"/>
+        </a:solidFill>
+        <a:latin typeface="+mn-lt"/>
+        <a:ea typeface="+mn-ea"/>
+        <a:cs typeface="+mn-cs"/>
+      </a:defRPr>
+    </a:lvl8pPr>
+    <a:lvl9pPr marL="3657600" algn="l" defTabSz="914400" rtl="0" eaLnBrk="1" latinLnBrk="1" hangingPunct="1">
+      <a:defRPr sz="1800" kern="1200">
+        <a:solidFill>
+          <a:schemeClr val="tx1"/>
+        </a:solidFill>
+        <a:latin typeface="+mn-lt"/>
+        <a:ea typeface="+mn-ea"/>
+        <a:cs typeface="+mn-cs"/>
+      </a:defRPr>
+    </a:lvl9pPr>
+  </p:defaultTextStyle>
 </p:presentation>
 </file>
 
 <file path=ppt/slideLayouts/slideLayout1.xml><?xml version="1.0" encoding="utf-8"?>
-<p:sldLayout xmlns:a="http://schemas.openxmlformats.org/drawingml/2006/main" xmlns:p="http://schemas.openxmlformats.org/presentationml/2006/main" xmlns:r="http://schemas.openxmlformats.org/officeDocument/2006/relationships" xmlns:p14="http://schemas.microsoft.com/office/powerpoint/2010/main" xmlns:p15="http://schemas.microsoft.com/office/powerpoint/2012/main" xmlns:mc="http://schemas.openxmlformats.org/markup-compatibility/2006" type="blank" preserve="1">
+<p:sldLayout xmlns:a="http://schemas.openxmlformats.org/drawingml/2006/main" xmlns:r="http://schemas.openxmlformats.org/officeDocument/2006/relationships" xmlns:p="http://schemas.openxmlformats.org/presentationml/2006/main" type="blank" preserve="1">
   <p:cSld name="Blank Slide">
     <p:spTree>
       <p:nvGrpSpPr>
@@ -41,11 +136,14 @@
       </p:grpSpPr>
     </p:spTree>
   </p:cSld>
+  <p:clrMapOvr>
+    <a:masterClrMapping/>
+  </p:clrMapOvr>
 </p:sldLayout>
 </file>
 
 <file path=ppt/slideLayouts/slideLayout10.xml><?xml version="1.0" encoding="utf-8"?>
-<p:sldLayout xmlns:a="http://schemas.openxmlformats.org/drawingml/2006/main" xmlns:p="http://schemas.openxmlformats.org/presentationml/2006/main" xmlns:r="http://schemas.openxmlformats.org/officeDocument/2006/relationships" xmlns:p14="http://schemas.microsoft.com/office/powerpoint/2010/main" xmlns:p15="http://schemas.microsoft.com/office/powerpoint/2012/main" xmlns:mc="http://schemas.openxmlformats.org/markup-compatibility/2006" type="objOverTx" preserve="1">
+<p:sldLayout xmlns:a="http://schemas.openxmlformats.org/drawingml/2006/main" xmlns:r="http://schemas.openxmlformats.org/officeDocument/2006/relationships" xmlns:p="http://schemas.openxmlformats.org/presentationml/2006/main" type="objOverTx" preserve="1">
   <p:cSld name="Title, Content over Content">
     <p:spTree>
       <p:nvGrpSpPr>
@@ -85,14 +183,15 @@
           </a:ln>
         </p:spPr>
         <p:txBody>
-          <a:bodyPr lIns="0" rIns="0" tIns="0" bIns="0" anchor="ctr">
+          <a:bodyPr lIns="0" tIns="0" rIns="0" bIns="0" anchor="ctr">
             <a:noAutofit/>
           </a:bodyPr>
+          <a:lstStyle/>
           <a:p>
             <a:pPr algn="ctr">
               <a:buNone/>
             </a:pPr>
-            <a:endParaRPr b="0" lang="en-US" sz="4400" spc="-1" strike="noStrike">
+            <a:endParaRPr lang="en-US" sz="4400" b="0" strike="noStrike" spc="-1">
               <a:latin typeface="Arial"/>
             </a:endParaRPr>
           </a:p>
@@ -122,11 +221,12 @@
           </a:ln>
         </p:spPr>
         <p:txBody>
-          <a:bodyPr lIns="0" rIns="0" tIns="0" bIns="0" anchor="t">
+          <a:bodyPr lIns="0" tIns="0" rIns="0" bIns="0" anchor="t">
             <a:normAutofit/>
           </a:bodyPr>
+          <a:lstStyle/>
           <a:p>
-            <a:endParaRPr b="0" lang="en-US" sz="3200" spc="-1" strike="noStrike">
+            <a:endParaRPr lang="en-US" sz="3200" b="0" strike="noStrike" spc="-1">
               <a:latin typeface="Arial"/>
             </a:endParaRPr>
           </a:p>
@@ -156,11 +256,12 @@
           </a:ln>
         </p:spPr>
         <p:txBody>
-          <a:bodyPr lIns="0" rIns="0" tIns="0" bIns="0" anchor="t">
+          <a:bodyPr lIns="0" tIns="0" rIns="0" bIns="0" anchor="t">
             <a:normAutofit/>
           </a:bodyPr>
+          <a:lstStyle/>
           <a:p>
-            <a:endParaRPr b="0" lang="en-US" sz="3200" spc="-1" strike="noStrike">
+            <a:endParaRPr lang="en-US" sz="3200" b="0" strike="noStrike" spc="-1">
               <a:latin typeface="Arial"/>
             </a:endParaRPr>
           </a:p>
@@ -168,11 +269,14 @@
       </p:sp>
     </p:spTree>
   </p:cSld>
+  <p:clrMapOvr>
+    <a:masterClrMapping/>
+  </p:clrMapOvr>
 </p:sldLayout>
 </file>
 
 <file path=ppt/slideLayouts/slideLayout11.xml><?xml version="1.0" encoding="utf-8"?>
-<p:sldLayout xmlns:a="http://schemas.openxmlformats.org/drawingml/2006/main" xmlns:p="http://schemas.openxmlformats.org/presentationml/2006/main" xmlns:r="http://schemas.openxmlformats.org/officeDocument/2006/relationships" xmlns:p14="http://schemas.microsoft.com/office/powerpoint/2010/main" xmlns:p15="http://schemas.microsoft.com/office/powerpoint/2012/main" xmlns:mc="http://schemas.openxmlformats.org/markup-compatibility/2006" type="fourObj" preserve="1">
+<p:sldLayout xmlns:a="http://schemas.openxmlformats.org/drawingml/2006/main" xmlns:r="http://schemas.openxmlformats.org/officeDocument/2006/relationships" xmlns:p="http://schemas.openxmlformats.org/presentationml/2006/main" type="fourObj" preserve="1">
   <p:cSld name="Title, 4 Content">
     <p:spTree>
       <p:nvGrpSpPr>
@@ -212,14 +316,15 @@
           </a:ln>
         </p:spPr>
         <p:txBody>
-          <a:bodyPr lIns="0" rIns="0" tIns="0" bIns="0" anchor="ctr">
+          <a:bodyPr lIns="0" tIns="0" rIns="0" bIns="0" anchor="ctr">
             <a:noAutofit/>
           </a:bodyPr>
+          <a:lstStyle/>
           <a:p>
             <a:pPr algn="ctr">
               <a:buNone/>
             </a:pPr>
-            <a:endParaRPr b="0" lang="en-US" sz="4400" spc="-1" strike="noStrike">
+            <a:endParaRPr lang="en-US" sz="4400" b="0" strike="noStrike" spc="-1">
               <a:latin typeface="Arial"/>
             </a:endParaRPr>
           </a:p>
@@ -249,11 +354,12 @@
           </a:ln>
         </p:spPr>
         <p:txBody>
-          <a:bodyPr lIns="0" rIns="0" tIns="0" bIns="0" anchor="t">
+          <a:bodyPr lIns="0" tIns="0" rIns="0" bIns="0" anchor="t">
             <a:normAutofit/>
           </a:bodyPr>
+          <a:lstStyle/>
           <a:p>
-            <a:endParaRPr b="0" lang="en-US" sz="3200" spc="-1" strike="noStrike">
+            <a:endParaRPr lang="en-US" sz="3200" b="0" strike="noStrike" spc="-1">
               <a:latin typeface="Arial"/>
             </a:endParaRPr>
           </a:p>
@@ -283,11 +389,12 @@
           </a:ln>
         </p:spPr>
         <p:txBody>
-          <a:bodyPr lIns="0" rIns="0" tIns="0" bIns="0" anchor="t">
+          <a:bodyPr lIns="0" tIns="0" rIns="0" bIns="0" anchor="t">
             <a:normAutofit/>
           </a:bodyPr>
+          <a:lstStyle/>
           <a:p>
-            <a:endParaRPr b="0" lang="en-US" sz="3200" spc="-1" strike="noStrike">
+            <a:endParaRPr lang="en-US" sz="3200" b="0" strike="noStrike" spc="-1">
               <a:latin typeface="Arial"/>
             </a:endParaRPr>
           </a:p>
@@ -317,11 +424,12 @@
           </a:ln>
         </p:spPr>
         <p:txBody>
-          <a:bodyPr lIns="0" rIns="0" tIns="0" bIns="0" anchor="t">
+          <a:bodyPr lIns="0" tIns="0" rIns="0" bIns="0" anchor="t">
             <a:normAutofit/>
           </a:bodyPr>
+          <a:lstStyle/>
           <a:p>
-            <a:endParaRPr b="0" lang="en-US" sz="3200" spc="-1" strike="noStrike">
+            <a:endParaRPr lang="en-US" sz="3200" b="0" strike="noStrike" spc="-1">
               <a:latin typeface="Arial"/>
             </a:endParaRPr>
           </a:p>
@@ -351,11 +459,12 @@
           </a:ln>
         </p:spPr>
         <p:txBody>
-          <a:bodyPr lIns="0" rIns="0" tIns="0" bIns="0" anchor="t">
+          <a:bodyPr lIns="0" tIns="0" rIns="0" bIns="0" anchor="t">
             <a:normAutofit/>
           </a:bodyPr>
+          <a:lstStyle/>
           <a:p>
-            <a:endParaRPr b="0" lang="en-US" sz="3200" spc="-1" strike="noStrike">
+            <a:endParaRPr lang="en-US" sz="3200" b="0" strike="noStrike" spc="-1">
               <a:latin typeface="Arial"/>
             </a:endParaRPr>
           </a:p>
@@ -363,11 +472,14 @@
       </p:sp>
     </p:spTree>
   </p:cSld>
+  <p:clrMapOvr>
+    <a:masterClrMapping/>
+  </p:clrMapOvr>
 </p:sldLayout>
 </file>
 
 <file path=ppt/slideLayouts/slideLayout12.xml><?xml version="1.0" encoding="utf-8"?>
-<p:sldLayout xmlns:a="http://schemas.openxmlformats.org/drawingml/2006/main" xmlns:p="http://schemas.openxmlformats.org/presentationml/2006/main" xmlns:r="http://schemas.openxmlformats.org/officeDocument/2006/relationships" xmlns:p14="http://schemas.microsoft.com/office/powerpoint/2010/main" xmlns:p15="http://schemas.microsoft.com/office/powerpoint/2012/main" xmlns:mc="http://schemas.openxmlformats.org/markup-compatibility/2006" type="blank" preserve="1">
+<p:sldLayout xmlns:a="http://schemas.openxmlformats.org/drawingml/2006/main" xmlns:r="http://schemas.openxmlformats.org/officeDocument/2006/relationships" xmlns:p="http://schemas.openxmlformats.org/presentationml/2006/main" type="blank" preserve="1">
   <p:cSld name="Title, 6 Content">
     <p:spTree>
       <p:nvGrpSpPr>
@@ -407,14 +519,15 @@
           </a:ln>
         </p:spPr>
         <p:txBody>
-          <a:bodyPr lIns="0" rIns="0" tIns="0" bIns="0" anchor="ctr">
+          <a:bodyPr lIns="0" tIns="0" rIns="0" bIns="0" anchor="ctr">
             <a:noAutofit/>
           </a:bodyPr>
+          <a:lstStyle/>
           <a:p>
             <a:pPr algn="ctr">
               <a:buNone/>
             </a:pPr>
-            <a:endParaRPr b="0" lang="en-US" sz="4400" spc="-1" strike="noStrike">
+            <a:endParaRPr lang="en-US" sz="4400" b="0" strike="noStrike" spc="-1">
               <a:latin typeface="Arial"/>
             </a:endParaRPr>
           </a:p>
@@ -444,11 +557,12 @@
           </a:ln>
         </p:spPr>
         <p:txBody>
-          <a:bodyPr lIns="0" rIns="0" tIns="0" bIns="0" anchor="t">
+          <a:bodyPr lIns="0" tIns="0" rIns="0" bIns="0" anchor="t">
             <a:normAutofit/>
           </a:bodyPr>
+          <a:lstStyle/>
           <a:p>
-            <a:endParaRPr b="0" lang="en-US" sz="3200" spc="-1" strike="noStrike">
+            <a:endParaRPr lang="en-US" sz="3200" b="0" strike="noStrike" spc="-1">
               <a:latin typeface="Arial"/>
             </a:endParaRPr>
           </a:p>
@@ -478,11 +592,12 @@
           </a:ln>
         </p:spPr>
         <p:txBody>
-          <a:bodyPr lIns="0" rIns="0" tIns="0" bIns="0" anchor="t">
+          <a:bodyPr lIns="0" tIns="0" rIns="0" bIns="0" anchor="t">
             <a:normAutofit/>
           </a:bodyPr>
+          <a:lstStyle/>
           <a:p>
-            <a:endParaRPr b="0" lang="en-US" sz="3200" spc="-1" strike="noStrike">
+            <a:endParaRPr lang="en-US" sz="3200" b="0" strike="noStrike" spc="-1">
               <a:latin typeface="Arial"/>
             </a:endParaRPr>
           </a:p>
@@ -512,11 +627,12 @@
           </a:ln>
         </p:spPr>
         <p:txBody>
-          <a:bodyPr lIns="0" rIns="0" tIns="0" bIns="0" anchor="t">
+          <a:bodyPr lIns="0" tIns="0" rIns="0" bIns="0" anchor="t">
             <a:normAutofit/>
           </a:bodyPr>
+          <a:lstStyle/>
           <a:p>
-            <a:endParaRPr b="0" lang="en-US" sz="3200" spc="-1" strike="noStrike">
+            <a:endParaRPr lang="en-US" sz="3200" b="0" strike="noStrike" spc="-1">
               <a:latin typeface="Arial"/>
             </a:endParaRPr>
           </a:p>
@@ -546,11 +662,12 @@
           </a:ln>
         </p:spPr>
         <p:txBody>
-          <a:bodyPr lIns="0" rIns="0" tIns="0" bIns="0" anchor="t">
+          <a:bodyPr lIns="0" tIns="0" rIns="0" bIns="0" anchor="t">
             <a:normAutofit/>
           </a:bodyPr>
+          <a:lstStyle/>
           <a:p>
-            <a:endParaRPr b="0" lang="en-US" sz="3200" spc="-1" strike="noStrike">
+            <a:endParaRPr lang="en-US" sz="3200" b="0" strike="noStrike" spc="-1">
               <a:latin typeface="Arial"/>
             </a:endParaRPr>
           </a:p>
@@ -580,11 +697,12 @@
           </a:ln>
         </p:spPr>
         <p:txBody>
-          <a:bodyPr lIns="0" rIns="0" tIns="0" bIns="0" anchor="t">
+          <a:bodyPr lIns="0" tIns="0" rIns="0" bIns="0" anchor="t">
             <a:normAutofit/>
           </a:bodyPr>
+          <a:lstStyle/>
           <a:p>
-            <a:endParaRPr b="0" lang="en-US" sz="3200" spc="-1" strike="noStrike">
+            <a:endParaRPr lang="en-US" sz="3200" b="0" strike="noStrike" spc="-1">
               <a:latin typeface="Arial"/>
             </a:endParaRPr>
           </a:p>
@@ -614,11 +732,12 @@
           </a:ln>
         </p:spPr>
         <p:txBody>
-          <a:bodyPr lIns="0" rIns="0" tIns="0" bIns="0" anchor="t">
+          <a:bodyPr lIns="0" tIns="0" rIns="0" bIns="0" anchor="t">
             <a:normAutofit/>
           </a:bodyPr>
+          <a:lstStyle/>
           <a:p>
-            <a:endParaRPr b="0" lang="en-US" sz="3200" spc="-1" strike="noStrike">
+            <a:endParaRPr lang="en-US" sz="3200" b="0" strike="noStrike" spc="-1">
               <a:latin typeface="Arial"/>
             </a:endParaRPr>
           </a:p>
@@ -626,11 +745,14 @@
       </p:sp>
     </p:spTree>
   </p:cSld>
+  <p:clrMapOvr>
+    <a:masterClrMapping/>
+  </p:clrMapOvr>
 </p:sldLayout>
 </file>
 
 <file path=ppt/slideLayouts/slideLayout2.xml><?xml version="1.0" encoding="utf-8"?>
-<p:sldLayout xmlns:a="http://schemas.openxmlformats.org/drawingml/2006/main" xmlns:p="http://schemas.openxmlformats.org/presentationml/2006/main" xmlns:r="http://schemas.openxmlformats.org/officeDocument/2006/relationships" xmlns:p14="http://schemas.microsoft.com/office/powerpoint/2010/main" xmlns:p15="http://schemas.microsoft.com/office/powerpoint/2012/main" xmlns:mc="http://schemas.openxmlformats.org/markup-compatibility/2006" type="tx" preserve="1">
+<p:sldLayout xmlns:a="http://schemas.openxmlformats.org/drawingml/2006/main" xmlns:r="http://schemas.openxmlformats.org/officeDocument/2006/relationships" xmlns:p="http://schemas.openxmlformats.org/presentationml/2006/main" type="tx" preserve="1">
   <p:cSld name="Title Slide">
     <p:spTree>
       <p:nvGrpSpPr>
@@ -670,14 +792,15 @@
           </a:ln>
         </p:spPr>
         <p:txBody>
-          <a:bodyPr lIns="0" rIns="0" tIns="0" bIns="0" anchor="ctr">
+          <a:bodyPr lIns="0" tIns="0" rIns="0" bIns="0" anchor="ctr">
             <a:noAutofit/>
           </a:bodyPr>
+          <a:lstStyle/>
           <a:p>
             <a:pPr algn="ctr">
               <a:buNone/>
             </a:pPr>
-            <a:endParaRPr b="0" lang="en-US" sz="4400" spc="-1" strike="noStrike">
+            <a:endParaRPr lang="en-US" sz="4400" b="0" strike="noStrike" spc="-1">
               <a:latin typeface="Arial"/>
             </a:endParaRPr>
           </a:p>
@@ -707,14 +830,15 @@
           </a:ln>
         </p:spPr>
         <p:txBody>
-          <a:bodyPr lIns="0" rIns="0" tIns="0" bIns="0" anchor="ctr">
+          <a:bodyPr lIns="0" tIns="0" rIns="0" bIns="0" anchor="ctr">
             <a:noAutofit/>
           </a:bodyPr>
+          <a:lstStyle/>
           <a:p>
             <a:pPr algn="ctr">
               <a:buNone/>
             </a:pPr>
-            <a:endParaRPr b="0" lang="en-US" sz="3200" spc="-1" strike="noStrike">
+            <a:endParaRPr lang="en-US" sz="3200" b="0" strike="noStrike" spc="-1">
               <a:latin typeface="Arial"/>
             </a:endParaRPr>
           </a:p>
@@ -722,11 +846,14 @@
       </p:sp>
     </p:spTree>
   </p:cSld>
+  <p:clrMapOvr>
+    <a:masterClrMapping/>
+  </p:clrMapOvr>
 </p:sldLayout>
 </file>
 
 <file path=ppt/slideLayouts/slideLayout3.xml><?xml version="1.0" encoding="utf-8"?>
-<p:sldLayout xmlns:a="http://schemas.openxmlformats.org/drawingml/2006/main" xmlns:p="http://schemas.openxmlformats.org/presentationml/2006/main" xmlns:r="http://schemas.openxmlformats.org/officeDocument/2006/relationships" xmlns:p14="http://schemas.microsoft.com/office/powerpoint/2010/main" xmlns:p15="http://schemas.microsoft.com/office/powerpoint/2012/main" xmlns:mc="http://schemas.openxmlformats.org/markup-compatibility/2006" type="obj" preserve="1">
+<p:sldLayout xmlns:a="http://schemas.openxmlformats.org/drawingml/2006/main" xmlns:r="http://schemas.openxmlformats.org/officeDocument/2006/relationships" xmlns:p="http://schemas.openxmlformats.org/presentationml/2006/main" type="obj" preserve="1">
   <p:cSld name="Title, Content">
     <p:spTree>
       <p:nvGrpSpPr>
@@ -766,14 +893,15 @@
           </a:ln>
         </p:spPr>
         <p:txBody>
-          <a:bodyPr lIns="0" rIns="0" tIns="0" bIns="0" anchor="ctr">
+          <a:bodyPr lIns="0" tIns="0" rIns="0" bIns="0" anchor="ctr">
             <a:noAutofit/>
           </a:bodyPr>
+          <a:lstStyle/>
           <a:p>
             <a:pPr algn="ctr">
               <a:buNone/>
             </a:pPr>
-            <a:endParaRPr b="0" lang="en-US" sz="4400" spc="-1" strike="noStrike">
+            <a:endParaRPr lang="en-US" sz="4400" b="0" strike="noStrike" spc="-1">
               <a:latin typeface="Arial"/>
             </a:endParaRPr>
           </a:p>
@@ -803,11 +931,12 @@
           </a:ln>
         </p:spPr>
         <p:txBody>
-          <a:bodyPr lIns="0" rIns="0" tIns="0" bIns="0" anchor="t">
+          <a:bodyPr lIns="0" tIns="0" rIns="0" bIns="0" anchor="t">
             <a:normAutofit/>
           </a:bodyPr>
+          <a:lstStyle/>
           <a:p>
-            <a:endParaRPr b="0" lang="en-US" sz="3200" spc="-1" strike="noStrike">
+            <a:endParaRPr lang="en-US" sz="3200" b="0" strike="noStrike" spc="-1">
               <a:latin typeface="Arial"/>
             </a:endParaRPr>
           </a:p>
@@ -815,11 +944,14 @@
       </p:sp>
     </p:spTree>
   </p:cSld>
+  <p:clrMapOvr>
+    <a:masterClrMapping/>
+  </p:clrMapOvr>
 </p:sldLayout>
 </file>
 
 <file path=ppt/slideLayouts/slideLayout4.xml><?xml version="1.0" encoding="utf-8"?>
-<p:sldLayout xmlns:a="http://schemas.openxmlformats.org/drawingml/2006/main" xmlns:p="http://schemas.openxmlformats.org/presentationml/2006/main" xmlns:r="http://schemas.openxmlformats.org/officeDocument/2006/relationships" xmlns:p14="http://schemas.microsoft.com/office/powerpoint/2010/main" xmlns:p15="http://schemas.microsoft.com/office/powerpoint/2012/main" xmlns:mc="http://schemas.openxmlformats.org/markup-compatibility/2006" type="twoObj" preserve="1">
+<p:sldLayout xmlns:a="http://schemas.openxmlformats.org/drawingml/2006/main" xmlns:r="http://schemas.openxmlformats.org/officeDocument/2006/relationships" xmlns:p="http://schemas.openxmlformats.org/presentationml/2006/main" type="twoObj" preserve="1">
   <p:cSld name="Title, 2 Content">
     <p:spTree>
       <p:nvGrpSpPr>
@@ -859,14 +991,15 @@
           </a:ln>
         </p:spPr>
         <p:txBody>
-          <a:bodyPr lIns="0" rIns="0" tIns="0" bIns="0" anchor="ctr">
+          <a:bodyPr lIns="0" tIns="0" rIns="0" bIns="0" anchor="ctr">
             <a:noAutofit/>
           </a:bodyPr>
+          <a:lstStyle/>
           <a:p>
             <a:pPr algn="ctr">
               <a:buNone/>
             </a:pPr>
-            <a:endParaRPr b="0" lang="en-US" sz="4400" spc="-1" strike="noStrike">
+            <a:endParaRPr lang="en-US" sz="4400" b="0" strike="noStrike" spc="-1">
               <a:latin typeface="Arial"/>
             </a:endParaRPr>
           </a:p>
@@ -896,11 +1029,12 @@
           </a:ln>
         </p:spPr>
         <p:txBody>
-          <a:bodyPr lIns="0" rIns="0" tIns="0" bIns="0" anchor="t">
+          <a:bodyPr lIns="0" tIns="0" rIns="0" bIns="0" anchor="t">
             <a:normAutofit/>
           </a:bodyPr>
+          <a:lstStyle/>
           <a:p>
-            <a:endParaRPr b="0" lang="en-US" sz="3200" spc="-1" strike="noStrike">
+            <a:endParaRPr lang="en-US" sz="3200" b="0" strike="noStrike" spc="-1">
               <a:latin typeface="Arial"/>
             </a:endParaRPr>
           </a:p>
@@ -930,11 +1064,12 @@
           </a:ln>
         </p:spPr>
         <p:txBody>
-          <a:bodyPr lIns="0" rIns="0" tIns="0" bIns="0" anchor="t">
+          <a:bodyPr lIns="0" tIns="0" rIns="0" bIns="0" anchor="t">
             <a:normAutofit/>
           </a:bodyPr>
+          <a:lstStyle/>
           <a:p>
-            <a:endParaRPr b="0" lang="en-US" sz="3200" spc="-1" strike="noStrike">
+            <a:endParaRPr lang="en-US" sz="3200" b="0" strike="noStrike" spc="-1">
               <a:latin typeface="Arial"/>
             </a:endParaRPr>
           </a:p>
@@ -942,11 +1077,14 @@
       </p:sp>
     </p:spTree>
   </p:cSld>
+  <p:clrMapOvr>
+    <a:masterClrMapping/>
+  </p:clrMapOvr>
 </p:sldLayout>
 </file>
 
 <file path=ppt/slideLayouts/slideLayout5.xml><?xml version="1.0" encoding="utf-8"?>
-<p:sldLayout xmlns:a="http://schemas.openxmlformats.org/drawingml/2006/main" xmlns:p="http://schemas.openxmlformats.org/presentationml/2006/main" xmlns:r="http://schemas.openxmlformats.org/officeDocument/2006/relationships" xmlns:p14="http://schemas.microsoft.com/office/powerpoint/2010/main" xmlns:p15="http://schemas.microsoft.com/office/powerpoint/2012/main" xmlns:mc="http://schemas.openxmlformats.org/markup-compatibility/2006" type="titleOnly" preserve="1">
+<p:sldLayout xmlns:a="http://schemas.openxmlformats.org/drawingml/2006/main" xmlns:r="http://schemas.openxmlformats.org/officeDocument/2006/relationships" xmlns:p="http://schemas.openxmlformats.org/presentationml/2006/main" type="titleOnly" preserve="1">
   <p:cSld name="Title Only">
     <p:spTree>
       <p:nvGrpSpPr>
@@ -986,14 +1124,15 @@
           </a:ln>
         </p:spPr>
         <p:txBody>
-          <a:bodyPr lIns="0" rIns="0" tIns="0" bIns="0" anchor="ctr">
+          <a:bodyPr lIns="0" tIns="0" rIns="0" bIns="0" anchor="ctr">
             <a:noAutofit/>
           </a:bodyPr>
+          <a:lstStyle/>
           <a:p>
             <a:pPr algn="ctr">
               <a:buNone/>
             </a:pPr>
-            <a:endParaRPr b="0" lang="en-US" sz="4400" spc="-1" strike="noStrike">
+            <a:endParaRPr lang="en-US" sz="4400" b="0" strike="noStrike" spc="-1">
               <a:latin typeface="Arial"/>
             </a:endParaRPr>
           </a:p>
@@ -1001,11 +1140,14 @@
       </p:sp>
     </p:spTree>
   </p:cSld>
+  <p:clrMapOvr>
+    <a:masterClrMapping/>
+  </p:clrMapOvr>
 </p:sldLayout>
 </file>
 
 <file path=ppt/slideLayouts/slideLayout6.xml><?xml version="1.0" encoding="utf-8"?>
-<p:sldLayout xmlns:a="http://schemas.openxmlformats.org/drawingml/2006/main" xmlns:p="http://schemas.openxmlformats.org/presentationml/2006/main" xmlns:r="http://schemas.openxmlformats.org/officeDocument/2006/relationships" xmlns:p14="http://schemas.microsoft.com/office/powerpoint/2010/main" xmlns:p15="http://schemas.microsoft.com/office/powerpoint/2012/main" xmlns:mc="http://schemas.openxmlformats.org/markup-compatibility/2006" type="objOnly" preserve="1">
+<p:sldLayout xmlns:a="http://schemas.openxmlformats.org/drawingml/2006/main" xmlns:r="http://schemas.openxmlformats.org/officeDocument/2006/relationships" xmlns:p="http://schemas.openxmlformats.org/presentationml/2006/main" type="objOnly" preserve="1">
   <p:cSld name="Centered Text">
     <p:spTree>
       <p:nvGrpSpPr>
@@ -1045,14 +1187,15 @@
           </a:ln>
         </p:spPr>
         <p:txBody>
-          <a:bodyPr lIns="0" rIns="0" tIns="0" bIns="0" anchor="ctr">
+          <a:bodyPr lIns="0" tIns="0" rIns="0" bIns="0" anchor="ctr">
             <a:noAutofit/>
           </a:bodyPr>
+          <a:lstStyle/>
           <a:p>
             <a:pPr algn="ctr">
               <a:buNone/>
             </a:pPr>
-            <a:endParaRPr b="0" lang="en-US" sz="3200" spc="-1" strike="noStrike">
+            <a:endParaRPr lang="en-US" sz="3200" b="0" strike="noStrike" spc="-1">
               <a:latin typeface="Arial"/>
             </a:endParaRPr>
           </a:p>
@@ -1060,11 +1203,14 @@
       </p:sp>
     </p:spTree>
   </p:cSld>
+  <p:clrMapOvr>
+    <a:masterClrMapping/>
+  </p:clrMapOvr>
 </p:sldLayout>
 </file>
 
 <file path=ppt/slideLayouts/slideLayout7.xml><?xml version="1.0" encoding="utf-8"?>
-<p:sldLayout xmlns:a="http://schemas.openxmlformats.org/drawingml/2006/main" xmlns:p="http://schemas.openxmlformats.org/presentationml/2006/main" xmlns:r="http://schemas.openxmlformats.org/officeDocument/2006/relationships" xmlns:p14="http://schemas.microsoft.com/office/powerpoint/2010/main" xmlns:p15="http://schemas.microsoft.com/office/powerpoint/2012/main" xmlns:mc="http://schemas.openxmlformats.org/markup-compatibility/2006" type="twoObjAndObj" preserve="1">
+<p:sldLayout xmlns:a="http://schemas.openxmlformats.org/drawingml/2006/main" xmlns:r="http://schemas.openxmlformats.org/officeDocument/2006/relationships" xmlns:p="http://schemas.openxmlformats.org/presentationml/2006/main" type="twoObjAndObj" preserve="1">
   <p:cSld name="Title, 2 Content and Content">
     <p:spTree>
       <p:nvGrpSpPr>
@@ -1104,14 +1250,15 @@
           </a:ln>
         </p:spPr>
         <p:txBody>
-          <a:bodyPr lIns="0" rIns="0" tIns="0" bIns="0" anchor="ctr">
+          <a:bodyPr lIns="0" tIns="0" rIns="0" bIns="0" anchor="ctr">
             <a:noAutofit/>
           </a:bodyPr>
+          <a:lstStyle/>
           <a:p>
             <a:pPr algn="ctr">
               <a:buNone/>
             </a:pPr>
-            <a:endParaRPr b="0" lang="en-US" sz="4400" spc="-1" strike="noStrike">
+            <a:endParaRPr lang="en-US" sz="4400" b="0" strike="noStrike" spc="-1">
               <a:latin typeface="Arial"/>
             </a:endParaRPr>
           </a:p>
@@ -1141,11 +1288,12 @@
           </a:ln>
         </p:spPr>
         <p:txBody>
-          <a:bodyPr lIns="0" rIns="0" tIns="0" bIns="0" anchor="t">
+          <a:bodyPr lIns="0" tIns="0" rIns="0" bIns="0" anchor="t">
             <a:normAutofit/>
           </a:bodyPr>
+          <a:lstStyle/>
           <a:p>
-            <a:endParaRPr b="0" lang="en-US" sz="3200" spc="-1" strike="noStrike">
+            <a:endParaRPr lang="en-US" sz="3200" b="0" strike="noStrike" spc="-1">
               <a:latin typeface="Arial"/>
             </a:endParaRPr>
           </a:p>
@@ -1175,11 +1323,12 @@
           </a:ln>
         </p:spPr>
         <p:txBody>
-          <a:bodyPr lIns="0" rIns="0" tIns="0" bIns="0" anchor="t">
+          <a:bodyPr lIns="0" tIns="0" rIns="0" bIns="0" anchor="t">
             <a:normAutofit/>
           </a:bodyPr>
+          <a:lstStyle/>
           <a:p>
-            <a:endParaRPr b="0" lang="en-US" sz="3200" spc="-1" strike="noStrike">
+            <a:endParaRPr lang="en-US" sz="3200" b="0" strike="noStrike" spc="-1">
               <a:latin typeface="Arial"/>
             </a:endParaRPr>
           </a:p>
@@ -1209,11 +1358,12 @@
           </a:ln>
         </p:spPr>
         <p:txBody>
-          <a:bodyPr lIns="0" rIns="0" tIns="0" bIns="0" anchor="t">
+          <a:bodyPr lIns="0" tIns="0" rIns="0" bIns="0" anchor="t">
             <a:normAutofit/>
           </a:bodyPr>
+          <a:lstStyle/>
           <a:p>
-            <a:endParaRPr b="0" lang="en-US" sz="3200" spc="-1" strike="noStrike">
+            <a:endParaRPr lang="en-US" sz="3200" b="0" strike="noStrike" spc="-1">
               <a:latin typeface="Arial"/>
             </a:endParaRPr>
           </a:p>
@@ -1221,11 +1371,14 @@
       </p:sp>
     </p:spTree>
   </p:cSld>
+  <p:clrMapOvr>
+    <a:masterClrMapping/>
+  </p:clrMapOvr>
 </p:sldLayout>
 </file>
 
 <file path=ppt/slideLayouts/slideLayout8.xml><?xml version="1.0" encoding="utf-8"?>
-<p:sldLayout xmlns:a="http://schemas.openxmlformats.org/drawingml/2006/main" xmlns:p="http://schemas.openxmlformats.org/presentationml/2006/main" xmlns:r="http://schemas.openxmlformats.org/officeDocument/2006/relationships" xmlns:p14="http://schemas.microsoft.com/office/powerpoint/2010/main" xmlns:p15="http://schemas.microsoft.com/office/powerpoint/2012/main" xmlns:mc="http://schemas.openxmlformats.org/markup-compatibility/2006" type="objAndTwoObj" preserve="1">
+<p:sldLayout xmlns:a="http://schemas.openxmlformats.org/drawingml/2006/main" xmlns:r="http://schemas.openxmlformats.org/officeDocument/2006/relationships" xmlns:p="http://schemas.openxmlformats.org/presentationml/2006/main" type="objAndTwoObj" preserve="1">
   <p:cSld name="Title Content and 2 Content">
     <p:spTree>
       <p:nvGrpSpPr>
@@ -1265,14 +1418,15 @@
           </a:ln>
         </p:spPr>
         <p:txBody>
-          <a:bodyPr lIns="0" rIns="0" tIns="0" bIns="0" anchor="ctr">
+          <a:bodyPr lIns="0" tIns="0" rIns="0" bIns="0" anchor="ctr">
             <a:noAutofit/>
           </a:bodyPr>
+          <a:lstStyle/>
           <a:p>
             <a:pPr algn="ctr">
               <a:buNone/>
             </a:pPr>
-            <a:endParaRPr b="0" lang="en-US" sz="4400" spc="-1" strike="noStrike">
+            <a:endParaRPr lang="en-US" sz="4400" b="0" strike="noStrike" spc="-1">
               <a:latin typeface="Arial"/>
             </a:endParaRPr>
           </a:p>
@@ -1302,11 +1456,12 @@
           </a:ln>
         </p:spPr>
         <p:txBody>
-          <a:bodyPr lIns="0" rIns="0" tIns="0" bIns="0" anchor="t">
+          <a:bodyPr lIns="0" tIns="0" rIns="0" bIns="0" anchor="t">
             <a:normAutofit/>
           </a:bodyPr>
+          <a:lstStyle/>
           <a:p>
-            <a:endParaRPr b="0" lang="en-US" sz="3200" spc="-1" strike="noStrike">
+            <a:endParaRPr lang="en-US" sz="3200" b="0" strike="noStrike" spc="-1">
               <a:latin typeface="Arial"/>
             </a:endParaRPr>
           </a:p>
@@ -1336,11 +1491,12 @@
           </a:ln>
         </p:spPr>
         <p:txBody>
-          <a:bodyPr lIns="0" rIns="0" tIns="0" bIns="0" anchor="t">
+          <a:bodyPr lIns="0" tIns="0" rIns="0" bIns="0" anchor="t">
             <a:normAutofit/>
           </a:bodyPr>
+          <a:lstStyle/>
           <a:p>
-            <a:endParaRPr b="0" lang="en-US" sz="3200" spc="-1" strike="noStrike">
+            <a:endParaRPr lang="en-US" sz="3200" b="0" strike="noStrike" spc="-1">
               <a:latin typeface="Arial"/>
             </a:endParaRPr>
           </a:p>
@@ -1370,11 +1526,12 @@
           </a:ln>
         </p:spPr>
         <p:txBody>
-          <a:bodyPr lIns="0" rIns="0" tIns="0" bIns="0" anchor="t">
+          <a:bodyPr lIns="0" tIns="0" rIns="0" bIns="0" anchor="t">
             <a:normAutofit/>
           </a:bodyPr>
+          <a:lstStyle/>
           <a:p>
-            <a:endParaRPr b="0" lang="en-US" sz="3200" spc="-1" strike="noStrike">
+            <a:endParaRPr lang="en-US" sz="3200" b="0" strike="noStrike" spc="-1">
               <a:latin typeface="Arial"/>
             </a:endParaRPr>
           </a:p>
@@ -1382,11 +1539,14 @@
       </p:sp>
     </p:spTree>
   </p:cSld>
+  <p:clrMapOvr>
+    <a:masterClrMapping/>
+  </p:clrMapOvr>
 </p:sldLayout>
 </file>
 
 <file path=ppt/slideLayouts/slideLayout9.xml><?xml version="1.0" encoding="utf-8"?>
-<p:sldLayout xmlns:a="http://schemas.openxmlformats.org/drawingml/2006/main" xmlns:p="http://schemas.openxmlformats.org/presentationml/2006/main" xmlns:r="http://schemas.openxmlformats.org/officeDocument/2006/relationships" xmlns:p14="http://schemas.microsoft.com/office/powerpoint/2010/main" xmlns:p15="http://schemas.microsoft.com/office/powerpoint/2012/main" xmlns:mc="http://schemas.openxmlformats.org/markup-compatibility/2006" type="twoObjOverTx" preserve="1">
+<p:sldLayout xmlns:a="http://schemas.openxmlformats.org/drawingml/2006/main" xmlns:r="http://schemas.openxmlformats.org/officeDocument/2006/relationships" xmlns:p="http://schemas.openxmlformats.org/presentationml/2006/main" type="twoObjOverTx" preserve="1">
   <p:cSld name="Title, 2 Content over Content">
     <p:spTree>
       <p:nvGrpSpPr>
@@ -1426,14 +1586,15 @@
           </a:ln>
         </p:spPr>
         <p:txBody>
-          <a:bodyPr lIns="0" rIns="0" tIns="0" bIns="0" anchor="ctr">
+          <a:bodyPr lIns="0" tIns="0" rIns="0" bIns="0" anchor="ctr">
             <a:noAutofit/>
           </a:bodyPr>
+          <a:lstStyle/>
           <a:p>
             <a:pPr algn="ctr">
               <a:buNone/>
             </a:pPr>
-            <a:endParaRPr b="0" lang="en-US" sz="4400" spc="-1" strike="noStrike">
+            <a:endParaRPr lang="en-US" sz="4400" b="0" strike="noStrike" spc="-1">
               <a:latin typeface="Arial"/>
             </a:endParaRPr>
           </a:p>
@@ -1463,11 +1624,12 @@
           </a:ln>
         </p:spPr>
         <p:txBody>
-          <a:bodyPr lIns="0" rIns="0" tIns="0" bIns="0" anchor="t">
+          <a:bodyPr lIns="0" tIns="0" rIns="0" bIns="0" anchor="t">
             <a:normAutofit/>
           </a:bodyPr>
+          <a:lstStyle/>
           <a:p>
-            <a:endParaRPr b="0" lang="en-US" sz="3200" spc="-1" strike="noStrike">
+            <a:endParaRPr lang="en-US" sz="3200" b="0" strike="noStrike" spc="-1">
               <a:latin typeface="Arial"/>
             </a:endParaRPr>
           </a:p>
@@ -1497,11 +1659,12 @@
           </a:ln>
         </p:spPr>
         <p:txBody>
-          <a:bodyPr lIns="0" rIns="0" tIns="0" bIns="0" anchor="t">
+          <a:bodyPr lIns="0" tIns="0" rIns="0" bIns="0" anchor="t">
             <a:normAutofit/>
           </a:bodyPr>
+          <a:lstStyle/>
           <a:p>
-            <a:endParaRPr b="0" lang="en-US" sz="3200" spc="-1" strike="noStrike">
+            <a:endParaRPr lang="en-US" sz="3200" b="0" strike="noStrike" spc="-1">
               <a:latin typeface="Arial"/>
             </a:endParaRPr>
           </a:p>
@@ -1531,11 +1694,12 @@
           </a:ln>
         </p:spPr>
         <p:txBody>
-          <a:bodyPr lIns="0" rIns="0" tIns="0" bIns="0" anchor="t">
+          <a:bodyPr lIns="0" tIns="0" rIns="0" bIns="0" anchor="t">
             <a:normAutofit/>
           </a:bodyPr>
+          <a:lstStyle/>
           <a:p>
-            <a:endParaRPr b="0" lang="en-US" sz="3200" spc="-1" strike="noStrike">
+            <a:endParaRPr lang="en-US" sz="3200" b="0" strike="noStrike" spc="-1">
               <a:latin typeface="Arial"/>
             </a:endParaRPr>
           </a:p>
@@ -1543,17 +1707,21 @@
       </p:sp>
     </p:spTree>
   </p:cSld>
+  <p:clrMapOvr>
+    <a:masterClrMapping/>
+  </p:clrMapOvr>
 </p:sldLayout>
 </file>
 
 <file path=ppt/slideMasters/slideMaster1.xml><?xml version="1.0" encoding="utf-8"?>
-<p:sldMaster xmlns:a="http://schemas.openxmlformats.org/drawingml/2006/main" xmlns:p="http://schemas.openxmlformats.org/presentationml/2006/main" xmlns:r="http://schemas.openxmlformats.org/officeDocument/2006/relationships" xmlns:p14="http://schemas.microsoft.com/office/powerpoint/2010/main" xmlns:p15="http://schemas.microsoft.com/office/powerpoint/2012/main" xmlns:mc="http://schemas.openxmlformats.org/markup-compatibility/2006">
+<p:sldMaster xmlns:a="http://schemas.openxmlformats.org/drawingml/2006/main" xmlns:r="http://schemas.openxmlformats.org/officeDocument/2006/relationships" xmlns:p="http://schemas.openxmlformats.org/presentationml/2006/main">
   <p:cSld>
     <p:bg>
       <p:bgPr>
         <a:solidFill>
-          <a:srgbClr val="ffffff"/>
+          <a:srgbClr val="FFFFFF"/>
         </a:solidFill>
+        <a:effectLst/>
       </p:bgPr>
     </p:bg>
     <p:spTree>
@@ -1572,7 +1740,7 @@
       </p:grpSpPr>
       <p:sp>
         <p:nvSpPr>
-          <p:cNvPr id="0" name="PlaceHolder 1"/>
+          <p:cNvPr id="2" name="PlaceHolder 1"/>
           <p:cNvSpPr>
             <a:spLocks noGrp="1"/>
           </p:cNvSpPr>
@@ -1594,37 +1762,23 @@
           </a:ln>
         </p:spPr>
         <p:txBody>
-          <a:bodyPr lIns="0" rIns="0" tIns="0" bIns="0" anchor="ctr">
+          <a:bodyPr lIns="0" tIns="0" rIns="0" bIns="0" anchor="ctr">
             <a:noAutofit/>
           </a:bodyPr>
+          <a:lstStyle/>
           <a:p>
             <a:r>
-              <a:rPr b="0" lang="en-US" sz="1800" spc="-1" strike="noStrike">
+              <a:rPr lang="en-US" sz="1800" b="0" strike="noStrike" spc="-1">
                 <a:latin typeface="Arial"/>
               </a:rPr>
-              <a:t>Click to edit </a:t>
+              <a:t>Click to edit the title text format</a:t>
             </a:r>
-            <a:r>
-              <a:rPr b="0" lang="en-US" sz="1800" spc="-1" strike="noStrike">
-                <a:latin typeface="Arial"/>
-              </a:rPr>
-              <a:t>the title text </a:t>
-            </a:r>
-            <a:r>
-              <a:rPr b="0" lang="en-US" sz="1800" spc="-1" strike="noStrike">
-                <a:latin typeface="Arial"/>
-              </a:rPr>
-              <a:t>format</a:t>
-            </a:r>
-            <a:endParaRPr b="0" lang="en-US" sz="1800" spc="-1" strike="noStrike">
-              <a:latin typeface="Arial"/>
-            </a:endParaRPr>
           </a:p>
         </p:txBody>
       </p:sp>
       <p:sp>
         <p:nvSpPr>
-          <p:cNvPr id="1" name="PlaceHolder 2"/>
+          <p:cNvPr id="3" name="PlaceHolder 2"/>
           <p:cNvSpPr>
             <a:spLocks noGrp="1"/>
           </p:cNvSpPr>
@@ -1646,9 +1800,10 @@
           </a:ln>
         </p:spPr>
         <p:txBody>
-          <a:bodyPr lIns="0" rIns="0" tIns="0" bIns="0" anchor="t">
+          <a:bodyPr lIns="0" tIns="0" rIns="0" bIns="0" anchor="t">
             <a:normAutofit/>
           </a:bodyPr>
+          <a:lstStyle/>
           <a:p>
             <a:pPr marL="432000" indent="-324000">
               <a:spcBef>
@@ -1662,17 +1817,14 @@
               <a:buChar char=""/>
             </a:pPr>
             <a:r>
-              <a:rPr b="0" lang="en-US" sz="3200" spc="-1" strike="noStrike">
+              <a:rPr lang="en-US" sz="3200" b="0" strike="noStrike" spc="-1">
                 <a:latin typeface="Arial"/>
               </a:rPr>
               <a:t>Click to edit the outline text format</a:t>
             </a:r>
-            <a:endParaRPr b="0" lang="en-US" sz="3200" spc="-1" strike="noStrike">
-              <a:latin typeface="Arial"/>
-            </a:endParaRPr>
           </a:p>
           <a:p>
-            <a:pPr lvl="1" marL="864000" indent="-324000">
+            <a:pPr marL="864000" lvl="1" indent="-324000">
               <a:spcBef>
                 <a:spcPts val="1134"/>
               </a:spcBef>
@@ -1684,17 +1836,14 @@
               <a:buChar char=""/>
             </a:pPr>
             <a:r>
-              <a:rPr b="0" lang="en-US" sz="2800" spc="-1" strike="noStrike">
+              <a:rPr lang="en-US" sz="2800" b="0" strike="noStrike" spc="-1">
                 <a:latin typeface="Arial"/>
               </a:rPr>
               <a:t>Second Outline Level</a:t>
             </a:r>
-            <a:endParaRPr b="0" lang="en-US" sz="2800" spc="-1" strike="noStrike">
-              <a:latin typeface="Arial"/>
-            </a:endParaRPr>
           </a:p>
           <a:p>
-            <a:pPr lvl="2" marL="1296000" indent="-288000">
+            <a:pPr marL="1296000" lvl="2" indent="-288000">
               <a:spcBef>
                 <a:spcPts val="850"/>
               </a:spcBef>
@@ -1706,17 +1855,14 @@
               <a:buChar char=""/>
             </a:pPr>
             <a:r>
-              <a:rPr b="0" lang="en-US" sz="2400" spc="-1" strike="noStrike">
+              <a:rPr lang="en-US" sz="2400" b="0" strike="noStrike" spc="-1">
                 <a:latin typeface="Arial"/>
               </a:rPr>
               <a:t>Third Outline Level</a:t>
             </a:r>
-            <a:endParaRPr b="0" lang="en-US" sz="2400" spc="-1" strike="noStrike">
-              <a:latin typeface="Arial"/>
-            </a:endParaRPr>
           </a:p>
           <a:p>
-            <a:pPr lvl="3" marL="1728000" indent="-216000">
+            <a:pPr marL="1728000" lvl="3" indent="-216000">
               <a:spcBef>
                 <a:spcPts val="567"/>
               </a:spcBef>
@@ -1728,17 +1874,14 @@
               <a:buChar char=""/>
             </a:pPr>
             <a:r>
-              <a:rPr b="0" lang="en-US" sz="2000" spc="-1" strike="noStrike">
+              <a:rPr lang="en-US" sz="2000" b="0" strike="noStrike" spc="-1">
                 <a:latin typeface="Arial"/>
               </a:rPr>
               <a:t>Fourth Outline Level</a:t>
             </a:r>
-            <a:endParaRPr b="0" lang="en-US" sz="2000" spc="-1" strike="noStrike">
-              <a:latin typeface="Arial"/>
-            </a:endParaRPr>
           </a:p>
           <a:p>
-            <a:pPr lvl="4" marL="2160000" indent="-216000">
+            <a:pPr marL="2160000" lvl="4" indent="-216000">
               <a:spcBef>
                 <a:spcPts val="283"/>
               </a:spcBef>
@@ -1750,17 +1893,14 @@
               <a:buChar char=""/>
             </a:pPr>
             <a:r>
-              <a:rPr b="0" lang="en-US" sz="2000" spc="-1" strike="noStrike">
+              <a:rPr lang="en-US" sz="2000" b="0" strike="noStrike" spc="-1">
                 <a:latin typeface="Arial"/>
               </a:rPr>
               <a:t>Fifth Outline Level</a:t>
             </a:r>
-            <a:endParaRPr b="0" lang="en-US" sz="2000" spc="-1" strike="noStrike">
-              <a:latin typeface="Arial"/>
-            </a:endParaRPr>
           </a:p>
           <a:p>
-            <a:pPr lvl="5" marL="2592000" indent="-216000">
+            <a:pPr marL="2592000" lvl="5" indent="-216000">
               <a:spcBef>
                 <a:spcPts val="283"/>
               </a:spcBef>
@@ -1772,17 +1912,14 @@
               <a:buChar char=""/>
             </a:pPr>
             <a:r>
-              <a:rPr b="0" lang="en-US" sz="2000" spc="-1" strike="noStrike">
+              <a:rPr lang="en-US" sz="2000" b="0" strike="noStrike" spc="-1">
                 <a:latin typeface="Arial"/>
               </a:rPr>
               <a:t>Sixth Outline Level</a:t>
             </a:r>
-            <a:endParaRPr b="0" lang="en-US" sz="2000" spc="-1" strike="noStrike">
-              <a:latin typeface="Arial"/>
-            </a:endParaRPr>
           </a:p>
           <a:p>
-            <a:pPr lvl="6" marL="3024000" indent="-216000">
+            <a:pPr marL="3024000" lvl="6" indent="-216000">
               <a:spcBef>
                 <a:spcPts val="283"/>
               </a:spcBef>
@@ -1794,39 +1931,316 @@
               <a:buChar char=""/>
             </a:pPr>
             <a:r>
-              <a:rPr b="0" lang="en-US" sz="2000" spc="-1" strike="noStrike">
+              <a:rPr lang="en-US" sz="2000" b="0" strike="noStrike" spc="-1">
                 <a:latin typeface="Arial"/>
               </a:rPr>
               <a:t>Seventh Outline Level</a:t>
             </a:r>
-            <a:endParaRPr b="0" lang="en-US" sz="2000" spc="-1" strike="noStrike">
-              <a:latin typeface="Arial"/>
-            </a:endParaRPr>
           </a:p>
         </p:txBody>
       </p:sp>
     </p:spTree>
   </p:cSld>
-  <p:clrMap bg1="lt1" bg2="lt2" tx1="dk1" tx2="dk2" accent1="accent1" accent2="accent2" accent3="accent3" accent4="accent4" accent5="accent5" accent6="accent6" hlink="hlink" folHlink="folHlink"/>
+  <p:clrMap bg1="lt1" tx1="dk1" bg2="lt2" tx2="dk2" accent1="accent1" accent2="accent2" accent3="accent3" accent4="accent4" accent5="accent5" accent6="accent6" hlink="hlink" folHlink="folHlink"/>
   <p:sldLayoutIdLst>
-    <p:sldLayoutId id="2147483649" r:id="rId2"/>
-    <p:sldLayoutId id="2147483650" r:id="rId3"/>
-    <p:sldLayoutId id="2147483651" r:id="rId4"/>
-    <p:sldLayoutId id="2147483652" r:id="rId5"/>
-    <p:sldLayoutId id="2147483653" r:id="rId6"/>
-    <p:sldLayoutId id="2147483654" r:id="rId7"/>
-    <p:sldLayoutId id="2147483655" r:id="rId8"/>
-    <p:sldLayoutId id="2147483656" r:id="rId9"/>
-    <p:sldLayoutId id="2147483657" r:id="rId10"/>
-    <p:sldLayoutId id="2147483658" r:id="rId11"/>
-    <p:sldLayoutId id="2147483659" r:id="rId12"/>
-    <p:sldLayoutId id="2147483660" r:id="rId13"/>
+    <p:sldLayoutId id="2147483649" r:id="rId1"/>
+    <p:sldLayoutId id="2147483650" r:id="rId2"/>
+    <p:sldLayoutId id="2147483651" r:id="rId3"/>
+    <p:sldLayoutId id="2147483652" r:id="rId4"/>
+    <p:sldLayoutId id="2147483653" r:id="rId5"/>
+    <p:sldLayoutId id="2147483654" r:id="rId6"/>
+    <p:sldLayoutId id="2147483655" r:id="rId7"/>
+    <p:sldLayoutId id="2147483656" r:id="rId8"/>
+    <p:sldLayoutId id="2147483657" r:id="rId9"/>
+    <p:sldLayoutId id="2147483658" r:id="rId10"/>
+    <p:sldLayoutId id="2147483659" r:id="rId11"/>
+    <p:sldLayoutId id="2147483660" r:id="rId12"/>
   </p:sldLayoutIdLst>
+  <p:txStyles>
+    <p:titleStyle>
+      <a:lvl1pPr algn="l" defTabSz="914400" rtl="0" eaLnBrk="1" latinLnBrk="1" hangingPunct="1">
+        <a:lnSpc>
+          <a:spcPct val="90000"/>
+        </a:lnSpc>
+        <a:spcBef>
+          <a:spcPct val="0"/>
+        </a:spcBef>
+        <a:buNone/>
+        <a:defRPr sz="4400" kern="1200">
+          <a:solidFill>
+            <a:schemeClr val="tx1"/>
+          </a:solidFill>
+          <a:latin typeface="+mj-lt"/>
+          <a:ea typeface="+mj-ea"/>
+          <a:cs typeface="+mj-cs"/>
+        </a:defRPr>
+      </a:lvl1pPr>
+    </p:titleStyle>
+    <p:bodyStyle>
+      <a:lvl1pPr marL="228600" indent="-228600" algn="l" defTabSz="914400" rtl="0" eaLnBrk="1" latinLnBrk="1" hangingPunct="1">
+        <a:lnSpc>
+          <a:spcPct val="90000"/>
+        </a:lnSpc>
+        <a:spcBef>
+          <a:spcPts val="1000"/>
+        </a:spcBef>
+        <a:buFont typeface="Arial" panose="020B0604020202020204" pitchFamily="34" charset="0"/>
+        <a:buChar char="•"/>
+        <a:defRPr sz="2800" kern="1200">
+          <a:solidFill>
+            <a:schemeClr val="tx1"/>
+          </a:solidFill>
+          <a:latin typeface="+mn-lt"/>
+          <a:ea typeface="+mn-ea"/>
+          <a:cs typeface="+mn-cs"/>
+        </a:defRPr>
+      </a:lvl1pPr>
+      <a:lvl2pPr marL="685800" indent="-228600" algn="l" defTabSz="914400" rtl="0" eaLnBrk="1" latinLnBrk="1" hangingPunct="1">
+        <a:lnSpc>
+          <a:spcPct val="90000"/>
+        </a:lnSpc>
+        <a:spcBef>
+          <a:spcPts val="500"/>
+        </a:spcBef>
+        <a:buFont typeface="Arial" panose="020B0604020202020204" pitchFamily="34" charset="0"/>
+        <a:buChar char="•"/>
+        <a:defRPr sz="2400" kern="1200">
+          <a:solidFill>
+            <a:schemeClr val="tx1"/>
+          </a:solidFill>
+          <a:latin typeface="+mn-lt"/>
+          <a:ea typeface="+mn-ea"/>
+          <a:cs typeface="+mn-cs"/>
+        </a:defRPr>
+      </a:lvl2pPr>
+      <a:lvl3pPr marL="1143000" indent="-228600" algn="l" defTabSz="914400" rtl="0" eaLnBrk="1" latinLnBrk="1" hangingPunct="1">
+        <a:lnSpc>
+          <a:spcPct val="90000"/>
+        </a:lnSpc>
+        <a:spcBef>
+          <a:spcPts val="500"/>
+        </a:spcBef>
+        <a:buFont typeface="Arial" panose="020B0604020202020204" pitchFamily="34" charset="0"/>
+        <a:buChar char="•"/>
+        <a:defRPr sz="2000" kern="1200">
+          <a:solidFill>
+            <a:schemeClr val="tx1"/>
+          </a:solidFill>
+          <a:latin typeface="+mn-lt"/>
+          <a:ea typeface="+mn-ea"/>
+          <a:cs typeface="+mn-cs"/>
+        </a:defRPr>
+      </a:lvl3pPr>
+      <a:lvl4pPr marL="1600200" indent="-228600" algn="l" defTabSz="914400" rtl="0" eaLnBrk="1" latinLnBrk="1" hangingPunct="1">
+        <a:lnSpc>
+          <a:spcPct val="90000"/>
+        </a:lnSpc>
+        <a:spcBef>
+          <a:spcPts val="500"/>
+        </a:spcBef>
+        <a:buFont typeface="Arial" panose="020B0604020202020204" pitchFamily="34" charset="0"/>
+        <a:buChar char="•"/>
+        <a:defRPr sz="1800" kern="1200">
+          <a:solidFill>
+            <a:schemeClr val="tx1"/>
+          </a:solidFill>
+          <a:latin typeface="+mn-lt"/>
+          <a:ea typeface="+mn-ea"/>
+          <a:cs typeface="+mn-cs"/>
+        </a:defRPr>
+      </a:lvl4pPr>
+      <a:lvl5pPr marL="2057400" indent="-228600" algn="l" defTabSz="914400" rtl="0" eaLnBrk="1" latinLnBrk="1" hangingPunct="1">
+        <a:lnSpc>
+          <a:spcPct val="90000"/>
+        </a:lnSpc>
+        <a:spcBef>
+          <a:spcPts val="500"/>
+        </a:spcBef>
+        <a:buFont typeface="Arial" panose="020B0604020202020204" pitchFamily="34" charset="0"/>
+        <a:buChar char="•"/>
+        <a:defRPr sz="1800" kern="1200">
+          <a:solidFill>
+            <a:schemeClr val="tx1"/>
+          </a:solidFill>
+          <a:latin typeface="+mn-lt"/>
+          <a:ea typeface="+mn-ea"/>
+          <a:cs typeface="+mn-cs"/>
+        </a:defRPr>
+      </a:lvl5pPr>
+      <a:lvl6pPr marL="2514600" indent="-228600" algn="l" defTabSz="914400" rtl="0" eaLnBrk="1" latinLnBrk="1" hangingPunct="1">
+        <a:lnSpc>
+          <a:spcPct val="90000"/>
+        </a:lnSpc>
+        <a:spcBef>
+          <a:spcPts val="500"/>
+        </a:spcBef>
+        <a:buFont typeface="Arial" panose="020B0604020202020204" pitchFamily="34" charset="0"/>
+        <a:buChar char="•"/>
+        <a:defRPr sz="1800" kern="1200">
+          <a:solidFill>
+            <a:schemeClr val="tx1"/>
+          </a:solidFill>
+          <a:latin typeface="+mn-lt"/>
+          <a:ea typeface="+mn-ea"/>
+          <a:cs typeface="+mn-cs"/>
+        </a:defRPr>
+      </a:lvl6pPr>
+      <a:lvl7pPr marL="2971800" indent="-228600" algn="l" defTabSz="914400" rtl="0" eaLnBrk="1" latinLnBrk="1" hangingPunct="1">
+        <a:lnSpc>
+          <a:spcPct val="90000"/>
+        </a:lnSpc>
+        <a:spcBef>
+          <a:spcPts val="500"/>
+        </a:spcBef>
+        <a:buFont typeface="Arial" panose="020B0604020202020204" pitchFamily="34" charset="0"/>
+        <a:buChar char="•"/>
+        <a:defRPr sz="1800" kern="1200">
+          <a:solidFill>
+            <a:schemeClr val="tx1"/>
+          </a:solidFill>
+          <a:latin typeface="+mn-lt"/>
+          <a:ea typeface="+mn-ea"/>
+          <a:cs typeface="+mn-cs"/>
+        </a:defRPr>
+      </a:lvl7pPr>
+      <a:lvl8pPr marL="3429000" indent="-228600" algn="l" defTabSz="914400" rtl="0" eaLnBrk="1" latinLnBrk="1" hangingPunct="1">
+        <a:lnSpc>
+          <a:spcPct val="90000"/>
+        </a:lnSpc>
+        <a:spcBef>
+          <a:spcPts val="500"/>
+        </a:spcBef>
+        <a:buFont typeface="Arial" panose="020B0604020202020204" pitchFamily="34" charset="0"/>
+        <a:buChar char="•"/>
+        <a:defRPr sz="1800" kern="1200">
+          <a:solidFill>
+            <a:schemeClr val="tx1"/>
+          </a:solidFill>
+          <a:latin typeface="+mn-lt"/>
+          <a:ea typeface="+mn-ea"/>
+          <a:cs typeface="+mn-cs"/>
+        </a:defRPr>
+      </a:lvl8pPr>
+      <a:lvl9pPr marL="3886200" indent="-228600" algn="l" defTabSz="914400" rtl="0" eaLnBrk="1" latinLnBrk="1" hangingPunct="1">
+        <a:lnSpc>
+          <a:spcPct val="90000"/>
+        </a:lnSpc>
+        <a:spcBef>
+          <a:spcPts val="500"/>
+        </a:spcBef>
+        <a:buFont typeface="Arial" panose="020B0604020202020204" pitchFamily="34" charset="0"/>
+        <a:buChar char="•"/>
+        <a:defRPr sz="1800" kern="1200">
+          <a:solidFill>
+            <a:schemeClr val="tx1"/>
+          </a:solidFill>
+          <a:latin typeface="+mn-lt"/>
+          <a:ea typeface="+mn-ea"/>
+          <a:cs typeface="+mn-cs"/>
+        </a:defRPr>
+      </a:lvl9pPr>
+    </p:bodyStyle>
+    <p:otherStyle>
+      <a:defPPr>
+        <a:defRPr lang="ko-KR"/>
+      </a:defPPr>
+      <a:lvl1pPr marL="0" algn="l" defTabSz="914400" rtl="0" eaLnBrk="1" latinLnBrk="1" hangingPunct="1">
+        <a:defRPr sz="1800" kern="1200">
+          <a:solidFill>
+            <a:schemeClr val="tx1"/>
+          </a:solidFill>
+          <a:latin typeface="+mn-lt"/>
+          <a:ea typeface="+mn-ea"/>
+          <a:cs typeface="+mn-cs"/>
+        </a:defRPr>
+      </a:lvl1pPr>
+      <a:lvl2pPr marL="457200" algn="l" defTabSz="914400" rtl="0" eaLnBrk="1" latinLnBrk="1" hangingPunct="1">
+        <a:defRPr sz="1800" kern="1200">
+          <a:solidFill>
+            <a:schemeClr val="tx1"/>
+          </a:solidFill>
+          <a:latin typeface="+mn-lt"/>
+          <a:ea typeface="+mn-ea"/>
+          <a:cs typeface="+mn-cs"/>
+        </a:defRPr>
+      </a:lvl2pPr>
+      <a:lvl3pPr marL="914400" algn="l" defTabSz="914400" rtl="0" eaLnBrk="1" latinLnBrk="1" hangingPunct="1">
+        <a:defRPr sz="1800" kern="1200">
+          <a:solidFill>
+            <a:schemeClr val="tx1"/>
+          </a:solidFill>
+          <a:latin typeface="+mn-lt"/>
+          <a:ea typeface="+mn-ea"/>
+          <a:cs typeface="+mn-cs"/>
+        </a:defRPr>
+      </a:lvl3pPr>
+      <a:lvl4pPr marL="1371600" algn="l" defTabSz="914400" rtl="0" eaLnBrk="1" latinLnBrk="1" hangingPunct="1">
+        <a:defRPr sz="1800" kern="1200">
+          <a:solidFill>
+            <a:schemeClr val="tx1"/>
+          </a:solidFill>
+          <a:latin typeface="+mn-lt"/>
+          <a:ea typeface="+mn-ea"/>
+          <a:cs typeface="+mn-cs"/>
+        </a:defRPr>
+      </a:lvl4pPr>
+      <a:lvl5pPr marL="1828800" algn="l" defTabSz="914400" rtl="0" eaLnBrk="1" latinLnBrk="1" hangingPunct="1">
+        <a:defRPr sz="1800" kern="1200">
+          <a:solidFill>
+            <a:schemeClr val="tx1"/>
+          </a:solidFill>
+          <a:latin typeface="+mn-lt"/>
+          <a:ea typeface="+mn-ea"/>
+          <a:cs typeface="+mn-cs"/>
+        </a:defRPr>
+      </a:lvl5pPr>
+      <a:lvl6pPr marL="2286000" algn="l" defTabSz="914400" rtl="0" eaLnBrk="1" latinLnBrk="1" hangingPunct="1">
+        <a:defRPr sz="1800" kern="1200">
+          <a:solidFill>
+            <a:schemeClr val="tx1"/>
+          </a:solidFill>
+          <a:latin typeface="+mn-lt"/>
+          <a:ea typeface="+mn-ea"/>
+          <a:cs typeface="+mn-cs"/>
+        </a:defRPr>
+      </a:lvl6pPr>
+      <a:lvl7pPr marL="2743200" algn="l" defTabSz="914400" rtl="0" eaLnBrk="1" latinLnBrk="1" hangingPunct="1">
+        <a:defRPr sz="1800" kern="1200">
+          <a:solidFill>
+            <a:schemeClr val="tx1"/>
+          </a:solidFill>
+          <a:latin typeface="+mn-lt"/>
+          <a:ea typeface="+mn-ea"/>
+          <a:cs typeface="+mn-cs"/>
+        </a:defRPr>
+      </a:lvl7pPr>
+      <a:lvl8pPr marL="3200400" algn="l" defTabSz="914400" rtl="0" eaLnBrk="1" latinLnBrk="1" hangingPunct="1">
+        <a:defRPr sz="1800" kern="1200">
+          <a:solidFill>
+            <a:schemeClr val="tx1"/>
+          </a:solidFill>
+          <a:latin typeface="+mn-lt"/>
+          <a:ea typeface="+mn-ea"/>
+          <a:cs typeface="+mn-cs"/>
+        </a:defRPr>
+      </a:lvl8pPr>
+      <a:lvl9pPr marL="3657600" algn="l" defTabSz="914400" rtl="0" eaLnBrk="1" latinLnBrk="1" hangingPunct="1">
+        <a:defRPr sz="1800" kern="1200">
+          <a:solidFill>
+            <a:schemeClr val="tx1"/>
+          </a:solidFill>
+          <a:latin typeface="+mn-lt"/>
+          <a:ea typeface="+mn-ea"/>
+          <a:cs typeface="+mn-cs"/>
+        </a:defRPr>
+      </a:lvl9pPr>
+    </p:otherStyle>
+  </p:txStyles>
 </p:sldMaster>
 </file>
 
 <file path=ppt/slides/slide1.xml><?xml version="1.0" encoding="utf-8"?>
-<p:sld xmlns:a="http://schemas.openxmlformats.org/drawingml/2006/main" xmlns:p="http://schemas.openxmlformats.org/presentationml/2006/main" xmlns:r="http://schemas.openxmlformats.org/officeDocument/2006/relationships" xmlns:p14="http://schemas.microsoft.com/office/powerpoint/2010/main" xmlns:p15="http://schemas.microsoft.com/office/powerpoint/2012/main" xmlns:mc="http://schemas.openxmlformats.org/markup-compatibility/2006">
+<p:sld xmlns:a="http://schemas.openxmlformats.org/drawingml/2006/main" xmlns:r="http://schemas.openxmlformats.org/officeDocument/2006/relationships" xmlns:p="http://schemas.openxmlformats.org/presentationml/2006/main">
   <p:cSld>
     <p:spTree>
       <p:nvGrpSpPr>
@@ -1972,15 +2386,22 @@
           </a:ln>
         </p:spPr>
         <p:style>
-          <a:lnRef idx="0"/>
-          <a:fillRef idx="0"/>
-          <a:effectRef idx="0"/>
+          <a:lnRef idx="0">
+            <a:scrgbClr r="0" g="0" b="0"/>
+          </a:lnRef>
+          <a:fillRef idx="0">
+            <a:scrgbClr r="0" g="0" b="0"/>
+          </a:fillRef>
+          <a:effectRef idx="0">
+            <a:scrgbClr r="0" g="0" b="0"/>
+          </a:effectRef>
           <a:fontRef idx="minor"/>
         </p:style>
         <p:txBody>
-          <a:bodyPr lIns="90000" rIns="90000" tIns="45000" bIns="45000" anchor="t">
+          <a:bodyPr lIns="90000" tIns="45000" rIns="90000" bIns="45000" anchor="t">
             <a:spAutoFit/>
           </a:bodyPr>
+          <a:lstStyle/>
           <a:p>
             <a:pPr>
               <a:lnSpc>
@@ -1989,7 +2410,7 @@
               <a:buNone/>
             </a:pPr>
             <a:r>
-              <a:rPr b="0" lang="en-US" sz="1400" spc="-1" strike="noStrike">
+              <a:rPr lang="en-US" sz="1400" b="0" strike="noStrike" spc="-1">
                 <a:solidFill>
                   <a:srgbClr val="000000"/>
                 </a:solidFill>
@@ -1998,7 +2419,7 @@
               </a:rPr>
               <a:t>0m</a:t>
             </a:r>
-            <a:endParaRPr b="0" lang="en-US" sz="1400" spc="-1" strike="noStrike">
+            <a:endParaRPr lang="en-US" sz="1400" b="0" strike="noStrike" spc="-1">
               <a:latin typeface="Arial"/>
             </a:endParaRPr>
           </a:p>
@@ -2024,15 +2445,22 @@
           </a:ln>
         </p:spPr>
         <p:style>
-          <a:lnRef idx="0"/>
-          <a:fillRef idx="0"/>
-          <a:effectRef idx="0"/>
+          <a:lnRef idx="0">
+            <a:scrgbClr r="0" g="0" b="0"/>
+          </a:lnRef>
+          <a:fillRef idx="0">
+            <a:scrgbClr r="0" g="0" b="0"/>
+          </a:fillRef>
+          <a:effectRef idx="0">
+            <a:scrgbClr r="0" g="0" b="0"/>
+          </a:effectRef>
           <a:fontRef idx="minor"/>
         </p:style>
         <p:txBody>
-          <a:bodyPr lIns="90000" rIns="90000" tIns="45000" bIns="45000" anchor="t">
+          <a:bodyPr lIns="90000" tIns="45000" rIns="90000" bIns="45000" anchor="t">
             <a:spAutoFit/>
           </a:bodyPr>
+          <a:lstStyle/>
           <a:p>
             <a:pPr>
               <a:lnSpc>
@@ -2041,7 +2469,7 @@
               <a:buNone/>
             </a:pPr>
             <a:r>
-              <a:rPr b="1" lang="en-US" sz="1600" spc="-1" strike="noStrike">
+              <a:rPr lang="en-US" sz="1600" b="1" strike="noStrike" spc="-1">
                 <a:solidFill>
                   <a:srgbClr val="000000"/>
                 </a:solidFill>
@@ -2050,7 +2478,7 @@
               </a:rPr>
               <a:t>Lv. 0</a:t>
             </a:r>
-            <a:endParaRPr b="0" lang="en-US" sz="1600" spc="-1" strike="noStrike">
+            <a:endParaRPr lang="en-US" sz="1600" b="0" strike="noStrike" spc="-1">
               <a:latin typeface="Arial"/>
             </a:endParaRPr>
           </a:p>
@@ -2076,15 +2504,22 @@
           </a:ln>
         </p:spPr>
         <p:style>
-          <a:lnRef idx="0"/>
-          <a:fillRef idx="0"/>
-          <a:effectRef idx="0"/>
+          <a:lnRef idx="0">
+            <a:scrgbClr r="0" g="0" b="0"/>
+          </a:lnRef>
+          <a:fillRef idx="0">
+            <a:scrgbClr r="0" g="0" b="0"/>
+          </a:fillRef>
+          <a:effectRef idx="0">
+            <a:scrgbClr r="0" g="0" b="0"/>
+          </a:effectRef>
           <a:fontRef idx="minor"/>
         </p:style>
         <p:txBody>
-          <a:bodyPr lIns="90000" rIns="90000" tIns="45000" bIns="45000" anchor="t">
+          <a:bodyPr lIns="90000" tIns="45000" rIns="90000" bIns="45000" anchor="t">
             <a:spAutoFit/>
           </a:bodyPr>
+          <a:lstStyle/>
           <a:p>
             <a:pPr algn="ctr">
               <a:lnSpc>
@@ -2093,7 +2528,7 @@
               <a:buNone/>
             </a:pPr>
             <a:r>
-              <a:rPr b="0" lang="en-US" sz="1800" spc="-1" strike="noStrike">
+              <a:rPr lang="en-US" sz="1800" b="0" strike="noStrike" spc="-1">
                 <a:solidFill>
                   <a:srgbClr val="000000"/>
                 </a:solidFill>
@@ -2102,7 +2537,7 @@
               </a:rPr>
               <a:t>14g x 8g x 6g  </a:t>
             </a:r>
-            <a:endParaRPr b="0" lang="en-US" sz="1800" spc="-1" strike="noStrike">
+            <a:endParaRPr lang="en-US" sz="1800" b="0" strike="noStrike" spc="-1">
               <a:latin typeface="Arial"/>
             </a:endParaRPr>
           </a:p>
@@ -2147,9 +2582,10 @@
           <a:fontRef idx="minor"/>
         </p:style>
         <p:txBody>
-          <a:bodyPr lIns="90000" rIns="90000" tIns="45000" bIns="45000" anchor="ctr">
+          <a:bodyPr lIns="90000" tIns="45000" rIns="90000" bIns="45000" anchor="ctr">
             <a:noAutofit/>
           </a:bodyPr>
+          <a:lstStyle/>
           <a:p>
             <a:pPr algn="ctr">
               <a:lnSpc>
@@ -2158,16 +2594,16 @@
               <a:buNone/>
             </a:pPr>
             <a:r>
-              <a:rPr b="0" lang="en-US" sz="1800" spc="-1" strike="noStrike">
+              <a:rPr lang="en-US" sz="1800" b="0" strike="noStrike" spc="-1">
                 <a:solidFill>
-                  <a:srgbClr val="f2f2f2"/>
+                  <a:srgbClr val="F2F2F2"/>
                 </a:solidFill>
                 <a:latin typeface="맑은 고딕"/>
                 <a:ea typeface="DejaVu Sans"/>
               </a:rPr>
               <a:t>Stage_T2</a:t>
             </a:r>
-            <a:endParaRPr b="0" lang="en-US" sz="1800" spc="-1" strike="noStrike">
+            <a:endParaRPr lang="en-US" sz="1800" b="0" strike="noStrike" spc="-1">
               <a:latin typeface="Arial"/>
             </a:endParaRPr>
           </a:p>
@@ -6160,7 +6596,7 @@
             <a:avLst/>
           </a:prstGeom>
           <a:solidFill>
-            <a:srgbClr val="c00000"/>
+            <a:srgbClr val="C00000"/>
           </a:solidFill>
           <a:ln>
             <a:solidFill>
@@ -6183,9 +6619,10 @@
           <a:fontRef idx="minor"/>
         </p:style>
         <p:txBody>
-          <a:bodyPr lIns="90000" rIns="90000" tIns="45000" bIns="45000" anchor="ctr">
+          <a:bodyPr lIns="90000" tIns="45000" rIns="90000" bIns="45000" anchor="ctr">
             <a:noAutofit/>
           </a:bodyPr>
+          <a:lstStyle/>
           <a:p>
             <a:pPr algn="ctr">
               <a:lnSpc>
@@ -6194,16 +6631,16 @@
               <a:buNone/>
             </a:pPr>
             <a:r>
-              <a:rPr b="0" lang="en-US" sz="1340" spc="-1" strike="noStrike">
+              <a:rPr lang="en-US" sz="1340" b="0" strike="noStrike" spc="-1">
                 <a:solidFill>
-                  <a:srgbClr val="ffffff"/>
+                  <a:srgbClr val="FFFFFF"/>
                 </a:solidFill>
                 <a:latin typeface="Arial"/>
                 <a:ea typeface="DejaVu Sans"/>
               </a:rPr>
               <a:t>1</a:t>
             </a:r>
-            <a:endParaRPr b="0" lang="en-US" sz="1340" spc="-1" strike="noStrike">
+            <a:endParaRPr lang="en-US" sz="1340" b="0" strike="noStrike" spc="-1">
               <a:latin typeface="Arial"/>
             </a:endParaRPr>
           </a:p>
@@ -6224,6 +6661,7 @@
             <a:avLst/>
             <a:gdLst/>
             <a:ahLst/>
+            <a:cxnLst/>
             <a:rect l="l" t="t" r="r" b="b"/>
             <a:pathLst>
               <a:path w="21600" h="21600">
@@ -6239,9 +6677,9 @@
           <a:noFill/>
           <a:ln w="28575">
             <a:solidFill>
-              <a:srgbClr val="ffc000"/>
-            </a:solidFill>
-            <a:tailEnd len="med" type="arrow" w="med"/>
+              <a:srgbClr val="FFC000"/>
+            </a:solidFill>
+            <a:tailEnd type="arrow" w="med" len="med"/>
           </a:ln>
         </p:spPr>
         <p:style>
@@ -6928,7 +7366,7 @@
             <a:avLst/>
           </a:prstGeom>
           <a:solidFill>
-            <a:srgbClr val="00b050"/>
+            <a:srgbClr val="00B050"/>
           </a:solidFill>
           <a:ln>
             <a:noFill/>
@@ -6964,6 +7402,7 @@
             <a:avLst/>
             <a:gdLst/>
             <a:ahLst/>
+            <a:cxnLst/>
             <a:rect l="l" t="t" r="r" b="b"/>
             <a:pathLst>
               <a:path w="21600" h="21600">
@@ -6979,9 +7418,9 @@
           <a:noFill/>
           <a:ln w="28575">
             <a:solidFill>
-              <a:srgbClr val="00b050"/>
-            </a:solidFill>
-            <a:tailEnd len="med" type="arrow" w="med"/>
+              <a:srgbClr val="00B050"/>
+            </a:solidFill>
+            <a:tailEnd type="arrow" w="med" len="med"/>
           </a:ln>
         </p:spPr>
         <p:style>
@@ -7012,7 +7451,7 @@
             <a:avLst/>
           </a:prstGeom>
           <a:solidFill>
-            <a:srgbClr val="7030a0"/>
+            <a:srgbClr val="7030A0"/>
           </a:solidFill>
           <a:ln>
             <a:solidFill>
@@ -7055,15 +7494,22 @@
           </a:ln>
         </p:spPr>
         <p:style>
-          <a:lnRef idx="0"/>
-          <a:fillRef idx="0"/>
-          <a:effectRef idx="0"/>
+          <a:lnRef idx="0">
+            <a:scrgbClr r="0" g="0" b="0"/>
+          </a:lnRef>
+          <a:fillRef idx="0">
+            <a:scrgbClr r="0" g="0" b="0"/>
+          </a:fillRef>
+          <a:effectRef idx="0">
+            <a:scrgbClr r="0" g="0" b="0"/>
+          </a:effectRef>
           <a:fontRef idx="minor"/>
         </p:style>
         <p:txBody>
-          <a:bodyPr wrap="none" lIns="90000" rIns="90000" tIns="45000" bIns="45000" anchor="t">
+          <a:bodyPr wrap="none" lIns="90000" tIns="45000" rIns="90000" bIns="45000" anchor="t">
             <a:spAutoFit/>
           </a:bodyPr>
+          <a:lstStyle/>
           <a:p>
             <a:pPr>
               <a:lnSpc>
@@ -7072,16 +7518,16 @@
               <a:buNone/>
             </a:pPr>
             <a:r>
-              <a:rPr b="0" lang="en-US" sz="1800" spc="-1" strike="noStrike">
+              <a:rPr lang="en-US" sz="1800" b="0" strike="noStrike" spc="-1">
                 <a:solidFill>
-                  <a:srgbClr val="7030a0"/>
+                  <a:srgbClr val="7030A0"/>
                 </a:solidFill>
                 <a:latin typeface="맑은 고딕"/>
                 <a:ea typeface="DejaVu Sans"/>
               </a:rPr>
               <a:t>Grand</a:t>
             </a:r>
-            <a:endParaRPr b="0" lang="en-US" sz="1800" spc="-1" strike="noStrike">
+            <a:endParaRPr lang="en-US" sz="1800" b="0" strike="noStrike" spc="-1">
               <a:latin typeface="Arial"/>
             </a:endParaRPr>
           </a:p>
@@ -7102,7 +7548,7 @@
             <a:avLst/>
           </a:prstGeom>
           <a:solidFill>
-            <a:srgbClr val="7030a0"/>
+            <a:srgbClr val="7030A0"/>
           </a:solidFill>
           <a:ln>
             <a:solidFill>
@@ -7159,9 +7605,10 @@
           <a:fontRef idx="minor"/>
         </p:style>
         <p:txBody>
-          <a:bodyPr lIns="90000" rIns="90000" tIns="45000" bIns="45000" anchor="ctr">
+          <a:bodyPr lIns="90000" tIns="45000" rIns="90000" bIns="45000" anchor="ctr">
             <a:noAutofit/>
           </a:bodyPr>
+          <a:lstStyle/>
           <a:p>
             <a:pPr>
               <a:lnSpc>
@@ -7170,7 +7617,7 @@
               <a:buNone/>
             </a:pPr>
             <a:r>
-              <a:rPr b="0" lang="ko-KR" sz="1200" spc="-1" strike="noStrike">
+              <a:rPr lang="ko-KR" sz="1200" b="0" strike="noStrike" spc="-1">
                 <a:solidFill>
                   <a:srgbClr val="808080"/>
                 </a:solidFill>
@@ -7180,7 +7627,7 @@
               <a:t>튜토리얼 진행 맵</a:t>
             </a:r>
             <a:r>
-              <a:rPr b="0" lang="en-US" sz="1200" spc="-1" strike="noStrike">
+              <a:rPr lang="en-US" sz="1200" b="0" strike="noStrike" spc="-1">
                 <a:solidFill>
                   <a:srgbClr val="808080"/>
                 </a:solidFill>
@@ -7189,7 +7636,7 @@
               </a:rPr>
               <a:t> </a:t>
             </a:r>
-            <a:endParaRPr b="0" lang="en-US" sz="1200" spc="-1" strike="noStrike">
+            <a:endParaRPr lang="en-US" sz="1200" b="0" strike="noStrike" spc="-1">
               <a:latin typeface="Arial"/>
             </a:endParaRPr>
           </a:p>
@@ -7200,7 +7647,7 @@
               </a:lnSpc>
               <a:buNone/>
             </a:pPr>
-            <a:endParaRPr b="0" lang="en-US" sz="1200" spc="-1" strike="noStrike">
+            <a:endParaRPr lang="en-US" sz="1200" b="0" strike="noStrike" spc="-1">
               <a:latin typeface="Arial"/>
             </a:endParaRPr>
           </a:p>
@@ -7216,7 +7663,7 @@
               <a:buAutoNum type="arabicPeriod"/>
             </a:pPr>
             <a:r>
-              <a:rPr b="0" lang="ko-KR" sz="1200" spc="-1" strike="noStrike">
+              <a:rPr lang="ko-KR" sz="1200" b="0" strike="noStrike" spc="-1">
                 <a:solidFill>
                   <a:srgbClr val="808080"/>
                 </a:solidFill>
@@ -7225,7 +7672,7 @@
               </a:rPr>
               <a:t>좌클릭으로 무기 발사</a:t>
             </a:r>
-            <a:endParaRPr b="0" lang="en-US" sz="1200" spc="-1" strike="noStrike">
+            <a:endParaRPr lang="en-US" sz="1200" b="0" strike="noStrike" spc="-1">
               <a:latin typeface="Arial"/>
             </a:endParaRPr>
           </a:p>
@@ -7241,7 +7688,7 @@
               <a:buAutoNum type="arabicPeriod"/>
             </a:pPr>
             <a:r>
-              <a:rPr b="0" lang="ko-KR" sz="1200" spc="-1" strike="noStrike">
+              <a:rPr lang="ko-KR" sz="1200" b="0" strike="noStrike" spc="-1">
                 <a:solidFill>
                   <a:srgbClr val="808080"/>
                 </a:solidFill>
@@ -7251,7 +7698,7 @@
               <a:t>우클릭으로 발동 </a:t>
             </a:r>
             <a:r>
-              <a:rPr b="0" lang="en-US" sz="1200" spc="-1" strike="noStrike">
+              <a:rPr lang="en-US" sz="1200" b="0" strike="noStrike" spc="-1">
                 <a:solidFill>
                   <a:srgbClr val="808080"/>
                 </a:solidFill>
@@ -7260,7 +7707,7 @@
               </a:rPr>
               <a:t>x 2</a:t>
             </a:r>
-            <a:endParaRPr b="0" lang="en-US" sz="1200" spc="-1" strike="noStrike">
+            <a:endParaRPr lang="en-US" sz="1200" b="0" strike="noStrike" spc="-1">
               <a:latin typeface="Arial"/>
             </a:endParaRPr>
           </a:p>
@@ -7276,7 +7723,7 @@
               <a:buAutoNum type="arabicPeriod"/>
             </a:pPr>
             <a:r>
-              <a:rPr b="0" lang="ko-KR" sz="1200" spc="-1" strike="noStrike">
+              <a:rPr lang="ko-KR" sz="1200" b="0" strike="noStrike" spc="-1">
                 <a:solidFill>
                   <a:srgbClr val="808080"/>
                 </a:solidFill>
@@ -7285,7 +7732,7 @@
               </a:rPr>
               <a:t>우클릭을 한번 더 눌러 기본 크기로 변경</a:t>
             </a:r>
-            <a:endParaRPr b="0" lang="en-US" sz="1200" spc="-1" strike="noStrike">
+            <a:endParaRPr lang="en-US" sz="1200" b="0" strike="noStrike" spc="-1">
               <a:latin typeface="Arial"/>
             </a:endParaRPr>
           </a:p>
@@ -7301,7 +7748,7 @@
               <a:buAutoNum type="arabicPeriod"/>
             </a:pPr>
             <a:r>
-              <a:rPr b="0" lang="ko-KR" sz="1200" spc="-1" strike="noStrike">
+              <a:rPr lang="ko-KR" sz="1200" b="0" strike="noStrike" spc="-1">
                 <a:solidFill>
                   <a:srgbClr val="808080"/>
                 </a:solidFill>
@@ -7310,7 +7757,7 @@
               </a:rPr>
               <a:t>우클릭을 길게 눌러 크기 한번에 키우기</a:t>
             </a:r>
-            <a:endParaRPr b="0" lang="en-US" sz="1200" spc="-1" strike="noStrike">
+            <a:endParaRPr lang="en-US" sz="1200" b="0" strike="noStrike" spc="-1">
               <a:latin typeface="Arial"/>
             </a:endParaRPr>
           </a:p>
@@ -7326,7 +7773,7 @@
               <a:buAutoNum type="arabicPeriod"/>
             </a:pPr>
             <a:r>
-              <a:rPr b="0" lang="en-US" sz="1200" spc="-1" strike="noStrike">
+              <a:rPr lang="en-US" sz="1200" b="0" strike="noStrike" spc="-1">
                 <a:solidFill>
                   <a:srgbClr val="808080"/>
                 </a:solidFill>
@@ -7336,7 +7783,7 @@
               <a:t>     </a:t>
             </a:r>
             <a:r>
-              <a:rPr b="0" lang="ko-KR" sz="1200" spc="-1" strike="noStrike">
+              <a:rPr lang="ko-KR" sz="1200" b="0" strike="noStrike" spc="-1">
                 <a:solidFill>
                   <a:srgbClr val="808080"/>
                 </a:solidFill>
@@ -7345,7 +7792,7 @@
               </a:rPr>
               <a:t>문 열림</a:t>
             </a:r>
-            <a:endParaRPr b="0" lang="en-US" sz="1200" spc="-1" strike="noStrike">
+            <a:endParaRPr lang="en-US" sz="1200" b="0" strike="noStrike" spc="-1">
               <a:latin typeface="Arial"/>
             </a:endParaRPr>
           </a:p>
@@ -7361,7 +7808,7 @@
               <a:buAutoNum type="arabicPeriod"/>
             </a:pPr>
             <a:r>
-              <a:rPr b="0" lang="en-US" sz="1200" spc="-1" strike="noStrike">
+              <a:rPr lang="en-US" sz="1200" b="0" strike="noStrike" spc="-1">
                 <a:solidFill>
                   <a:srgbClr val="808080"/>
                 </a:solidFill>
@@ -7371,7 +7818,7 @@
               <a:t>R</a:t>
             </a:r>
             <a:r>
-              <a:rPr b="0" lang="ko-KR" sz="1200" spc="-1" strike="noStrike">
+              <a:rPr lang="ko-KR" sz="1200" b="0" strike="noStrike" spc="-1">
                 <a:solidFill>
                   <a:srgbClr val="808080"/>
                 </a:solidFill>
@@ -7380,7 +7827,7 @@
               </a:rPr>
               <a:t>키로 회수하고 문으로 나가기</a:t>
             </a:r>
-            <a:endParaRPr b="0" lang="en-US" sz="1200" spc="-1" strike="noStrike">
+            <a:endParaRPr lang="en-US" sz="1200" b="0" strike="noStrike" spc="-1">
               <a:latin typeface="Arial"/>
             </a:endParaRPr>
           </a:p>
@@ -7388,12 +7835,12 @@
       </p:sp>
       <p:pic>
         <p:nvPicPr>
-          <p:cNvPr id="166" name="그림 4" descr=""/>
+          <p:cNvPr id="166" name="그림 4"/>
           <p:cNvPicPr/>
           <p:nvPr/>
         </p:nvPicPr>
         <p:blipFill>
-          <a:blip r:embed="rId1"/>
+          <a:blip r:embed="rId2"/>
           <a:stretch/>
         </p:blipFill>
         <p:spPr>
@@ -7438,7 +7885,7 @@
               <a:avLst/>
             </a:prstGeom>
             <a:solidFill>
-              <a:srgbClr val="c00000"/>
+              <a:srgbClr val="C00000"/>
             </a:solidFill>
             <a:ln>
               <a:solidFill>
@@ -7481,15 +7928,22 @@
             </a:ln>
           </p:spPr>
           <p:style>
-            <a:lnRef idx="0"/>
-            <a:fillRef idx="0"/>
-            <a:effectRef idx="0"/>
+            <a:lnRef idx="0">
+              <a:scrgbClr r="0" g="0" b="0"/>
+            </a:lnRef>
+            <a:fillRef idx="0">
+              <a:scrgbClr r="0" g="0" b="0"/>
+            </a:fillRef>
+            <a:effectRef idx="0">
+              <a:scrgbClr r="0" g="0" b="0"/>
+            </a:effectRef>
             <a:fontRef idx="minor"/>
           </p:style>
           <p:txBody>
-            <a:bodyPr wrap="none" lIns="90000" rIns="90000" tIns="45000" bIns="45000" anchor="t">
+            <a:bodyPr wrap="none" lIns="90000" tIns="45000" rIns="90000" bIns="45000" anchor="t">
               <a:spAutoFit/>
             </a:bodyPr>
+            <a:lstStyle/>
             <a:p>
               <a:pPr>
                 <a:lnSpc>
@@ -7498,16 +7952,16 @@
                 <a:buNone/>
               </a:pPr>
               <a:r>
-                <a:rPr b="0" lang="en-US" sz="1050" spc="-1" strike="noStrike">
+                <a:rPr lang="en-US" sz="1050" b="0" strike="noStrike" spc="-1">
                   <a:solidFill>
-                    <a:srgbClr val="ffffff"/>
+                    <a:srgbClr val="FFFFFF"/>
                   </a:solidFill>
                   <a:latin typeface="맑은 고딕"/>
                   <a:ea typeface="DejaVu Sans"/>
                 </a:rPr>
                 <a:t>11</a:t>
               </a:r>
-              <a:endParaRPr b="0" lang="en-US" sz="1050" spc="-1" strike="noStrike">
+              <a:endParaRPr lang="en-US" sz="1050" b="0" strike="noStrike" spc="-1">
                 <a:latin typeface="Arial"/>
               </a:endParaRPr>
             </a:p>
@@ -7516,19 +7970,14 @@
       </p:grpSp>
     </p:spTree>
   </p:cSld>
-  <mc:AlternateContent>
-    <mc:Choice Requires="p14">
-      <p:transition spd="slow" p14:dur="2000"/>
-    </mc:Choice>
-    <mc:Fallback>
-      <p:transition spd="slow"/>
-    </mc:Fallback>
-  </mc:AlternateContent>
+  <p:clrMapOvr>
+    <a:masterClrMapping/>
+  </p:clrMapOvr>
 </p:sld>
 </file>
 
 <file path=ppt/slides/slide10.xml><?xml version="1.0" encoding="utf-8"?>
-<p:sld xmlns:a="http://schemas.openxmlformats.org/drawingml/2006/main" xmlns:p="http://schemas.openxmlformats.org/presentationml/2006/main" xmlns:r="http://schemas.openxmlformats.org/officeDocument/2006/relationships" xmlns:p14="http://schemas.microsoft.com/office/powerpoint/2010/main" xmlns:p15="http://schemas.microsoft.com/office/powerpoint/2012/main" xmlns:mc="http://schemas.openxmlformats.org/markup-compatibility/2006">
+<p:sld xmlns:a="http://schemas.openxmlformats.org/drawingml/2006/main" xmlns:r="http://schemas.openxmlformats.org/officeDocument/2006/relationships" xmlns:p="http://schemas.openxmlformats.org/presentationml/2006/main">
   <p:cSld>
     <p:spTree>
       <p:nvGrpSpPr>
@@ -7717,15 +8166,22 @@
           </a:ln>
         </p:spPr>
         <p:style>
-          <a:lnRef idx="0"/>
-          <a:fillRef idx="0"/>
-          <a:effectRef idx="0"/>
+          <a:lnRef idx="0">
+            <a:scrgbClr r="0" g="0" b="0"/>
+          </a:lnRef>
+          <a:fillRef idx="0">
+            <a:scrgbClr r="0" g="0" b="0"/>
+          </a:fillRef>
+          <a:effectRef idx="0">
+            <a:scrgbClr r="0" g="0" b="0"/>
+          </a:effectRef>
           <a:fontRef idx="minor"/>
         </p:style>
         <p:txBody>
-          <a:bodyPr lIns="90000" rIns="90000" tIns="45000" bIns="45000" anchor="t">
+          <a:bodyPr lIns="90000" tIns="45000" rIns="90000" bIns="45000" anchor="t">
             <a:spAutoFit/>
           </a:bodyPr>
+          <a:lstStyle/>
           <a:p>
             <a:pPr>
               <a:lnSpc>
@@ -7734,7 +8190,7 @@
               <a:buNone/>
             </a:pPr>
             <a:r>
-              <a:rPr b="0" lang="en-US" sz="1400" spc="-1" strike="noStrike">
+              <a:rPr lang="en-US" sz="1400" b="0" strike="noStrike" spc="-1">
                 <a:solidFill>
                   <a:srgbClr val="000000"/>
                 </a:solidFill>
@@ -7743,7 +8199,7 @@
               </a:rPr>
               <a:t>0m</a:t>
             </a:r>
-            <a:endParaRPr b="0" lang="en-US" sz="1400" spc="-1" strike="noStrike">
+            <a:endParaRPr lang="en-US" sz="1400" b="0" strike="noStrike" spc="-1">
               <a:latin typeface="Arial"/>
             </a:endParaRPr>
           </a:p>
@@ -7769,15 +8225,22 @@
           </a:ln>
         </p:spPr>
         <p:style>
-          <a:lnRef idx="0"/>
-          <a:fillRef idx="0"/>
-          <a:effectRef idx="0"/>
+          <a:lnRef idx="0">
+            <a:scrgbClr r="0" g="0" b="0"/>
+          </a:lnRef>
+          <a:fillRef idx="0">
+            <a:scrgbClr r="0" g="0" b="0"/>
+          </a:fillRef>
+          <a:effectRef idx="0">
+            <a:scrgbClr r="0" g="0" b="0"/>
+          </a:effectRef>
           <a:fontRef idx="minor"/>
         </p:style>
         <p:txBody>
-          <a:bodyPr lIns="90000" rIns="90000" tIns="45000" bIns="45000" anchor="t">
+          <a:bodyPr lIns="90000" tIns="45000" rIns="90000" bIns="45000" anchor="t">
             <a:spAutoFit/>
           </a:bodyPr>
+          <a:lstStyle/>
           <a:p>
             <a:pPr>
               <a:lnSpc>
@@ -7786,7 +8249,7 @@
               <a:buNone/>
             </a:pPr>
             <a:r>
-              <a:rPr b="0" lang="en-US" sz="1400" spc="-1" strike="noStrike">
+              <a:rPr lang="en-US" sz="1400" b="0" strike="noStrike" spc="-1">
                 <a:solidFill>
                   <a:srgbClr val="000000"/>
                 </a:solidFill>
@@ -7795,7 +8258,7 @@
               </a:rPr>
               <a:t>1m</a:t>
             </a:r>
-            <a:endParaRPr b="0" lang="en-US" sz="1400" spc="-1" strike="noStrike">
+            <a:endParaRPr lang="en-US" sz="1400" b="0" strike="noStrike" spc="-1">
               <a:latin typeface="Arial"/>
             </a:endParaRPr>
           </a:p>
@@ -7821,15 +8284,22 @@
           </a:ln>
         </p:spPr>
         <p:style>
-          <a:lnRef idx="0"/>
-          <a:fillRef idx="0"/>
-          <a:effectRef idx="0"/>
+          <a:lnRef idx="0">
+            <a:scrgbClr r="0" g="0" b="0"/>
+          </a:lnRef>
+          <a:fillRef idx="0">
+            <a:scrgbClr r="0" g="0" b="0"/>
+          </a:fillRef>
+          <a:effectRef idx="0">
+            <a:scrgbClr r="0" g="0" b="0"/>
+          </a:effectRef>
           <a:fontRef idx="minor"/>
         </p:style>
         <p:txBody>
-          <a:bodyPr lIns="90000" rIns="90000" tIns="45000" bIns="45000" anchor="t">
+          <a:bodyPr lIns="90000" tIns="45000" rIns="90000" bIns="45000" anchor="t">
             <a:spAutoFit/>
           </a:bodyPr>
+          <a:lstStyle/>
           <a:p>
             <a:pPr>
               <a:lnSpc>
@@ -7838,7 +8308,7 @@
               <a:buNone/>
             </a:pPr>
             <a:r>
-              <a:rPr b="0" lang="en-US" sz="1400" spc="-1" strike="noStrike">
+              <a:rPr lang="en-US" sz="1400" b="0" strike="noStrike" spc="-1">
                 <a:solidFill>
                   <a:srgbClr val="000000"/>
                 </a:solidFill>
@@ -7847,7 +8317,7 @@
               </a:rPr>
               <a:t>5m</a:t>
             </a:r>
-            <a:endParaRPr b="0" lang="en-US" sz="1400" spc="-1" strike="noStrike">
+            <a:endParaRPr lang="en-US" sz="1400" b="0" strike="noStrike" spc="-1">
               <a:latin typeface="Arial"/>
             </a:endParaRPr>
           </a:p>
@@ -7873,15 +8343,22 @@
           </a:ln>
         </p:spPr>
         <p:style>
-          <a:lnRef idx="0"/>
-          <a:fillRef idx="0"/>
-          <a:effectRef idx="0"/>
+          <a:lnRef idx="0">
+            <a:scrgbClr r="0" g="0" b="0"/>
+          </a:lnRef>
+          <a:fillRef idx="0">
+            <a:scrgbClr r="0" g="0" b="0"/>
+          </a:fillRef>
+          <a:effectRef idx="0">
+            <a:scrgbClr r="0" g="0" b="0"/>
+          </a:effectRef>
           <a:fontRef idx="minor"/>
         </p:style>
         <p:txBody>
-          <a:bodyPr lIns="90000" rIns="90000" tIns="45000" bIns="45000" anchor="t">
+          <a:bodyPr lIns="90000" tIns="45000" rIns="90000" bIns="45000" anchor="t">
             <a:spAutoFit/>
           </a:bodyPr>
+          <a:lstStyle/>
           <a:p>
             <a:pPr>
               <a:lnSpc>
@@ -7890,7 +8367,7 @@
               <a:buNone/>
             </a:pPr>
             <a:r>
-              <a:rPr b="1" lang="en-US" sz="1600" spc="-1" strike="noStrike">
+              <a:rPr lang="en-US" sz="1600" b="1" strike="noStrike" spc="-1">
                 <a:solidFill>
                   <a:srgbClr val="000000"/>
                 </a:solidFill>
@@ -7899,7 +8376,7 @@
               </a:rPr>
               <a:t>Lv. 0</a:t>
             </a:r>
-            <a:endParaRPr b="0" lang="en-US" sz="1600" spc="-1" strike="noStrike">
+            <a:endParaRPr lang="en-US" sz="1600" b="0" strike="noStrike" spc="-1">
               <a:latin typeface="Arial"/>
             </a:endParaRPr>
           </a:p>
@@ -7925,15 +8402,22 @@
           </a:ln>
         </p:spPr>
         <p:style>
-          <a:lnRef idx="0"/>
-          <a:fillRef idx="0"/>
-          <a:effectRef idx="0"/>
+          <a:lnRef idx="0">
+            <a:scrgbClr r="0" g="0" b="0"/>
+          </a:lnRef>
+          <a:fillRef idx="0">
+            <a:scrgbClr r="0" g="0" b="0"/>
+          </a:fillRef>
+          <a:effectRef idx="0">
+            <a:scrgbClr r="0" g="0" b="0"/>
+          </a:effectRef>
           <a:fontRef idx="minor"/>
         </p:style>
         <p:txBody>
-          <a:bodyPr lIns="90000" rIns="90000" tIns="45000" bIns="45000" anchor="t">
+          <a:bodyPr lIns="90000" tIns="45000" rIns="90000" bIns="45000" anchor="t">
             <a:spAutoFit/>
           </a:bodyPr>
+          <a:lstStyle/>
           <a:p>
             <a:pPr>
               <a:lnSpc>
@@ -7942,7 +8426,7 @@
               <a:buNone/>
             </a:pPr>
             <a:r>
-              <a:rPr b="1" lang="en-US" sz="1600" spc="-1" strike="noStrike">
+              <a:rPr lang="en-US" sz="1600" b="1" strike="noStrike" spc="-1">
                 <a:solidFill>
                   <a:srgbClr val="000000"/>
                 </a:solidFill>
@@ -7951,7 +8435,7 @@
               </a:rPr>
               <a:t>Lv. 1</a:t>
             </a:r>
-            <a:endParaRPr b="0" lang="en-US" sz="1600" spc="-1" strike="noStrike">
+            <a:endParaRPr lang="en-US" sz="1600" b="0" strike="noStrike" spc="-1">
               <a:latin typeface="Arial"/>
             </a:endParaRPr>
           </a:p>
@@ -7977,15 +8461,22 @@
           </a:ln>
         </p:spPr>
         <p:style>
-          <a:lnRef idx="0"/>
-          <a:fillRef idx="0"/>
-          <a:effectRef idx="0"/>
+          <a:lnRef idx="0">
+            <a:scrgbClr r="0" g="0" b="0"/>
+          </a:lnRef>
+          <a:fillRef idx="0">
+            <a:scrgbClr r="0" g="0" b="0"/>
+          </a:fillRef>
+          <a:effectRef idx="0">
+            <a:scrgbClr r="0" g="0" b="0"/>
+          </a:effectRef>
           <a:fontRef idx="minor"/>
         </p:style>
         <p:txBody>
-          <a:bodyPr lIns="90000" rIns="90000" tIns="45000" bIns="45000" anchor="t">
+          <a:bodyPr lIns="90000" tIns="45000" rIns="90000" bIns="45000" anchor="t">
             <a:spAutoFit/>
           </a:bodyPr>
+          <a:lstStyle/>
           <a:p>
             <a:pPr>
               <a:lnSpc>
@@ -7994,7 +8485,7 @@
               <a:buNone/>
             </a:pPr>
             <a:r>
-              <a:rPr b="1" lang="en-US" sz="1600" spc="-1" strike="noStrike">
+              <a:rPr lang="en-US" sz="1600" b="1" strike="noStrike" spc="-1">
                 <a:solidFill>
                   <a:srgbClr val="000000"/>
                 </a:solidFill>
@@ -8003,7 +8494,7 @@
               </a:rPr>
               <a:t>Lv. 2</a:t>
             </a:r>
-            <a:endParaRPr b="0" lang="en-US" sz="1600" spc="-1" strike="noStrike">
+            <a:endParaRPr lang="en-US" sz="1600" b="0" strike="noStrike" spc="-1">
               <a:latin typeface="Arial"/>
             </a:endParaRPr>
           </a:p>
@@ -8029,15 +8520,22 @@
           </a:ln>
         </p:spPr>
         <p:style>
-          <a:lnRef idx="0"/>
-          <a:fillRef idx="0"/>
-          <a:effectRef idx="0"/>
+          <a:lnRef idx="0">
+            <a:scrgbClr r="0" g="0" b="0"/>
+          </a:lnRef>
+          <a:fillRef idx="0">
+            <a:scrgbClr r="0" g="0" b="0"/>
+          </a:fillRef>
+          <a:effectRef idx="0">
+            <a:scrgbClr r="0" g="0" b="0"/>
+          </a:effectRef>
           <a:fontRef idx="minor"/>
         </p:style>
         <p:txBody>
-          <a:bodyPr lIns="90000" rIns="90000" tIns="45000" bIns="45000" anchor="t">
+          <a:bodyPr lIns="90000" tIns="45000" rIns="90000" bIns="45000" anchor="t">
             <a:spAutoFit/>
           </a:bodyPr>
+          <a:lstStyle/>
           <a:p>
             <a:pPr algn="ctr">
               <a:lnSpc>
@@ -8046,7 +8544,7 @@
               <a:buNone/>
             </a:pPr>
             <a:r>
-              <a:rPr b="0" lang="en-US" sz="1800" spc="-1" strike="noStrike">
+              <a:rPr lang="en-US" sz="1800" b="0" strike="noStrike" spc="-1">
                 <a:solidFill>
                   <a:srgbClr val="000000"/>
                 </a:solidFill>
@@ -8055,7 +8553,7 @@
               </a:rPr>
               <a:t>10g x 15g x 9g  </a:t>
             </a:r>
-            <a:endParaRPr b="0" lang="en-US" sz="1800" spc="-1" strike="noStrike">
+            <a:endParaRPr lang="en-US" sz="1800" b="0" strike="noStrike" spc="-1">
               <a:latin typeface="Arial"/>
             </a:endParaRPr>
           </a:p>
@@ -8100,9 +8598,10 @@
           <a:fontRef idx="minor"/>
         </p:style>
         <p:txBody>
-          <a:bodyPr lIns="90000" rIns="90000" tIns="45000" bIns="45000" anchor="ctr">
+          <a:bodyPr lIns="90000" tIns="45000" rIns="90000" bIns="45000" anchor="ctr">
             <a:noAutofit/>
           </a:bodyPr>
+          <a:lstStyle/>
           <a:p>
             <a:pPr algn="ctr">
               <a:lnSpc>
@@ -8111,16 +8610,16 @@
               <a:buNone/>
             </a:pPr>
             <a:r>
-              <a:rPr b="0" lang="en-US" sz="1800" spc="-1" strike="noStrike">
+              <a:rPr lang="en-US" sz="1800" b="0" strike="noStrike" spc="-1">
                 <a:solidFill>
-                  <a:srgbClr val="f2f2f2"/>
+                  <a:srgbClr val="F2F2F2"/>
                 </a:solidFill>
                 <a:latin typeface="맑은 고딕"/>
                 <a:ea typeface="DejaVu Sans"/>
               </a:rPr>
               <a:t>Grand_S7</a:t>
             </a:r>
-            <a:endParaRPr b="0" lang="en-US" sz="1800" spc="-1" strike="noStrike">
+            <a:endParaRPr lang="en-US" sz="1800" b="0" strike="noStrike" spc="-1">
               <a:latin typeface="Arial"/>
             </a:endParaRPr>
           </a:p>
@@ -12278,11 +12777,19 @@
           </a:prstGeom>
           <a:ln w="12700">
             <a:solidFill>
-              <a:srgbClr val="ffffff"/>
-            </a:solidFill>
-            <a:headEnd len="med" type="arrow" w="med"/>
-            <a:tailEnd len="med" type="arrow" w="med"/>
-          </a:ln>
+              <a:srgbClr val="FFFFFF"/>
+            </a:solidFill>
+            <a:headEnd type="arrow" w="med" len="med"/>
+            <a:tailEnd type="arrow" w="med" len="med"/>
+          </a:ln>
+          <a:effectLst>
+            <a:glow rad="101600">
+              <a:schemeClr val="accent5">
+                <a:satMod val="175000"/>
+                <a:alpha val="40000"/>
+              </a:schemeClr>
+            </a:glow>
+          </a:effectLst>
         </p:spPr>
         <p:style>
           <a:lnRef idx="1">
@@ -12313,11 +12820,19 @@
           </a:prstGeom>
           <a:ln w="12700">
             <a:solidFill>
-              <a:srgbClr val="ffffff"/>
-            </a:solidFill>
-            <a:headEnd len="med" type="arrow" w="med"/>
-            <a:tailEnd len="med" type="arrow" w="med"/>
-          </a:ln>
+              <a:srgbClr val="FFFFFF"/>
+            </a:solidFill>
+            <a:headEnd type="arrow" w="med" len="med"/>
+            <a:tailEnd type="arrow" w="med" len="med"/>
+          </a:ln>
+          <a:effectLst>
+            <a:glow rad="101600">
+              <a:schemeClr val="accent5">
+                <a:satMod val="175000"/>
+                <a:alpha val="40000"/>
+              </a:schemeClr>
+            </a:glow>
+          </a:effectLst>
         </p:spPr>
         <p:style>
           <a:lnRef idx="1">
@@ -12377,7 +12892,7 @@
           <p:nvPr/>
         </p:nvSpPr>
         <p:spPr>
-          <a:xfrm flipH="1" flipV="1" rot="1577400">
+          <a:xfrm rot="1577400" flipH="1" flipV="1">
             <a:off x="4591440" y="4127400"/>
             <a:ext cx="488880" cy="210600"/>
           </a:xfrm>
@@ -14473,7 +14988,7 @@
               <a:avLst/>
             </a:prstGeom>
             <a:solidFill>
-              <a:srgbClr val="c00000"/>
+              <a:srgbClr val="C00000"/>
             </a:solidFill>
             <a:ln>
               <a:solidFill>
@@ -14516,15 +15031,22 @@
             </a:ln>
           </p:spPr>
           <p:style>
-            <a:lnRef idx="0"/>
-            <a:fillRef idx="0"/>
-            <a:effectRef idx="0"/>
+            <a:lnRef idx="0">
+              <a:scrgbClr r="0" g="0" b="0"/>
+            </a:lnRef>
+            <a:fillRef idx="0">
+              <a:scrgbClr r="0" g="0" b="0"/>
+            </a:fillRef>
+            <a:effectRef idx="0">
+              <a:scrgbClr r="0" g="0" b="0"/>
+            </a:effectRef>
             <a:fontRef idx="minor"/>
           </p:style>
           <p:txBody>
-            <a:bodyPr wrap="none" lIns="90000" rIns="90000" tIns="45000" bIns="45000" anchor="t">
+            <a:bodyPr wrap="none" lIns="90000" tIns="45000" rIns="90000" bIns="45000" anchor="t">
               <a:spAutoFit/>
             </a:bodyPr>
+            <a:lstStyle/>
             <a:p>
               <a:pPr>
                 <a:lnSpc>
@@ -14533,16 +15055,16 @@
                 <a:buNone/>
               </a:pPr>
               <a:r>
-                <a:rPr b="0" lang="en-US" sz="1050" spc="-1" strike="noStrike">
+                <a:rPr lang="en-US" sz="1050" b="0" strike="noStrike" spc="-1">
                   <a:solidFill>
-                    <a:srgbClr val="ffffff"/>
+                    <a:srgbClr val="FFFFFF"/>
                   </a:solidFill>
                   <a:latin typeface="맑은 고딕"/>
                   <a:ea typeface="DejaVu Sans"/>
                 </a:rPr>
                 <a:t>25</a:t>
               </a:r>
-              <a:endParaRPr b="0" lang="en-US" sz="1050" spc="-1" strike="noStrike">
+              <a:endParaRPr lang="en-US" sz="1050" b="0" strike="noStrike" spc="-1">
                 <a:latin typeface="Arial"/>
               </a:endParaRPr>
             </a:p>
@@ -14578,7 +15100,7 @@
               <a:avLst/>
             </a:prstGeom>
             <a:solidFill>
-              <a:srgbClr val="c00000"/>
+              <a:srgbClr val="C00000"/>
             </a:solidFill>
             <a:ln>
               <a:solidFill>
@@ -14621,15 +15143,22 @@
             </a:ln>
           </p:spPr>
           <p:style>
-            <a:lnRef idx="0"/>
-            <a:fillRef idx="0"/>
-            <a:effectRef idx="0"/>
+            <a:lnRef idx="0">
+              <a:scrgbClr r="0" g="0" b="0"/>
+            </a:lnRef>
+            <a:fillRef idx="0">
+              <a:scrgbClr r="0" g="0" b="0"/>
+            </a:fillRef>
+            <a:effectRef idx="0">
+              <a:scrgbClr r="0" g="0" b="0"/>
+            </a:effectRef>
             <a:fontRef idx="minor"/>
           </p:style>
           <p:txBody>
-            <a:bodyPr wrap="none" lIns="90000" rIns="90000" tIns="45000" bIns="45000" anchor="t">
+            <a:bodyPr wrap="none" lIns="90000" tIns="45000" rIns="90000" bIns="45000" anchor="t">
               <a:spAutoFit/>
             </a:bodyPr>
+            <a:lstStyle/>
             <a:p>
               <a:pPr>
                 <a:lnSpc>
@@ -14638,16 +15167,16 @@
                 <a:buNone/>
               </a:pPr>
               <a:r>
-                <a:rPr b="0" lang="en-US" sz="1050" spc="-1" strike="noStrike">
+                <a:rPr lang="en-US" sz="1050" b="0" strike="noStrike" spc="-1">
                   <a:solidFill>
-                    <a:srgbClr val="ffffff"/>
+                    <a:srgbClr val="FFFFFF"/>
                   </a:solidFill>
                   <a:latin typeface="맑은 고딕"/>
                   <a:ea typeface="DejaVu Sans"/>
                 </a:rPr>
                 <a:t>25</a:t>
               </a:r>
-              <a:endParaRPr b="0" lang="en-US" sz="1050" spc="-1" strike="noStrike">
+              <a:endParaRPr lang="en-US" sz="1050" b="0" strike="noStrike" spc="-1">
                 <a:latin typeface="Arial"/>
               </a:endParaRPr>
             </a:p>
@@ -14705,6 +15234,7 @@
             <a:avLst/>
             <a:gdLst/>
             <a:ahLst/>
+            <a:cxnLst/>
             <a:rect l="l" t="t" r="r" b="b"/>
             <a:pathLst>
               <a:path w="21600" h="21600">
@@ -14720,9 +15250,9 @@
           <a:noFill/>
           <a:ln w="28575">
             <a:solidFill>
-              <a:srgbClr val="ffc000"/>
-            </a:solidFill>
-            <a:tailEnd len="med" type="arrow" w="med"/>
+              <a:srgbClr val="FFC000"/>
+            </a:solidFill>
+            <a:tailEnd type="arrow" w="med" len="med"/>
           </a:ln>
         </p:spPr>
         <p:style>
@@ -14753,7 +15283,7 @@
             <a:avLst/>
           </a:prstGeom>
           <a:solidFill>
-            <a:srgbClr val="c00000"/>
+            <a:srgbClr val="C00000"/>
           </a:solidFill>
           <a:ln>
             <a:solidFill>
@@ -14776,9 +15306,10 @@
           <a:fontRef idx="minor"/>
         </p:style>
         <p:txBody>
-          <a:bodyPr lIns="90000" rIns="90000" tIns="45000" bIns="45000" anchor="ctr">
+          <a:bodyPr lIns="90000" tIns="45000" rIns="90000" bIns="45000" anchor="ctr">
             <a:noAutofit/>
           </a:bodyPr>
+          <a:lstStyle/>
           <a:p>
             <a:pPr algn="ctr">
               <a:lnSpc>
@@ -14787,16 +15318,16 @@
               <a:buNone/>
             </a:pPr>
             <a:r>
-              <a:rPr b="0" lang="en-US" sz="1340" spc="-1" strike="noStrike">
+              <a:rPr lang="en-US" sz="1340" b="0" strike="noStrike" spc="-1">
                 <a:solidFill>
-                  <a:srgbClr val="ffffff"/>
+                  <a:srgbClr val="FFFFFF"/>
                 </a:solidFill>
                 <a:latin typeface="Arial"/>
                 <a:ea typeface="DejaVu Sans"/>
               </a:rPr>
               <a:t>1</a:t>
             </a:r>
-            <a:endParaRPr b="0" lang="en-US" sz="1340" spc="-1" strike="noStrike">
+            <a:endParaRPr lang="en-US" sz="1340" b="0" strike="noStrike" spc="-1">
               <a:latin typeface="Arial"/>
             </a:endParaRPr>
           </a:p>
@@ -14853,6 +15384,7 @@
             <a:avLst/>
             <a:gdLst/>
             <a:ahLst/>
+            <a:cxnLst/>
             <a:rect l="l" t="t" r="r" b="b"/>
             <a:pathLst>
               <a:path w="21600" h="21600">
@@ -14868,9 +15400,9 @@
           <a:noFill/>
           <a:ln w="28575">
             <a:solidFill>
-              <a:srgbClr val="ffc000"/>
-            </a:solidFill>
-            <a:tailEnd len="med" type="arrow" w="med"/>
+              <a:srgbClr val="FFC000"/>
+            </a:solidFill>
+            <a:tailEnd type="arrow" w="med" len="med"/>
           </a:ln>
         </p:spPr>
         <p:style>
@@ -14901,7 +15433,7 @@
             <a:avLst/>
           </a:prstGeom>
           <a:solidFill>
-            <a:srgbClr val="c00000"/>
+            <a:srgbClr val="C00000"/>
           </a:solidFill>
           <a:ln>
             <a:solidFill>
@@ -14924,9 +15456,10 @@
           <a:fontRef idx="minor"/>
         </p:style>
         <p:txBody>
-          <a:bodyPr lIns="90000" rIns="90000" tIns="45000" bIns="45000" anchor="ctr">
+          <a:bodyPr lIns="90000" tIns="45000" rIns="90000" bIns="45000" anchor="ctr">
             <a:noAutofit/>
           </a:bodyPr>
+          <a:lstStyle/>
           <a:p>
             <a:pPr algn="ctr">
               <a:lnSpc>
@@ -14935,16 +15468,16 @@
               <a:buNone/>
             </a:pPr>
             <a:r>
-              <a:rPr b="0" lang="en-US" sz="1340" spc="-1" strike="noStrike">
+              <a:rPr lang="en-US" sz="1340" b="0" strike="noStrike" spc="-1">
                 <a:solidFill>
-                  <a:srgbClr val="ffffff"/>
+                  <a:srgbClr val="FFFFFF"/>
                 </a:solidFill>
                 <a:latin typeface="Arial"/>
                 <a:ea typeface="DejaVu Sans"/>
               </a:rPr>
               <a:t>1</a:t>
             </a:r>
-            <a:endParaRPr b="0" lang="en-US" sz="1340" spc="-1" strike="noStrike">
+            <a:endParaRPr lang="en-US" sz="1340" b="0" strike="noStrike" spc="-1">
               <a:latin typeface="Arial"/>
             </a:endParaRPr>
           </a:p>
@@ -14979,7 +15512,7 @@
               <a:avLst/>
             </a:prstGeom>
             <a:solidFill>
-              <a:srgbClr val="c00000"/>
+              <a:srgbClr val="C00000"/>
             </a:solidFill>
             <a:ln>
               <a:solidFill>
@@ -15022,15 +15555,22 @@
             </a:ln>
           </p:spPr>
           <p:style>
-            <a:lnRef idx="0"/>
-            <a:fillRef idx="0"/>
-            <a:effectRef idx="0"/>
+            <a:lnRef idx="0">
+              <a:scrgbClr r="0" g="0" b="0"/>
+            </a:lnRef>
+            <a:fillRef idx="0">
+              <a:scrgbClr r="0" g="0" b="0"/>
+            </a:fillRef>
+            <a:effectRef idx="0">
+              <a:scrgbClr r="0" g="0" b="0"/>
+            </a:effectRef>
             <a:fontRef idx="minor"/>
           </p:style>
           <p:txBody>
-            <a:bodyPr wrap="none" lIns="90000" rIns="90000" tIns="45000" bIns="45000" anchor="t">
+            <a:bodyPr wrap="none" lIns="90000" tIns="45000" rIns="90000" bIns="45000" anchor="t">
               <a:spAutoFit/>
             </a:bodyPr>
+            <a:lstStyle/>
             <a:p>
               <a:pPr>
                 <a:lnSpc>
@@ -15039,16 +15579,16 @@
                 <a:buNone/>
               </a:pPr>
               <a:r>
-                <a:rPr b="0" lang="en-US" sz="1050" spc="-1" strike="noStrike">
+                <a:rPr lang="en-US" sz="1050" b="0" strike="noStrike" spc="-1">
                   <a:solidFill>
-                    <a:srgbClr val="ffffff"/>
+                    <a:srgbClr val="FFFFFF"/>
                   </a:solidFill>
                   <a:latin typeface="맑은 고딕"/>
                   <a:ea typeface="DejaVu Sans"/>
                 </a:rPr>
                 <a:t>26</a:t>
               </a:r>
-              <a:endParaRPr b="0" lang="en-US" sz="1050" spc="-1" strike="noStrike">
+              <a:endParaRPr lang="en-US" sz="1050" b="0" strike="noStrike" spc="-1">
                 <a:latin typeface="Arial"/>
               </a:endParaRPr>
             </a:p>
@@ -15063,7 +15603,7 @@
         </p:nvSpPr>
         <p:spPr>
           <a:xfrm>
-            <a:off x="6649200" y="4588920"/>
+            <a:off x="6649200" y="4230163"/>
             <a:ext cx="3337560" cy="657720"/>
           </a:xfrm>
           <a:prstGeom prst="rect">
@@ -15089,9 +15629,10 @@
           <a:fontRef idx="minor"/>
         </p:style>
         <p:txBody>
-          <a:bodyPr lIns="90000" rIns="90000" tIns="45000" bIns="45000" anchor="ctr">
+          <a:bodyPr lIns="90000" tIns="45000" rIns="90000" bIns="45000" anchor="ctr">
             <a:noAutofit/>
           </a:bodyPr>
+          <a:lstStyle/>
           <a:p>
             <a:pPr>
               <a:lnSpc>
@@ -15100,38 +15641,17 @@
               <a:buNone/>
             </a:pPr>
             <a:r>
-              <a:rPr b="0" lang="ko-KR" sz="1200" spc="-1" strike="noStrike">
+              <a:rPr lang="ko-KR" altLang="en-US" sz="1200" b="0" strike="noStrike" spc="-1" dirty="0">
                 <a:solidFill>
                   <a:srgbClr val="808080"/>
                 </a:solidFill>
                 <a:latin typeface="맑은 고딕"/>
                 <a:ea typeface="DejaVu Sans"/>
               </a:rPr>
-              <a:t>회전 큐브는 일단</a:t>
+              <a:t>회전 큐브 </a:t>
             </a:r>
             <a:r>
-              <a:rPr b="0" lang="en-US" sz="1200" spc="-1" strike="noStrike">
-                <a:solidFill>
-                  <a:srgbClr val="808080"/>
-                </a:solidFill>
-                <a:latin typeface="맑은 고딕"/>
-                <a:ea typeface="DejaVu Sans"/>
-              </a:rPr>
-              <a:t> </a:t>
-            </a:r>
-            <a:endParaRPr b="0" lang="en-US" sz="1200" spc="-1" strike="noStrike">
-              <a:latin typeface="Arial"/>
-            </a:endParaRPr>
-          </a:p>
-          <a:p>
-            <a:pPr>
-              <a:lnSpc>
-                <a:spcPct val="100000"/>
-              </a:lnSpc>
-              <a:buNone/>
-            </a:pPr>
-            <a:r>
-              <a:rPr b="0" lang="en-US" sz="1200" spc="-1" strike="noStrike">
+              <a:rPr lang="en-US" altLang="ko-KR" sz="1200" b="0" strike="noStrike" spc="-1" dirty="0">
                 <a:solidFill>
                   <a:srgbClr val="808080"/>
                 </a:solidFill>
@@ -15141,57 +15661,36 @@
               <a:t>1</a:t>
             </a:r>
             <a:r>
-              <a:rPr b="0" lang="ko-KR" sz="1200" spc="-1" strike="noStrike">
+              <a:rPr lang="ko-KR" altLang="en-US" sz="1200" b="0" strike="noStrike" spc="-1" dirty="0">
                 <a:solidFill>
                   <a:srgbClr val="808080"/>
                 </a:solidFill>
                 <a:latin typeface="맑은 고딕"/>
                 <a:ea typeface="DejaVu Sans"/>
               </a:rPr>
-              <a:t>초에 두 바퀴를 회전하는 속도로 설정</a:t>
+              <a:t>초에 </a:t>
             </a:r>
-            <a:endParaRPr b="0" lang="en-US" sz="1200" spc="-1" strike="noStrike">
-              <a:latin typeface="Arial"/>
-            </a:endParaRPr>
-          </a:p>
-          <a:p>
-            <a:pPr>
-              <a:lnSpc>
-                <a:spcPct val="100000"/>
-              </a:lnSpc>
-              <a:buNone/>
-            </a:pPr>
             <a:r>
-              <a:rPr b="0" lang="en-US" sz="1200" spc="-1" strike="noStrike">
+              <a:rPr lang="en-US" altLang="ko-KR" sz="1200" spc="-1" dirty="0">
                 <a:solidFill>
                   <a:srgbClr val="808080"/>
                 </a:solidFill>
                 <a:latin typeface="맑은 고딕"/>
                 <a:ea typeface="DejaVu Sans"/>
               </a:rPr>
-              <a:t>(</a:t>
+              <a:t>3/4</a:t>
             </a:r>
             <a:r>
-              <a:rPr b="0" lang="ko-KR" sz="1200" spc="-1" strike="noStrike">
+              <a:rPr lang="ko-KR" altLang="en-US" sz="1200" b="0" strike="noStrike" spc="-1" dirty="0">
                 <a:solidFill>
                   <a:srgbClr val="808080"/>
                 </a:solidFill>
                 <a:latin typeface="맑은 고딕"/>
                 <a:ea typeface="DejaVu Sans"/>
               </a:rPr>
-              <a:t>직접 보면서 변경 할 수도 있음</a:t>
+              <a:t>바퀴 회전</a:t>
             </a:r>
-            <a:r>
-              <a:rPr b="0" lang="en-US" sz="1200" spc="-1" strike="noStrike">
-                <a:solidFill>
-                  <a:srgbClr val="808080"/>
-                </a:solidFill>
-                <a:latin typeface="맑은 고딕"/>
-                <a:ea typeface="DejaVu Sans"/>
-              </a:rPr>
-              <a:t>)</a:t>
-            </a:r>
-            <a:endParaRPr b="0" lang="en-US" sz="1200" spc="-1" strike="noStrike">
+            <a:endParaRPr lang="en-US" sz="1200" b="0" strike="noStrike" spc="-1" dirty="0">
               <a:latin typeface="Arial"/>
             </a:endParaRPr>
           </a:p>
@@ -15199,19 +15698,14 @@
       </p:sp>
     </p:spTree>
   </p:cSld>
-  <mc:AlternateContent>
-    <mc:Choice Requires="p14">
-      <p:transition spd="slow" p14:dur="2000"/>
-    </mc:Choice>
-    <mc:Fallback>
-      <p:transition spd="slow"/>
-    </mc:Fallback>
-  </mc:AlternateContent>
+  <p:clrMapOvr>
+    <a:masterClrMapping/>
+  </p:clrMapOvr>
 </p:sld>
 </file>
 
 <file path=ppt/slides/slide11.xml><?xml version="1.0" encoding="utf-8"?>
-<p:sld xmlns:a="http://schemas.openxmlformats.org/drawingml/2006/main" xmlns:p="http://schemas.openxmlformats.org/presentationml/2006/main" xmlns:r="http://schemas.openxmlformats.org/officeDocument/2006/relationships" xmlns:p14="http://schemas.microsoft.com/office/powerpoint/2010/main" xmlns:p15="http://schemas.microsoft.com/office/powerpoint/2012/main" xmlns:mc="http://schemas.openxmlformats.org/markup-compatibility/2006">
+<p:sld xmlns:a="http://schemas.openxmlformats.org/drawingml/2006/main" xmlns:r="http://schemas.openxmlformats.org/officeDocument/2006/relationships" xmlns:p="http://schemas.openxmlformats.org/presentationml/2006/main">
   <p:cSld>
     <p:spTree>
       <p:nvGrpSpPr>
@@ -15398,15 +15892,22 @@
           </a:ln>
         </p:spPr>
         <p:style>
-          <a:lnRef idx="0"/>
-          <a:fillRef idx="0"/>
-          <a:effectRef idx="0"/>
+          <a:lnRef idx="0">
+            <a:scrgbClr r="0" g="0" b="0"/>
+          </a:lnRef>
+          <a:fillRef idx="0">
+            <a:scrgbClr r="0" g="0" b="0"/>
+          </a:fillRef>
+          <a:effectRef idx="0">
+            <a:scrgbClr r="0" g="0" b="0"/>
+          </a:effectRef>
           <a:fontRef idx="minor"/>
         </p:style>
         <p:txBody>
-          <a:bodyPr lIns="90000" rIns="90000" tIns="45000" bIns="45000" anchor="t">
+          <a:bodyPr lIns="90000" tIns="45000" rIns="90000" bIns="45000" anchor="t">
             <a:spAutoFit/>
           </a:bodyPr>
+          <a:lstStyle/>
           <a:p>
             <a:pPr>
               <a:lnSpc>
@@ -15415,7 +15916,7 @@
               <a:buNone/>
             </a:pPr>
             <a:r>
-              <a:rPr b="0" lang="en-US" sz="1400" spc="-1" strike="noStrike">
+              <a:rPr lang="en-US" sz="1400" b="0" strike="noStrike" spc="-1">
                 <a:solidFill>
                   <a:srgbClr val="000000"/>
                 </a:solidFill>
@@ -15424,7 +15925,7 @@
               </a:rPr>
               <a:t>0m</a:t>
             </a:r>
-            <a:endParaRPr b="0" lang="en-US" sz="1400" spc="-1" strike="noStrike">
+            <a:endParaRPr lang="en-US" sz="1400" b="0" strike="noStrike" spc="-1">
               <a:latin typeface="Arial"/>
             </a:endParaRPr>
           </a:p>
@@ -15450,15 +15951,22 @@
           </a:ln>
         </p:spPr>
         <p:style>
-          <a:lnRef idx="0"/>
-          <a:fillRef idx="0"/>
-          <a:effectRef idx="0"/>
+          <a:lnRef idx="0">
+            <a:scrgbClr r="0" g="0" b="0"/>
+          </a:lnRef>
+          <a:fillRef idx="0">
+            <a:scrgbClr r="0" g="0" b="0"/>
+          </a:fillRef>
+          <a:effectRef idx="0">
+            <a:scrgbClr r="0" g="0" b="0"/>
+          </a:effectRef>
           <a:fontRef idx="minor"/>
         </p:style>
         <p:txBody>
-          <a:bodyPr lIns="90000" rIns="90000" tIns="45000" bIns="45000" anchor="t">
+          <a:bodyPr lIns="90000" tIns="45000" rIns="90000" bIns="45000" anchor="t">
             <a:spAutoFit/>
           </a:bodyPr>
+          <a:lstStyle/>
           <a:p>
             <a:pPr>
               <a:lnSpc>
@@ -15467,7 +15975,7 @@
               <a:buNone/>
             </a:pPr>
             <a:r>
-              <a:rPr b="0" lang="en-US" sz="1400" spc="-1" strike="noStrike">
+              <a:rPr lang="en-US" sz="1400" b="0" strike="noStrike" spc="-1">
                 <a:solidFill>
                   <a:srgbClr val="000000"/>
                 </a:solidFill>
@@ -15476,7 +15984,7 @@
               </a:rPr>
               <a:t>4m</a:t>
             </a:r>
-            <a:endParaRPr b="0" lang="en-US" sz="1400" spc="-1" strike="noStrike">
+            <a:endParaRPr lang="en-US" sz="1400" b="0" strike="noStrike" spc="-1">
               <a:latin typeface="Arial"/>
             </a:endParaRPr>
           </a:p>
@@ -15502,15 +16010,22 @@
           </a:ln>
         </p:spPr>
         <p:style>
-          <a:lnRef idx="0"/>
-          <a:fillRef idx="0"/>
-          <a:effectRef idx="0"/>
+          <a:lnRef idx="0">
+            <a:scrgbClr r="0" g="0" b="0"/>
+          </a:lnRef>
+          <a:fillRef idx="0">
+            <a:scrgbClr r="0" g="0" b="0"/>
+          </a:fillRef>
+          <a:effectRef idx="0">
+            <a:scrgbClr r="0" g="0" b="0"/>
+          </a:effectRef>
           <a:fontRef idx="minor"/>
         </p:style>
         <p:txBody>
-          <a:bodyPr lIns="90000" rIns="90000" tIns="45000" bIns="45000" anchor="t">
+          <a:bodyPr lIns="90000" tIns="45000" rIns="90000" bIns="45000" anchor="t">
             <a:spAutoFit/>
           </a:bodyPr>
+          <a:lstStyle/>
           <a:p>
             <a:pPr>
               <a:lnSpc>
@@ -15519,7 +16034,7 @@
               <a:buNone/>
             </a:pPr>
             <a:r>
-              <a:rPr b="1" lang="en-US" sz="1600" spc="-1" strike="noStrike">
+              <a:rPr lang="en-US" sz="1600" b="1" strike="noStrike" spc="-1">
                 <a:solidFill>
                   <a:srgbClr val="000000"/>
                 </a:solidFill>
@@ -15528,7 +16043,7 @@
               </a:rPr>
               <a:t>Lv. 0</a:t>
             </a:r>
-            <a:endParaRPr b="0" lang="en-US" sz="1600" spc="-1" strike="noStrike">
+            <a:endParaRPr lang="en-US" sz="1600" b="0" strike="noStrike" spc="-1">
               <a:latin typeface="Arial"/>
             </a:endParaRPr>
           </a:p>
@@ -15554,15 +16069,22 @@
           </a:ln>
         </p:spPr>
         <p:style>
-          <a:lnRef idx="0"/>
-          <a:fillRef idx="0"/>
-          <a:effectRef idx="0"/>
+          <a:lnRef idx="0">
+            <a:scrgbClr r="0" g="0" b="0"/>
+          </a:lnRef>
+          <a:fillRef idx="0">
+            <a:scrgbClr r="0" g="0" b="0"/>
+          </a:fillRef>
+          <a:effectRef idx="0">
+            <a:scrgbClr r="0" g="0" b="0"/>
+          </a:effectRef>
           <a:fontRef idx="minor"/>
         </p:style>
         <p:txBody>
-          <a:bodyPr lIns="90000" rIns="90000" tIns="45000" bIns="45000" anchor="t">
+          <a:bodyPr lIns="90000" tIns="45000" rIns="90000" bIns="45000" anchor="t">
             <a:spAutoFit/>
           </a:bodyPr>
+          <a:lstStyle/>
           <a:p>
             <a:pPr>
               <a:lnSpc>
@@ -15571,7 +16093,7 @@
               <a:buNone/>
             </a:pPr>
             <a:r>
-              <a:rPr b="1" lang="en-US" sz="1600" spc="-1" strike="noStrike">
+              <a:rPr lang="en-US" sz="1600" b="1" strike="noStrike" spc="-1">
                 <a:solidFill>
                   <a:srgbClr val="000000"/>
                 </a:solidFill>
@@ -15580,7 +16102,7 @@
               </a:rPr>
               <a:t>Lv. 1</a:t>
             </a:r>
-            <a:endParaRPr b="0" lang="en-US" sz="1600" spc="-1" strike="noStrike">
+            <a:endParaRPr lang="en-US" sz="1600" b="0" strike="noStrike" spc="-1">
               <a:latin typeface="Arial"/>
             </a:endParaRPr>
           </a:p>
@@ -15606,15 +16128,22 @@
           </a:ln>
         </p:spPr>
         <p:style>
-          <a:lnRef idx="0"/>
-          <a:fillRef idx="0"/>
-          <a:effectRef idx="0"/>
+          <a:lnRef idx="0">
+            <a:scrgbClr r="0" g="0" b="0"/>
+          </a:lnRef>
+          <a:fillRef idx="0">
+            <a:scrgbClr r="0" g="0" b="0"/>
+          </a:fillRef>
+          <a:effectRef idx="0">
+            <a:scrgbClr r="0" g="0" b="0"/>
+          </a:effectRef>
           <a:fontRef idx="minor"/>
         </p:style>
         <p:txBody>
-          <a:bodyPr lIns="90000" rIns="90000" tIns="45000" bIns="45000" anchor="t">
+          <a:bodyPr lIns="90000" tIns="45000" rIns="90000" bIns="45000" anchor="t">
             <a:spAutoFit/>
           </a:bodyPr>
+          <a:lstStyle/>
           <a:p>
             <a:pPr algn="ctr">
               <a:lnSpc>
@@ -15623,7 +16152,7 @@
               <a:buNone/>
             </a:pPr>
             <a:r>
-              <a:rPr b="0" lang="en-US" sz="1800" spc="-1" strike="noStrike">
+              <a:rPr lang="en-US" sz="1800" b="0" strike="noStrike" spc="-1">
                 <a:solidFill>
                   <a:srgbClr val="000000"/>
                 </a:solidFill>
@@ -15632,7 +16161,7 @@
               </a:rPr>
               <a:t>15g x 15g x 8g  </a:t>
             </a:r>
-            <a:endParaRPr b="0" lang="en-US" sz="1800" spc="-1" strike="noStrike">
+            <a:endParaRPr lang="en-US" sz="1800" b="0" strike="noStrike" spc="-1">
               <a:latin typeface="Arial"/>
             </a:endParaRPr>
           </a:p>
@@ -15677,9 +16206,10 @@
           <a:fontRef idx="minor"/>
         </p:style>
         <p:txBody>
-          <a:bodyPr lIns="90000" rIns="90000" tIns="45000" bIns="45000" anchor="ctr">
+          <a:bodyPr lIns="90000" tIns="45000" rIns="90000" bIns="45000" anchor="ctr">
             <a:noAutofit/>
           </a:bodyPr>
+          <a:lstStyle/>
           <a:p>
             <a:pPr algn="ctr">
               <a:lnSpc>
@@ -15688,16 +16218,16 @@
               <a:buNone/>
             </a:pPr>
             <a:r>
-              <a:rPr b="0" lang="en-US" sz="1800" spc="-1" strike="noStrike">
+              <a:rPr lang="en-US" sz="1800" b="0" strike="noStrike" spc="-1">
                 <a:solidFill>
-                  <a:srgbClr val="f2f2f2"/>
+                  <a:srgbClr val="F2F2F2"/>
                 </a:solidFill>
                 <a:latin typeface="맑은 고딕"/>
                 <a:ea typeface="DejaVu Sans"/>
               </a:rPr>
               <a:t>Grand_S8</a:t>
             </a:r>
-            <a:endParaRPr b="0" lang="en-US" sz="1800" spc="-1" strike="noStrike">
+            <a:endParaRPr lang="en-US" sz="1800" b="0" strike="noStrike" spc="-1">
               <a:latin typeface="Arial"/>
             </a:endParaRPr>
           </a:p>
@@ -24943,7 +25473,7 @@
             <a:avLst/>
           </a:prstGeom>
           <a:solidFill>
-            <a:srgbClr val="00b0f0"/>
+            <a:srgbClr val="00B0F0"/>
           </a:solidFill>
           <a:ln>
             <a:noFill/>
@@ -25029,6 +25559,7 @@
               <a:avLst/>
               <a:gdLst/>
               <a:ahLst/>
+              <a:cxnLst/>
               <a:rect l="l" t="t" r="r" b="b"/>
               <a:pathLst>
                 <a:path w="21600" h="21600">
@@ -25044,9 +25575,9 @@
             <a:noFill/>
             <a:ln w="28575">
               <a:solidFill>
-                <a:srgbClr val="ffc000"/>
+                <a:srgbClr val="FFC000"/>
               </a:solidFill>
-              <a:tailEnd len="med" type="arrow" w="med"/>
+              <a:tailEnd type="arrow" w="med" len="med"/>
             </a:ln>
           </p:spPr>
           <p:style>
@@ -25114,6 +25645,7 @@
             <a:avLst/>
             <a:gdLst/>
             <a:ahLst/>
+            <a:cxnLst/>
             <a:rect l="l" t="t" r="r" b="b"/>
             <a:pathLst>
               <a:path w="21600" h="21600">
@@ -25129,9 +25661,9 @@
           <a:noFill/>
           <a:ln w="28575">
             <a:solidFill>
-              <a:srgbClr val="ffc000"/>
-            </a:solidFill>
-            <a:headEnd len="med" type="arrow" w="med"/>
+              <a:srgbClr val="FFC000"/>
+            </a:solidFill>
+            <a:headEnd type="arrow" w="med" len="med"/>
           </a:ln>
         </p:spPr>
         <p:style>
@@ -25162,7 +25694,7 @@
             <a:avLst/>
           </a:prstGeom>
           <a:solidFill>
-            <a:srgbClr val="00b0f0"/>
+            <a:srgbClr val="00B0F0"/>
           </a:solidFill>
           <a:ln>
             <a:noFill/>
@@ -25198,7 +25730,7 @@
             <a:avLst/>
           </a:prstGeom>
           <a:solidFill>
-            <a:srgbClr val="00b0f0"/>
+            <a:srgbClr val="00B0F0"/>
           </a:solidFill>
           <a:ln>
             <a:noFill/>
@@ -25234,7 +25766,7 @@
             <a:avLst/>
           </a:prstGeom>
           <a:solidFill>
-            <a:srgbClr val="ffff00"/>
+            <a:srgbClr val="FFFF00"/>
           </a:solidFill>
           <a:ln>
             <a:solidFill>
@@ -25272,7 +25804,7 @@
             <a:avLst/>
           </a:prstGeom>
           <a:solidFill>
-            <a:srgbClr val="00b0f0"/>
+            <a:srgbClr val="00B0F0"/>
           </a:solidFill>
           <a:ln>
             <a:noFill/>
@@ -25308,7 +25840,7 @@
             <a:avLst/>
           </a:prstGeom>
           <a:solidFill>
-            <a:srgbClr val="ffff00"/>
+            <a:srgbClr val="FFFF00"/>
           </a:solidFill>
           <a:ln>
             <a:solidFill>
@@ -25338,7 +25870,7 @@
           <p:nvPr/>
         </p:nvSpPr>
         <p:spPr>
-          <a:xfrm flipH="1" rot="5400000">
+          <a:xfrm rot="5400000" flipH="1">
             <a:off x="6051600" y="4361760"/>
             <a:ext cx="45000" cy="1468080"/>
           </a:xfrm>
@@ -25346,7 +25878,7 @@
             <a:avLst/>
           </a:prstGeom>
           <a:solidFill>
-            <a:srgbClr val="00b0f0"/>
+            <a:srgbClr val="00B0F0"/>
           </a:solidFill>
           <a:ln>
             <a:noFill/>
@@ -25382,7 +25914,7 @@
             <a:avLst/>
           </a:prstGeom>
           <a:solidFill>
-            <a:srgbClr val="00b0f0"/>
+            <a:srgbClr val="00B0F0"/>
           </a:solidFill>
           <a:ln>
             <a:noFill/>
@@ -25457,7 +25989,7 @@
             <a:avLst/>
           </a:prstGeom>
           <a:solidFill>
-            <a:srgbClr val="c00000"/>
+            <a:srgbClr val="C00000"/>
           </a:solidFill>
           <a:ln>
             <a:solidFill>
@@ -25480,9 +26012,10 @@
           <a:fontRef idx="minor"/>
         </p:style>
         <p:txBody>
-          <a:bodyPr lIns="90000" rIns="90000" tIns="45000" bIns="45000" anchor="ctr">
+          <a:bodyPr lIns="90000" tIns="45000" rIns="90000" bIns="45000" anchor="ctr">
             <a:noAutofit/>
           </a:bodyPr>
+          <a:lstStyle/>
           <a:p>
             <a:pPr algn="ctr">
               <a:lnSpc>
@@ -25491,16 +26024,16 @@
               <a:buNone/>
             </a:pPr>
             <a:r>
-              <a:rPr b="0" lang="en-US" sz="1340" spc="-1" strike="noStrike">
+              <a:rPr lang="en-US" sz="1340" b="0" strike="noStrike" spc="-1">
                 <a:solidFill>
-                  <a:srgbClr val="ffffff"/>
+                  <a:srgbClr val="FFFFFF"/>
                 </a:solidFill>
                 <a:latin typeface="Arial"/>
                 <a:ea typeface="DejaVu Sans"/>
               </a:rPr>
               <a:t>1</a:t>
             </a:r>
-            <a:endParaRPr b="0" lang="en-US" sz="1340" spc="-1" strike="noStrike">
+            <a:endParaRPr lang="en-US" sz="1340" b="0" strike="noStrike" spc="-1">
               <a:latin typeface="Arial"/>
             </a:endParaRPr>
           </a:p>
@@ -25521,7 +26054,7 @@
             <a:avLst/>
           </a:prstGeom>
           <a:solidFill>
-            <a:srgbClr val="c00000"/>
+            <a:srgbClr val="C00000"/>
           </a:solidFill>
           <a:ln>
             <a:solidFill>
@@ -25544,9 +26077,10 @@
           <a:fontRef idx="minor"/>
         </p:style>
         <p:txBody>
-          <a:bodyPr lIns="90000" rIns="90000" tIns="45000" bIns="45000" anchor="ctr">
+          <a:bodyPr lIns="90000" tIns="45000" rIns="90000" bIns="45000" anchor="ctr">
             <a:noAutofit/>
           </a:bodyPr>
+          <a:lstStyle/>
           <a:p>
             <a:pPr algn="ctr">
               <a:lnSpc>
@@ -25555,16 +26089,16 @@
               <a:buNone/>
             </a:pPr>
             <a:r>
-              <a:rPr b="0" lang="en-US" sz="1340" spc="-1" strike="noStrike">
+              <a:rPr lang="en-US" sz="1340" b="0" strike="noStrike" spc="-1">
                 <a:solidFill>
-                  <a:srgbClr val="ffffff"/>
+                  <a:srgbClr val="FFFFFF"/>
                 </a:solidFill>
                 <a:latin typeface="Arial"/>
                 <a:ea typeface="DejaVu Sans"/>
               </a:rPr>
               <a:t>1</a:t>
             </a:r>
-            <a:endParaRPr b="0" lang="en-US" sz="1340" spc="-1" strike="noStrike">
+            <a:endParaRPr lang="en-US" sz="1340" b="0" strike="noStrike" spc="-1">
               <a:latin typeface="Arial"/>
             </a:endParaRPr>
           </a:p>
@@ -25599,7 +26133,7 @@
               <a:avLst/>
             </a:prstGeom>
             <a:solidFill>
-              <a:srgbClr val="c00000"/>
+              <a:srgbClr val="C00000"/>
             </a:solidFill>
             <a:ln>
               <a:solidFill>
@@ -25642,15 +26176,22 @@
             </a:ln>
           </p:spPr>
           <p:style>
-            <a:lnRef idx="0"/>
-            <a:fillRef idx="0"/>
-            <a:effectRef idx="0"/>
+            <a:lnRef idx="0">
+              <a:scrgbClr r="0" g="0" b="0"/>
+            </a:lnRef>
+            <a:fillRef idx="0">
+              <a:scrgbClr r="0" g="0" b="0"/>
+            </a:fillRef>
+            <a:effectRef idx="0">
+              <a:scrgbClr r="0" g="0" b="0"/>
+            </a:effectRef>
             <a:fontRef idx="minor"/>
           </p:style>
           <p:txBody>
-            <a:bodyPr wrap="none" lIns="90000" rIns="90000" tIns="45000" bIns="45000" anchor="t">
+            <a:bodyPr wrap="none" lIns="90000" tIns="45000" rIns="90000" bIns="45000" anchor="t">
               <a:spAutoFit/>
             </a:bodyPr>
+            <a:lstStyle/>
             <a:p>
               <a:pPr>
                 <a:lnSpc>
@@ -25659,16 +26200,16 @@
                 <a:buNone/>
               </a:pPr>
               <a:r>
-                <a:rPr b="0" lang="en-US" sz="1050" spc="-1" strike="noStrike">
+                <a:rPr lang="en-US" sz="1050" b="0" strike="noStrike" spc="-1">
                   <a:solidFill>
-                    <a:srgbClr val="ffffff"/>
+                    <a:srgbClr val="FFFFFF"/>
                   </a:solidFill>
                   <a:latin typeface="맑은 고딕"/>
                   <a:ea typeface="DejaVu Sans"/>
                 </a:rPr>
                 <a:t>15</a:t>
               </a:r>
-              <a:endParaRPr b="0" lang="en-US" sz="1050" spc="-1" strike="noStrike">
+              <a:endParaRPr lang="en-US" sz="1050" b="0" strike="noStrike" spc="-1">
                 <a:latin typeface="Arial"/>
               </a:endParaRPr>
             </a:p>
@@ -25691,11 +26232,19 @@
           </a:prstGeom>
           <a:ln w="12700">
             <a:solidFill>
-              <a:srgbClr val="ffffff"/>
-            </a:solidFill>
-            <a:headEnd len="med" type="arrow" w="med"/>
-            <a:tailEnd len="med" type="arrow" w="med"/>
-          </a:ln>
+              <a:srgbClr val="FFFFFF"/>
+            </a:solidFill>
+            <a:headEnd type="arrow" w="med" len="med"/>
+            <a:tailEnd type="arrow" w="med" len="med"/>
+          </a:ln>
+          <a:effectLst>
+            <a:glow rad="101600">
+              <a:schemeClr val="accent5">
+                <a:satMod val="175000"/>
+                <a:alpha val="40000"/>
+              </a:schemeClr>
+            </a:glow>
+          </a:effectLst>
         </p:spPr>
         <p:style>
           <a:lnRef idx="1">
@@ -25726,11 +26275,19 @@
           </a:prstGeom>
           <a:ln w="12700">
             <a:solidFill>
-              <a:srgbClr val="ffffff"/>
-            </a:solidFill>
-            <a:headEnd len="med" type="arrow" w="med"/>
-            <a:tailEnd len="med" type="arrow" w="med"/>
-          </a:ln>
+              <a:srgbClr val="FFFFFF"/>
+            </a:solidFill>
+            <a:headEnd type="arrow" w="med" len="med"/>
+            <a:tailEnd type="arrow" w="med" len="med"/>
+          </a:ln>
+          <a:effectLst>
+            <a:glow rad="101600">
+              <a:schemeClr val="accent5">
+                <a:satMod val="175000"/>
+                <a:alpha val="40000"/>
+              </a:schemeClr>
+            </a:glow>
+          </a:effectLst>
         </p:spPr>
         <p:style>
           <a:lnRef idx="1">
@@ -25799,10 +26356,18 @@
           </a:prstGeom>
           <a:ln w="12700">
             <a:solidFill>
-              <a:srgbClr val="ffffff"/>
+              <a:srgbClr val="FFFFFF"/>
             </a:solidFill>
             <a:prstDash val="lgDash"/>
           </a:ln>
+          <a:effectLst>
+            <a:glow rad="101600">
+              <a:schemeClr val="accent5">
+                <a:satMod val="175000"/>
+                <a:alpha val="40000"/>
+              </a:schemeClr>
+            </a:glow>
+          </a:effectLst>
         </p:spPr>
         <p:style>
           <a:lnRef idx="1">
@@ -25824,7 +26389,7 @@
           <p:nvPr/>
         </p:nvSpPr>
         <p:spPr>
-          <a:xfrm flipH="1" flipV="1" rot="1577400">
+          <a:xfrm rot="1577400" flipH="1" flipV="1">
             <a:off x="5183640" y="3131640"/>
             <a:ext cx="298800" cy="128520"/>
           </a:xfrm>
@@ -25930,7 +26495,7 @@
               <a:avLst/>
             </a:prstGeom>
             <a:solidFill>
-              <a:srgbClr val="c00000"/>
+              <a:srgbClr val="C00000"/>
             </a:solidFill>
             <a:ln>
               <a:solidFill>
@@ -25973,15 +26538,22 @@
             </a:ln>
           </p:spPr>
           <p:style>
-            <a:lnRef idx="0"/>
-            <a:fillRef idx="0"/>
-            <a:effectRef idx="0"/>
+            <a:lnRef idx="0">
+              <a:scrgbClr r="0" g="0" b="0"/>
+            </a:lnRef>
+            <a:fillRef idx="0">
+              <a:scrgbClr r="0" g="0" b="0"/>
+            </a:fillRef>
+            <a:effectRef idx="0">
+              <a:scrgbClr r="0" g="0" b="0"/>
+            </a:effectRef>
             <a:fontRef idx="minor"/>
           </p:style>
           <p:txBody>
-            <a:bodyPr wrap="none" lIns="90000" rIns="90000" tIns="45000" bIns="45000" anchor="t">
+            <a:bodyPr wrap="none" lIns="90000" tIns="45000" rIns="90000" bIns="45000" anchor="t">
               <a:spAutoFit/>
             </a:bodyPr>
+            <a:lstStyle/>
             <a:p>
               <a:pPr>
                 <a:lnSpc>
@@ -25990,16 +26562,16 @@
                 <a:buNone/>
               </a:pPr>
               <a:r>
-                <a:rPr b="0" lang="en-US" sz="1050" spc="-1" strike="noStrike">
+                <a:rPr lang="en-US" sz="1050" b="0" strike="noStrike" spc="-1">
                   <a:solidFill>
-                    <a:srgbClr val="ffffff"/>
+                    <a:srgbClr val="FFFFFF"/>
                   </a:solidFill>
                   <a:latin typeface="맑은 고딕"/>
                   <a:ea typeface="DejaVu Sans"/>
                 </a:rPr>
                 <a:t>26</a:t>
               </a:r>
-              <a:endParaRPr b="0" lang="en-US" sz="1050" spc="-1" strike="noStrike">
+              <a:endParaRPr lang="en-US" sz="1050" b="0" strike="noStrike" spc="-1">
                 <a:latin typeface="Arial"/>
               </a:endParaRPr>
             </a:p>
@@ -26035,7 +26607,7 @@
               <a:avLst/>
             </a:prstGeom>
             <a:solidFill>
-              <a:srgbClr val="c00000"/>
+              <a:srgbClr val="C00000"/>
             </a:solidFill>
             <a:ln>
               <a:solidFill>
@@ -26078,15 +26650,22 @@
             </a:ln>
           </p:spPr>
           <p:style>
-            <a:lnRef idx="0"/>
-            <a:fillRef idx="0"/>
-            <a:effectRef idx="0"/>
+            <a:lnRef idx="0">
+              <a:scrgbClr r="0" g="0" b="0"/>
+            </a:lnRef>
+            <a:fillRef idx="0">
+              <a:scrgbClr r="0" g="0" b="0"/>
+            </a:fillRef>
+            <a:effectRef idx="0">
+              <a:scrgbClr r="0" g="0" b="0"/>
+            </a:effectRef>
             <a:fontRef idx="minor"/>
           </p:style>
           <p:txBody>
-            <a:bodyPr wrap="none" lIns="90000" rIns="90000" tIns="45000" bIns="45000" anchor="t">
+            <a:bodyPr wrap="none" lIns="90000" tIns="45000" rIns="90000" bIns="45000" anchor="t">
               <a:spAutoFit/>
             </a:bodyPr>
+            <a:lstStyle/>
             <a:p>
               <a:pPr>
                 <a:lnSpc>
@@ -26095,16 +26674,16 @@
                 <a:buNone/>
               </a:pPr>
               <a:r>
-                <a:rPr b="0" lang="en-US" sz="1050" spc="-1" strike="noStrike">
+                <a:rPr lang="en-US" sz="1050" b="0" strike="noStrike" spc="-1">
                   <a:solidFill>
-                    <a:srgbClr val="ffffff"/>
+                    <a:srgbClr val="FFFFFF"/>
                   </a:solidFill>
                   <a:latin typeface="맑은 고딕"/>
                   <a:ea typeface="DejaVu Sans"/>
                 </a:rPr>
                 <a:t>25</a:t>
               </a:r>
-              <a:endParaRPr b="0" lang="en-US" sz="1050" spc="-1" strike="noStrike">
+              <a:endParaRPr lang="en-US" sz="1050" b="0" strike="noStrike" spc="-1">
                 <a:latin typeface="Arial"/>
               </a:endParaRPr>
             </a:p>
@@ -26140,7 +26719,7 @@
               <a:avLst/>
             </a:prstGeom>
             <a:solidFill>
-              <a:srgbClr val="c00000"/>
+              <a:srgbClr val="C00000"/>
             </a:solidFill>
             <a:ln>
               <a:solidFill>
@@ -26183,15 +26762,22 @@
             </a:ln>
           </p:spPr>
           <p:style>
-            <a:lnRef idx="0"/>
-            <a:fillRef idx="0"/>
-            <a:effectRef idx="0"/>
+            <a:lnRef idx="0">
+              <a:scrgbClr r="0" g="0" b="0"/>
+            </a:lnRef>
+            <a:fillRef idx="0">
+              <a:scrgbClr r="0" g="0" b="0"/>
+            </a:fillRef>
+            <a:effectRef idx="0">
+              <a:scrgbClr r="0" g="0" b="0"/>
+            </a:effectRef>
             <a:fontRef idx="minor"/>
           </p:style>
           <p:txBody>
-            <a:bodyPr wrap="none" lIns="90000" rIns="90000" tIns="45000" bIns="45000" anchor="t">
+            <a:bodyPr wrap="none" lIns="90000" tIns="45000" rIns="90000" bIns="45000" anchor="t">
               <a:spAutoFit/>
             </a:bodyPr>
+            <a:lstStyle/>
             <a:p>
               <a:pPr>
                 <a:lnSpc>
@@ -26200,16 +26786,16 @@
                 <a:buNone/>
               </a:pPr>
               <a:r>
-                <a:rPr b="0" lang="en-US" sz="1050" spc="-1" strike="noStrike">
+                <a:rPr lang="en-US" sz="1050" b="0" strike="noStrike" spc="-1">
                   <a:solidFill>
-                    <a:srgbClr val="ffffff"/>
+                    <a:srgbClr val="FFFFFF"/>
                   </a:solidFill>
                   <a:latin typeface="맑은 고딕"/>
                   <a:ea typeface="DejaVu Sans"/>
                 </a:rPr>
                 <a:t>11</a:t>
               </a:r>
-              <a:endParaRPr b="0" lang="en-US" sz="1050" spc="-1" strike="noStrike">
+              <a:endParaRPr lang="en-US" sz="1050" b="0" strike="noStrike" spc="-1">
                 <a:latin typeface="Arial"/>
               </a:endParaRPr>
             </a:p>
@@ -26250,9 +26836,10 @@
           <a:fontRef idx="minor"/>
         </p:style>
         <p:txBody>
-          <a:bodyPr lIns="90000" rIns="90000" tIns="45000" bIns="45000" anchor="ctr">
+          <a:bodyPr lIns="90000" tIns="45000" rIns="90000" bIns="45000" anchor="ctr">
             <a:noAutofit/>
           </a:bodyPr>
+          <a:lstStyle/>
           <a:p>
             <a:pPr>
               <a:lnSpc>
@@ -26261,7 +26848,7 @@
               <a:buNone/>
             </a:pPr>
             <a:r>
-              <a:rPr b="0" lang="ko-KR" sz="1200" spc="-1" strike="noStrike">
+              <a:rPr lang="ko-KR" sz="1200" b="0" strike="noStrike" spc="-1">
                 <a:solidFill>
                   <a:srgbClr val="808080"/>
                 </a:solidFill>
@@ -26271,7 +26858,7 @@
               <a:t>회전 큐브는 일단</a:t>
             </a:r>
             <a:r>
-              <a:rPr b="0" lang="en-US" sz="1200" spc="-1" strike="noStrike">
+              <a:rPr lang="en-US" sz="1200" b="0" strike="noStrike" spc="-1">
                 <a:solidFill>
                   <a:srgbClr val="808080"/>
                 </a:solidFill>
@@ -26280,7 +26867,7 @@
               </a:rPr>
               <a:t> </a:t>
             </a:r>
-            <a:endParaRPr b="0" lang="en-US" sz="1200" spc="-1" strike="noStrike">
+            <a:endParaRPr lang="en-US" sz="1200" b="0" strike="noStrike" spc="-1">
               <a:latin typeface="Arial"/>
             </a:endParaRPr>
           </a:p>
@@ -26292,7 +26879,7 @@
               <a:buNone/>
             </a:pPr>
             <a:r>
-              <a:rPr b="0" lang="en-US" sz="1200" spc="-1" strike="noStrike">
+              <a:rPr lang="en-US" sz="1200" b="0" strike="noStrike" spc="-1">
                 <a:solidFill>
                   <a:srgbClr val="808080"/>
                 </a:solidFill>
@@ -26302,7 +26889,7 @@
               <a:t>1</a:t>
             </a:r>
             <a:r>
-              <a:rPr b="0" lang="ko-KR" sz="1200" spc="-1" strike="noStrike">
+              <a:rPr lang="ko-KR" sz="1200" b="0" strike="noStrike" spc="-1">
                 <a:solidFill>
                   <a:srgbClr val="808080"/>
                 </a:solidFill>
@@ -26312,7 +26899,7 @@
               <a:t>초에 </a:t>
             </a:r>
             <a:r>
-              <a:rPr b="0" lang="en-US" sz="1200" spc="-1" strike="noStrike">
+              <a:rPr lang="en-US" sz="1200" b="0" strike="noStrike" spc="-1">
                 <a:solidFill>
                   <a:srgbClr val="808080"/>
                 </a:solidFill>
@@ -26322,7 +26909,7 @@
               <a:t>2/3 </a:t>
             </a:r>
             <a:r>
-              <a:rPr b="0" lang="ko-KR" sz="1200" spc="-1" strike="noStrike">
+              <a:rPr lang="ko-KR" sz="1200" b="0" strike="noStrike" spc="-1">
                 <a:solidFill>
                   <a:srgbClr val="808080"/>
                 </a:solidFill>
@@ -26331,7 +26918,7 @@
               </a:rPr>
               <a:t>바퀴를 회전하는 속도로 설정</a:t>
             </a:r>
-            <a:endParaRPr b="0" lang="en-US" sz="1200" spc="-1" strike="noStrike">
+            <a:endParaRPr lang="en-US" sz="1200" b="0" strike="noStrike" spc="-1">
               <a:latin typeface="Arial"/>
             </a:endParaRPr>
           </a:p>
@@ -26343,7 +26930,7 @@
               <a:buNone/>
             </a:pPr>
             <a:r>
-              <a:rPr b="0" lang="en-US" sz="1200" spc="-1" strike="noStrike">
+              <a:rPr lang="en-US" sz="1200" b="0" strike="noStrike" spc="-1">
                 <a:solidFill>
                   <a:srgbClr val="808080"/>
                 </a:solidFill>
@@ -26353,7 +26940,7 @@
               <a:t>(</a:t>
             </a:r>
             <a:r>
-              <a:rPr b="0" lang="ko-KR" sz="1200" spc="-1" strike="noStrike">
+              <a:rPr lang="ko-KR" sz="1200" b="0" strike="noStrike" spc="-1">
                 <a:solidFill>
                   <a:srgbClr val="808080"/>
                 </a:solidFill>
@@ -26363,7 +26950,7 @@
               <a:t>직접 보면서 변경 할 수도 있음</a:t>
             </a:r>
             <a:r>
-              <a:rPr b="0" lang="en-US" sz="1200" spc="-1" strike="noStrike">
+              <a:rPr lang="en-US" sz="1200" b="0" strike="noStrike" spc="-1">
                 <a:solidFill>
                   <a:srgbClr val="808080"/>
                 </a:solidFill>
@@ -26372,7 +26959,7 @@
               </a:rPr>
               <a:t>)</a:t>
             </a:r>
-            <a:endParaRPr b="0" lang="en-US" sz="1200" spc="-1" strike="noStrike">
+            <a:endParaRPr lang="en-US" sz="1200" b="0" strike="noStrike" spc="-1">
               <a:latin typeface="Arial"/>
             </a:endParaRPr>
           </a:p>
@@ -26393,7 +26980,7 @@
             <a:avLst/>
           </a:prstGeom>
           <a:solidFill>
-            <a:srgbClr val="00b0f0"/>
+            <a:srgbClr val="00B0F0"/>
           </a:solidFill>
           <a:ln>
             <a:noFill/>
@@ -26448,9 +27035,10 @@
           <a:fontRef idx="minor"/>
         </p:style>
         <p:txBody>
-          <a:bodyPr lIns="90000" rIns="90000" tIns="45000" bIns="45000" anchor="ctr">
+          <a:bodyPr lIns="90000" tIns="45000" rIns="90000" bIns="45000" anchor="ctr">
             <a:noAutofit/>
           </a:bodyPr>
+          <a:lstStyle/>
           <a:p>
             <a:pPr>
               <a:lnSpc>
@@ -26459,36 +27047,122 @@
               <a:buNone/>
             </a:pPr>
             <a:r>
-              <a:rPr b="0" lang="ko-KR" sz="1600" spc="-1" strike="noStrike">
+              <a:rPr lang="ko-KR" sz="1600" b="0" strike="noStrike" spc="-1">
                 <a:solidFill>
-                  <a:srgbClr val="00b0f0"/>
+                  <a:srgbClr val="00B0F0"/>
                 </a:solidFill>
                 <a:latin typeface="맑은 고딕"/>
                 <a:ea typeface="DejaVu Sans"/>
               </a:rPr>
               <a:t>유리 벽</a:t>
             </a:r>
-            <a:endParaRPr b="0" lang="en-US" sz="1600" spc="-1" strike="noStrike">
+            <a:endParaRPr lang="en-US" sz="1600" b="0" strike="noStrike" spc="-1">
               <a:latin typeface="Arial"/>
             </a:endParaRPr>
           </a:p>
         </p:txBody>
       </p:sp>
+      <p:sp>
+        <p:nvSpPr>
+          <p:cNvPr id="274" name="직사각형 310">
+            <a:extLst>
+              <a:ext uri="{FF2B5EF4-FFF2-40B4-BE49-F238E27FC236}">
+                <a16:creationId xmlns:a16="http://schemas.microsoft.com/office/drawing/2014/main" id="{7FFDC10B-289D-412D-809C-C920EC2B5001}"/>
+              </a:ext>
+            </a:extLst>
+          </p:cNvPr>
+          <p:cNvSpPr/>
+          <p:nvPr/>
+        </p:nvSpPr>
+        <p:spPr>
+          <a:xfrm>
+            <a:off x="-13266" y="754380"/>
+            <a:ext cx="3357720" cy="606600"/>
+          </a:xfrm>
+          <a:prstGeom prst="rect">
+            <a:avLst/>
+          </a:prstGeom>
+          <a:noFill/>
+          <a:ln>
+            <a:noFill/>
+          </a:ln>
+        </p:spPr>
+        <p:style>
+          <a:lnRef idx="2">
+            <a:schemeClr val="accent1">
+              <a:shade val="50000"/>
+            </a:schemeClr>
+          </a:lnRef>
+          <a:fillRef idx="1">
+            <a:schemeClr val="accent1"/>
+          </a:fillRef>
+          <a:effectRef idx="0">
+            <a:schemeClr val="accent1"/>
+          </a:effectRef>
+          <a:fontRef idx="minor"/>
+        </p:style>
+        <p:txBody>
+          <a:bodyPr lIns="90000" tIns="45000" rIns="90000" bIns="45000" anchor="ctr">
+            <a:noAutofit/>
+          </a:bodyPr>
+          <a:lstStyle/>
+          <a:p>
+            <a:pPr>
+              <a:lnSpc>
+                <a:spcPct val="100000"/>
+              </a:lnSpc>
+              <a:buNone/>
+            </a:pPr>
+            <a:r>
+              <a:rPr lang="ko-KR" altLang="en-US" sz="1200" b="0" strike="noStrike" spc="-1" dirty="0">
+                <a:solidFill>
+                  <a:srgbClr val="808080"/>
+                </a:solidFill>
+                <a:latin typeface="맑은 고딕"/>
+                <a:ea typeface="DejaVu Sans"/>
+              </a:rPr>
+              <a:t>여기 스테이지 문제점이 많다 생각해서</a:t>
+            </a:r>
+            <a:endParaRPr lang="en-US" altLang="ko-KR" sz="1200" b="0" strike="noStrike" spc="-1" dirty="0">
+              <a:solidFill>
+                <a:srgbClr val="808080"/>
+              </a:solidFill>
+              <a:latin typeface="맑은 고딕"/>
+              <a:ea typeface="DejaVu Sans"/>
+            </a:endParaRPr>
+          </a:p>
+          <a:p>
+            <a:pPr>
+              <a:lnSpc>
+                <a:spcPct val="100000"/>
+              </a:lnSpc>
+              <a:buNone/>
+            </a:pPr>
+            <a:r>
+              <a:rPr lang="ko-KR" altLang="en-US" sz="1200" spc="-1" dirty="0">
+                <a:solidFill>
+                  <a:srgbClr val="808080"/>
+                </a:solidFill>
+                <a:latin typeface="맑은 고딕"/>
+              </a:rPr>
+              <a:t>갈아 엎을 예정입니다</a:t>
+            </a:r>
+            <a:endParaRPr lang="en-US" sz="1200" b="0" strike="noStrike" spc="-1" dirty="0">
+              <a:latin typeface="Arial"/>
+            </a:endParaRPr>
+          </a:p>
+        </p:txBody>
+      </p:sp>
     </p:spTree>
   </p:cSld>
-  <mc:AlternateContent>
-    <mc:Choice Requires="p14">
-      <p:transition spd="slow" p14:dur="2000"/>
-    </mc:Choice>
-    <mc:Fallback>
-      <p:transition spd="slow"/>
-    </mc:Fallback>
-  </mc:AlternateContent>
+  <p:clrMapOvr>
+    <a:masterClrMapping/>
+  </p:clrMapOvr>
 </p:sld>
 </file>
 
 <file path=ppt/slides/slide2.xml><?xml version="1.0" encoding="utf-8"?>
-<p:sld xmlns:a="http://schemas.openxmlformats.org/drawingml/2006/main" xmlns:p="http://schemas.openxmlformats.org/presentationml/2006/main" xmlns:r="http://schemas.openxmlformats.org/officeDocument/2006/relationships" xmlns:p14="http://schemas.microsoft.com/office/powerpoint/2010/main" xmlns:p15="http://schemas.microsoft.com/office/powerpoint/2012/main" xmlns:mc="http://schemas.openxmlformats.org/markup-compatibility/2006">
+<p:sld xmlns:a="http://schemas.openxmlformats.org/drawingml/2006/main" xmlns:r="http://schemas.openxmlformats.org/officeDocument/2006/relationships" xmlns:p="http://schemas.openxmlformats.org/presentationml/2006/main">
   <p:cSld>
     <p:spTree>
       <p:nvGrpSpPr>
@@ -26670,15 +27344,22 @@
           </a:ln>
         </p:spPr>
         <p:style>
-          <a:lnRef idx="0"/>
-          <a:fillRef idx="0"/>
-          <a:effectRef idx="0"/>
+          <a:lnRef idx="0">
+            <a:scrgbClr r="0" g="0" b="0"/>
+          </a:lnRef>
+          <a:fillRef idx="0">
+            <a:scrgbClr r="0" g="0" b="0"/>
+          </a:fillRef>
+          <a:effectRef idx="0">
+            <a:scrgbClr r="0" g="0" b="0"/>
+          </a:effectRef>
           <a:fontRef idx="minor"/>
         </p:style>
         <p:txBody>
-          <a:bodyPr lIns="90000" rIns="90000" tIns="45000" bIns="45000" anchor="t">
+          <a:bodyPr lIns="90000" tIns="45000" rIns="90000" bIns="45000" anchor="t">
             <a:spAutoFit/>
           </a:bodyPr>
+          <a:lstStyle/>
           <a:p>
             <a:pPr>
               <a:lnSpc>
@@ -26687,7 +27368,7 @@
               <a:buNone/>
             </a:pPr>
             <a:r>
-              <a:rPr b="0" lang="en-US" sz="1400" spc="-1" strike="noStrike">
+              <a:rPr lang="en-US" sz="1400" b="0" strike="noStrike" spc="-1">
                 <a:solidFill>
                   <a:srgbClr val="000000"/>
                 </a:solidFill>
@@ -26696,7 +27377,7 @@
               </a:rPr>
               <a:t>0m</a:t>
             </a:r>
-            <a:endParaRPr b="0" lang="en-US" sz="1400" spc="-1" strike="noStrike">
+            <a:endParaRPr lang="en-US" sz="1400" b="0" strike="noStrike" spc="-1">
               <a:latin typeface="Arial"/>
             </a:endParaRPr>
           </a:p>
@@ -26722,15 +27403,22 @@
           </a:ln>
         </p:spPr>
         <p:style>
-          <a:lnRef idx="0"/>
-          <a:fillRef idx="0"/>
-          <a:effectRef idx="0"/>
+          <a:lnRef idx="0">
+            <a:scrgbClr r="0" g="0" b="0"/>
+          </a:lnRef>
+          <a:fillRef idx="0">
+            <a:scrgbClr r="0" g="0" b="0"/>
+          </a:fillRef>
+          <a:effectRef idx="0">
+            <a:scrgbClr r="0" g="0" b="0"/>
+          </a:effectRef>
           <a:fontRef idx="minor"/>
         </p:style>
         <p:txBody>
-          <a:bodyPr lIns="90000" rIns="90000" tIns="45000" bIns="45000" anchor="t">
+          <a:bodyPr lIns="90000" tIns="45000" rIns="90000" bIns="45000" anchor="t">
             <a:spAutoFit/>
           </a:bodyPr>
+          <a:lstStyle/>
           <a:p>
             <a:pPr>
               <a:lnSpc>
@@ -26739,7 +27427,7 @@
               <a:buNone/>
             </a:pPr>
             <a:r>
-              <a:rPr b="1" lang="en-US" sz="1600" spc="-1" strike="noStrike">
+              <a:rPr lang="en-US" sz="1600" b="1" strike="noStrike" spc="-1">
                 <a:solidFill>
                   <a:srgbClr val="000000"/>
                 </a:solidFill>
@@ -26748,7 +27436,7 @@
               </a:rPr>
               <a:t>Lv. 0</a:t>
             </a:r>
-            <a:endParaRPr b="0" lang="en-US" sz="1600" spc="-1" strike="noStrike">
+            <a:endParaRPr lang="en-US" sz="1600" b="0" strike="noStrike" spc="-1">
               <a:latin typeface="Arial"/>
             </a:endParaRPr>
           </a:p>
@@ -26774,15 +27462,22 @@
           </a:ln>
         </p:spPr>
         <p:style>
-          <a:lnRef idx="0"/>
-          <a:fillRef idx="0"/>
-          <a:effectRef idx="0"/>
+          <a:lnRef idx="0">
+            <a:scrgbClr r="0" g="0" b="0"/>
+          </a:lnRef>
+          <a:fillRef idx="0">
+            <a:scrgbClr r="0" g="0" b="0"/>
+          </a:fillRef>
+          <a:effectRef idx="0">
+            <a:scrgbClr r="0" g="0" b="0"/>
+          </a:effectRef>
           <a:fontRef idx="minor"/>
         </p:style>
         <p:txBody>
-          <a:bodyPr lIns="90000" rIns="90000" tIns="45000" bIns="45000" anchor="t">
+          <a:bodyPr lIns="90000" tIns="45000" rIns="90000" bIns="45000" anchor="t">
             <a:spAutoFit/>
           </a:bodyPr>
+          <a:lstStyle/>
           <a:p>
             <a:pPr algn="ctr">
               <a:lnSpc>
@@ -26791,7 +27486,7 @@
               <a:buNone/>
             </a:pPr>
             <a:r>
-              <a:rPr b="0" lang="en-US" sz="1800" spc="-1" strike="noStrike">
+              <a:rPr lang="en-US" sz="1800" b="0" strike="noStrike" spc="-1">
                 <a:solidFill>
                   <a:srgbClr val="000000"/>
                 </a:solidFill>
@@ -26800,7 +27495,7 @@
               </a:rPr>
               <a:t>14g x 12g x 6g  </a:t>
             </a:r>
-            <a:endParaRPr b="0" lang="en-US" sz="1800" spc="-1" strike="noStrike">
+            <a:endParaRPr lang="en-US" sz="1800" b="0" strike="noStrike" spc="-1">
               <a:latin typeface="Arial"/>
             </a:endParaRPr>
           </a:p>
@@ -26845,9 +27540,10 @@
           <a:fontRef idx="minor"/>
         </p:style>
         <p:txBody>
-          <a:bodyPr lIns="90000" rIns="90000" tIns="45000" bIns="45000" anchor="ctr">
+          <a:bodyPr lIns="90000" tIns="45000" rIns="90000" bIns="45000" anchor="ctr">
             <a:noAutofit/>
           </a:bodyPr>
+          <a:lstStyle/>
           <a:p>
             <a:pPr algn="ctr">
               <a:lnSpc>
@@ -26856,16 +27552,16 @@
               <a:buNone/>
             </a:pPr>
             <a:r>
-              <a:rPr b="0" lang="en-US" sz="1800" spc="-1" strike="noStrike">
+              <a:rPr lang="en-US" sz="1800" b="0" strike="noStrike" spc="-1">
                 <a:solidFill>
-                  <a:srgbClr val="f2f2f2"/>
+                  <a:srgbClr val="F2F2F2"/>
                 </a:solidFill>
                 <a:latin typeface="맑은 고딕"/>
                 <a:ea typeface="DejaVu Sans"/>
               </a:rPr>
               <a:t>Stage_T2</a:t>
             </a:r>
-            <a:endParaRPr b="0" lang="en-US" sz="1800" spc="-1" strike="noStrike">
+            <a:endParaRPr lang="en-US" sz="1800" b="0" strike="noStrike" spc="-1">
               <a:latin typeface="Arial"/>
             </a:endParaRPr>
           </a:p>
@@ -30494,7 +31190,7 @@
             <a:avLst/>
           </a:prstGeom>
           <a:solidFill>
-            <a:srgbClr val="00b050"/>
+            <a:srgbClr val="00B050"/>
           </a:solidFill>
           <a:ln>
             <a:noFill/>
@@ -30530,7 +31226,7 @@
             <a:avLst/>
           </a:prstGeom>
           <a:solidFill>
-            <a:srgbClr val="c00000"/>
+            <a:srgbClr val="C00000"/>
           </a:solidFill>
           <a:ln>
             <a:solidFill>
@@ -30553,9 +31249,10 @@
           <a:fontRef idx="minor"/>
         </p:style>
         <p:txBody>
-          <a:bodyPr lIns="90000" rIns="90000" tIns="45000" bIns="45000" anchor="ctr">
+          <a:bodyPr lIns="90000" tIns="45000" rIns="90000" bIns="45000" anchor="ctr">
             <a:noAutofit/>
           </a:bodyPr>
+          <a:lstStyle/>
           <a:p>
             <a:pPr algn="ctr">
               <a:lnSpc>
@@ -30564,16 +31261,16 @@
               <a:buNone/>
             </a:pPr>
             <a:r>
-              <a:rPr b="0" lang="en-US" sz="1340" spc="-1" strike="noStrike">
+              <a:rPr lang="en-US" sz="1340" b="0" strike="noStrike" spc="-1">
                 <a:solidFill>
-                  <a:srgbClr val="ffffff"/>
+                  <a:srgbClr val="FFFFFF"/>
                 </a:solidFill>
                 <a:latin typeface="Arial"/>
                 <a:ea typeface="DejaVu Sans"/>
               </a:rPr>
               <a:t>1</a:t>
             </a:r>
-            <a:endParaRPr b="0" lang="en-US" sz="1340" spc="-1" strike="noStrike">
+            <a:endParaRPr lang="en-US" sz="1340" b="0" strike="noStrike" spc="-1">
               <a:latin typeface="Arial"/>
             </a:endParaRPr>
           </a:p>
@@ -30594,6 +31291,7 @@
             <a:avLst/>
             <a:gdLst/>
             <a:ahLst/>
+            <a:cxnLst/>
             <a:rect l="l" t="t" r="r" b="b"/>
             <a:pathLst>
               <a:path w="21600" h="21600">
@@ -30609,9 +31307,9 @@
           <a:noFill/>
           <a:ln w="28575">
             <a:solidFill>
-              <a:srgbClr val="00b050"/>
-            </a:solidFill>
-            <a:tailEnd len="med" type="arrow" w="med"/>
+              <a:srgbClr val="00B050"/>
+            </a:solidFill>
+            <a:tailEnd type="arrow" w="med" len="med"/>
           </a:ln>
         </p:spPr>
         <p:style>
@@ -30642,7 +31340,7 @@
             <a:avLst/>
           </a:prstGeom>
           <a:solidFill>
-            <a:srgbClr val="00b0f0"/>
+            <a:srgbClr val="00B0F0"/>
           </a:solidFill>
           <a:ln>
             <a:solidFill>
@@ -30672,7 +31370,7 @@
           <p:nvPr/>
         </p:nvSpPr>
         <p:spPr>
-          <a:xfrm flipV="1" rot="5400000">
+          <a:xfrm rot="5400000" flipV="1">
             <a:off x="7660080" y="3903840"/>
             <a:ext cx="360" cy="446400"/>
           </a:xfrm>
@@ -30680,6 +31378,7 @@
             <a:avLst/>
             <a:gdLst/>
             <a:ahLst/>
+            <a:cxnLst/>
             <a:rect l="l" t="t" r="r" b="b"/>
             <a:pathLst>
               <a:path w="21600" h="21600">
@@ -30695,9 +31394,9 @@
           <a:noFill/>
           <a:ln w="28575">
             <a:solidFill>
-              <a:srgbClr val="00b0f0"/>
-            </a:solidFill>
-            <a:tailEnd len="med" type="arrow" w="med"/>
+              <a:srgbClr val="00B0F0"/>
+            </a:solidFill>
+            <a:tailEnd type="arrow" w="med" len="med"/>
           </a:ln>
         </p:spPr>
         <p:style>
@@ -30728,7 +31427,7 @@
             <a:avLst/>
           </a:prstGeom>
           <a:solidFill>
-            <a:srgbClr val="00b0f0"/>
+            <a:srgbClr val="00B0F0"/>
           </a:solidFill>
           <a:ln>
             <a:noFill/>
@@ -30778,7 +31477,7 @@
               <a:avLst/>
             </a:prstGeom>
             <a:solidFill>
-              <a:srgbClr val="c00000"/>
+              <a:srgbClr val="C00000"/>
             </a:solidFill>
             <a:ln>
               <a:solidFill>
@@ -30821,15 +31520,22 @@
             </a:ln>
           </p:spPr>
           <p:style>
-            <a:lnRef idx="0"/>
-            <a:fillRef idx="0"/>
-            <a:effectRef idx="0"/>
+            <a:lnRef idx="0">
+              <a:scrgbClr r="0" g="0" b="0"/>
+            </a:lnRef>
+            <a:fillRef idx="0">
+              <a:scrgbClr r="0" g="0" b="0"/>
+            </a:fillRef>
+            <a:effectRef idx="0">
+              <a:scrgbClr r="0" g="0" b="0"/>
+            </a:effectRef>
             <a:fontRef idx="minor"/>
           </p:style>
           <p:txBody>
-            <a:bodyPr wrap="none" lIns="90000" rIns="90000" tIns="45000" bIns="45000" anchor="t">
+            <a:bodyPr wrap="none" lIns="90000" tIns="45000" rIns="90000" bIns="45000" anchor="t">
               <a:spAutoFit/>
             </a:bodyPr>
+            <a:lstStyle/>
             <a:p>
               <a:pPr>
                 <a:lnSpc>
@@ -30838,16 +31544,16 @@
                 <a:buNone/>
               </a:pPr>
               <a:r>
-                <a:rPr b="0" lang="en-US" sz="1050" spc="-1" strike="noStrike">
+                <a:rPr lang="en-US" sz="1050" b="0" strike="noStrike" spc="-1">
                   <a:solidFill>
-                    <a:srgbClr val="ffffff"/>
+                    <a:srgbClr val="FFFFFF"/>
                   </a:solidFill>
                   <a:latin typeface="맑은 고딕"/>
                   <a:ea typeface="DejaVu Sans"/>
                 </a:rPr>
                 <a:t>11</a:t>
               </a:r>
-              <a:endParaRPr b="0" lang="en-US" sz="1050" spc="-1" strike="noStrike">
+              <a:endParaRPr lang="en-US" sz="1050" b="0" strike="noStrike" spc="-1">
                 <a:latin typeface="Arial"/>
               </a:endParaRPr>
             </a:p>
@@ -30883,7 +31589,7 @@
               <a:avLst/>
             </a:prstGeom>
             <a:solidFill>
-              <a:srgbClr val="c00000"/>
+              <a:srgbClr val="C00000"/>
             </a:solidFill>
             <a:ln>
               <a:solidFill>
@@ -30926,15 +31632,22 @@
             </a:ln>
           </p:spPr>
           <p:style>
-            <a:lnRef idx="0"/>
-            <a:fillRef idx="0"/>
-            <a:effectRef idx="0"/>
+            <a:lnRef idx="0">
+              <a:scrgbClr r="0" g="0" b="0"/>
+            </a:lnRef>
+            <a:fillRef idx="0">
+              <a:scrgbClr r="0" g="0" b="0"/>
+            </a:fillRef>
+            <a:effectRef idx="0">
+              <a:scrgbClr r="0" g="0" b="0"/>
+            </a:effectRef>
             <a:fontRef idx="minor"/>
           </p:style>
           <p:txBody>
-            <a:bodyPr wrap="none" lIns="90000" rIns="90000" tIns="45000" bIns="45000" anchor="t">
+            <a:bodyPr wrap="none" lIns="90000" tIns="45000" rIns="90000" bIns="45000" anchor="t">
               <a:spAutoFit/>
             </a:bodyPr>
+            <a:lstStyle/>
             <a:p>
               <a:pPr>
                 <a:lnSpc>
@@ -30943,16 +31656,16 @@
                 <a:buNone/>
               </a:pPr>
               <a:r>
-                <a:rPr b="0" lang="en-US" sz="1050" spc="-1" strike="noStrike">
+                <a:rPr lang="en-US" sz="1050" b="0" strike="noStrike" spc="-1">
                   <a:solidFill>
-                    <a:srgbClr val="ffffff"/>
+                    <a:srgbClr val="FFFFFF"/>
                   </a:solidFill>
                   <a:latin typeface="맑은 고딕"/>
                   <a:ea typeface="DejaVu Sans"/>
                 </a:rPr>
                 <a:t>15</a:t>
               </a:r>
-              <a:endParaRPr b="0" lang="en-US" sz="1050" spc="-1" strike="noStrike">
+              <a:endParaRPr lang="en-US" sz="1050" b="0" strike="noStrike" spc="-1">
                 <a:latin typeface="Arial"/>
               </a:endParaRPr>
             </a:p>
@@ -30993,9 +31706,10 @@
           <a:fontRef idx="minor"/>
         </p:style>
         <p:txBody>
-          <a:bodyPr lIns="90000" rIns="90000" tIns="45000" bIns="45000" anchor="ctr">
+          <a:bodyPr lIns="90000" tIns="45000" rIns="90000" bIns="45000" anchor="ctr">
             <a:noAutofit/>
           </a:bodyPr>
+          <a:lstStyle/>
           <a:p>
             <a:pPr>
               <a:lnSpc>
@@ -31004,7 +31718,7 @@
               <a:buNone/>
             </a:pPr>
             <a:r>
-              <a:rPr b="0" lang="ko-KR" sz="1200" spc="-1" strike="noStrike">
+              <a:rPr lang="ko-KR" sz="1200" b="0" strike="noStrike" spc="-1">
                 <a:solidFill>
                   <a:srgbClr val="808080"/>
                 </a:solidFill>
@@ -31013,7 +31727,7 @@
               </a:rPr>
               <a:t>튜토리얼 진행 맵</a:t>
             </a:r>
-            <a:endParaRPr b="0" lang="en-US" sz="1200" spc="-1" strike="noStrike">
+            <a:endParaRPr lang="en-US" sz="1200" b="0" strike="noStrike" spc="-1">
               <a:latin typeface="Arial"/>
             </a:endParaRPr>
           </a:p>
@@ -31024,7 +31738,7 @@
               </a:lnSpc>
               <a:buNone/>
             </a:pPr>
-            <a:endParaRPr b="0" lang="en-US" sz="1200" spc="-1" strike="noStrike">
+            <a:endParaRPr lang="en-US" sz="1200" b="0" strike="noStrike" spc="-1">
               <a:latin typeface="Arial"/>
             </a:endParaRPr>
           </a:p>
@@ -31040,7 +31754,7 @@
               <a:buAutoNum type="arabicPeriod"/>
             </a:pPr>
             <a:r>
-              <a:rPr b="0" lang="en-US" sz="1200" spc="-1" strike="noStrike">
+              <a:rPr lang="en-US" sz="1200" b="0" strike="noStrike" spc="-1">
                 <a:solidFill>
                   <a:srgbClr val="808080"/>
                 </a:solidFill>
@@ -31050,7 +31764,7 @@
               <a:t>    </a:t>
             </a:r>
             <a:r>
-              <a:rPr b="0" lang="ko-KR" sz="1200" spc="-1" strike="noStrike">
+              <a:rPr lang="ko-KR" sz="1200" b="0" strike="noStrike" spc="-1">
                 <a:solidFill>
                   <a:srgbClr val="808080"/>
                 </a:solidFill>
@@ -31059,7 +31773,7 @@
               </a:rPr>
               <a:t>버튼 누르기</a:t>
             </a:r>
-            <a:endParaRPr b="0" lang="en-US" sz="1200" spc="-1" strike="noStrike">
+            <a:endParaRPr lang="en-US" sz="1200" b="0" strike="noStrike" spc="-1">
               <a:latin typeface="Arial"/>
             </a:endParaRPr>
           </a:p>
@@ -31075,7 +31789,7 @@
               <a:buAutoNum type="arabicPeriod"/>
             </a:pPr>
             <a:r>
-              <a:rPr b="0" lang="ko-KR" sz="1200" spc="-1" strike="noStrike">
+              <a:rPr lang="ko-KR" sz="1200" b="0" strike="noStrike" spc="-1">
                 <a:solidFill>
                   <a:srgbClr val="808080"/>
                 </a:solidFill>
@@ -31084,7 +31798,7 @@
               </a:rPr>
               <a:t>문으로 나가기</a:t>
             </a:r>
-            <a:endParaRPr b="0" lang="en-US" sz="1200" spc="-1" strike="noStrike">
+            <a:endParaRPr lang="en-US" sz="1200" b="0" strike="noStrike" spc="-1">
               <a:latin typeface="Arial"/>
             </a:endParaRPr>
           </a:p>
@@ -31105,7 +31819,7 @@
             <a:avLst/>
           </a:prstGeom>
           <a:solidFill>
-            <a:srgbClr val="00b0f0"/>
+            <a:srgbClr val="00B0F0"/>
           </a:solidFill>
           <a:ln>
             <a:solidFill>
@@ -31130,19 +31844,14 @@
       </p:sp>
     </p:spTree>
   </p:cSld>
-  <mc:AlternateContent>
-    <mc:Choice Requires="p14">
-      <p:transition spd="slow" p14:dur="2000"/>
-    </mc:Choice>
-    <mc:Fallback>
-      <p:transition spd="slow"/>
-    </mc:Fallback>
-  </mc:AlternateContent>
+  <p:clrMapOvr>
+    <a:masterClrMapping/>
+  </p:clrMapOvr>
 </p:sld>
 </file>
 
 <file path=ppt/slides/slide3.xml><?xml version="1.0" encoding="utf-8"?>
-<p:sld xmlns:a="http://schemas.openxmlformats.org/drawingml/2006/main" xmlns:p="http://schemas.openxmlformats.org/presentationml/2006/main" xmlns:r="http://schemas.openxmlformats.org/officeDocument/2006/relationships" xmlns:p14="http://schemas.microsoft.com/office/powerpoint/2010/main" xmlns:p15="http://schemas.microsoft.com/office/powerpoint/2012/main" xmlns:mc="http://schemas.openxmlformats.org/markup-compatibility/2006">
+<p:sld xmlns:a="http://schemas.openxmlformats.org/drawingml/2006/main" xmlns:r="http://schemas.openxmlformats.org/officeDocument/2006/relationships" xmlns:p="http://schemas.openxmlformats.org/presentationml/2006/main">
   <p:cSld>
     <p:spTree>
       <p:nvGrpSpPr>
@@ -31497,15 +32206,22 @@
             </a:ln>
           </p:spPr>
           <p:style>
-            <a:lnRef idx="0"/>
-            <a:fillRef idx="0"/>
-            <a:effectRef idx="0"/>
+            <a:lnRef idx="0">
+              <a:scrgbClr r="0" g="0" b="0"/>
+            </a:lnRef>
+            <a:fillRef idx="0">
+              <a:scrgbClr r="0" g="0" b="0"/>
+            </a:fillRef>
+            <a:effectRef idx="0">
+              <a:scrgbClr r="0" g="0" b="0"/>
+            </a:effectRef>
             <a:fontRef idx="minor"/>
           </p:style>
           <p:txBody>
-            <a:bodyPr lIns="90000" rIns="90000" tIns="45000" bIns="45000" anchor="t">
+            <a:bodyPr lIns="90000" tIns="45000" rIns="90000" bIns="45000" anchor="t">
               <a:spAutoFit/>
             </a:bodyPr>
+            <a:lstStyle/>
             <a:p>
               <a:pPr>
                 <a:lnSpc>
@@ -31514,7 +32230,7 @@
                 <a:buNone/>
               </a:pPr>
               <a:r>
-                <a:rPr b="0" lang="en-US" sz="1400" spc="-1" strike="noStrike">
+                <a:rPr lang="en-US" sz="1400" b="0" strike="noStrike" spc="-1">
                   <a:solidFill>
                     <a:srgbClr val="000000"/>
                   </a:solidFill>
@@ -31523,7 +32239,7 @@
                 </a:rPr>
                 <a:t>0m</a:t>
               </a:r>
-              <a:endParaRPr b="0" lang="en-US" sz="1400" spc="-1" strike="noStrike">
+              <a:endParaRPr lang="en-US" sz="1400" b="0" strike="noStrike" spc="-1">
                 <a:latin typeface="Arial"/>
               </a:endParaRPr>
             </a:p>
@@ -31549,15 +32265,22 @@
             </a:ln>
           </p:spPr>
           <p:style>
-            <a:lnRef idx="0"/>
-            <a:fillRef idx="0"/>
-            <a:effectRef idx="0"/>
+            <a:lnRef idx="0">
+              <a:scrgbClr r="0" g="0" b="0"/>
+            </a:lnRef>
+            <a:fillRef idx="0">
+              <a:scrgbClr r="0" g="0" b="0"/>
+            </a:fillRef>
+            <a:effectRef idx="0">
+              <a:scrgbClr r="0" g="0" b="0"/>
+            </a:effectRef>
             <a:fontRef idx="minor"/>
           </p:style>
           <p:txBody>
-            <a:bodyPr lIns="90000" rIns="90000" tIns="45000" bIns="45000" anchor="t">
+            <a:bodyPr lIns="90000" tIns="45000" rIns="90000" bIns="45000" anchor="t">
               <a:spAutoFit/>
             </a:bodyPr>
+            <a:lstStyle/>
             <a:p>
               <a:pPr>
                 <a:lnSpc>
@@ -31566,7 +32289,7 @@
                 <a:buNone/>
               </a:pPr>
               <a:r>
-                <a:rPr b="0" lang="en-US" sz="1400" spc="-1" strike="noStrike">
+                <a:rPr lang="en-US" sz="1400" b="0" strike="noStrike" spc="-1">
                   <a:solidFill>
                     <a:srgbClr val="000000"/>
                   </a:solidFill>
@@ -31575,7 +32298,7 @@
                 </a:rPr>
                 <a:t>1m</a:t>
               </a:r>
-              <a:endParaRPr b="0" lang="en-US" sz="1400" spc="-1" strike="noStrike">
+              <a:endParaRPr lang="en-US" sz="1400" b="0" strike="noStrike" spc="-1">
                 <a:latin typeface="Arial"/>
               </a:endParaRPr>
             </a:p>
@@ -31601,15 +32324,22 @@
             </a:ln>
           </p:spPr>
           <p:style>
-            <a:lnRef idx="0"/>
-            <a:fillRef idx="0"/>
-            <a:effectRef idx="0"/>
+            <a:lnRef idx="0">
+              <a:scrgbClr r="0" g="0" b="0"/>
+            </a:lnRef>
+            <a:fillRef idx="0">
+              <a:scrgbClr r="0" g="0" b="0"/>
+            </a:fillRef>
+            <a:effectRef idx="0">
+              <a:scrgbClr r="0" g="0" b="0"/>
+            </a:effectRef>
             <a:fontRef idx="minor"/>
           </p:style>
           <p:txBody>
-            <a:bodyPr lIns="90000" rIns="90000" tIns="45000" bIns="45000" anchor="t">
+            <a:bodyPr lIns="90000" tIns="45000" rIns="90000" bIns="45000" anchor="t">
               <a:spAutoFit/>
             </a:bodyPr>
+            <a:lstStyle/>
             <a:p>
               <a:pPr>
                 <a:lnSpc>
@@ -31618,7 +32348,7 @@
                 <a:buNone/>
               </a:pPr>
               <a:r>
-                <a:rPr b="0" lang="en-US" sz="1400" spc="-1" strike="noStrike">
+                <a:rPr lang="en-US" sz="1400" b="0" strike="noStrike" spc="-1">
                   <a:solidFill>
                     <a:srgbClr val="000000"/>
                   </a:solidFill>
@@ -31627,7 +32357,7 @@
                 </a:rPr>
                 <a:t>3m</a:t>
               </a:r>
-              <a:endParaRPr b="0" lang="en-US" sz="1400" spc="-1" strike="noStrike">
+              <a:endParaRPr lang="en-US" sz="1400" b="0" strike="noStrike" spc="-1">
                 <a:latin typeface="Arial"/>
               </a:endParaRPr>
             </a:p>
@@ -31653,15 +32383,22 @@
             </a:ln>
           </p:spPr>
           <p:style>
-            <a:lnRef idx="0"/>
-            <a:fillRef idx="0"/>
-            <a:effectRef idx="0"/>
+            <a:lnRef idx="0">
+              <a:scrgbClr r="0" g="0" b="0"/>
+            </a:lnRef>
+            <a:fillRef idx="0">
+              <a:scrgbClr r="0" g="0" b="0"/>
+            </a:fillRef>
+            <a:effectRef idx="0">
+              <a:scrgbClr r="0" g="0" b="0"/>
+            </a:effectRef>
             <a:fontRef idx="minor"/>
           </p:style>
           <p:txBody>
-            <a:bodyPr lIns="90000" rIns="90000" tIns="45000" bIns="45000" anchor="t">
+            <a:bodyPr lIns="90000" tIns="45000" rIns="90000" bIns="45000" anchor="t">
               <a:spAutoFit/>
             </a:bodyPr>
+            <a:lstStyle/>
             <a:p>
               <a:pPr>
                 <a:lnSpc>
@@ -31670,7 +32407,7 @@
                 <a:buNone/>
               </a:pPr>
               <a:r>
-                <a:rPr b="0" lang="en-US" sz="1400" spc="-1" strike="noStrike">
+                <a:rPr lang="en-US" sz="1400" b="0" strike="noStrike" spc="-1">
                   <a:solidFill>
                     <a:srgbClr val="000000"/>
                   </a:solidFill>
@@ -31679,7 +32416,7 @@
                 </a:rPr>
                 <a:t>4m</a:t>
               </a:r>
-              <a:endParaRPr b="0" lang="en-US" sz="1400" spc="-1" strike="noStrike">
+              <a:endParaRPr lang="en-US" sz="1400" b="0" strike="noStrike" spc="-1">
                 <a:latin typeface="Arial"/>
               </a:endParaRPr>
             </a:p>
@@ -31705,15 +32442,22 @@
             </a:ln>
           </p:spPr>
           <p:style>
-            <a:lnRef idx="0"/>
-            <a:fillRef idx="0"/>
-            <a:effectRef idx="0"/>
+            <a:lnRef idx="0">
+              <a:scrgbClr r="0" g="0" b="0"/>
+            </a:lnRef>
+            <a:fillRef idx="0">
+              <a:scrgbClr r="0" g="0" b="0"/>
+            </a:fillRef>
+            <a:effectRef idx="0">
+              <a:scrgbClr r="0" g="0" b="0"/>
+            </a:effectRef>
             <a:fontRef idx="minor"/>
           </p:style>
           <p:txBody>
-            <a:bodyPr lIns="90000" rIns="90000" tIns="45000" bIns="45000" anchor="t">
+            <a:bodyPr lIns="90000" tIns="45000" rIns="90000" bIns="45000" anchor="t">
               <a:spAutoFit/>
             </a:bodyPr>
+            <a:lstStyle/>
             <a:p>
               <a:pPr>
                 <a:lnSpc>
@@ -31722,7 +32466,7 @@
                 <a:buNone/>
               </a:pPr>
               <a:r>
-                <a:rPr b="0" lang="en-US" sz="1400" spc="-1" strike="noStrike">
+                <a:rPr lang="en-US" sz="1400" b="0" strike="noStrike" spc="-1">
                   <a:solidFill>
                     <a:srgbClr val="000000"/>
                   </a:solidFill>
@@ -31731,7 +32475,7 @@
                 </a:rPr>
                 <a:t>7m</a:t>
               </a:r>
-              <a:endParaRPr b="0" lang="en-US" sz="1400" spc="-1" strike="noStrike">
+              <a:endParaRPr lang="en-US" sz="1400" b="0" strike="noStrike" spc="-1">
                 <a:latin typeface="Arial"/>
               </a:endParaRPr>
             </a:p>
@@ -31757,15 +32501,22 @@
             </a:ln>
           </p:spPr>
           <p:style>
-            <a:lnRef idx="0"/>
-            <a:fillRef idx="0"/>
-            <a:effectRef idx="0"/>
+            <a:lnRef idx="0">
+              <a:scrgbClr r="0" g="0" b="0"/>
+            </a:lnRef>
+            <a:fillRef idx="0">
+              <a:scrgbClr r="0" g="0" b="0"/>
+            </a:fillRef>
+            <a:effectRef idx="0">
+              <a:scrgbClr r="0" g="0" b="0"/>
+            </a:effectRef>
             <a:fontRef idx="minor"/>
           </p:style>
           <p:txBody>
-            <a:bodyPr lIns="90000" rIns="90000" tIns="45000" bIns="45000" anchor="t">
+            <a:bodyPr lIns="90000" tIns="45000" rIns="90000" bIns="45000" anchor="t">
               <a:spAutoFit/>
             </a:bodyPr>
+            <a:lstStyle/>
             <a:p>
               <a:pPr>
                 <a:lnSpc>
@@ -31774,7 +32525,7 @@
                 <a:buNone/>
               </a:pPr>
               <a:r>
-                <a:rPr b="1" lang="en-US" sz="1600" spc="-1" strike="noStrike">
+                <a:rPr lang="en-US" sz="1600" b="1" strike="noStrike" spc="-1">
                   <a:solidFill>
                     <a:srgbClr val="000000"/>
                   </a:solidFill>
@@ -31783,7 +32534,7 @@
                 </a:rPr>
                 <a:t>Lv. 0</a:t>
               </a:r>
-              <a:endParaRPr b="0" lang="en-US" sz="1600" spc="-1" strike="noStrike">
+              <a:endParaRPr lang="en-US" sz="1600" b="0" strike="noStrike" spc="-1">
                 <a:latin typeface="Arial"/>
               </a:endParaRPr>
             </a:p>
@@ -31809,15 +32560,22 @@
             </a:ln>
           </p:spPr>
           <p:style>
-            <a:lnRef idx="0"/>
-            <a:fillRef idx="0"/>
-            <a:effectRef idx="0"/>
+            <a:lnRef idx="0">
+              <a:scrgbClr r="0" g="0" b="0"/>
+            </a:lnRef>
+            <a:fillRef idx="0">
+              <a:scrgbClr r="0" g="0" b="0"/>
+            </a:fillRef>
+            <a:effectRef idx="0">
+              <a:scrgbClr r="0" g="0" b="0"/>
+            </a:effectRef>
             <a:fontRef idx="minor"/>
           </p:style>
           <p:txBody>
-            <a:bodyPr lIns="90000" rIns="90000" tIns="45000" bIns="45000" anchor="t">
+            <a:bodyPr lIns="90000" tIns="45000" rIns="90000" bIns="45000" anchor="t">
               <a:spAutoFit/>
             </a:bodyPr>
+            <a:lstStyle/>
             <a:p>
               <a:pPr>
                 <a:lnSpc>
@@ -31826,7 +32584,7 @@
                 <a:buNone/>
               </a:pPr>
               <a:r>
-                <a:rPr b="1" lang="en-US" sz="1600" spc="-1" strike="noStrike">
+                <a:rPr lang="en-US" sz="1600" b="1" strike="noStrike" spc="-1">
                   <a:solidFill>
                     <a:srgbClr val="000000"/>
                   </a:solidFill>
@@ -31835,7 +32593,7 @@
                 </a:rPr>
                 <a:t>Lv. 1</a:t>
               </a:r>
-              <a:endParaRPr b="0" lang="en-US" sz="1600" spc="-1" strike="noStrike">
+              <a:endParaRPr lang="en-US" sz="1600" b="0" strike="noStrike" spc="-1">
                 <a:latin typeface="Arial"/>
               </a:endParaRPr>
             </a:p>
@@ -31861,15 +32619,22 @@
             </a:ln>
           </p:spPr>
           <p:style>
-            <a:lnRef idx="0"/>
-            <a:fillRef idx="0"/>
-            <a:effectRef idx="0"/>
+            <a:lnRef idx="0">
+              <a:scrgbClr r="0" g="0" b="0"/>
+            </a:lnRef>
+            <a:fillRef idx="0">
+              <a:scrgbClr r="0" g="0" b="0"/>
+            </a:fillRef>
+            <a:effectRef idx="0">
+              <a:scrgbClr r="0" g="0" b="0"/>
+            </a:effectRef>
             <a:fontRef idx="minor"/>
           </p:style>
           <p:txBody>
-            <a:bodyPr lIns="90000" rIns="90000" tIns="45000" bIns="45000" anchor="t">
+            <a:bodyPr lIns="90000" tIns="45000" rIns="90000" bIns="45000" anchor="t">
               <a:spAutoFit/>
             </a:bodyPr>
+            <a:lstStyle/>
             <a:p>
               <a:pPr>
                 <a:lnSpc>
@@ -31878,7 +32643,7 @@
                 <a:buNone/>
               </a:pPr>
               <a:r>
-                <a:rPr b="1" lang="en-US" sz="1600" spc="-1" strike="noStrike">
+                <a:rPr lang="en-US" sz="1600" b="1" strike="noStrike" spc="-1">
                   <a:solidFill>
                     <a:srgbClr val="000000"/>
                   </a:solidFill>
@@ -31887,7 +32652,7 @@
                 </a:rPr>
                 <a:t>Lv. 2</a:t>
               </a:r>
-              <a:endParaRPr b="0" lang="en-US" sz="1600" spc="-1" strike="noStrike">
+              <a:endParaRPr lang="en-US" sz="1600" b="0" strike="noStrike" spc="-1">
                 <a:latin typeface="Arial"/>
               </a:endParaRPr>
             </a:p>
@@ -31913,15 +32678,22 @@
             </a:ln>
           </p:spPr>
           <p:style>
-            <a:lnRef idx="0"/>
-            <a:fillRef idx="0"/>
-            <a:effectRef idx="0"/>
+            <a:lnRef idx="0">
+              <a:scrgbClr r="0" g="0" b="0"/>
+            </a:lnRef>
+            <a:fillRef idx="0">
+              <a:scrgbClr r="0" g="0" b="0"/>
+            </a:fillRef>
+            <a:effectRef idx="0">
+              <a:scrgbClr r="0" g="0" b="0"/>
+            </a:effectRef>
             <a:fontRef idx="minor"/>
           </p:style>
           <p:txBody>
-            <a:bodyPr lIns="90000" rIns="90000" tIns="45000" bIns="45000" anchor="t">
+            <a:bodyPr lIns="90000" tIns="45000" rIns="90000" bIns="45000" anchor="t">
               <a:spAutoFit/>
             </a:bodyPr>
+            <a:lstStyle/>
             <a:p>
               <a:pPr>
                 <a:lnSpc>
@@ -31930,7 +32702,7 @@
                 <a:buNone/>
               </a:pPr>
               <a:r>
-                <a:rPr b="1" lang="en-US" sz="1600" spc="-1" strike="noStrike">
+                <a:rPr lang="en-US" sz="1600" b="1" strike="noStrike" spc="-1">
                   <a:solidFill>
                     <a:srgbClr val="000000"/>
                   </a:solidFill>
@@ -31939,7 +32711,7 @@
                 </a:rPr>
                 <a:t>Lv. 3</a:t>
               </a:r>
-              <a:endParaRPr b="0" lang="en-US" sz="1600" spc="-1" strike="noStrike">
+              <a:endParaRPr lang="en-US" sz="1600" b="0" strike="noStrike" spc="-1">
                 <a:latin typeface="Arial"/>
               </a:endParaRPr>
             </a:p>
@@ -31965,15 +32737,22 @@
             </a:ln>
           </p:spPr>
           <p:style>
-            <a:lnRef idx="0"/>
-            <a:fillRef idx="0"/>
-            <a:effectRef idx="0"/>
+            <a:lnRef idx="0">
+              <a:scrgbClr r="0" g="0" b="0"/>
+            </a:lnRef>
+            <a:fillRef idx="0">
+              <a:scrgbClr r="0" g="0" b="0"/>
+            </a:fillRef>
+            <a:effectRef idx="0">
+              <a:scrgbClr r="0" g="0" b="0"/>
+            </a:effectRef>
             <a:fontRef idx="minor"/>
           </p:style>
           <p:txBody>
-            <a:bodyPr lIns="90000" rIns="90000" tIns="45000" bIns="45000" anchor="t">
+            <a:bodyPr lIns="90000" tIns="45000" rIns="90000" bIns="45000" anchor="t">
               <a:spAutoFit/>
             </a:bodyPr>
+            <a:lstStyle/>
             <a:p>
               <a:pPr>
                 <a:lnSpc>
@@ -31982,7 +32761,7 @@
                 <a:buNone/>
               </a:pPr>
               <a:r>
-                <a:rPr b="1" lang="en-US" sz="1600" spc="-1" strike="noStrike">
+                <a:rPr lang="en-US" sz="1600" b="1" strike="noStrike" spc="-1">
                   <a:solidFill>
                     <a:srgbClr val="000000"/>
                   </a:solidFill>
@@ -31991,7 +32770,7 @@
                 </a:rPr>
                 <a:t>Lv. 4</a:t>
               </a:r>
-              <a:endParaRPr b="0" lang="en-US" sz="1600" spc="-1" strike="noStrike">
+              <a:endParaRPr lang="en-US" sz="1600" b="0" strike="noStrike" spc="-1">
                 <a:latin typeface="Arial"/>
               </a:endParaRPr>
             </a:p>
@@ -32018,15 +32797,22 @@
           </a:ln>
         </p:spPr>
         <p:style>
-          <a:lnRef idx="0"/>
-          <a:fillRef idx="0"/>
-          <a:effectRef idx="0"/>
+          <a:lnRef idx="0">
+            <a:scrgbClr r="0" g="0" b="0"/>
+          </a:lnRef>
+          <a:fillRef idx="0">
+            <a:scrgbClr r="0" g="0" b="0"/>
+          </a:fillRef>
+          <a:effectRef idx="0">
+            <a:scrgbClr r="0" g="0" b="0"/>
+          </a:effectRef>
           <a:fontRef idx="minor"/>
         </p:style>
         <p:txBody>
-          <a:bodyPr lIns="90000" rIns="90000" tIns="45000" bIns="45000" anchor="t">
+          <a:bodyPr lIns="90000" tIns="45000" rIns="90000" bIns="45000" anchor="t">
             <a:spAutoFit/>
           </a:bodyPr>
+          <a:lstStyle/>
           <a:p>
             <a:pPr algn="ctr">
               <a:lnSpc>
@@ -32035,7 +32821,7 @@
               <a:buNone/>
             </a:pPr>
             <a:r>
-              <a:rPr b="0" lang="en-US" sz="1800" spc="-1" strike="noStrike">
+              <a:rPr lang="en-US" sz="1800" b="0" strike="noStrike" spc="-1">
                 <a:solidFill>
                   <a:srgbClr val="000000"/>
                 </a:solidFill>
@@ -32044,7 +32830,7 @@
               </a:rPr>
               <a:t>20g x 16g x g  </a:t>
             </a:r>
-            <a:endParaRPr b="0" lang="en-US" sz="1800" spc="-1" strike="noStrike">
+            <a:endParaRPr lang="en-US" sz="1800" b="0" strike="noStrike" spc="-1">
               <a:latin typeface="Arial"/>
             </a:endParaRPr>
           </a:p>
@@ -32089,9 +32875,10 @@
           <a:fontRef idx="minor"/>
         </p:style>
         <p:txBody>
-          <a:bodyPr lIns="90000" rIns="90000" tIns="45000" bIns="45000" anchor="ctr">
+          <a:bodyPr lIns="90000" tIns="45000" rIns="90000" bIns="45000" anchor="ctr">
             <a:noAutofit/>
           </a:bodyPr>
+          <a:lstStyle/>
           <a:p>
             <a:pPr algn="ctr">
               <a:lnSpc>
@@ -32100,16 +32887,16 @@
               <a:buNone/>
             </a:pPr>
             <a:r>
-              <a:rPr b="0" lang="en-US" sz="1800" spc="-1" strike="noStrike">
+              <a:rPr lang="en-US" sz="1800" b="0" strike="noStrike" spc="-1">
                 <a:solidFill>
-                  <a:srgbClr val="f2f2f2"/>
+                  <a:srgbClr val="F2F2F2"/>
                 </a:solidFill>
                 <a:latin typeface="맑은 고딕"/>
                 <a:ea typeface="DejaVu Sans"/>
               </a:rPr>
               <a:t>Stage_T2</a:t>
             </a:r>
-            <a:endParaRPr b="0" lang="en-US" sz="1800" spc="-1" strike="noStrike">
+            <a:endParaRPr lang="en-US" sz="1800" b="0" strike="noStrike" spc="-1">
               <a:latin typeface="Arial"/>
             </a:endParaRPr>
           </a:p>
@@ -42894,7 +43681,7 @@
             <a:avLst/>
           </a:prstGeom>
           <a:solidFill>
-            <a:srgbClr val="00b0f0"/>
+            <a:srgbClr val="00B0F0"/>
           </a:solidFill>
           <a:ln>
             <a:noFill/>
@@ -42922,7 +43709,7 @@
           <p:nvPr/>
         </p:nvSpPr>
         <p:spPr>
-          <a:xfrm flipV="1" rot="5400000">
+          <a:xfrm rot="5400000" flipV="1">
             <a:off x="1248480" y="3408480"/>
             <a:ext cx="360" cy="446400"/>
           </a:xfrm>
@@ -42930,6 +43717,7 @@
             <a:avLst/>
             <a:gdLst/>
             <a:ahLst/>
+            <a:cxnLst/>
             <a:rect l="l" t="t" r="r" b="b"/>
             <a:pathLst>
               <a:path w="21600" h="21600">
@@ -42945,9 +43733,9 @@
           <a:noFill/>
           <a:ln w="28575">
             <a:solidFill>
-              <a:srgbClr val="00b0f0"/>
-            </a:solidFill>
-            <a:tailEnd len="med" type="arrow" w="med"/>
+              <a:srgbClr val="00B0F0"/>
+            </a:solidFill>
+            <a:tailEnd type="arrow" w="med" len="med"/>
           </a:ln>
         </p:spPr>
         <p:style>
@@ -42992,7 +43780,7 @@
               <a:avLst/>
             </a:prstGeom>
             <a:solidFill>
-              <a:srgbClr val="c00000"/>
+              <a:srgbClr val="C00000"/>
             </a:solidFill>
             <a:ln>
               <a:solidFill>
@@ -43035,15 +43823,22 @@
             </a:ln>
           </p:spPr>
           <p:style>
-            <a:lnRef idx="0"/>
-            <a:fillRef idx="0"/>
-            <a:effectRef idx="0"/>
+            <a:lnRef idx="0">
+              <a:scrgbClr r="0" g="0" b="0"/>
+            </a:lnRef>
+            <a:fillRef idx="0">
+              <a:scrgbClr r="0" g="0" b="0"/>
+            </a:fillRef>
+            <a:effectRef idx="0">
+              <a:scrgbClr r="0" g="0" b="0"/>
+            </a:effectRef>
             <a:fontRef idx="minor"/>
           </p:style>
           <p:txBody>
-            <a:bodyPr wrap="none" lIns="90000" rIns="90000" tIns="45000" bIns="45000" anchor="t">
+            <a:bodyPr wrap="none" lIns="90000" tIns="45000" rIns="90000" bIns="45000" anchor="t">
               <a:spAutoFit/>
             </a:bodyPr>
+            <a:lstStyle/>
             <a:p>
               <a:pPr>
                 <a:lnSpc>
@@ -43052,16 +43847,16 @@
                 <a:buNone/>
               </a:pPr>
               <a:r>
-                <a:rPr b="0" lang="en-US" sz="1050" spc="-1" strike="noStrike">
+                <a:rPr lang="en-US" sz="1050" b="0" strike="noStrike" spc="-1">
                   <a:solidFill>
-                    <a:srgbClr val="ffffff"/>
+                    <a:srgbClr val="FFFFFF"/>
                   </a:solidFill>
                   <a:latin typeface="맑은 고딕"/>
                   <a:ea typeface="DejaVu Sans"/>
                 </a:rPr>
                 <a:t>11</a:t>
               </a:r>
-              <a:endParaRPr b="0" lang="en-US" sz="1050" spc="-1" strike="noStrike">
+              <a:endParaRPr lang="en-US" sz="1050" b="0" strike="noStrike" spc="-1">
                 <a:latin typeface="Arial"/>
               </a:endParaRPr>
             </a:p>
@@ -43121,7 +43916,7 @@
             <a:avLst/>
           </a:prstGeom>
           <a:solidFill>
-            <a:srgbClr val="ff5050"/>
+            <a:srgbClr val="FF5050"/>
           </a:solidFill>
           <a:ln>
             <a:solidFill>
@@ -43160,10 +43955,19 @@
           </a:prstGeom>
           <a:ln w="12700">
             <a:solidFill>
-              <a:srgbClr val="ffffff"/>
-            </a:solidFill>
-            <a:tailEnd len="med" type="arrow" w="med"/>
-          </a:ln>
+              <a:srgbClr val="FFFFFF"/>
+            </a:solidFill>
+            <a:headEnd type="arrow" w="med" len="med"/>
+            <a:tailEnd type="arrow" w="med" len="med"/>
+          </a:ln>
+          <a:effectLst>
+            <a:glow rad="101600">
+              <a:schemeClr val="accent5">
+                <a:satMod val="175000"/>
+                <a:alpha val="40000"/>
+              </a:schemeClr>
+            </a:glow>
+          </a:effectLst>
         </p:spPr>
         <p:style>
           <a:lnRef idx="1">
@@ -43194,10 +43998,19 @@
           </a:prstGeom>
           <a:ln w="12700">
             <a:solidFill>
-              <a:srgbClr val="ffffff"/>
-            </a:solidFill>
-            <a:tailEnd len="med" type="arrow" w="med"/>
-          </a:ln>
+              <a:srgbClr val="FFFFFF"/>
+            </a:solidFill>
+            <a:headEnd type="arrow" w="med" len="med"/>
+            <a:tailEnd type="arrow" w="med" len="med"/>
+          </a:ln>
+          <a:effectLst>
+            <a:glow rad="101600">
+              <a:schemeClr val="accent5">
+                <a:satMod val="175000"/>
+                <a:alpha val="40000"/>
+              </a:schemeClr>
+            </a:glow>
+          </a:effectLst>
         </p:spPr>
         <p:style>
           <a:lnRef idx="1">
@@ -43227,7 +44040,7 @@
             <a:avLst/>
           </a:prstGeom>
           <a:solidFill>
-            <a:srgbClr val="ff5050"/>
+            <a:srgbClr val="FF5050"/>
           </a:solidFill>
           <a:ln>
             <a:solidFill>
@@ -43265,7 +44078,7 @@
             <a:avLst/>
           </a:prstGeom>
           <a:solidFill>
-            <a:srgbClr val="ff5050"/>
+            <a:srgbClr val="FF5050"/>
           </a:solidFill>
           <a:ln>
             <a:solidFill>
@@ -43303,7 +44116,7 @@
             <a:avLst/>
           </a:prstGeom>
           <a:solidFill>
-            <a:srgbClr val="ff5050"/>
+            <a:srgbClr val="FF5050"/>
           </a:solidFill>
           <a:ln>
             <a:solidFill>
@@ -43341,7 +44154,7 @@
             <a:avLst/>
           </a:prstGeom>
           <a:solidFill>
-            <a:srgbClr val="ff5050"/>
+            <a:srgbClr val="FF5050"/>
           </a:solidFill>
           <a:ln>
             <a:solidFill>
@@ -43379,7 +44192,7 @@
             <a:avLst/>
           </a:prstGeom>
           <a:solidFill>
-            <a:srgbClr val="ff5050"/>
+            <a:srgbClr val="FF5050"/>
           </a:solidFill>
           <a:ln>
             <a:solidFill>
@@ -43417,7 +44230,7 @@
             <a:avLst/>
           </a:prstGeom>
           <a:solidFill>
-            <a:srgbClr val="ff5050"/>
+            <a:srgbClr val="FF5050"/>
           </a:solidFill>
           <a:ln>
             <a:solidFill>
@@ -43455,7 +44268,7 @@
             <a:avLst/>
           </a:prstGeom>
           <a:solidFill>
-            <a:srgbClr val="ffc000"/>
+            <a:srgbClr val="FFC000"/>
           </a:solidFill>
           <a:ln>
             <a:noFill/>
@@ -43483,7 +44296,7 @@
           <p:nvPr/>
         </p:nvSpPr>
         <p:spPr>
-          <a:xfrm flipV="1" rot="5400000">
+          <a:xfrm rot="5400000" flipV="1">
             <a:off x="8006040" y="3408480"/>
             <a:ext cx="360" cy="446400"/>
           </a:xfrm>
@@ -43491,6 +44304,7 @@
             <a:avLst/>
             <a:gdLst/>
             <a:ahLst/>
+            <a:cxnLst/>
             <a:rect l="l" t="t" r="r" b="b"/>
             <a:pathLst>
               <a:path w="21600" h="21600">
@@ -43506,9 +44320,9 @@
           <a:noFill/>
           <a:ln w="28575">
             <a:solidFill>
-              <a:srgbClr val="ffc000"/>
-            </a:solidFill>
-            <a:tailEnd len="med" type="arrow" w="med"/>
+              <a:srgbClr val="FFC000"/>
+            </a:solidFill>
+            <a:tailEnd type="arrow" w="med" len="med"/>
           </a:ln>
         </p:spPr>
         <p:style>
@@ -43539,7 +44353,7 @@
             <a:avLst/>
           </a:prstGeom>
           <a:solidFill>
-            <a:srgbClr val="c00000"/>
+            <a:srgbClr val="C00000"/>
           </a:solidFill>
           <a:ln>
             <a:solidFill>
@@ -43562,9 +44376,10 @@
           <a:fontRef idx="minor"/>
         </p:style>
         <p:txBody>
-          <a:bodyPr lIns="90000" rIns="90000" tIns="45000" bIns="45000" anchor="ctr">
+          <a:bodyPr lIns="90000" tIns="45000" rIns="90000" bIns="45000" anchor="ctr">
             <a:noAutofit/>
           </a:bodyPr>
+          <a:lstStyle/>
           <a:p>
             <a:pPr algn="ctr">
               <a:lnSpc>
@@ -43573,16 +44388,16 @@
               <a:buNone/>
             </a:pPr>
             <a:r>
-              <a:rPr b="0" lang="en-US" sz="1340" spc="-1" strike="noStrike">
+              <a:rPr lang="en-US" sz="1340" b="0" strike="noStrike" spc="-1">
                 <a:solidFill>
-                  <a:srgbClr val="ffffff"/>
+                  <a:srgbClr val="FFFFFF"/>
                 </a:solidFill>
                 <a:latin typeface="Arial"/>
                 <a:ea typeface="DejaVu Sans"/>
               </a:rPr>
               <a:t>1</a:t>
             </a:r>
-            <a:endParaRPr b="0" lang="en-US" sz="1340" spc="-1" strike="noStrike">
+            <a:endParaRPr lang="en-US" sz="1340" b="0" strike="noStrike" spc="-1">
               <a:latin typeface="Arial"/>
             </a:endParaRPr>
           </a:p>
@@ -43617,7 +44432,7 @@
               <a:avLst/>
             </a:prstGeom>
             <a:solidFill>
-              <a:srgbClr val="c00000"/>
+              <a:srgbClr val="C00000"/>
             </a:solidFill>
             <a:ln>
               <a:solidFill>
@@ -43660,15 +44475,22 @@
             </a:ln>
           </p:spPr>
           <p:style>
-            <a:lnRef idx="0"/>
-            <a:fillRef idx="0"/>
-            <a:effectRef idx="0"/>
+            <a:lnRef idx="0">
+              <a:scrgbClr r="0" g="0" b="0"/>
+            </a:lnRef>
+            <a:fillRef idx="0">
+              <a:scrgbClr r="0" g="0" b="0"/>
+            </a:fillRef>
+            <a:effectRef idx="0">
+              <a:scrgbClr r="0" g="0" b="0"/>
+            </a:effectRef>
             <a:fontRef idx="minor"/>
           </p:style>
           <p:txBody>
-            <a:bodyPr wrap="none" lIns="90000" rIns="90000" tIns="45000" bIns="45000" anchor="t">
+            <a:bodyPr wrap="none" lIns="90000" tIns="45000" rIns="90000" bIns="45000" anchor="t">
               <a:spAutoFit/>
             </a:bodyPr>
+            <a:lstStyle/>
             <a:p>
               <a:pPr>
                 <a:lnSpc>
@@ -43677,16 +44499,16 @@
                 <a:buNone/>
               </a:pPr>
               <a:r>
-                <a:rPr b="0" lang="en-US" sz="1050" spc="-1" strike="noStrike">
+                <a:rPr lang="en-US" sz="1050" b="0" strike="noStrike" spc="-1">
                   <a:solidFill>
-                    <a:srgbClr val="ffffff"/>
+                    <a:srgbClr val="FFFFFF"/>
                   </a:solidFill>
                   <a:latin typeface="맑은 고딕"/>
                   <a:ea typeface="DejaVu Sans"/>
                 </a:rPr>
                 <a:t>25</a:t>
               </a:r>
-              <a:endParaRPr b="0" lang="en-US" sz="1050" spc="-1" strike="noStrike">
+              <a:endParaRPr lang="en-US" sz="1050" b="0" strike="noStrike" spc="-1">
                 <a:latin typeface="Arial"/>
               </a:endParaRPr>
             </a:p>
@@ -43722,7 +44544,7 @@
               <a:avLst/>
             </a:prstGeom>
             <a:solidFill>
-              <a:srgbClr val="c00000"/>
+              <a:srgbClr val="C00000"/>
             </a:solidFill>
             <a:ln>
               <a:solidFill>
@@ -43765,15 +44587,22 @@
             </a:ln>
           </p:spPr>
           <p:style>
-            <a:lnRef idx="0"/>
-            <a:fillRef idx="0"/>
-            <a:effectRef idx="0"/>
+            <a:lnRef idx="0">
+              <a:scrgbClr r="0" g="0" b="0"/>
+            </a:lnRef>
+            <a:fillRef idx="0">
+              <a:scrgbClr r="0" g="0" b="0"/>
+            </a:fillRef>
+            <a:effectRef idx="0">
+              <a:scrgbClr r="0" g="0" b="0"/>
+            </a:effectRef>
             <a:fontRef idx="minor"/>
           </p:style>
           <p:txBody>
-            <a:bodyPr wrap="none" lIns="90000" rIns="90000" tIns="45000" bIns="45000" anchor="t">
+            <a:bodyPr wrap="none" lIns="90000" tIns="45000" rIns="90000" bIns="45000" anchor="t">
               <a:spAutoFit/>
             </a:bodyPr>
+            <a:lstStyle/>
             <a:p>
               <a:pPr>
                 <a:lnSpc>
@@ -43782,16 +44611,16 @@
                 <a:buNone/>
               </a:pPr>
               <a:r>
-                <a:rPr b="0" lang="en-US" sz="1050" spc="-1" strike="noStrike">
+                <a:rPr lang="en-US" sz="1050" b="0" strike="noStrike" spc="-1">
                   <a:solidFill>
-                    <a:srgbClr val="ffffff"/>
+                    <a:srgbClr val="FFFFFF"/>
                   </a:solidFill>
                   <a:latin typeface="맑은 고딕"/>
                   <a:ea typeface="DejaVu Sans"/>
                 </a:rPr>
                 <a:t>16</a:t>
               </a:r>
-              <a:endParaRPr b="0" lang="en-US" sz="1050" spc="-1" strike="noStrike">
+              <a:endParaRPr lang="en-US" sz="1050" b="0" strike="noStrike" spc="-1">
                 <a:latin typeface="Arial"/>
               </a:endParaRPr>
             </a:p>
@@ -43832,9 +44661,10 @@
           <a:fontRef idx="minor"/>
         </p:style>
         <p:txBody>
-          <a:bodyPr lIns="90000" rIns="90000" tIns="45000" bIns="45000" anchor="ctr">
+          <a:bodyPr lIns="90000" tIns="45000" rIns="90000" bIns="45000" anchor="ctr">
             <a:noAutofit/>
           </a:bodyPr>
+          <a:lstStyle/>
           <a:p>
             <a:pPr>
               <a:lnSpc>
@@ -43843,7 +44673,7 @@
               <a:buNone/>
             </a:pPr>
             <a:r>
-              <a:rPr b="0" lang="ko-KR" sz="1200" spc="-1" strike="noStrike">
+              <a:rPr lang="ko-KR" sz="1200" b="0" strike="noStrike" spc="-1">
                 <a:solidFill>
                   <a:srgbClr val="808080"/>
                 </a:solidFill>
@@ -43853,7 +44683,7 @@
               <a:t>실험실 </a:t>
             </a:r>
             <a:r>
-              <a:rPr b="0" lang="en-US" sz="1200" spc="-1" strike="noStrike">
+              <a:rPr lang="en-US" sz="1200" b="0" strike="noStrike" spc="-1">
                 <a:solidFill>
                   <a:srgbClr val="808080"/>
                 </a:solidFill>
@@ -43863,7 +44693,7 @@
               <a:t>(</a:t>
             </a:r>
             <a:r>
-              <a:rPr b="0" lang="ko-KR" sz="1200" spc="-1" strike="noStrike">
+              <a:rPr lang="ko-KR" sz="1200" b="0" strike="noStrike" spc="-1">
                 <a:solidFill>
                   <a:srgbClr val="808080"/>
                 </a:solidFill>
@@ -43873,7 +44703,7 @@
               <a:t>튜토리얼 진행</a:t>
             </a:r>
             <a:r>
-              <a:rPr b="0" lang="en-US" sz="1200" spc="-1" strike="noStrike">
+              <a:rPr lang="en-US" sz="1200" b="0" strike="noStrike" spc="-1">
                 <a:solidFill>
                   <a:srgbClr val="808080"/>
                 </a:solidFill>
@@ -43882,7 +44712,7 @@
               </a:rPr>
               <a:t>)</a:t>
             </a:r>
-            <a:endParaRPr b="0" lang="en-US" sz="1200" spc="-1" strike="noStrike">
+            <a:endParaRPr lang="en-US" sz="1200" b="0" strike="noStrike" spc="-1">
               <a:latin typeface="Arial"/>
             </a:endParaRPr>
           </a:p>
@@ -43893,7 +44723,7 @@
               </a:lnSpc>
               <a:buNone/>
             </a:pPr>
-            <a:endParaRPr b="0" lang="en-US" sz="1200" spc="-1" strike="noStrike">
+            <a:endParaRPr lang="en-US" sz="1200" b="0" strike="noStrike" spc="-1">
               <a:latin typeface="Arial"/>
             </a:endParaRPr>
           </a:p>
@@ -43905,7 +44735,7 @@
               <a:buNone/>
             </a:pPr>
             <a:r>
-              <a:rPr b="0" lang="en-US" sz="1200" spc="-1" strike="noStrike">
+              <a:rPr lang="en-US" sz="1200" b="0" strike="noStrike" spc="-1">
                 <a:solidFill>
                   <a:srgbClr val="808080"/>
                 </a:solidFill>
@@ -43915,7 +44745,7 @@
               <a:t>1.     </a:t>
             </a:r>
             <a:r>
-              <a:rPr b="0" lang="ko-KR" sz="1200" spc="-1" strike="noStrike">
+              <a:rPr lang="ko-KR" sz="1200" b="0" strike="noStrike" spc="-1">
                 <a:solidFill>
                   <a:srgbClr val="808080"/>
                 </a:solidFill>
@@ -43924,7 +44754,7 @@
               </a:rPr>
               <a:t>버튼 누르기</a:t>
             </a:r>
-            <a:endParaRPr b="0" lang="en-US" sz="1200" spc="-1" strike="noStrike">
+            <a:endParaRPr lang="en-US" sz="1200" b="0" strike="noStrike" spc="-1">
               <a:latin typeface="Arial"/>
             </a:endParaRPr>
           </a:p>
@@ -43940,7 +44770,7 @@
               <a:buAutoNum type="arabicPeriod" startAt="2"/>
             </a:pPr>
             <a:r>
-              <a:rPr b="0" lang="en-US" sz="1200" spc="-1" strike="noStrike">
+              <a:rPr lang="en-US" sz="1200" b="0" strike="noStrike" spc="-1">
                 <a:solidFill>
                   <a:srgbClr val="808080"/>
                 </a:solidFill>
@@ -43950,7 +44780,7 @@
               <a:t>   </a:t>
             </a:r>
             <a:r>
-              <a:rPr b="0" lang="ko-KR" sz="1200" spc="-1" strike="noStrike">
+              <a:rPr lang="ko-KR" sz="1200" b="0" strike="noStrike" spc="-1">
                 <a:solidFill>
                   <a:srgbClr val="808080"/>
                 </a:solidFill>
@@ -43959,7 +44789,7 @@
               </a:rPr>
               <a:t>스위치 누르기</a:t>
             </a:r>
-            <a:endParaRPr b="0" lang="en-US" sz="1200" spc="-1" strike="noStrike">
+            <a:endParaRPr lang="en-US" sz="1200" b="0" strike="noStrike" spc="-1">
               <a:latin typeface="Arial"/>
             </a:endParaRPr>
           </a:p>
@@ -43975,7 +44805,7 @@
               <a:buAutoNum type="arabicPeriod" startAt="2"/>
             </a:pPr>
             <a:r>
-              <a:rPr b="0" lang="ko-KR" sz="1200" spc="-1" strike="noStrike">
+              <a:rPr lang="ko-KR" sz="1200" b="0" strike="noStrike" spc="-1">
                 <a:solidFill>
                   <a:srgbClr val="808080"/>
                 </a:solidFill>
@@ -43984,7 +44814,7 @@
               </a:rPr>
               <a:t>문으로 나가기</a:t>
             </a:r>
-            <a:endParaRPr b="0" lang="en-US" sz="1200" spc="-1" strike="noStrike">
+            <a:endParaRPr lang="en-US" sz="1200" b="0" strike="noStrike" spc="-1">
               <a:latin typeface="Arial"/>
             </a:endParaRPr>
           </a:p>
@@ -43995,7 +44825,7 @@
               </a:lnSpc>
               <a:buNone/>
             </a:pPr>
-            <a:endParaRPr b="0" lang="en-US" sz="1200" spc="-1" strike="noStrike">
+            <a:endParaRPr lang="en-US" sz="1200" b="0" strike="noStrike" spc="-1">
               <a:latin typeface="Arial"/>
             </a:endParaRPr>
           </a:p>
@@ -44007,7 +44837,7 @@
               <a:buNone/>
             </a:pPr>
             <a:r>
-              <a:rPr b="0" lang="ko-KR" sz="1200" spc="-1" strike="noStrike">
+              <a:rPr lang="ko-KR" sz="1200" b="0" strike="noStrike" spc="-1">
                 <a:solidFill>
                   <a:srgbClr val="808080"/>
                 </a:solidFill>
@@ -44016,7 +44846,7 @@
               </a:rPr>
               <a:t>동선을 유도하는 시스템 필요함</a:t>
             </a:r>
-            <a:endParaRPr b="0" lang="en-US" sz="1200" spc="-1" strike="noStrike">
+            <a:endParaRPr lang="en-US" sz="1200" b="0" strike="noStrike" spc="-1">
               <a:latin typeface="Arial"/>
             </a:endParaRPr>
           </a:p>
@@ -44028,7 +44858,7 @@
               <a:buNone/>
             </a:pPr>
             <a:r>
-              <a:rPr b="0" lang="en-US" sz="1100" spc="-1" strike="noStrike">
+              <a:rPr lang="en-US" sz="1100" b="0" strike="noStrike" spc="-1">
                 <a:solidFill>
                   <a:srgbClr val="808080"/>
                 </a:solidFill>
@@ -44038,7 +44868,7 @@
               <a:t>(</a:t>
             </a:r>
             <a:r>
-              <a:rPr b="0" lang="ko-KR" sz="1100" spc="-1" strike="noStrike">
+              <a:rPr lang="ko-KR" sz="1100" b="0" strike="noStrike" spc="-1">
                 <a:solidFill>
                   <a:srgbClr val="808080"/>
                 </a:solidFill>
@@ -44048,7 +44878,7 @@
               <a:t>카메라 연출 </a:t>
             </a:r>
             <a:r>
-              <a:rPr b="0" lang="en-US" sz="1100" spc="-1" strike="noStrike">
+              <a:rPr lang="en-US" sz="1100" b="0" strike="noStrike" spc="-1">
                 <a:solidFill>
                   <a:srgbClr val="808080"/>
                 </a:solidFill>
@@ -44058,7 +44888,7 @@
               <a:t>or </a:t>
             </a:r>
             <a:r>
-              <a:rPr b="0" lang="ko-KR" sz="1100" spc="-1" strike="noStrike">
+              <a:rPr lang="ko-KR" sz="1100" b="0" strike="noStrike" spc="-1">
                 <a:solidFill>
                   <a:srgbClr val="808080"/>
                 </a:solidFill>
@@ -44068,7 +44898,7 @@
               <a:t>화살표로 버튼 위치를 알려주는 등</a:t>
             </a:r>
             <a:r>
-              <a:rPr b="0" lang="en-US" sz="1100" spc="-1" strike="noStrike">
+              <a:rPr lang="en-US" sz="1100" b="0" strike="noStrike" spc="-1">
                 <a:solidFill>
                   <a:srgbClr val="808080"/>
                 </a:solidFill>
@@ -44077,7 +44907,7 @@
               </a:rPr>
               <a:t>)</a:t>
             </a:r>
-            <a:endParaRPr b="0" lang="en-US" sz="1100" spc="-1" strike="noStrike">
+            <a:endParaRPr lang="en-US" sz="1100" b="0" strike="noStrike" spc="-1">
               <a:latin typeface="Arial"/>
             </a:endParaRPr>
           </a:p>
@@ -44098,7 +44928,7 @@
             <a:avLst/>
           </a:prstGeom>
           <a:solidFill>
-            <a:srgbClr val="ffff00"/>
+            <a:srgbClr val="FFFF00"/>
           </a:solidFill>
           <a:ln>
             <a:solidFill>
@@ -44150,7 +44980,7 @@
               <a:avLst/>
             </a:prstGeom>
             <a:solidFill>
-              <a:srgbClr val="c00000"/>
+              <a:srgbClr val="C00000"/>
             </a:solidFill>
             <a:ln>
               <a:solidFill>
@@ -44193,15 +45023,22 @@
             </a:ln>
           </p:spPr>
           <p:style>
-            <a:lnRef idx="0"/>
-            <a:fillRef idx="0"/>
-            <a:effectRef idx="0"/>
+            <a:lnRef idx="0">
+              <a:scrgbClr r="0" g="0" b="0"/>
+            </a:lnRef>
+            <a:fillRef idx="0">
+              <a:scrgbClr r="0" g="0" b="0"/>
+            </a:fillRef>
+            <a:effectRef idx="0">
+              <a:scrgbClr r="0" g="0" b="0"/>
+            </a:effectRef>
             <a:fontRef idx="minor"/>
           </p:style>
           <p:txBody>
-            <a:bodyPr wrap="none" lIns="90000" rIns="90000" tIns="45000" bIns="45000" anchor="t">
+            <a:bodyPr wrap="none" lIns="90000" tIns="45000" rIns="90000" bIns="45000" anchor="t">
               <a:spAutoFit/>
             </a:bodyPr>
+            <a:lstStyle/>
             <a:p>
               <a:pPr>
                 <a:lnSpc>
@@ -44210,16 +45047,16 @@
                 <a:buNone/>
               </a:pPr>
               <a:r>
-                <a:rPr b="0" lang="en-US" sz="1050" spc="-1" strike="noStrike">
+                <a:rPr lang="en-US" sz="1050" b="0" strike="noStrike" spc="-1">
                   <a:solidFill>
-                    <a:srgbClr val="ffffff"/>
+                    <a:srgbClr val="FFFFFF"/>
                   </a:solidFill>
                   <a:latin typeface="맑은 고딕"/>
                   <a:ea typeface="DejaVu Sans"/>
                 </a:rPr>
                 <a:t>15</a:t>
               </a:r>
-              <a:endParaRPr b="0" lang="en-US" sz="1050" spc="-1" strike="noStrike">
+              <a:endParaRPr lang="en-US" sz="1050" b="0" strike="noStrike" spc="-1">
                 <a:latin typeface="Arial"/>
               </a:endParaRPr>
             </a:p>
@@ -44242,10 +45079,19 @@
           </a:prstGeom>
           <a:ln w="12700">
             <a:solidFill>
-              <a:srgbClr val="ffffff"/>
-            </a:solidFill>
-            <a:tailEnd len="med" type="arrow" w="med"/>
-          </a:ln>
+              <a:srgbClr val="FFFFFF"/>
+            </a:solidFill>
+            <a:headEnd type="arrow" w="med" len="med"/>
+            <a:tailEnd type="arrow" w="med" len="med"/>
+          </a:ln>
+          <a:effectLst>
+            <a:glow rad="101600">
+              <a:schemeClr val="accent5">
+                <a:satMod val="175000"/>
+                <a:alpha val="40000"/>
+              </a:schemeClr>
+            </a:glow>
+          </a:effectLst>
         </p:spPr>
         <p:style>
           <a:lnRef idx="1">
@@ -44275,7 +45121,7 @@
             <a:avLst/>
           </a:prstGeom>
           <a:solidFill>
-            <a:srgbClr val="ffff00"/>
+            <a:srgbClr val="FFFF00"/>
           </a:solidFill>
           <a:ln>
             <a:solidFill>
@@ -44313,7 +45159,7 @@
             <a:avLst/>
           </a:prstGeom>
           <a:solidFill>
-            <a:srgbClr val="7030a0"/>
+            <a:srgbClr val="7030A0"/>
           </a:solidFill>
           <a:ln>
             <a:solidFill>
@@ -44365,7 +45211,7 @@
               <a:avLst/>
             </a:prstGeom>
             <a:solidFill>
-              <a:srgbClr val="c00000"/>
+              <a:srgbClr val="C00000"/>
             </a:solidFill>
             <a:ln>
               <a:solidFill>
@@ -44408,15 +45254,22 @@
             </a:ln>
           </p:spPr>
           <p:style>
-            <a:lnRef idx="0"/>
-            <a:fillRef idx="0"/>
-            <a:effectRef idx="0"/>
+            <a:lnRef idx="0">
+              <a:scrgbClr r="0" g="0" b="0"/>
+            </a:lnRef>
+            <a:fillRef idx="0">
+              <a:scrgbClr r="0" g="0" b="0"/>
+            </a:fillRef>
+            <a:effectRef idx="0">
+              <a:scrgbClr r="0" g="0" b="0"/>
+            </a:effectRef>
             <a:fontRef idx="minor"/>
           </p:style>
           <p:txBody>
-            <a:bodyPr wrap="none" lIns="90000" rIns="90000" tIns="45000" bIns="45000" anchor="t">
+            <a:bodyPr wrap="none" lIns="90000" tIns="45000" rIns="90000" bIns="45000" anchor="t">
               <a:spAutoFit/>
             </a:bodyPr>
+            <a:lstStyle/>
             <a:p>
               <a:pPr>
                 <a:lnSpc>
@@ -44425,16 +45278,16 @@
                 <a:buNone/>
               </a:pPr>
               <a:r>
-                <a:rPr b="0" lang="en-US" sz="1050" spc="-1" strike="noStrike">
+                <a:rPr lang="en-US" sz="1050" b="0" strike="noStrike" spc="-1">
                   <a:solidFill>
-                    <a:srgbClr val="ffffff"/>
+                    <a:srgbClr val="FFFFFF"/>
                   </a:solidFill>
                   <a:latin typeface="맑은 고딕"/>
                   <a:ea typeface="DejaVu Sans"/>
                 </a:rPr>
                 <a:t>27</a:t>
               </a:r>
-              <a:endParaRPr b="0" lang="en-US" sz="1050" spc="-1" strike="noStrike">
+              <a:endParaRPr lang="en-US" sz="1050" b="0" strike="noStrike" spc="-1">
                 <a:latin typeface="Arial"/>
               </a:endParaRPr>
             </a:p>
@@ -44456,7 +45309,7 @@
             <a:avLst/>
           </a:prstGeom>
           <a:solidFill>
-            <a:srgbClr val="7030a0"/>
+            <a:srgbClr val="7030A0"/>
           </a:solidFill>
           <a:ln>
             <a:solidFill>
@@ -44481,19 +45334,14 @@
       </p:sp>
     </p:spTree>
   </p:cSld>
-  <mc:AlternateContent>
-    <mc:Choice Requires="p14">
-      <p:transition spd="slow" p14:dur="2000"/>
-    </mc:Choice>
-    <mc:Fallback>
-      <p:transition spd="slow"/>
-    </mc:Fallback>
-  </mc:AlternateContent>
+  <p:clrMapOvr>
+    <a:masterClrMapping/>
+  </p:clrMapOvr>
 </p:sld>
 </file>
 
 <file path=ppt/slides/slide4.xml><?xml version="1.0" encoding="utf-8"?>
-<p:sld xmlns:a="http://schemas.openxmlformats.org/drawingml/2006/main" xmlns:p="http://schemas.openxmlformats.org/presentationml/2006/main" xmlns:r="http://schemas.openxmlformats.org/officeDocument/2006/relationships" xmlns:p14="http://schemas.microsoft.com/office/powerpoint/2010/main" xmlns:p15="http://schemas.microsoft.com/office/powerpoint/2012/main" xmlns:mc="http://schemas.openxmlformats.org/markup-compatibility/2006">
+<p:sld xmlns:a="http://schemas.openxmlformats.org/drawingml/2006/main" xmlns:r="http://schemas.openxmlformats.org/officeDocument/2006/relationships" xmlns:p="http://schemas.openxmlformats.org/presentationml/2006/main">
   <p:cSld>
     <p:spTree>
       <p:nvGrpSpPr>
@@ -44644,15 +45492,22 @@
           </a:ln>
         </p:spPr>
         <p:style>
-          <a:lnRef idx="0"/>
-          <a:fillRef idx="0"/>
-          <a:effectRef idx="0"/>
+          <a:lnRef idx="0">
+            <a:scrgbClr r="0" g="0" b="0"/>
+          </a:lnRef>
+          <a:fillRef idx="0">
+            <a:scrgbClr r="0" g="0" b="0"/>
+          </a:fillRef>
+          <a:effectRef idx="0">
+            <a:scrgbClr r="0" g="0" b="0"/>
+          </a:effectRef>
           <a:fontRef idx="minor"/>
         </p:style>
         <p:txBody>
-          <a:bodyPr lIns="90000" rIns="90000" tIns="45000" bIns="45000" anchor="t">
+          <a:bodyPr lIns="90000" tIns="45000" rIns="90000" bIns="45000" anchor="t">
             <a:spAutoFit/>
           </a:bodyPr>
+          <a:lstStyle/>
           <a:p>
             <a:pPr>
               <a:lnSpc>
@@ -44661,7 +45516,7 @@
               <a:buNone/>
             </a:pPr>
             <a:r>
-              <a:rPr b="0" lang="en-US" sz="1400" spc="-1" strike="noStrike">
+              <a:rPr lang="en-US" sz="1400" b="0" strike="noStrike" spc="-1">
                 <a:solidFill>
                   <a:srgbClr val="000000"/>
                 </a:solidFill>
@@ -44670,7 +45525,7 @@
               </a:rPr>
               <a:t>0m</a:t>
             </a:r>
-            <a:endParaRPr b="0" lang="en-US" sz="1400" spc="-1" strike="noStrike">
+            <a:endParaRPr lang="en-US" sz="1400" b="0" strike="noStrike" spc="-1">
               <a:latin typeface="Arial"/>
             </a:endParaRPr>
           </a:p>
@@ -44696,15 +45551,22 @@
           </a:ln>
         </p:spPr>
         <p:style>
-          <a:lnRef idx="0"/>
-          <a:fillRef idx="0"/>
-          <a:effectRef idx="0"/>
+          <a:lnRef idx="0">
+            <a:scrgbClr r="0" g="0" b="0"/>
+          </a:lnRef>
+          <a:fillRef idx="0">
+            <a:scrgbClr r="0" g="0" b="0"/>
+          </a:fillRef>
+          <a:effectRef idx="0">
+            <a:scrgbClr r="0" g="0" b="0"/>
+          </a:effectRef>
           <a:fontRef idx="minor"/>
         </p:style>
         <p:txBody>
-          <a:bodyPr lIns="90000" rIns="90000" tIns="45000" bIns="45000" anchor="t">
+          <a:bodyPr lIns="90000" tIns="45000" rIns="90000" bIns="45000" anchor="t">
             <a:spAutoFit/>
           </a:bodyPr>
+          <a:lstStyle/>
           <a:p>
             <a:pPr>
               <a:lnSpc>
@@ -44713,7 +45575,7 @@
               <a:buNone/>
             </a:pPr>
             <a:r>
-              <a:rPr b="0" lang="en-US" sz="1400" spc="-1" strike="noStrike">
+              <a:rPr lang="en-US" sz="1400" b="0" strike="noStrike" spc="-1">
                 <a:solidFill>
                   <a:srgbClr val="000000"/>
                 </a:solidFill>
@@ -44722,7 +45584,7 @@
               </a:rPr>
               <a:t>2m</a:t>
             </a:r>
-            <a:endParaRPr b="0" lang="en-US" sz="1400" spc="-1" strike="noStrike">
+            <a:endParaRPr lang="en-US" sz="1400" b="0" strike="noStrike" spc="-1">
               <a:latin typeface="Arial"/>
             </a:endParaRPr>
           </a:p>
@@ -44748,15 +45610,22 @@
           </a:ln>
         </p:spPr>
         <p:style>
-          <a:lnRef idx="0"/>
-          <a:fillRef idx="0"/>
-          <a:effectRef idx="0"/>
+          <a:lnRef idx="0">
+            <a:scrgbClr r="0" g="0" b="0"/>
+          </a:lnRef>
+          <a:fillRef idx="0">
+            <a:scrgbClr r="0" g="0" b="0"/>
+          </a:fillRef>
+          <a:effectRef idx="0">
+            <a:scrgbClr r="0" g="0" b="0"/>
+          </a:effectRef>
           <a:fontRef idx="minor"/>
         </p:style>
         <p:txBody>
-          <a:bodyPr lIns="90000" rIns="90000" tIns="45000" bIns="45000" anchor="t">
+          <a:bodyPr lIns="90000" tIns="45000" rIns="90000" bIns="45000" anchor="t">
             <a:spAutoFit/>
           </a:bodyPr>
+          <a:lstStyle/>
           <a:p>
             <a:pPr>
               <a:lnSpc>
@@ -44765,7 +45634,7 @@
               <a:buNone/>
             </a:pPr>
             <a:r>
-              <a:rPr b="1" lang="en-US" sz="1600" spc="-1" strike="noStrike">
+              <a:rPr lang="en-US" sz="1600" b="1" strike="noStrike" spc="-1">
                 <a:solidFill>
                   <a:srgbClr val="000000"/>
                 </a:solidFill>
@@ -44774,7 +45643,7 @@
               </a:rPr>
               <a:t>Lv. 0</a:t>
             </a:r>
-            <a:endParaRPr b="0" lang="en-US" sz="1600" spc="-1" strike="noStrike">
+            <a:endParaRPr lang="en-US" sz="1600" b="0" strike="noStrike" spc="-1">
               <a:latin typeface="Arial"/>
             </a:endParaRPr>
           </a:p>
@@ -44800,15 +45669,22 @@
           </a:ln>
         </p:spPr>
         <p:style>
-          <a:lnRef idx="0"/>
-          <a:fillRef idx="0"/>
-          <a:effectRef idx="0"/>
+          <a:lnRef idx="0">
+            <a:scrgbClr r="0" g="0" b="0"/>
+          </a:lnRef>
+          <a:fillRef idx="0">
+            <a:scrgbClr r="0" g="0" b="0"/>
+          </a:fillRef>
+          <a:effectRef idx="0">
+            <a:scrgbClr r="0" g="0" b="0"/>
+          </a:effectRef>
           <a:fontRef idx="minor"/>
         </p:style>
         <p:txBody>
-          <a:bodyPr lIns="90000" rIns="90000" tIns="45000" bIns="45000" anchor="t">
+          <a:bodyPr lIns="90000" tIns="45000" rIns="90000" bIns="45000" anchor="t">
             <a:spAutoFit/>
           </a:bodyPr>
+          <a:lstStyle/>
           <a:p>
             <a:pPr>
               <a:lnSpc>
@@ -44817,7 +45693,7 @@
               <a:buNone/>
             </a:pPr>
             <a:r>
-              <a:rPr b="1" lang="en-US" sz="1600" spc="-1" strike="noStrike">
+              <a:rPr lang="en-US" sz="1600" b="1" strike="noStrike" spc="-1">
                 <a:solidFill>
                   <a:srgbClr val="000000"/>
                 </a:solidFill>
@@ -44826,7 +45702,7 @@
               </a:rPr>
               <a:t>Lv. 1</a:t>
             </a:r>
-            <a:endParaRPr b="0" lang="en-US" sz="1600" spc="-1" strike="noStrike">
+            <a:endParaRPr lang="en-US" sz="1600" b="0" strike="noStrike" spc="-1">
               <a:latin typeface="Arial"/>
             </a:endParaRPr>
           </a:p>
@@ -44852,15 +45728,22 @@
           </a:ln>
         </p:spPr>
         <p:style>
-          <a:lnRef idx="0"/>
-          <a:fillRef idx="0"/>
-          <a:effectRef idx="0"/>
+          <a:lnRef idx="0">
+            <a:scrgbClr r="0" g="0" b="0"/>
+          </a:lnRef>
+          <a:fillRef idx="0">
+            <a:scrgbClr r="0" g="0" b="0"/>
+          </a:fillRef>
+          <a:effectRef idx="0">
+            <a:scrgbClr r="0" g="0" b="0"/>
+          </a:effectRef>
           <a:fontRef idx="minor"/>
         </p:style>
         <p:txBody>
-          <a:bodyPr lIns="90000" rIns="90000" tIns="45000" bIns="45000" anchor="t">
+          <a:bodyPr lIns="90000" tIns="45000" rIns="90000" bIns="45000" anchor="t">
             <a:spAutoFit/>
           </a:bodyPr>
+          <a:lstStyle/>
           <a:p>
             <a:pPr algn="ctr">
               <a:lnSpc>
@@ -44869,7 +45752,7 @@
               <a:buNone/>
             </a:pPr>
             <a:r>
-              <a:rPr b="0" lang="en-US" sz="1800" spc="-1" strike="noStrike">
+              <a:rPr lang="en-US" sz="1800" b="0" strike="noStrike" spc="-1">
                 <a:solidFill>
                   <a:srgbClr val="000000"/>
                 </a:solidFill>
@@ -44878,7 +45761,7 @@
               </a:rPr>
               <a:t>6g x 6g x 6g  </a:t>
             </a:r>
-            <a:endParaRPr b="0" lang="en-US" sz="1800" spc="-1" strike="noStrike">
+            <a:endParaRPr lang="en-US" sz="1800" b="0" strike="noStrike" spc="-1">
               <a:latin typeface="Arial"/>
             </a:endParaRPr>
           </a:p>
@@ -44923,9 +45806,10 @@
           <a:fontRef idx="minor"/>
         </p:style>
         <p:txBody>
-          <a:bodyPr lIns="90000" rIns="90000" tIns="45000" bIns="45000" anchor="ctr">
+          <a:bodyPr lIns="90000" tIns="45000" rIns="90000" bIns="45000" anchor="ctr">
             <a:noAutofit/>
           </a:bodyPr>
+          <a:lstStyle/>
           <a:p>
             <a:pPr algn="ctr">
               <a:lnSpc>
@@ -44934,16 +45818,16 @@
               <a:buNone/>
             </a:pPr>
             <a:r>
-              <a:rPr b="0" lang="en-US" sz="1800" spc="-1" strike="noStrike">
+              <a:rPr lang="en-US" sz="1800" b="0" strike="noStrike" spc="-1">
                 <a:solidFill>
-                  <a:srgbClr val="f2f2f2"/>
+                  <a:srgbClr val="F2F2F2"/>
                 </a:solidFill>
                 <a:latin typeface="맑은 고딕"/>
                 <a:ea typeface="DejaVu Sans"/>
               </a:rPr>
               <a:t>Grand_S1</a:t>
             </a:r>
-            <a:endParaRPr b="0" lang="en-US" sz="1800" spc="-1" strike="noStrike">
+            <a:endParaRPr lang="en-US" sz="1800" b="0" strike="noStrike" spc="-1">
               <a:latin typeface="Arial"/>
             </a:endParaRPr>
           </a:p>
@@ -46512,7 +47396,7 @@
             <a:avLst/>
           </a:prstGeom>
           <a:solidFill>
-            <a:srgbClr val="c00000"/>
+            <a:srgbClr val="C00000"/>
           </a:solidFill>
           <a:ln>
             <a:solidFill>
@@ -46535,9 +47419,10 @@
           <a:fontRef idx="minor"/>
         </p:style>
         <p:txBody>
-          <a:bodyPr lIns="90000" rIns="90000" tIns="45000" bIns="45000" anchor="ctr">
+          <a:bodyPr lIns="90000" tIns="45000" rIns="90000" bIns="45000" anchor="ctr">
             <a:noAutofit/>
           </a:bodyPr>
+          <a:lstStyle/>
           <a:p>
             <a:pPr algn="ctr">
               <a:lnSpc>
@@ -46546,16 +47431,16 @@
               <a:buNone/>
             </a:pPr>
             <a:r>
-              <a:rPr b="0" lang="en-US" sz="1340" spc="-1" strike="noStrike">
+              <a:rPr lang="en-US" sz="1340" b="0" strike="noStrike" spc="-1">
                 <a:solidFill>
-                  <a:srgbClr val="ffffff"/>
+                  <a:srgbClr val="FFFFFF"/>
                 </a:solidFill>
                 <a:latin typeface="Arial"/>
                 <a:ea typeface="DejaVu Sans"/>
               </a:rPr>
               <a:t>1</a:t>
             </a:r>
-            <a:endParaRPr b="0" lang="en-US" sz="1340" spc="-1" strike="noStrike">
+            <a:endParaRPr lang="en-US" sz="1340" b="0" strike="noStrike" spc="-1">
               <a:latin typeface="Arial"/>
             </a:endParaRPr>
           </a:p>
@@ -46612,7 +47497,7 @@
             <a:avLst/>
           </a:prstGeom>
           <a:solidFill>
-            <a:srgbClr val="c00000"/>
+            <a:srgbClr val="C00000"/>
           </a:solidFill>
           <a:ln>
             <a:solidFill>
@@ -46635,9 +47520,10 @@
           <a:fontRef idx="minor"/>
         </p:style>
         <p:txBody>
-          <a:bodyPr lIns="90000" rIns="90000" tIns="45000" bIns="45000" anchor="ctr">
+          <a:bodyPr lIns="90000" tIns="45000" rIns="90000" bIns="45000" anchor="ctr">
             <a:noAutofit/>
           </a:bodyPr>
+          <a:lstStyle/>
           <a:p>
             <a:pPr algn="ctr">
               <a:lnSpc>
@@ -46646,16 +47532,16 @@
               <a:buNone/>
             </a:pPr>
             <a:r>
-              <a:rPr b="0" lang="en-US" sz="1340" spc="-1" strike="noStrike">
+              <a:rPr lang="en-US" sz="1340" b="0" strike="noStrike" spc="-1">
                 <a:solidFill>
-                  <a:srgbClr val="ffffff"/>
+                  <a:srgbClr val="FFFFFF"/>
                 </a:solidFill>
                 <a:latin typeface="Arial"/>
                 <a:ea typeface="DejaVu Sans"/>
               </a:rPr>
               <a:t>1</a:t>
             </a:r>
-            <a:endParaRPr b="0" lang="en-US" sz="1340" spc="-1" strike="noStrike">
+            <a:endParaRPr lang="en-US" sz="1340" b="0" strike="noStrike" spc="-1">
               <a:latin typeface="Arial"/>
             </a:endParaRPr>
           </a:p>
@@ -46676,6 +47562,7 @@
             <a:avLst/>
             <a:gdLst/>
             <a:ahLst/>
+            <a:cxnLst/>
             <a:rect l="l" t="t" r="r" b="b"/>
             <a:pathLst>
               <a:path w="21600" h="21600">
@@ -46691,9 +47578,9 @@
           <a:noFill/>
           <a:ln w="28575">
             <a:solidFill>
-              <a:srgbClr val="ffc000"/>
-            </a:solidFill>
-            <a:tailEnd len="med" type="arrow" w="med"/>
+              <a:srgbClr val="FFC000"/>
+            </a:solidFill>
+            <a:tailEnd type="arrow" w="med" len="med"/>
           </a:ln>
         </p:spPr>
         <p:style>
@@ -46724,6 +47611,7 @@
             <a:avLst/>
             <a:gdLst/>
             <a:ahLst/>
+            <a:cxnLst/>
             <a:rect l="l" t="t" r="r" b="b"/>
             <a:pathLst>
               <a:path w="21600" h="21600">
@@ -46739,9 +47627,9 @@
           <a:noFill/>
           <a:ln w="28575">
             <a:solidFill>
-              <a:srgbClr val="ffc000"/>
-            </a:solidFill>
-            <a:tailEnd len="med" type="arrow" w="med"/>
+              <a:srgbClr val="FFC000"/>
+            </a:solidFill>
+            <a:tailEnd type="arrow" w="med" len="med"/>
           </a:ln>
         </p:spPr>
         <p:style>
@@ -46759,19 +47647,14 @@
       </p:sp>
     </p:spTree>
   </p:cSld>
-  <mc:AlternateContent>
-    <mc:Choice Requires="p14">
-      <p:transition spd="slow" p14:dur="2000"/>
-    </mc:Choice>
-    <mc:Fallback>
-      <p:transition spd="slow"/>
-    </mc:Fallback>
-  </mc:AlternateContent>
+  <p:clrMapOvr>
+    <a:masterClrMapping/>
+  </p:clrMapOvr>
 </p:sld>
 </file>
 
 <file path=ppt/slides/slide5.xml><?xml version="1.0" encoding="utf-8"?>
-<p:sld xmlns:a="http://schemas.openxmlformats.org/drawingml/2006/main" xmlns:p="http://schemas.openxmlformats.org/presentationml/2006/main" xmlns:r="http://schemas.openxmlformats.org/officeDocument/2006/relationships" xmlns:p14="http://schemas.microsoft.com/office/powerpoint/2010/main" xmlns:p15="http://schemas.microsoft.com/office/powerpoint/2012/main" xmlns:mc="http://schemas.openxmlformats.org/markup-compatibility/2006">
+<p:sld xmlns:a="http://schemas.openxmlformats.org/drawingml/2006/main" xmlns:r="http://schemas.openxmlformats.org/officeDocument/2006/relationships" xmlns:p="http://schemas.openxmlformats.org/presentationml/2006/main">
   <p:cSld>
     <p:spTree>
       <p:nvGrpSpPr>
@@ -46826,9 +47709,10 @@
           <a:fontRef idx="minor"/>
         </p:style>
         <p:txBody>
-          <a:bodyPr lIns="90000" rIns="90000" tIns="45000" bIns="45000" anchor="ctr">
+          <a:bodyPr lIns="90000" tIns="45000" rIns="90000" bIns="45000" anchor="ctr">
             <a:noAutofit/>
           </a:bodyPr>
+          <a:lstStyle/>
           <a:p>
             <a:pPr algn="ctr">
               <a:lnSpc>
@@ -46837,16 +47721,16 @@
               <a:buNone/>
             </a:pPr>
             <a:r>
-              <a:rPr b="0" lang="en-US" sz="1800" spc="-1" strike="noStrike">
+              <a:rPr lang="en-US" sz="1800" b="0" strike="noStrike" spc="-1">
                 <a:solidFill>
-                  <a:srgbClr val="f2f2f2"/>
+                  <a:srgbClr val="F2F2F2"/>
                 </a:solidFill>
                 <a:latin typeface="맑은 고딕"/>
                 <a:ea typeface="DejaVu Sans"/>
               </a:rPr>
               <a:t>Grand_S2</a:t>
             </a:r>
-            <a:endParaRPr b="0" lang="en-US" sz="1800" spc="-1" strike="noStrike">
+            <a:endParaRPr lang="en-US" sz="1800" b="0" strike="noStrike" spc="-1">
               <a:latin typeface="Arial"/>
             </a:endParaRPr>
           </a:p>
@@ -46987,15 +47871,22 @@
           </a:ln>
         </p:spPr>
         <p:style>
-          <a:lnRef idx="0"/>
-          <a:fillRef idx="0"/>
-          <a:effectRef idx="0"/>
+          <a:lnRef idx="0">
+            <a:scrgbClr r="0" g="0" b="0"/>
+          </a:lnRef>
+          <a:fillRef idx="0">
+            <a:scrgbClr r="0" g="0" b="0"/>
+          </a:fillRef>
+          <a:effectRef idx="0">
+            <a:scrgbClr r="0" g="0" b="0"/>
+          </a:effectRef>
           <a:fontRef idx="minor"/>
         </p:style>
         <p:txBody>
-          <a:bodyPr lIns="90000" rIns="90000" tIns="45000" bIns="45000" anchor="t">
+          <a:bodyPr lIns="90000" tIns="45000" rIns="90000" bIns="45000" anchor="t">
             <a:spAutoFit/>
           </a:bodyPr>
+          <a:lstStyle/>
           <a:p>
             <a:pPr>
               <a:lnSpc>
@@ -47004,7 +47895,7 @@
               <a:buNone/>
             </a:pPr>
             <a:r>
-              <a:rPr b="0" lang="en-US" sz="1400" spc="-1" strike="noStrike">
+              <a:rPr lang="en-US" sz="1400" b="0" strike="noStrike" spc="-1">
                 <a:solidFill>
                   <a:srgbClr val="000000"/>
                 </a:solidFill>
@@ -47013,7 +47904,7 @@
               </a:rPr>
               <a:t>0m</a:t>
             </a:r>
-            <a:endParaRPr b="0" lang="en-US" sz="1400" spc="-1" strike="noStrike">
+            <a:endParaRPr lang="en-US" sz="1400" b="0" strike="noStrike" spc="-1">
               <a:latin typeface="Arial"/>
             </a:endParaRPr>
           </a:p>
@@ -47039,15 +47930,22 @@
           </a:ln>
         </p:spPr>
         <p:style>
-          <a:lnRef idx="0"/>
-          <a:fillRef idx="0"/>
-          <a:effectRef idx="0"/>
+          <a:lnRef idx="0">
+            <a:scrgbClr r="0" g="0" b="0"/>
+          </a:lnRef>
+          <a:fillRef idx="0">
+            <a:scrgbClr r="0" g="0" b="0"/>
+          </a:fillRef>
+          <a:effectRef idx="0">
+            <a:scrgbClr r="0" g="0" b="0"/>
+          </a:effectRef>
           <a:fontRef idx="minor"/>
         </p:style>
         <p:txBody>
-          <a:bodyPr lIns="90000" rIns="90000" tIns="45000" bIns="45000" anchor="t">
+          <a:bodyPr lIns="90000" tIns="45000" rIns="90000" bIns="45000" anchor="t">
             <a:spAutoFit/>
           </a:bodyPr>
+          <a:lstStyle/>
           <a:p>
             <a:pPr>
               <a:lnSpc>
@@ -47056,7 +47954,7 @@
               <a:buNone/>
             </a:pPr>
             <a:r>
-              <a:rPr b="0" lang="en-US" sz="1400" spc="-1" strike="noStrike">
+              <a:rPr lang="en-US" sz="1400" b="0" strike="noStrike" spc="-1">
                 <a:solidFill>
                   <a:srgbClr val="000000"/>
                 </a:solidFill>
@@ -47065,7 +47963,7 @@
               </a:rPr>
               <a:t>4m</a:t>
             </a:r>
-            <a:endParaRPr b="0" lang="en-US" sz="1400" spc="-1" strike="noStrike">
+            <a:endParaRPr lang="en-US" sz="1400" b="0" strike="noStrike" spc="-1">
               <a:latin typeface="Arial"/>
             </a:endParaRPr>
           </a:p>
@@ -47091,15 +47989,22 @@
           </a:ln>
         </p:spPr>
         <p:style>
-          <a:lnRef idx="0"/>
-          <a:fillRef idx="0"/>
-          <a:effectRef idx="0"/>
+          <a:lnRef idx="0">
+            <a:scrgbClr r="0" g="0" b="0"/>
+          </a:lnRef>
+          <a:fillRef idx="0">
+            <a:scrgbClr r="0" g="0" b="0"/>
+          </a:fillRef>
+          <a:effectRef idx="0">
+            <a:scrgbClr r="0" g="0" b="0"/>
+          </a:effectRef>
           <a:fontRef idx="minor"/>
         </p:style>
         <p:txBody>
-          <a:bodyPr lIns="90000" rIns="90000" tIns="45000" bIns="45000" anchor="t">
+          <a:bodyPr lIns="90000" tIns="45000" rIns="90000" bIns="45000" anchor="t">
             <a:spAutoFit/>
           </a:bodyPr>
+          <a:lstStyle/>
           <a:p>
             <a:pPr>
               <a:lnSpc>
@@ -47108,7 +48013,7 @@
               <a:buNone/>
             </a:pPr>
             <a:r>
-              <a:rPr b="1" lang="en-US" sz="1600" spc="-1" strike="noStrike">
+              <a:rPr lang="en-US" sz="1600" b="1" strike="noStrike" spc="-1">
                 <a:solidFill>
                   <a:srgbClr val="000000"/>
                 </a:solidFill>
@@ -47117,7 +48022,7 @@
               </a:rPr>
               <a:t>Lv. 0</a:t>
             </a:r>
-            <a:endParaRPr b="0" lang="en-US" sz="1600" spc="-1" strike="noStrike">
+            <a:endParaRPr lang="en-US" sz="1600" b="0" strike="noStrike" spc="-1">
               <a:latin typeface="Arial"/>
             </a:endParaRPr>
           </a:p>
@@ -47143,15 +48048,22 @@
           </a:ln>
         </p:spPr>
         <p:style>
-          <a:lnRef idx="0"/>
-          <a:fillRef idx="0"/>
-          <a:effectRef idx="0"/>
+          <a:lnRef idx="0">
+            <a:scrgbClr r="0" g="0" b="0"/>
+          </a:lnRef>
+          <a:fillRef idx="0">
+            <a:scrgbClr r="0" g="0" b="0"/>
+          </a:fillRef>
+          <a:effectRef idx="0">
+            <a:scrgbClr r="0" g="0" b="0"/>
+          </a:effectRef>
           <a:fontRef idx="minor"/>
         </p:style>
         <p:txBody>
-          <a:bodyPr lIns="90000" rIns="90000" tIns="45000" bIns="45000" anchor="t">
+          <a:bodyPr lIns="90000" tIns="45000" rIns="90000" bIns="45000" anchor="t">
             <a:spAutoFit/>
           </a:bodyPr>
+          <a:lstStyle/>
           <a:p>
             <a:pPr>
               <a:lnSpc>
@@ -47160,7 +48072,7 @@
               <a:buNone/>
             </a:pPr>
             <a:r>
-              <a:rPr b="1" lang="en-US" sz="1600" spc="-1" strike="noStrike">
+              <a:rPr lang="en-US" sz="1600" b="1" strike="noStrike" spc="-1">
                 <a:solidFill>
                   <a:srgbClr val="000000"/>
                 </a:solidFill>
@@ -47169,7 +48081,7 @@
               </a:rPr>
               <a:t>Lv. 1</a:t>
             </a:r>
-            <a:endParaRPr b="0" lang="en-US" sz="1600" spc="-1" strike="noStrike">
+            <a:endParaRPr lang="en-US" sz="1600" b="0" strike="noStrike" spc="-1">
               <a:latin typeface="Arial"/>
             </a:endParaRPr>
           </a:p>
@@ -47195,15 +48107,22 @@
           </a:ln>
         </p:spPr>
         <p:style>
-          <a:lnRef idx="0"/>
-          <a:fillRef idx="0"/>
-          <a:effectRef idx="0"/>
+          <a:lnRef idx="0">
+            <a:scrgbClr r="0" g="0" b="0"/>
+          </a:lnRef>
+          <a:fillRef idx="0">
+            <a:scrgbClr r="0" g="0" b="0"/>
+          </a:fillRef>
+          <a:effectRef idx="0">
+            <a:scrgbClr r="0" g="0" b="0"/>
+          </a:effectRef>
           <a:fontRef idx="minor"/>
         </p:style>
         <p:txBody>
-          <a:bodyPr lIns="90000" rIns="90000" tIns="45000" bIns="45000" anchor="t">
+          <a:bodyPr lIns="90000" tIns="45000" rIns="90000" bIns="45000" anchor="t">
             <a:spAutoFit/>
           </a:bodyPr>
+          <a:lstStyle/>
           <a:p>
             <a:pPr algn="ctr">
               <a:lnSpc>
@@ -47212,7 +48131,7 @@
               <a:buNone/>
             </a:pPr>
             <a:r>
-              <a:rPr b="0" lang="en-US" sz="1800" spc="-1" strike="noStrike">
+              <a:rPr lang="en-US" sz="1800" b="0" strike="noStrike" spc="-1">
                 <a:solidFill>
                   <a:srgbClr val="000000"/>
                 </a:solidFill>
@@ -47221,7 +48140,7 @@
               </a:rPr>
               <a:t>6g x 10g x 8g  </a:t>
             </a:r>
-            <a:endParaRPr b="0" lang="en-US" sz="1800" spc="-1" strike="noStrike">
+            <a:endParaRPr lang="en-US" sz="1800" b="0" strike="noStrike" spc="-1">
               <a:latin typeface="Arial"/>
             </a:endParaRPr>
           </a:p>
@@ -49774,7 +50693,7 @@
             <a:avLst/>
           </a:prstGeom>
           <a:solidFill>
-            <a:srgbClr val="c00000"/>
+            <a:srgbClr val="C00000"/>
           </a:solidFill>
           <a:ln>
             <a:solidFill>
@@ -49797,9 +50716,10 @@
           <a:fontRef idx="minor"/>
         </p:style>
         <p:txBody>
-          <a:bodyPr lIns="90000" rIns="90000" tIns="45000" bIns="45000" anchor="ctr">
+          <a:bodyPr lIns="90000" tIns="45000" rIns="90000" bIns="45000" anchor="ctr">
             <a:noAutofit/>
           </a:bodyPr>
+          <a:lstStyle/>
           <a:p>
             <a:pPr algn="ctr">
               <a:lnSpc>
@@ -49808,16 +50728,16 @@
               <a:buNone/>
             </a:pPr>
             <a:r>
-              <a:rPr b="0" lang="en-US" sz="1340" spc="-1" strike="noStrike">
+              <a:rPr lang="en-US" sz="1340" b="0" strike="noStrike" spc="-1">
                 <a:solidFill>
-                  <a:srgbClr val="ffffff"/>
+                  <a:srgbClr val="FFFFFF"/>
                 </a:solidFill>
                 <a:latin typeface="Arial"/>
                 <a:ea typeface="DejaVu Sans"/>
               </a:rPr>
               <a:t>1</a:t>
             </a:r>
-            <a:endParaRPr b="0" lang="en-US" sz="1340" spc="-1" strike="noStrike">
+            <a:endParaRPr lang="en-US" sz="1340" b="0" strike="noStrike" spc="-1">
               <a:latin typeface="Arial"/>
             </a:endParaRPr>
           </a:p>
@@ -49838,6 +50758,7 @@
             <a:avLst/>
             <a:gdLst/>
             <a:ahLst/>
+            <a:cxnLst/>
             <a:rect l="l" t="t" r="r" b="b"/>
             <a:pathLst>
               <a:path w="21600" h="21600">
@@ -49853,9 +50774,9 @@
           <a:noFill/>
           <a:ln w="28575">
             <a:solidFill>
-              <a:srgbClr val="ffc000"/>
-            </a:solidFill>
-            <a:tailEnd len="med" type="arrow" w="med"/>
+              <a:srgbClr val="FFC000"/>
+            </a:solidFill>
+            <a:tailEnd type="arrow" w="med" len="med"/>
           </a:ln>
         </p:spPr>
         <p:style>
@@ -49922,7 +50843,7 @@
             <a:avLst/>
           </a:prstGeom>
           <a:solidFill>
-            <a:srgbClr val="c00000"/>
+            <a:srgbClr val="C00000"/>
           </a:solidFill>
           <a:ln>
             <a:solidFill>
@@ -49945,9 +50866,10 @@
           <a:fontRef idx="minor"/>
         </p:style>
         <p:txBody>
-          <a:bodyPr lIns="90000" rIns="90000" tIns="45000" bIns="45000" anchor="ctr">
+          <a:bodyPr lIns="90000" tIns="45000" rIns="90000" bIns="45000" anchor="ctr">
             <a:noAutofit/>
           </a:bodyPr>
+          <a:lstStyle/>
           <a:p>
             <a:pPr algn="ctr">
               <a:lnSpc>
@@ -49956,16 +50878,16 @@
               <a:buNone/>
             </a:pPr>
             <a:r>
-              <a:rPr b="0" lang="en-US" sz="1340" spc="-1" strike="noStrike">
+              <a:rPr lang="en-US" sz="1340" b="0" strike="noStrike" spc="-1">
                 <a:solidFill>
-                  <a:srgbClr val="ffffff"/>
+                  <a:srgbClr val="FFFFFF"/>
                 </a:solidFill>
                 <a:latin typeface="Arial"/>
                 <a:ea typeface="DejaVu Sans"/>
               </a:rPr>
               <a:t>1</a:t>
             </a:r>
-            <a:endParaRPr b="0" lang="en-US" sz="1340" spc="-1" strike="noStrike">
+            <a:endParaRPr lang="en-US" sz="1340" b="0" strike="noStrike" spc="-1">
               <a:latin typeface="Arial"/>
             </a:endParaRPr>
           </a:p>
@@ -49986,6 +50908,7 @@
             <a:avLst/>
             <a:gdLst/>
             <a:ahLst/>
+            <a:cxnLst/>
             <a:rect l="l" t="t" r="r" b="b"/>
             <a:pathLst>
               <a:path w="21600" h="21600">
@@ -50001,9 +50924,9 @@
           <a:noFill/>
           <a:ln w="28575">
             <a:solidFill>
-              <a:srgbClr val="ffc000"/>
-            </a:solidFill>
-            <a:tailEnd len="med" type="arrow" w="med"/>
+              <a:srgbClr val="FFC000"/>
+            </a:solidFill>
+            <a:tailEnd type="arrow" w="med" len="med"/>
           </a:ln>
         </p:spPr>
         <p:style>
@@ -50021,19 +50944,14 @@
       </p:sp>
     </p:spTree>
   </p:cSld>
-  <mc:AlternateContent>
-    <mc:Choice Requires="p14">
-      <p:transition spd="slow" p14:dur="2000"/>
-    </mc:Choice>
-    <mc:Fallback>
-      <p:transition spd="slow"/>
-    </mc:Fallback>
-  </mc:AlternateContent>
+  <p:clrMapOvr>
+    <a:masterClrMapping/>
+  </p:clrMapOvr>
 </p:sld>
 </file>
 
 <file path=ppt/slides/slide6.xml><?xml version="1.0" encoding="utf-8"?>
-<p:sld xmlns:a="http://schemas.openxmlformats.org/drawingml/2006/main" xmlns:p="http://schemas.openxmlformats.org/presentationml/2006/main" xmlns:r="http://schemas.openxmlformats.org/officeDocument/2006/relationships" xmlns:p14="http://schemas.microsoft.com/office/powerpoint/2010/main" xmlns:p15="http://schemas.microsoft.com/office/powerpoint/2012/main" xmlns:mc="http://schemas.openxmlformats.org/markup-compatibility/2006">
+<p:sld xmlns:a="http://schemas.openxmlformats.org/drawingml/2006/main" xmlns:r="http://schemas.openxmlformats.org/officeDocument/2006/relationships" xmlns:p="http://schemas.openxmlformats.org/presentationml/2006/main">
   <p:cSld>
     <p:spTree>
       <p:nvGrpSpPr>
@@ -50256,15 +51174,22 @@
           </a:ln>
         </p:spPr>
         <p:style>
-          <a:lnRef idx="0"/>
-          <a:fillRef idx="0"/>
-          <a:effectRef idx="0"/>
+          <a:lnRef idx="0">
+            <a:scrgbClr r="0" g="0" b="0"/>
+          </a:lnRef>
+          <a:fillRef idx="0">
+            <a:scrgbClr r="0" g="0" b="0"/>
+          </a:fillRef>
+          <a:effectRef idx="0">
+            <a:scrgbClr r="0" g="0" b="0"/>
+          </a:effectRef>
           <a:fontRef idx="minor"/>
         </p:style>
         <p:txBody>
-          <a:bodyPr lIns="90000" rIns="90000" tIns="45000" bIns="45000" anchor="t">
+          <a:bodyPr lIns="90000" tIns="45000" rIns="90000" bIns="45000" anchor="t">
             <a:spAutoFit/>
           </a:bodyPr>
+          <a:lstStyle/>
           <a:p>
             <a:pPr>
               <a:lnSpc>
@@ -50273,7 +51198,7 @@
               <a:buNone/>
             </a:pPr>
             <a:r>
-              <a:rPr b="0" lang="en-US" sz="1400" spc="-1" strike="noStrike">
+              <a:rPr lang="en-US" sz="1400" b="0" strike="noStrike" spc="-1">
                 <a:solidFill>
                   <a:srgbClr val="000000"/>
                 </a:solidFill>
@@ -50282,7 +51207,7 @@
               </a:rPr>
               <a:t>0m</a:t>
             </a:r>
-            <a:endParaRPr b="0" lang="en-US" sz="1400" spc="-1" strike="noStrike">
+            <a:endParaRPr lang="en-US" sz="1400" b="0" strike="noStrike" spc="-1">
               <a:latin typeface="Arial"/>
             </a:endParaRPr>
           </a:p>
@@ -50308,15 +51233,22 @@
           </a:ln>
         </p:spPr>
         <p:style>
-          <a:lnRef idx="0"/>
-          <a:fillRef idx="0"/>
-          <a:effectRef idx="0"/>
+          <a:lnRef idx="0">
+            <a:scrgbClr r="0" g="0" b="0"/>
+          </a:lnRef>
+          <a:fillRef idx="0">
+            <a:scrgbClr r="0" g="0" b="0"/>
+          </a:fillRef>
+          <a:effectRef idx="0">
+            <a:scrgbClr r="0" g="0" b="0"/>
+          </a:effectRef>
           <a:fontRef idx="minor"/>
         </p:style>
         <p:txBody>
-          <a:bodyPr lIns="90000" rIns="90000" tIns="45000" bIns="45000" anchor="t">
+          <a:bodyPr lIns="90000" tIns="45000" rIns="90000" bIns="45000" anchor="t">
             <a:spAutoFit/>
           </a:bodyPr>
+          <a:lstStyle/>
           <a:p>
             <a:pPr>
               <a:lnSpc>
@@ -50325,7 +51257,7 @@
               <a:buNone/>
             </a:pPr>
             <a:r>
-              <a:rPr b="0" lang="en-US" sz="1400" spc="-1" strike="noStrike">
+              <a:rPr lang="en-US" sz="1400" b="0" strike="noStrike" spc="-1">
                 <a:solidFill>
                   <a:srgbClr val="000000"/>
                 </a:solidFill>
@@ -50334,7 +51266,7 @@
               </a:rPr>
               <a:t>5m</a:t>
             </a:r>
-            <a:endParaRPr b="0" lang="en-US" sz="1400" spc="-1" strike="noStrike">
+            <a:endParaRPr lang="en-US" sz="1400" b="0" strike="noStrike" spc="-1">
               <a:latin typeface="Arial"/>
             </a:endParaRPr>
           </a:p>
@@ -50360,15 +51292,22 @@
           </a:ln>
         </p:spPr>
         <p:style>
-          <a:lnRef idx="0"/>
-          <a:fillRef idx="0"/>
-          <a:effectRef idx="0"/>
+          <a:lnRef idx="0">
+            <a:scrgbClr r="0" g="0" b="0"/>
+          </a:lnRef>
+          <a:fillRef idx="0">
+            <a:scrgbClr r="0" g="0" b="0"/>
+          </a:fillRef>
+          <a:effectRef idx="0">
+            <a:scrgbClr r="0" g="0" b="0"/>
+          </a:effectRef>
           <a:fontRef idx="minor"/>
         </p:style>
         <p:txBody>
-          <a:bodyPr lIns="90000" rIns="90000" tIns="45000" bIns="45000" anchor="t">
+          <a:bodyPr lIns="90000" tIns="45000" rIns="90000" bIns="45000" anchor="t">
             <a:spAutoFit/>
           </a:bodyPr>
+          <a:lstStyle/>
           <a:p>
             <a:pPr>
               <a:lnSpc>
@@ -50377,7 +51316,7 @@
               <a:buNone/>
             </a:pPr>
             <a:r>
-              <a:rPr b="1" lang="en-US" sz="1600" spc="-1" strike="noStrike">
+              <a:rPr lang="en-US" sz="1600" b="1" strike="noStrike" spc="-1">
                 <a:solidFill>
                   <a:srgbClr val="000000"/>
                 </a:solidFill>
@@ -50386,7 +51325,7 @@
               </a:rPr>
               <a:t>Lv. 0</a:t>
             </a:r>
-            <a:endParaRPr b="0" lang="en-US" sz="1600" spc="-1" strike="noStrike">
+            <a:endParaRPr lang="en-US" sz="1600" b="0" strike="noStrike" spc="-1">
               <a:latin typeface="Arial"/>
             </a:endParaRPr>
           </a:p>
@@ -50412,15 +51351,22 @@
           </a:ln>
         </p:spPr>
         <p:style>
-          <a:lnRef idx="0"/>
-          <a:fillRef idx="0"/>
-          <a:effectRef idx="0"/>
+          <a:lnRef idx="0">
+            <a:scrgbClr r="0" g="0" b="0"/>
+          </a:lnRef>
+          <a:fillRef idx="0">
+            <a:scrgbClr r="0" g="0" b="0"/>
+          </a:fillRef>
+          <a:effectRef idx="0">
+            <a:scrgbClr r="0" g="0" b="0"/>
+          </a:effectRef>
           <a:fontRef idx="minor"/>
         </p:style>
         <p:txBody>
-          <a:bodyPr lIns="90000" rIns="90000" tIns="45000" bIns="45000" anchor="t">
+          <a:bodyPr lIns="90000" tIns="45000" rIns="90000" bIns="45000" anchor="t">
             <a:spAutoFit/>
           </a:bodyPr>
+          <a:lstStyle/>
           <a:p>
             <a:pPr>
               <a:lnSpc>
@@ -50429,7 +51375,7 @@
               <a:buNone/>
             </a:pPr>
             <a:r>
-              <a:rPr b="1" lang="en-US" sz="1600" spc="-1" strike="noStrike">
+              <a:rPr lang="en-US" sz="1600" b="1" strike="noStrike" spc="-1">
                 <a:solidFill>
                   <a:srgbClr val="000000"/>
                 </a:solidFill>
@@ -50438,7 +51384,7 @@
               </a:rPr>
               <a:t>Lv. 1</a:t>
             </a:r>
-            <a:endParaRPr b="0" lang="en-US" sz="1600" spc="-1" strike="noStrike">
+            <a:endParaRPr lang="en-US" sz="1600" b="0" strike="noStrike" spc="-1">
               <a:latin typeface="Arial"/>
             </a:endParaRPr>
           </a:p>
@@ -50464,15 +51410,22 @@
           </a:ln>
         </p:spPr>
         <p:style>
-          <a:lnRef idx="0"/>
-          <a:fillRef idx="0"/>
-          <a:effectRef idx="0"/>
+          <a:lnRef idx="0">
+            <a:scrgbClr r="0" g="0" b="0"/>
+          </a:lnRef>
+          <a:fillRef idx="0">
+            <a:scrgbClr r="0" g="0" b="0"/>
+          </a:fillRef>
+          <a:effectRef idx="0">
+            <a:scrgbClr r="0" g="0" b="0"/>
+          </a:effectRef>
           <a:fontRef idx="minor"/>
         </p:style>
         <p:txBody>
-          <a:bodyPr lIns="90000" rIns="90000" tIns="45000" bIns="45000" anchor="t">
+          <a:bodyPr lIns="90000" tIns="45000" rIns="90000" bIns="45000" anchor="t">
             <a:spAutoFit/>
           </a:bodyPr>
+          <a:lstStyle/>
           <a:p>
             <a:pPr algn="ctr">
               <a:lnSpc>
@@ -50481,7 +51434,7 @@
               <a:buNone/>
             </a:pPr>
             <a:r>
-              <a:rPr b="0" lang="en-US" sz="1800" spc="-1" strike="noStrike">
+              <a:rPr lang="en-US" sz="1800" b="0" strike="noStrike" spc="-1">
                 <a:solidFill>
                   <a:srgbClr val="000000"/>
                 </a:solidFill>
@@ -50490,7 +51443,7 @@
               </a:rPr>
               <a:t>6g x 6g x 9g  </a:t>
             </a:r>
-            <a:endParaRPr b="0" lang="en-US" sz="1800" spc="-1" strike="noStrike">
+            <a:endParaRPr lang="en-US" sz="1800" b="0" strike="noStrike" spc="-1">
               <a:latin typeface="Arial"/>
             </a:endParaRPr>
           </a:p>
@@ -50535,9 +51488,10 @@
           <a:fontRef idx="minor"/>
         </p:style>
         <p:txBody>
-          <a:bodyPr lIns="90000" rIns="90000" tIns="45000" bIns="45000" anchor="ctr">
+          <a:bodyPr lIns="90000" tIns="45000" rIns="90000" bIns="45000" anchor="ctr">
             <a:noAutofit/>
           </a:bodyPr>
+          <a:lstStyle/>
           <a:p>
             <a:pPr algn="ctr">
               <a:lnSpc>
@@ -50546,16 +51500,16 @@
               <a:buNone/>
             </a:pPr>
             <a:r>
-              <a:rPr b="0" lang="en-US" sz="1800" spc="-1" strike="noStrike">
+              <a:rPr lang="en-US" sz="1800" b="0" strike="noStrike" spc="-1">
                 <a:solidFill>
-                  <a:srgbClr val="f2f2f2"/>
+                  <a:srgbClr val="F2F2F2"/>
                 </a:solidFill>
                 <a:latin typeface="맑은 고딕"/>
                 <a:ea typeface="DejaVu Sans"/>
               </a:rPr>
               <a:t>Grand_S3</a:t>
             </a:r>
-            <a:endParaRPr b="0" lang="en-US" sz="1800" spc="-1" strike="noStrike">
+            <a:endParaRPr lang="en-US" sz="1800" b="0" strike="noStrike" spc="-1">
               <a:latin typeface="Arial"/>
             </a:endParaRPr>
           </a:p>
@@ -51760,7 +52714,7 @@
             <a:avLst/>
           </a:prstGeom>
           <a:solidFill>
-            <a:srgbClr val="c00000"/>
+            <a:srgbClr val="C00000"/>
           </a:solidFill>
           <a:ln>
             <a:solidFill>
@@ -51783,9 +52737,10 @@
           <a:fontRef idx="minor"/>
         </p:style>
         <p:txBody>
-          <a:bodyPr lIns="90000" rIns="90000" tIns="45000" bIns="45000" anchor="ctr">
+          <a:bodyPr lIns="90000" tIns="45000" rIns="90000" bIns="45000" anchor="ctr">
             <a:noAutofit/>
           </a:bodyPr>
+          <a:lstStyle/>
           <a:p>
             <a:pPr algn="ctr">
               <a:lnSpc>
@@ -51794,16 +52749,16 @@
               <a:buNone/>
             </a:pPr>
             <a:r>
-              <a:rPr b="0" lang="en-US" sz="1340" spc="-1" strike="noStrike">
+              <a:rPr lang="en-US" sz="1340" b="0" strike="noStrike" spc="-1">
                 <a:solidFill>
-                  <a:srgbClr val="ffffff"/>
+                  <a:srgbClr val="FFFFFF"/>
                 </a:solidFill>
                 <a:latin typeface="Arial"/>
                 <a:ea typeface="DejaVu Sans"/>
               </a:rPr>
               <a:t>1</a:t>
             </a:r>
-            <a:endParaRPr b="0" lang="en-US" sz="1340" spc="-1" strike="noStrike">
+            <a:endParaRPr lang="en-US" sz="1340" b="0" strike="noStrike" spc="-1">
               <a:latin typeface="Arial"/>
             </a:endParaRPr>
           </a:p>
@@ -51860,7 +52815,7 @@
             <a:avLst/>
           </a:prstGeom>
           <a:solidFill>
-            <a:srgbClr val="c00000"/>
+            <a:srgbClr val="C00000"/>
           </a:solidFill>
           <a:ln>
             <a:solidFill>
@@ -51883,9 +52838,10 @@
           <a:fontRef idx="minor"/>
         </p:style>
         <p:txBody>
-          <a:bodyPr lIns="90000" rIns="90000" tIns="45000" bIns="45000" anchor="ctr">
+          <a:bodyPr lIns="90000" tIns="45000" rIns="90000" bIns="45000" anchor="ctr">
             <a:noAutofit/>
           </a:bodyPr>
+          <a:lstStyle/>
           <a:p>
             <a:pPr algn="ctr">
               <a:lnSpc>
@@ -51894,16 +52850,16 @@
               <a:buNone/>
             </a:pPr>
             <a:r>
-              <a:rPr b="0" lang="en-US" sz="1340" spc="-1" strike="noStrike">
+              <a:rPr lang="en-US" sz="1340" b="0" strike="noStrike" spc="-1">
                 <a:solidFill>
-                  <a:srgbClr val="ffffff"/>
+                  <a:srgbClr val="FFFFFF"/>
                 </a:solidFill>
                 <a:latin typeface="Arial"/>
                 <a:ea typeface="DejaVu Sans"/>
               </a:rPr>
               <a:t>1</a:t>
             </a:r>
-            <a:endParaRPr b="0" lang="en-US" sz="1340" spc="-1" strike="noStrike">
+            <a:endParaRPr lang="en-US" sz="1340" b="0" strike="noStrike" spc="-1">
               <a:latin typeface="Arial"/>
             </a:endParaRPr>
           </a:p>
@@ -51924,6 +52880,7 @@
             <a:avLst/>
             <a:gdLst/>
             <a:ahLst/>
+            <a:cxnLst/>
             <a:rect l="l" t="t" r="r" b="b"/>
             <a:pathLst>
               <a:path w="21600" h="21600">
@@ -51939,9 +52896,9 @@
           <a:noFill/>
           <a:ln w="28575">
             <a:solidFill>
-              <a:srgbClr val="ffc000"/>
-            </a:solidFill>
-            <a:tailEnd len="med" type="arrow" w="med"/>
+              <a:srgbClr val="FFC000"/>
+            </a:solidFill>
+            <a:tailEnd type="arrow" w="med" len="med"/>
           </a:ln>
         </p:spPr>
         <p:style>
@@ -51972,6 +52929,7 @@
             <a:avLst/>
             <a:gdLst/>
             <a:ahLst/>
+            <a:cxnLst/>
             <a:rect l="l" t="t" r="r" b="b"/>
             <a:pathLst>
               <a:path w="21600" h="21600">
@@ -51987,9 +52945,9 @@
           <a:noFill/>
           <a:ln w="28575">
             <a:solidFill>
-              <a:srgbClr val="ffc000"/>
-            </a:solidFill>
-            <a:tailEnd len="med" type="arrow" w="med"/>
+              <a:srgbClr val="FFC000"/>
+            </a:solidFill>
+            <a:tailEnd type="arrow" w="med" len="med"/>
           </a:ln>
         </p:spPr>
         <p:style>
@@ -52007,19 +52965,14 @@
       </p:sp>
     </p:spTree>
   </p:cSld>
-  <mc:AlternateContent>
-    <mc:Choice Requires="p14">
-      <p:transition spd="slow" p14:dur="2000"/>
-    </mc:Choice>
-    <mc:Fallback>
-      <p:transition spd="slow"/>
-    </mc:Fallback>
-  </mc:AlternateContent>
+  <p:clrMapOvr>
+    <a:masterClrMapping/>
+  </p:clrMapOvr>
 </p:sld>
 </file>
 
 <file path=ppt/slides/slide7.xml><?xml version="1.0" encoding="utf-8"?>
-<p:sld xmlns:a="http://schemas.openxmlformats.org/drawingml/2006/main" xmlns:p="http://schemas.openxmlformats.org/presentationml/2006/main" xmlns:r="http://schemas.openxmlformats.org/officeDocument/2006/relationships" xmlns:p14="http://schemas.microsoft.com/office/powerpoint/2010/main" xmlns:p15="http://schemas.microsoft.com/office/powerpoint/2012/main" xmlns:mc="http://schemas.openxmlformats.org/markup-compatibility/2006">
+<p:sld xmlns:a="http://schemas.openxmlformats.org/drawingml/2006/main" xmlns:r="http://schemas.openxmlformats.org/officeDocument/2006/relationships" xmlns:p="http://schemas.openxmlformats.org/presentationml/2006/main">
   <p:cSld>
     <p:spTree>
       <p:nvGrpSpPr>
@@ -52326,15 +53279,22 @@
           </a:ln>
         </p:spPr>
         <p:style>
-          <a:lnRef idx="0"/>
-          <a:fillRef idx="0"/>
-          <a:effectRef idx="0"/>
+          <a:lnRef idx="0">
+            <a:scrgbClr r="0" g="0" b="0"/>
+          </a:lnRef>
+          <a:fillRef idx="0">
+            <a:scrgbClr r="0" g="0" b="0"/>
+          </a:fillRef>
+          <a:effectRef idx="0">
+            <a:scrgbClr r="0" g="0" b="0"/>
+          </a:effectRef>
           <a:fontRef idx="minor"/>
         </p:style>
         <p:txBody>
-          <a:bodyPr lIns="90000" rIns="90000" tIns="45000" bIns="45000" anchor="t">
+          <a:bodyPr lIns="90000" tIns="45000" rIns="90000" bIns="45000" anchor="t">
             <a:spAutoFit/>
           </a:bodyPr>
+          <a:lstStyle/>
           <a:p>
             <a:pPr>
               <a:lnSpc>
@@ -52343,7 +53303,7 @@
               <a:buNone/>
             </a:pPr>
             <a:r>
-              <a:rPr b="0" lang="en-US" sz="1400" spc="-1" strike="noStrike">
+              <a:rPr lang="en-US" sz="1400" b="0" strike="noStrike" spc="-1">
                 <a:solidFill>
                   <a:srgbClr val="000000"/>
                 </a:solidFill>
@@ -52352,7 +53312,7 @@
               </a:rPr>
               <a:t>0m</a:t>
             </a:r>
-            <a:endParaRPr b="0" lang="en-US" sz="1400" spc="-1" strike="noStrike">
+            <a:endParaRPr lang="en-US" sz="1400" b="0" strike="noStrike" spc="-1">
               <a:latin typeface="Arial"/>
             </a:endParaRPr>
           </a:p>
@@ -52378,15 +53338,22 @@
           </a:ln>
         </p:spPr>
         <p:style>
-          <a:lnRef idx="0"/>
-          <a:fillRef idx="0"/>
-          <a:effectRef idx="0"/>
+          <a:lnRef idx="0">
+            <a:scrgbClr r="0" g="0" b="0"/>
+          </a:lnRef>
+          <a:fillRef idx="0">
+            <a:scrgbClr r="0" g="0" b="0"/>
+          </a:fillRef>
+          <a:effectRef idx="0">
+            <a:scrgbClr r="0" g="0" b="0"/>
+          </a:effectRef>
           <a:fontRef idx="minor"/>
         </p:style>
         <p:txBody>
-          <a:bodyPr lIns="90000" rIns="90000" tIns="45000" bIns="45000" anchor="t">
+          <a:bodyPr lIns="90000" tIns="45000" rIns="90000" bIns="45000" anchor="t">
             <a:spAutoFit/>
           </a:bodyPr>
+          <a:lstStyle/>
           <a:p>
             <a:pPr>
               <a:lnSpc>
@@ -52395,7 +53362,7 @@
               <a:buNone/>
             </a:pPr>
             <a:r>
-              <a:rPr b="0" lang="en-US" sz="1400" spc="-1" strike="noStrike">
+              <a:rPr lang="en-US" sz="1400" b="0" strike="noStrike" spc="-1">
                 <a:solidFill>
                   <a:srgbClr val="000000"/>
                 </a:solidFill>
@@ -52404,7 +53371,7 @@
               </a:rPr>
               <a:t>1m</a:t>
             </a:r>
-            <a:endParaRPr b="0" lang="en-US" sz="1400" spc="-1" strike="noStrike">
+            <a:endParaRPr lang="en-US" sz="1400" b="0" strike="noStrike" spc="-1">
               <a:latin typeface="Arial"/>
             </a:endParaRPr>
           </a:p>
@@ -52430,15 +53397,22 @@
           </a:ln>
         </p:spPr>
         <p:style>
-          <a:lnRef idx="0"/>
-          <a:fillRef idx="0"/>
-          <a:effectRef idx="0"/>
+          <a:lnRef idx="0">
+            <a:scrgbClr r="0" g="0" b="0"/>
+          </a:lnRef>
+          <a:fillRef idx="0">
+            <a:scrgbClr r="0" g="0" b="0"/>
+          </a:fillRef>
+          <a:effectRef idx="0">
+            <a:scrgbClr r="0" g="0" b="0"/>
+          </a:effectRef>
           <a:fontRef idx="minor"/>
         </p:style>
         <p:txBody>
-          <a:bodyPr lIns="90000" rIns="90000" tIns="45000" bIns="45000" anchor="t">
+          <a:bodyPr lIns="90000" tIns="45000" rIns="90000" bIns="45000" anchor="t">
             <a:spAutoFit/>
           </a:bodyPr>
+          <a:lstStyle/>
           <a:p>
             <a:pPr>
               <a:lnSpc>
@@ -52447,7 +53421,7 @@
               <a:buNone/>
             </a:pPr>
             <a:r>
-              <a:rPr b="0" lang="en-US" sz="1400" spc="-1" strike="noStrike">
+              <a:rPr lang="en-US" sz="1400" b="0" strike="noStrike" spc="-1">
                 <a:solidFill>
                   <a:srgbClr val="000000"/>
                 </a:solidFill>
@@ -52456,7 +53430,7 @@
               </a:rPr>
               <a:t>2m</a:t>
             </a:r>
-            <a:endParaRPr b="0" lang="en-US" sz="1400" spc="-1" strike="noStrike">
+            <a:endParaRPr lang="en-US" sz="1400" b="0" strike="noStrike" spc="-1">
               <a:latin typeface="Arial"/>
             </a:endParaRPr>
           </a:p>
@@ -52482,15 +53456,22 @@
           </a:ln>
         </p:spPr>
         <p:style>
-          <a:lnRef idx="0"/>
-          <a:fillRef idx="0"/>
-          <a:effectRef idx="0"/>
+          <a:lnRef idx="0">
+            <a:scrgbClr r="0" g="0" b="0"/>
+          </a:lnRef>
+          <a:fillRef idx="0">
+            <a:scrgbClr r="0" g="0" b="0"/>
+          </a:fillRef>
+          <a:effectRef idx="0">
+            <a:scrgbClr r="0" g="0" b="0"/>
+          </a:effectRef>
           <a:fontRef idx="minor"/>
         </p:style>
         <p:txBody>
-          <a:bodyPr lIns="90000" rIns="90000" tIns="45000" bIns="45000" anchor="t">
+          <a:bodyPr lIns="90000" tIns="45000" rIns="90000" bIns="45000" anchor="t">
             <a:spAutoFit/>
           </a:bodyPr>
+          <a:lstStyle/>
           <a:p>
             <a:pPr>
               <a:lnSpc>
@@ -52499,7 +53480,7 @@
               <a:buNone/>
             </a:pPr>
             <a:r>
-              <a:rPr b="0" lang="en-US" sz="1400" spc="-1" strike="noStrike">
+              <a:rPr lang="en-US" sz="1400" b="0" strike="noStrike" spc="-1">
                 <a:solidFill>
                   <a:srgbClr val="000000"/>
                 </a:solidFill>
@@ -52508,7 +53489,7 @@
               </a:rPr>
               <a:t>3m</a:t>
             </a:r>
-            <a:endParaRPr b="0" lang="en-US" sz="1400" spc="-1" strike="noStrike">
+            <a:endParaRPr lang="en-US" sz="1400" b="0" strike="noStrike" spc="-1">
               <a:latin typeface="Arial"/>
             </a:endParaRPr>
           </a:p>
@@ -52534,15 +53515,22 @@
           </a:ln>
         </p:spPr>
         <p:style>
-          <a:lnRef idx="0"/>
-          <a:fillRef idx="0"/>
-          <a:effectRef idx="0"/>
+          <a:lnRef idx="0">
+            <a:scrgbClr r="0" g="0" b="0"/>
+          </a:lnRef>
+          <a:fillRef idx="0">
+            <a:scrgbClr r="0" g="0" b="0"/>
+          </a:fillRef>
+          <a:effectRef idx="0">
+            <a:scrgbClr r="0" g="0" b="0"/>
+          </a:effectRef>
           <a:fontRef idx="minor"/>
         </p:style>
         <p:txBody>
-          <a:bodyPr lIns="90000" rIns="90000" tIns="45000" bIns="45000" anchor="t">
+          <a:bodyPr lIns="90000" tIns="45000" rIns="90000" bIns="45000" anchor="t">
             <a:spAutoFit/>
           </a:bodyPr>
+          <a:lstStyle/>
           <a:p>
             <a:pPr>
               <a:lnSpc>
@@ -52551,7 +53539,7 @@
               <a:buNone/>
             </a:pPr>
             <a:r>
-              <a:rPr b="0" lang="en-US" sz="1400" spc="-1" strike="noStrike">
+              <a:rPr lang="en-US" sz="1400" b="0" strike="noStrike" spc="-1">
                 <a:solidFill>
                   <a:srgbClr val="000000"/>
                 </a:solidFill>
@@ -52560,7 +53548,7 @@
               </a:rPr>
               <a:t>4m</a:t>
             </a:r>
-            <a:endParaRPr b="0" lang="en-US" sz="1400" spc="-1" strike="noStrike">
+            <a:endParaRPr lang="en-US" sz="1400" b="0" strike="noStrike" spc="-1">
               <a:latin typeface="Arial"/>
             </a:endParaRPr>
           </a:p>
@@ -52586,15 +53574,22 @@
           </a:ln>
         </p:spPr>
         <p:style>
-          <a:lnRef idx="0"/>
-          <a:fillRef idx="0"/>
-          <a:effectRef idx="0"/>
+          <a:lnRef idx="0">
+            <a:scrgbClr r="0" g="0" b="0"/>
+          </a:lnRef>
+          <a:fillRef idx="0">
+            <a:scrgbClr r="0" g="0" b="0"/>
+          </a:fillRef>
+          <a:effectRef idx="0">
+            <a:scrgbClr r="0" g="0" b="0"/>
+          </a:effectRef>
           <a:fontRef idx="minor"/>
         </p:style>
         <p:txBody>
-          <a:bodyPr lIns="90000" rIns="90000" tIns="45000" bIns="45000" anchor="t">
+          <a:bodyPr lIns="90000" tIns="45000" rIns="90000" bIns="45000" anchor="t">
             <a:spAutoFit/>
           </a:bodyPr>
+          <a:lstStyle/>
           <a:p>
             <a:pPr>
               <a:lnSpc>
@@ -52603,7 +53598,7 @@
               <a:buNone/>
             </a:pPr>
             <a:r>
-              <a:rPr b="0" lang="en-US" sz="1400" spc="-1" strike="noStrike">
+              <a:rPr lang="en-US" sz="1400" b="0" strike="noStrike" spc="-1">
                 <a:solidFill>
                   <a:srgbClr val="000000"/>
                 </a:solidFill>
@@ -52612,7 +53607,7 @@
               </a:rPr>
               <a:t>9m</a:t>
             </a:r>
-            <a:endParaRPr b="0" lang="en-US" sz="1400" spc="-1" strike="noStrike">
+            <a:endParaRPr lang="en-US" sz="1400" b="0" strike="noStrike" spc="-1">
               <a:latin typeface="Arial"/>
             </a:endParaRPr>
           </a:p>
@@ -52638,15 +53633,22 @@
           </a:ln>
         </p:spPr>
         <p:style>
-          <a:lnRef idx="0"/>
-          <a:fillRef idx="0"/>
-          <a:effectRef idx="0"/>
+          <a:lnRef idx="0">
+            <a:scrgbClr r="0" g="0" b="0"/>
+          </a:lnRef>
+          <a:fillRef idx="0">
+            <a:scrgbClr r="0" g="0" b="0"/>
+          </a:fillRef>
+          <a:effectRef idx="0">
+            <a:scrgbClr r="0" g="0" b="0"/>
+          </a:effectRef>
           <a:fontRef idx="minor"/>
         </p:style>
         <p:txBody>
-          <a:bodyPr lIns="90000" rIns="90000" tIns="45000" bIns="45000" anchor="t">
+          <a:bodyPr lIns="90000" tIns="45000" rIns="90000" bIns="45000" anchor="t">
             <a:spAutoFit/>
           </a:bodyPr>
+          <a:lstStyle/>
           <a:p>
             <a:pPr>
               <a:lnSpc>
@@ -52655,7 +53657,7 @@
               <a:buNone/>
             </a:pPr>
             <a:r>
-              <a:rPr b="1" lang="en-US" sz="1600" spc="-1" strike="noStrike">
+              <a:rPr lang="en-US" sz="1600" b="1" strike="noStrike" spc="-1">
                 <a:solidFill>
                   <a:srgbClr val="000000"/>
                 </a:solidFill>
@@ -52664,7 +53666,7 @@
               </a:rPr>
               <a:t>Lv. 0</a:t>
             </a:r>
-            <a:endParaRPr b="0" lang="en-US" sz="1600" spc="-1" strike="noStrike">
+            <a:endParaRPr lang="en-US" sz="1600" b="0" strike="noStrike" spc="-1">
               <a:latin typeface="Arial"/>
             </a:endParaRPr>
           </a:p>
@@ -52690,15 +53692,22 @@
           </a:ln>
         </p:spPr>
         <p:style>
-          <a:lnRef idx="0"/>
-          <a:fillRef idx="0"/>
-          <a:effectRef idx="0"/>
+          <a:lnRef idx="0">
+            <a:scrgbClr r="0" g="0" b="0"/>
+          </a:lnRef>
+          <a:fillRef idx="0">
+            <a:scrgbClr r="0" g="0" b="0"/>
+          </a:fillRef>
+          <a:effectRef idx="0">
+            <a:scrgbClr r="0" g="0" b="0"/>
+          </a:effectRef>
           <a:fontRef idx="minor"/>
         </p:style>
         <p:txBody>
-          <a:bodyPr lIns="90000" rIns="90000" tIns="45000" bIns="45000" anchor="t">
+          <a:bodyPr lIns="90000" tIns="45000" rIns="90000" bIns="45000" anchor="t">
             <a:spAutoFit/>
           </a:bodyPr>
+          <a:lstStyle/>
           <a:p>
             <a:pPr>
               <a:lnSpc>
@@ -52707,7 +53716,7 @@
               <a:buNone/>
             </a:pPr>
             <a:r>
-              <a:rPr b="1" lang="en-US" sz="1600" spc="-1" strike="noStrike">
+              <a:rPr lang="en-US" sz="1600" b="1" strike="noStrike" spc="-1">
                 <a:solidFill>
                   <a:srgbClr val="000000"/>
                 </a:solidFill>
@@ -52716,7 +53725,7 @@
               </a:rPr>
               <a:t>Lv. 1</a:t>
             </a:r>
-            <a:endParaRPr b="0" lang="en-US" sz="1600" spc="-1" strike="noStrike">
+            <a:endParaRPr lang="en-US" sz="1600" b="0" strike="noStrike" spc="-1">
               <a:latin typeface="Arial"/>
             </a:endParaRPr>
           </a:p>
@@ -52742,15 +53751,22 @@
           </a:ln>
         </p:spPr>
         <p:style>
-          <a:lnRef idx="0"/>
-          <a:fillRef idx="0"/>
-          <a:effectRef idx="0"/>
+          <a:lnRef idx="0">
+            <a:scrgbClr r="0" g="0" b="0"/>
+          </a:lnRef>
+          <a:fillRef idx="0">
+            <a:scrgbClr r="0" g="0" b="0"/>
+          </a:fillRef>
+          <a:effectRef idx="0">
+            <a:scrgbClr r="0" g="0" b="0"/>
+          </a:effectRef>
           <a:fontRef idx="minor"/>
         </p:style>
         <p:txBody>
-          <a:bodyPr lIns="90000" rIns="90000" tIns="45000" bIns="45000" anchor="t">
+          <a:bodyPr lIns="90000" tIns="45000" rIns="90000" bIns="45000" anchor="t">
             <a:spAutoFit/>
           </a:bodyPr>
+          <a:lstStyle/>
           <a:p>
             <a:pPr>
               <a:lnSpc>
@@ -52759,7 +53775,7 @@
               <a:buNone/>
             </a:pPr>
             <a:r>
-              <a:rPr b="1" lang="en-US" sz="1600" spc="-1" strike="noStrike">
+              <a:rPr lang="en-US" sz="1600" b="1" strike="noStrike" spc="-1">
                 <a:solidFill>
                   <a:srgbClr val="000000"/>
                 </a:solidFill>
@@ -52768,7 +53784,7 @@
               </a:rPr>
               <a:t>Lv. 2</a:t>
             </a:r>
-            <a:endParaRPr b="0" lang="en-US" sz="1600" spc="-1" strike="noStrike">
+            <a:endParaRPr lang="en-US" sz="1600" b="0" strike="noStrike" spc="-1">
               <a:latin typeface="Arial"/>
             </a:endParaRPr>
           </a:p>
@@ -52794,15 +53810,22 @@
           </a:ln>
         </p:spPr>
         <p:style>
-          <a:lnRef idx="0"/>
-          <a:fillRef idx="0"/>
-          <a:effectRef idx="0"/>
+          <a:lnRef idx="0">
+            <a:scrgbClr r="0" g="0" b="0"/>
+          </a:lnRef>
+          <a:fillRef idx="0">
+            <a:scrgbClr r="0" g="0" b="0"/>
+          </a:fillRef>
+          <a:effectRef idx="0">
+            <a:scrgbClr r="0" g="0" b="0"/>
+          </a:effectRef>
           <a:fontRef idx="minor"/>
         </p:style>
         <p:txBody>
-          <a:bodyPr lIns="90000" rIns="90000" tIns="45000" bIns="45000" anchor="t">
+          <a:bodyPr lIns="90000" tIns="45000" rIns="90000" bIns="45000" anchor="t">
             <a:spAutoFit/>
           </a:bodyPr>
+          <a:lstStyle/>
           <a:p>
             <a:pPr>
               <a:lnSpc>
@@ -52811,7 +53834,7 @@
               <a:buNone/>
             </a:pPr>
             <a:r>
-              <a:rPr b="1" lang="en-US" sz="1600" spc="-1" strike="noStrike">
+              <a:rPr lang="en-US" sz="1600" b="1" strike="noStrike" spc="-1">
                 <a:solidFill>
                   <a:srgbClr val="000000"/>
                 </a:solidFill>
@@ -52820,7 +53843,7 @@
               </a:rPr>
               <a:t>Lv. 3</a:t>
             </a:r>
-            <a:endParaRPr b="0" lang="en-US" sz="1600" spc="-1" strike="noStrike">
+            <a:endParaRPr lang="en-US" sz="1600" b="0" strike="noStrike" spc="-1">
               <a:latin typeface="Arial"/>
             </a:endParaRPr>
           </a:p>
@@ -52846,15 +53869,22 @@
           </a:ln>
         </p:spPr>
         <p:style>
-          <a:lnRef idx="0"/>
-          <a:fillRef idx="0"/>
-          <a:effectRef idx="0"/>
+          <a:lnRef idx="0">
+            <a:scrgbClr r="0" g="0" b="0"/>
+          </a:lnRef>
+          <a:fillRef idx="0">
+            <a:scrgbClr r="0" g="0" b="0"/>
+          </a:fillRef>
+          <a:effectRef idx="0">
+            <a:scrgbClr r="0" g="0" b="0"/>
+          </a:effectRef>
           <a:fontRef idx="minor"/>
         </p:style>
         <p:txBody>
-          <a:bodyPr lIns="90000" rIns="90000" tIns="45000" bIns="45000" anchor="t">
+          <a:bodyPr lIns="90000" tIns="45000" rIns="90000" bIns="45000" anchor="t">
             <a:spAutoFit/>
           </a:bodyPr>
+          <a:lstStyle/>
           <a:p>
             <a:pPr>
               <a:lnSpc>
@@ -52863,7 +53893,7 @@
               <a:buNone/>
             </a:pPr>
             <a:r>
-              <a:rPr b="1" lang="en-US" sz="1600" spc="-1" strike="noStrike">
+              <a:rPr lang="en-US" sz="1600" b="1" strike="noStrike" spc="-1">
                 <a:solidFill>
                   <a:srgbClr val="000000"/>
                 </a:solidFill>
@@ -52872,7 +53902,7 @@
               </a:rPr>
               <a:t>Lv. 4</a:t>
             </a:r>
-            <a:endParaRPr b="0" lang="en-US" sz="1600" spc="-1" strike="noStrike">
+            <a:endParaRPr lang="en-US" sz="1600" b="0" strike="noStrike" spc="-1">
               <a:latin typeface="Arial"/>
             </a:endParaRPr>
           </a:p>
@@ -52898,15 +53928,22 @@
           </a:ln>
         </p:spPr>
         <p:style>
-          <a:lnRef idx="0"/>
-          <a:fillRef idx="0"/>
-          <a:effectRef idx="0"/>
+          <a:lnRef idx="0">
+            <a:scrgbClr r="0" g="0" b="0"/>
+          </a:lnRef>
+          <a:fillRef idx="0">
+            <a:scrgbClr r="0" g="0" b="0"/>
+          </a:fillRef>
+          <a:effectRef idx="0">
+            <a:scrgbClr r="0" g="0" b="0"/>
+          </a:effectRef>
           <a:fontRef idx="minor"/>
         </p:style>
         <p:txBody>
-          <a:bodyPr lIns="90000" rIns="90000" tIns="45000" bIns="45000" anchor="t">
+          <a:bodyPr lIns="90000" tIns="45000" rIns="90000" bIns="45000" anchor="t">
             <a:spAutoFit/>
           </a:bodyPr>
+          <a:lstStyle/>
           <a:p>
             <a:pPr>
               <a:lnSpc>
@@ -52915,7 +53952,7 @@
               <a:buNone/>
             </a:pPr>
             <a:r>
-              <a:rPr b="1" lang="en-US" sz="1600" spc="-1" strike="noStrike">
+              <a:rPr lang="en-US" sz="1600" b="1" strike="noStrike" spc="-1">
                 <a:solidFill>
                   <a:srgbClr val="000000"/>
                 </a:solidFill>
@@ -52924,7 +53961,7 @@
               </a:rPr>
               <a:t>Lv. 5</a:t>
             </a:r>
-            <a:endParaRPr b="0" lang="en-US" sz="1600" spc="-1" strike="noStrike">
+            <a:endParaRPr lang="en-US" sz="1600" b="0" strike="noStrike" spc="-1">
               <a:latin typeface="Arial"/>
             </a:endParaRPr>
           </a:p>
@@ -52950,15 +53987,22 @@
           </a:ln>
         </p:spPr>
         <p:style>
-          <a:lnRef idx="0"/>
-          <a:fillRef idx="0"/>
-          <a:effectRef idx="0"/>
+          <a:lnRef idx="0">
+            <a:scrgbClr r="0" g="0" b="0"/>
+          </a:lnRef>
+          <a:fillRef idx="0">
+            <a:scrgbClr r="0" g="0" b="0"/>
+          </a:fillRef>
+          <a:effectRef idx="0">
+            <a:scrgbClr r="0" g="0" b="0"/>
+          </a:effectRef>
           <a:fontRef idx="minor"/>
         </p:style>
         <p:txBody>
-          <a:bodyPr lIns="90000" rIns="90000" tIns="45000" bIns="45000" anchor="t">
+          <a:bodyPr lIns="90000" tIns="45000" rIns="90000" bIns="45000" anchor="t">
             <a:spAutoFit/>
           </a:bodyPr>
+          <a:lstStyle/>
           <a:p>
             <a:pPr algn="ctr">
               <a:lnSpc>
@@ -52967,7 +54011,7 @@
               <a:buNone/>
             </a:pPr>
             <a:r>
-              <a:rPr b="0" lang="en-US" sz="1800" spc="-1" strike="noStrike">
+              <a:rPr lang="en-US" sz="1800" b="0" strike="noStrike" spc="-1">
                 <a:solidFill>
                   <a:srgbClr val="000000"/>
                 </a:solidFill>
@@ -52976,7 +54020,7 @@
               </a:rPr>
               <a:t>6g x 14g x 13g  </a:t>
             </a:r>
-            <a:endParaRPr b="0" lang="en-US" sz="1800" spc="-1" strike="noStrike">
+            <a:endParaRPr lang="en-US" sz="1800" b="0" strike="noStrike" spc="-1">
               <a:latin typeface="Arial"/>
             </a:endParaRPr>
           </a:p>
@@ -53021,9 +54065,10 @@
           <a:fontRef idx="minor"/>
         </p:style>
         <p:txBody>
-          <a:bodyPr lIns="90000" rIns="90000" tIns="45000" bIns="45000" anchor="ctr">
+          <a:bodyPr lIns="90000" tIns="45000" rIns="90000" bIns="45000" anchor="ctr">
             <a:noAutofit/>
           </a:bodyPr>
+          <a:lstStyle/>
           <a:p>
             <a:pPr algn="ctr">
               <a:lnSpc>
@@ -53032,16 +54077,16 @@
               <a:buNone/>
             </a:pPr>
             <a:r>
-              <a:rPr b="0" lang="en-US" sz="1800" spc="-1" strike="noStrike">
+              <a:rPr lang="en-US" sz="1800" b="0" strike="noStrike" spc="-1">
                 <a:solidFill>
-                  <a:srgbClr val="f2f2f2"/>
+                  <a:srgbClr val="F2F2F2"/>
                 </a:solidFill>
                 <a:latin typeface="맑은 고딕"/>
                 <a:ea typeface="DejaVu Sans"/>
               </a:rPr>
               <a:t>Grand_S4</a:t>
             </a:r>
-            <a:endParaRPr b="0" lang="en-US" sz="1800" spc="-1" strike="noStrike">
+            <a:endParaRPr lang="en-US" sz="1800" b="0" strike="noStrike" spc="-1">
               <a:latin typeface="Arial"/>
             </a:endParaRPr>
           </a:p>
@@ -54597,7 +55642,7 @@
             <a:avLst/>
           </a:prstGeom>
           <a:solidFill>
-            <a:srgbClr val="c00000"/>
+            <a:srgbClr val="C00000"/>
           </a:solidFill>
           <a:ln>
             <a:solidFill>
@@ -54620,9 +55665,10 @@
           <a:fontRef idx="minor"/>
         </p:style>
         <p:txBody>
-          <a:bodyPr lIns="90000" rIns="90000" tIns="45000" bIns="45000" anchor="ctr">
+          <a:bodyPr lIns="90000" tIns="45000" rIns="90000" bIns="45000" anchor="ctr">
             <a:noAutofit/>
           </a:bodyPr>
+          <a:lstStyle/>
           <a:p>
             <a:pPr algn="ctr">
               <a:lnSpc>
@@ -54631,16 +55677,16 @@
               <a:buNone/>
             </a:pPr>
             <a:r>
-              <a:rPr b="0" lang="en-US" sz="1340" spc="-1" strike="noStrike">
+              <a:rPr lang="en-US" sz="1340" b="0" strike="noStrike" spc="-1">
                 <a:solidFill>
-                  <a:srgbClr val="ffffff"/>
+                  <a:srgbClr val="FFFFFF"/>
                 </a:solidFill>
                 <a:latin typeface="Arial"/>
                 <a:ea typeface="DejaVu Sans"/>
               </a:rPr>
               <a:t>1</a:t>
             </a:r>
-            <a:endParaRPr b="0" lang="en-US" sz="1340" spc="-1" strike="noStrike">
+            <a:endParaRPr lang="en-US" sz="1340" b="0" strike="noStrike" spc="-1">
               <a:latin typeface="Arial"/>
             </a:endParaRPr>
           </a:p>
@@ -54661,6 +55707,7 @@
             <a:avLst/>
             <a:gdLst/>
             <a:ahLst/>
+            <a:cxnLst/>
             <a:rect l="l" t="t" r="r" b="b"/>
             <a:pathLst>
               <a:path w="21600" h="21600">
@@ -54676,9 +55723,9 @@
           <a:noFill/>
           <a:ln w="28575">
             <a:solidFill>
-              <a:srgbClr val="ffc000"/>
-            </a:solidFill>
-            <a:tailEnd len="med" type="arrow" w="med"/>
+              <a:srgbClr val="FFC000"/>
+            </a:solidFill>
+            <a:tailEnd type="arrow" w="med" len="med"/>
           </a:ln>
         </p:spPr>
         <p:style>
@@ -54709,6 +55756,7 @@
             <a:avLst/>
             <a:gdLst/>
             <a:ahLst/>
+            <a:cxnLst/>
             <a:rect l="l" t="t" r="r" b="b"/>
             <a:pathLst>
               <a:path w="21600" h="21600">
@@ -54724,9 +55772,9 @@
           <a:noFill/>
           <a:ln w="28575">
             <a:solidFill>
-              <a:srgbClr val="ffc000"/>
-            </a:solidFill>
-            <a:tailEnd len="med" type="arrow" w="med"/>
+              <a:srgbClr val="FFC000"/>
+            </a:solidFill>
+            <a:tailEnd type="arrow" w="med" len="med"/>
           </a:ln>
         </p:spPr>
         <p:style>
@@ -54793,7 +55841,7 @@
             <a:avLst/>
           </a:prstGeom>
           <a:solidFill>
-            <a:srgbClr val="c00000"/>
+            <a:srgbClr val="C00000"/>
           </a:solidFill>
           <a:ln>
             <a:solidFill>
@@ -54816,9 +55864,10 @@
           <a:fontRef idx="minor"/>
         </p:style>
         <p:txBody>
-          <a:bodyPr lIns="90000" rIns="90000" tIns="45000" bIns="45000" anchor="ctr">
+          <a:bodyPr lIns="90000" tIns="45000" rIns="90000" bIns="45000" anchor="ctr">
             <a:noAutofit/>
           </a:bodyPr>
+          <a:lstStyle/>
           <a:p>
             <a:pPr algn="ctr">
               <a:lnSpc>
@@ -54827,16 +55876,16 @@
               <a:buNone/>
             </a:pPr>
             <a:r>
-              <a:rPr b="0" lang="en-US" sz="1340" spc="-1" strike="noStrike">
+              <a:rPr lang="en-US" sz="1340" b="0" strike="noStrike" spc="-1">
                 <a:solidFill>
-                  <a:srgbClr val="ffffff"/>
+                  <a:srgbClr val="FFFFFF"/>
                 </a:solidFill>
                 <a:latin typeface="Arial"/>
                 <a:ea typeface="DejaVu Sans"/>
               </a:rPr>
               <a:t>1</a:t>
             </a:r>
-            <a:endParaRPr b="0" lang="en-US" sz="1340" spc="-1" strike="noStrike">
+            <a:endParaRPr lang="en-US" sz="1340" b="0" strike="noStrike" spc="-1">
               <a:latin typeface="Arial"/>
             </a:endParaRPr>
           </a:p>
@@ -56828,7 +57877,7 @@
             <a:avLst/>
           </a:prstGeom>
           <a:solidFill>
-            <a:srgbClr val="c00000"/>
+            <a:srgbClr val="C00000"/>
           </a:solidFill>
           <a:ln>
             <a:solidFill>
@@ -56851,9 +57900,10 @@
           <a:fontRef idx="minor"/>
         </p:style>
         <p:txBody>
-          <a:bodyPr lIns="90000" rIns="90000" tIns="45000" bIns="45000" anchor="ctr">
+          <a:bodyPr lIns="90000" tIns="45000" rIns="90000" bIns="45000" anchor="ctr">
             <a:noAutofit/>
           </a:bodyPr>
+          <a:lstStyle/>
           <a:p>
             <a:pPr algn="ctr">
               <a:lnSpc>
@@ -56862,16 +57912,16 @@
               <a:buNone/>
             </a:pPr>
             <a:r>
-              <a:rPr b="0" lang="en-US" sz="1340" spc="-1" strike="noStrike">
+              <a:rPr lang="en-US" sz="1340" b="0" strike="noStrike" spc="-1">
                 <a:solidFill>
-                  <a:srgbClr val="ffffff"/>
+                  <a:srgbClr val="FFFFFF"/>
                 </a:solidFill>
                 <a:latin typeface="Arial"/>
                 <a:ea typeface="DejaVu Sans"/>
               </a:rPr>
               <a:t>1</a:t>
             </a:r>
-            <a:endParaRPr b="0" lang="en-US" sz="1340" spc="-1" strike="noStrike">
+            <a:endParaRPr lang="en-US" sz="1340" b="0" strike="noStrike" spc="-1">
               <a:latin typeface="Arial"/>
             </a:endParaRPr>
           </a:p>
@@ -56892,6 +57942,7 @@
             <a:avLst/>
             <a:gdLst/>
             <a:ahLst/>
+            <a:cxnLst/>
             <a:rect l="l" t="t" r="r" b="b"/>
             <a:pathLst>
               <a:path w="21600" h="21600">
@@ -56907,9 +57958,9 @@
           <a:noFill/>
           <a:ln w="28575">
             <a:solidFill>
-              <a:srgbClr val="ffc000"/>
-            </a:solidFill>
-            <a:tailEnd len="med" type="arrow" w="med"/>
+              <a:srgbClr val="FFC000"/>
+            </a:solidFill>
+            <a:tailEnd type="arrow" w="med" len="med"/>
           </a:ln>
         </p:spPr>
         <p:style>
@@ -56976,7 +58027,7 @@
             <a:avLst/>
           </a:prstGeom>
           <a:solidFill>
-            <a:srgbClr val="c00000"/>
+            <a:srgbClr val="C00000"/>
           </a:solidFill>
           <a:ln>
             <a:solidFill>
@@ -56999,9 +58050,10 @@
           <a:fontRef idx="minor"/>
         </p:style>
         <p:txBody>
-          <a:bodyPr lIns="90000" rIns="90000" tIns="45000" bIns="45000" anchor="ctr">
+          <a:bodyPr lIns="90000" tIns="45000" rIns="90000" bIns="45000" anchor="ctr">
             <a:noAutofit/>
           </a:bodyPr>
+          <a:lstStyle/>
           <a:p>
             <a:pPr algn="ctr">
               <a:lnSpc>
@@ -57010,16 +58062,16 @@
               <a:buNone/>
             </a:pPr>
             <a:r>
-              <a:rPr b="0" lang="en-US" sz="1340" spc="-1" strike="noStrike">
+              <a:rPr lang="en-US" sz="1340" b="0" strike="noStrike" spc="-1">
                 <a:solidFill>
-                  <a:srgbClr val="ffffff"/>
+                  <a:srgbClr val="FFFFFF"/>
                 </a:solidFill>
                 <a:latin typeface="Arial"/>
                 <a:ea typeface="DejaVu Sans"/>
               </a:rPr>
               <a:t>1</a:t>
             </a:r>
-            <a:endParaRPr b="0" lang="en-US" sz="1340" spc="-1" strike="noStrike">
+            <a:endParaRPr lang="en-US" sz="1340" b="0" strike="noStrike" spc="-1">
               <a:latin typeface="Arial"/>
             </a:endParaRPr>
           </a:p>
@@ -57505,7 +58557,7 @@
               <a:avLst/>
             </a:prstGeom>
             <a:solidFill>
-              <a:srgbClr val="c00000"/>
+              <a:srgbClr val="C00000"/>
             </a:solidFill>
             <a:ln>
               <a:solidFill>
@@ -57548,15 +58600,22 @@
             </a:ln>
           </p:spPr>
           <p:style>
-            <a:lnRef idx="0"/>
-            <a:fillRef idx="0"/>
-            <a:effectRef idx="0"/>
+            <a:lnRef idx="0">
+              <a:scrgbClr r="0" g="0" b="0"/>
+            </a:lnRef>
+            <a:fillRef idx="0">
+              <a:scrgbClr r="0" g="0" b="0"/>
+            </a:fillRef>
+            <a:effectRef idx="0">
+              <a:scrgbClr r="0" g="0" b="0"/>
+            </a:effectRef>
             <a:fontRef idx="minor"/>
           </p:style>
           <p:txBody>
-            <a:bodyPr wrap="none" lIns="90000" rIns="90000" tIns="45000" bIns="45000" anchor="t">
+            <a:bodyPr wrap="none" lIns="90000" tIns="45000" rIns="90000" bIns="45000" anchor="t">
               <a:spAutoFit/>
             </a:bodyPr>
+            <a:lstStyle/>
             <a:p>
               <a:pPr>
                 <a:lnSpc>
@@ -57565,16 +58624,16 @@
                 <a:buNone/>
               </a:pPr>
               <a:r>
-                <a:rPr b="0" lang="en-US" sz="1050" spc="-1" strike="noStrike">
+                <a:rPr lang="en-US" sz="1050" b="0" strike="noStrike" spc="-1">
                   <a:solidFill>
-                    <a:srgbClr val="ffffff"/>
+                    <a:srgbClr val="FFFFFF"/>
                   </a:solidFill>
                   <a:latin typeface="맑은 고딕"/>
                   <a:ea typeface="DejaVu Sans"/>
                 </a:rPr>
                 <a:t>17</a:t>
               </a:r>
-              <a:endParaRPr b="0" lang="en-US" sz="1050" spc="-1" strike="noStrike">
+              <a:endParaRPr lang="en-US" sz="1050" b="0" strike="noStrike" spc="-1">
                 <a:latin typeface="Arial"/>
               </a:endParaRPr>
             </a:p>
@@ -57610,7 +58669,7 @@
               <a:avLst/>
             </a:prstGeom>
             <a:solidFill>
-              <a:srgbClr val="c00000"/>
+              <a:srgbClr val="C00000"/>
             </a:solidFill>
             <a:ln>
               <a:solidFill>
@@ -57653,15 +58712,22 @@
             </a:ln>
           </p:spPr>
           <p:style>
-            <a:lnRef idx="0"/>
-            <a:fillRef idx="0"/>
-            <a:effectRef idx="0"/>
+            <a:lnRef idx="0">
+              <a:scrgbClr r="0" g="0" b="0"/>
+            </a:lnRef>
+            <a:fillRef idx="0">
+              <a:scrgbClr r="0" g="0" b="0"/>
+            </a:fillRef>
+            <a:effectRef idx="0">
+              <a:scrgbClr r="0" g="0" b="0"/>
+            </a:effectRef>
             <a:fontRef idx="minor"/>
           </p:style>
           <p:txBody>
-            <a:bodyPr wrap="none" lIns="90000" rIns="90000" tIns="45000" bIns="45000" anchor="t">
+            <a:bodyPr wrap="none" lIns="90000" tIns="45000" rIns="90000" bIns="45000" anchor="t">
               <a:spAutoFit/>
             </a:bodyPr>
+            <a:lstStyle/>
             <a:p>
               <a:pPr>
                 <a:lnSpc>
@@ -57670,16 +58736,16 @@
                 <a:buNone/>
               </a:pPr>
               <a:r>
-                <a:rPr b="0" lang="en-US" sz="1050" spc="-1" strike="noStrike">
+                <a:rPr lang="en-US" sz="1050" b="0" strike="noStrike" spc="-1">
                   <a:solidFill>
-                    <a:srgbClr val="ffffff"/>
+                    <a:srgbClr val="FFFFFF"/>
                   </a:solidFill>
                   <a:latin typeface="맑은 고딕"/>
                   <a:ea typeface="DejaVu Sans"/>
                 </a:rPr>
                 <a:t>17</a:t>
               </a:r>
-              <a:endParaRPr b="0" lang="en-US" sz="1050" spc="-1" strike="noStrike">
+              <a:endParaRPr lang="en-US" sz="1050" b="0" strike="noStrike" spc="-1">
                 <a:latin typeface="Arial"/>
               </a:endParaRPr>
             </a:p>
@@ -57715,7 +58781,7 @@
               <a:avLst/>
             </a:prstGeom>
             <a:solidFill>
-              <a:srgbClr val="c00000"/>
+              <a:srgbClr val="C00000"/>
             </a:solidFill>
             <a:ln>
               <a:solidFill>
@@ -57758,15 +58824,22 @@
             </a:ln>
           </p:spPr>
           <p:style>
-            <a:lnRef idx="0"/>
-            <a:fillRef idx="0"/>
-            <a:effectRef idx="0"/>
+            <a:lnRef idx="0">
+              <a:scrgbClr r="0" g="0" b="0"/>
+            </a:lnRef>
+            <a:fillRef idx="0">
+              <a:scrgbClr r="0" g="0" b="0"/>
+            </a:fillRef>
+            <a:effectRef idx="0">
+              <a:scrgbClr r="0" g="0" b="0"/>
+            </a:effectRef>
             <a:fontRef idx="minor"/>
           </p:style>
           <p:txBody>
-            <a:bodyPr wrap="none" lIns="90000" rIns="90000" tIns="45000" bIns="45000" anchor="t">
+            <a:bodyPr wrap="none" lIns="90000" tIns="45000" rIns="90000" bIns="45000" anchor="t">
               <a:spAutoFit/>
             </a:bodyPr>
+            <a:lstStyle/>
             <a:p>
               <a:pPr>
                 <a:lnSpc>
@@ -57775,16 +58848,16 @@
                 <a:buNone/>
               </a:pPr>
               <a:r>
-                <a:rPr b="0" lang="en-US" sz="1050" spc="-1" strike="noStrike">
+                <a:rPr lang="en-US" sz="1050" b="0" strike="noStrike" spc="-1">
                   <a:solidFill>
-                    <a:srgbClr val="ffffff"/>
+                    <a:srgbClr val="FFFFFF"/>
                   </a:solidFill>
                   <a:latin typeface="맑은 고딕"/>
                   <a:ea typeface="DejaVu Sans"/>
                 </a:rPr>
                 <a:t>17</a:t>
               </a:r>
-              <a:endParaRPr b="0" lang="en-US" sz="1050" spc="-1" strike="noStrike">
+              <a:endParaRPr lang="en-US" sz="1050" b="0" strike="noStrike" spc="-1">
                 <a:latin typeface="Arial"/>
               </a:endParaRPr>
             </a:p>
@@ -57820,7 +58893,7 @@
               <a:avLst/>
             </a:prstGeom>
             <a:solidFill>
-              <a:srgbClr val="c00000"/>
+              <a:srgbClr val="C00000"/>
             </a:solidFill>
             <a:ln>
               <a:solidFill>
@@ -57863,15 +58936,22 @@
             </a:ln>
           </p:spPr>
           <p:style>
-            <a:lnRef idx="0"/>
-            <a:fillRef idx="0"/>
-            <a:effectRef idx="0"/>
+            <a:lnRef idx="0">
+              <a:scrgbClr r="0" g="0" b="0"/>
+            </a:lnRef>
+            <a:fillRef idx="0">
+              <a:scrgbClr r="0" g="0" b="0"/>
+            </a:fillRef>
+            <a:effectRef idx="0">
+              <a:scrgbClr r="0" g="0" b="0"/>
+            </a:effectRef>
             <a:fontRef idx="minor"/>
           </p:style>
           <p:txBody>
-            <a:bodyPr wrap="none" lIns="90000" rIns="90000" tIns="45000" bIns="45000" anchor="t">
+            <a:bodyPr wrap="none" lIns="90000" tIns="45000" rIns="90000" bIns="45000" anchor="t">
               <a:spAutoFit/>
             </a:bodyPr>
+            <a:lstStyle/>
             <a:p>
               <a:pPr>
                 <a:lnSpc>
@@ -57880,16 +58960,16 @@
                 <a:buNone/>
               </a:pPr>
               <a:r>
-                <a:rPr b="0" lang="en-US" sz="1050" spc="-1" strike="noStrike">
+                <a:rPr lang="en-US" sz="1050" b="0" strike="noStrike" spc="-1">
                   <a:solidFill>
-                    <a:srgbClr val="ffffff"/>
+                    <a:srgbClr val="FFFFFF"/>
                   </a:solidFill>
                   <a:latin typeface="맑은 고딕"/>
                   <a:ea typeface="DejaVu Sans"/>
                 </a:rPr>
                 <a:t>17</a:t>
               </a:r>
-              <a:endParaRPr b="0" lang="en-US" sz="1050" spc="-1" strike="noStrike">
+              <a:endParaRPr lang="en-US" sz="1050" b="0" strike="noStrike" spc="-1">
                 <a:latin typeface="Arial"/>
               </a:endParaRPr>
             </a:p>
@@ -57925,7 +59005,7 @@
               <a:avLst/>
             </a:prstGeom>
             <a:solidFill>
-              <a:srgbClr val="c00000"/>
+              <a:srgbClr val="C00000"/>
             </a:solidFill>
             <a:ln>
               <a:solidFill>
@@ -57968,15 +59048,22 @@
             </a:ln>
           </p:spPr>
           <p:style>
-            <a:lnRef idx="0"/>
-            <a:fillRef idx="0"/>
-            <a:effectRef idx="0"/>
+            <a:lnRef idx="0">
+              <a:scrgbClr r="0" g="0" b="0"/>
+            </a:lnRef>
+            <a:fillRef idx="0">
+              <a:scrgbClr r="0" g="0" b="0"/>
+            </a:fillRef>
+            <a:effectRef idx="0">
+              <a:scrgbClr r="0" g="0" b="0"/>
+            </a:effectRef>
             <a:fontRef idx="minor"/>
           </p:style>
           <p:txBody>
-            <a:bodyPr wrap="none" lIns="90000" rIns="90000" tIns="45000" bIns="45000" anchor="t">
+            <a:bodyPr wrap="none" lIns="90000" tIns="45000" rIns="90000" bIns="45000" anchor="t">
               <a:spAutoFit/>
             </a:bodyPr>
+            <a:lstStyle/>
             <a:p>
               <a:pPr>
                 <a:lnSpc>
@@ -57985,16 +59072,16 @@
                 <a:buNone/>
               </a:pPr>
               <a:r>
-                <a:rPr b="0" lang="en-US" sz="1050" spc="-1" strike="noStrike">
+                <a:rPr lang="en-US" sz="1050" b="0" strike="noStrike" spc="-1">
                   <a:solidFill>
-                    <a:srgbClr val="ffffff"/>
+                    <a:srgbClr val="FFFFFF"/>
                   </a:solidFill>
                   <a:latin typeface="맑은 고딕"/>
                   <a:ea typeface="DejaVu Sans"/>
                 </a:rPr>
                 <a:t>17</a:t>
               </a:r>
-              <a:endParaRPr b="0" lang="en-US" sz="1050" spc="-1" strike="noStrike">
+              <a:endParaRPr lang="en-US" sz="1050" b="0" strike="noStrike" spc="-1">
                 <a:latin typeface="Arial"/>
               </a:endParaRPr>
             </a:p>
@@ -58030,7 +59117,7 @@
               <a:avLst/>
             </a:prstGeom>
             <a:solidFill>
-              <a:srgbClr val="c00000"/>
+              <a:srgbClr val="C00000"/>
             </a:solidFill>
             <a:ln>
               <a:solidFill>
@@ -58073,15 +59160,22 @@
             </a:ln>
           </p:spPr>
           <p:style>
-            <a:lnRef idx="0"/>
-            <a:fillRef idx="0"/>
-            <a:effectRef idx="0"/>
+            <a:lnRef idx="0">
+              <a:scrgbClr r="0" g="0" b="0"/>
+            </a:lnRef>
+            <a:fillRef idx="0">
+              <a:scrgbClr r="0" g="0" b="0"/>
+            </a:fillRef>
+            <a:effectRef idx="0">
+              <a:scrgbClr r="0" g="0" b="0"/>
+            </a:effectRef>
             <a:fontRef idx="minor"/>
           </p:style>
           <p:txBody>
-            <a:bodyPr wrap="none" lIns="90000" rIns="90000" tIns="45000" bIns="45000" anchor="t">
+            <a:bodyPr wrap="none" lIns="90000" tIns="45000" rIns="90000" bIns="45000" anchor="t">
               <a:spAutoFit/>
             </a:bodyPr>
+            <a:lstStyle/>
             <a:p>
               <a:pPr>
                 <a:lnSpc>
@@ -58090,16 +59184,16 @@
                 <a:buNone/>
               </a:pPr>
               <a:r>
-                <a:rPr b="0" lang="en-US" sz="1050" spc="-1" strike="noStrike">
+                <a:rPr lang="en-US" sz="1050" b="0" strike="noStrike" spc="-1">
                   <a:solidFill>
-                    <a:srgbClr val="ffffff"/>
+                    <a:srgbClr val="FFFFFF"/>
                   </a:solidFill>
                   <a:latin typeface="맑은 고딕"/>
                   <a:ea typeface="DejaVu Sans"/>
                 </a:rPr>
                 <a:t>17</a:t>
               </a:r>
-              <a:endParaRPr b="0" lang="en-US" sz="1050" spc="-1" strike="noStrike">
+              <a:endParaRPr lang="en-US" sz="1050" b="0" strike="noStrike" spc="-1">
                 <a:latin typeface="Arial"/>
               </a:endParaRPr>
             </a:p>
@@ -58135,7 +59229,7 @@
               <a:avLst/>
             </a:prstGeom>
             <a:solidFill>
-              <a:srgbClr val="c00000"/>
+              <a:srgbClr val="C00000"/>
             </a:solidFill>
             <a:ln>
               <a:solidFill>
@@ -58178,15 +59272,22 @@
             </a:ln>
           </p:spPr>
           <p:style>
-            <a:lnRef idx="0"/>
-            <a:fillRef idx="0"/>
-            <a:effectRef idx="0"/>
+            <a:lnRef idx="0">
+              <a:scrgbClr r="0" g="0" b="0"/>
+            </a:lnRef>
+            <a:fillRef idx="0">
+              <a:scrgbClr r="0" g="0" b="0"/>
+            </a:fillRef>
+            <a:effectRef idx="0">
+              <a:scrgbClr r="0" g="0" b="0"/>
+            </a:effectRef>
             <a:fontRef idx="minor"/>
           </p:style>
           <p:txBody>
-            <a:bodyPr wrap="none" lIns="90000" rIns="90000" tIns="45000" bIns="45000" anchor="t">
+            <a:bodyPr wrap="none" lIns="90000" tIns="45000" rIns="90000" bIns="45000" anchor="t">
               <a:spAutoFit/>
             </a:bodyPr>
+            <a:lstStyle/>
             <a:p>
               <a:pPr>
                 <a:lnSpc>
@@ -58195,16 +59296,16 @@
                 <a:buNone/>
               </a:pPr>
               <a:r>
-                <a:rPr b="0" lang="en-US" sz="1050" spc="-1" strike="noStrike">
+                <a:rPr lang="en-US" sz="1050" b="0" strike="noStrike" spc="-1">
                   <a:solidFill>
-                    <a:srgbClr val="ffffff"/>
+                    <a:srgbClr val="FFFFFF"/>
                   </a:solidFill>
                   <a:latin typeface="맑은 고딕"/>
                   <a:ea typeface="DejaVu Sans"/>
                 </a:rPr>
                 <a:t>17</a:t>
               </a:r>
-              <a:endParaRPr b="0" lang="en-US" sz="1050" spc="-1" strike="noStrike">
+              <a:endParaRPr lang="en-US" sz="1050" b="0" strike="noStrike" spc="-1">
                 <a:latin typeface="Arial"/>
               </a:endParaRPr>
             </a:p>
@@ -58240,7 +59341,7 @@
               <a:avLst/>
             </a:prstGeom>
             <a:solidFill>
-              <a:srgbClr val="c00000"/>
+              <a:srgbClr val="C00000"/>
             </a:solidFill>
             <a:ln>
               <a:solidFill>
@@ -58283,15 +59384,22 @@
             </a:ln>
           </p:spPr>
           <p:style>
-            <a:lnRef idx="0"/>
-            <a:fillRef idx="0"/>
-            <a:effectRef idx="0"/>
+            <a:lnRef idx="0">
+              <a:scrgbClr r="0" g="0" b="0"/>
+            </a:lnRef>
+            <a:fillRef idx="0">
+              <a:scrgbClr r="0" g="0" b="0"/>
+            </a:fillRef>
+            <a:effectRef idx="0">
+              <a:scrgbClr r="0" g="0" b="0"/>
+            </a:effectRef>
             <a:fontRef idx="minor"/>
           </p:style>
           <p:txBody>
-            <a:bodyPr wrap="none" lIns="90000" rIns="90000" tIns="45000" bIns="45000" anchor="t">
+            <a:bodyPr wrap="none" lIns="90000" tIns="45000" rIns="90000" bIns="45000" anchor="t">
               <a:spAutoFit/>
             </a:bodyPr>
+            <a:lstStyle/>
             <a:p>
               <a:pPr>
                 <a:lnSpc>
@@ -58300,16 +59408,16 @@
                 <a:buNone/>
               </a:pPr>
               <a:r>
-                <a:rPr b="0" lang="en-US" sz="1050" spc="-1" strike="noStrike">
+                <a:rPr lang="en-US" sz="1050" b="0" strike="noStrike" spc="-1">
                   <a:solidFill>
-                    <a:srgbClr val="ffffff"/>
+                    <a:srgbClr val="FFFFFF"/>
                   </a:solidFill>
                   <a:latin typeface="맑은 고딕"/>
                   <a:ea typeface="DejaVu Sans"/>
                 </a:rPr>
                 <a:t>17</a:t>
               </a:r>
-              <a:endParaRPr b="0" lang="en-US" sz="1050" spc="-1" strike="noStrike">
+              <a:endParaRPr lang="en-US" sz="1050" b="0" strike="noStrike" spc="-1">
                 <a:latin typeface="Arial"/>
               </a:endParaRPr>
             </a:p>
@@ -58331,7 +59439,7 @@
             <a:avLst/>
           </a:prstGeom>
           <a:solidFill>
-            <a:srgbClr val="00b0f0"/>
+            <a:srgbClr val="00B0F0"/>
           </a:solidFill>
           <a:ln>
             <a:solidFill>
@@ -58369,7 +59477,7 @@
             <a:avLst/>
           </a:prstGeom>
           <a:solidFill>
-            <a:srgbClr val="00b0f0"/>
+            <a:srgbClr val="00B0F0"/>
           </a:solidFill>
           <a:ln>
             <a:solidFill>
@@ -58421,7 +59529,7 @@
               <a:avLst/>
             </a:prstGeom>
             <a:solidFill>
-              <a:srgbClr val="c00000"/>
+              <a:srgbClr val="C00000"/>
             </a:solidFill>
             <a:ln>
               <a:solidFill>
@@ -58464,15 +59572,22 @@
             </a:ln>
           </p:spPr>
           <p:style>
-            <a:lnRef idx="0"/>
-            <a:fillRef idx="0"/>
-            <a:effectRef idx="0"/>
+            <a:lnRef idx="0">
+              <a:scrgbClr r="0" g="0" b="0"/>
+            </a:lnRef>
+            <a:fillRef idx="0">
+              <a:scrgbClr r="0" g="0" b="0"/>
+            </a:fillRef>
+            <a:effectRef idx="0">
+              <a:scrgbClr r="0" g="0" b="0"/>
+            </a:effectRef>
             <a:fontRef idx="minor"/>
           </p:style>
           <p:txBody>
-            <a:bodyPr wrap="none" lIns="90000" rIns="90000" tIns="45000" bIns="45000" anchor="t">
+            <a:bodyPr wrap="none" lIns="90000" tIns="45000" rIns="90000" bIns="45000" anchor="t">
               <a:spAutoFit/>
             </a:bodyPr>
+            <a:lstStyle/>
             <a:p>
               <a:pPr>
                 <a:lnSpc>
@@ -58481,16 +59596,16 @@
                 <a:buNone/>
               </a:pPr>
               <a:r>
-                <a:rPr b="0" lang="en-US" sz="1050" spc="-1" strike="noStrike">
+                <a:rPr lang="en-US" sz="1050" b="0" strike="noStrike" spc="-1">
                   <a:solidFill>
-                    <a:srgbClr val="ffffff"/>
+                    <a:srgbClr val="FFFFFF"/>
                   </a:solidFill>
                   <a:latin typeface="맑은 고딕"/>
                   <a:ea typeface="DejaVu Sans"/>
                 </a:rPr>
                 <a:t>15</a:t>
               </a:r>
-              <a:endParaRPr b="0" lang="en-US" sz="1050" spc="-1" strike="noStrike">
+              <a:endParaRPr lang="en-US" sz="1050" b="0" strike="noStrike" spc="-1">
                 <a:latin typeface="Arial"/>
               </a:endParaRPr>
             </a:p>
@@ -58526,7 +59641,7 @@
               <a:avLst/>
             </a:prstGeom>
             <a:solidFill>
-              <a:srgbClr val="c00000"/>
+              <a:srgbClr val="C00000"/>
             </a:solidFill>
             <a:ln>
               <a:solidFill>
@@ -58569,15 +59684,22 @@
             </a:ln>
           </p:spPr>
           <p:style>
-            <a:lnRef idx="0"/>
-            <a:fillRef idx="0"/>
-            <a:effectRef idx="0"/>
+            <a:lnRef idx="0">
+              <a:scrgbClr r="0" g="0" b="0"/>
+            </a:lnRef>
+            <a:fillRef idx="0">
+              <a:scrgbClr r="0" g="0" b="0"/>
+            </a:fillRef>
+            <a:effectRef idx="0">
+              <a:scrgbClr r="0" g="0" b="0"/>
+            </a:effectRef>
             <a:fontRef idx="minor"/>
           </p:style>
           <p:txBody>
-            <a:bodyPr wrap="none" lIns="90000" rIns="90000" tIns="45000" bIns="45000" anchor="t">
+            <a:bodyPr wrap="none" lIns="90000" tIns="45000" rIns="90000" bIns="45000" anchor="t">
               <a:spAutoFit/>
             </a:bodyPr>
+            <a:lstStyle/>
             <a:p>
               <a:pPr>
                 <a:lnSpc>
@@ -58586,16 +59708,16 @@
                 <a:buNone/>
               </a:pPr>
               <a:r>
-                <a:rPr b="0" lang="en-US" sz="1050" spc="-1" strike="noStrike">
+                <a:rPr lang="en-US" sz="1050" b="0" strike="noStrike" spc="-1">
                   <a:solidFill>
-                    <a:srgbClr val="ffffff"/>
+                    <a:srgbClr val="FFFFFF"/>
                   </a:solidFill>
                   <a:latin typeface="맑은 고딕"/>
                   <a:ea typeface="DejaVu Sans"/>
                 </a:rPr>
                 <a:t>15</a:t>
               </a:r>
-              <a:endParaRPr b="0" lang="en-US" sz="1050" spc="-1" strike="noStrike">
+              <a:endParaRPr lang="en-US" sz="1050" b="0" strike="noStrike" spc="-1">
                 <a:latin typeface="Arial"/>
               </a:endParaRPr>
             </a:p>
@@ -58631,6 +59753,7 @@
               <a:avLst/>
               <a:gdLst/>
               <a:ahLst/>
+              <a:cxnLst/>
               <a:rect l="l" t="t" r="r" b="b"/>
               <a:pathLst>
                 <a:path w="21600" h="21600">
@@ -58648,7 +59771,7 @@
               <a:solidFill>
                 <a:srgbClr val="808080"/>
               </a:solidFill>
-              <a:tailEnd len="med" type="arrow" w="med"/>
+              <a:tailEnd type="arrow" w="med" len="med"/>
             </a:ln>
           </p:spPr>
           <p:style>
@@ -58684,15 +59807,22 @@
             </a:ln>
           </p:spPr>
           <p:style>
-            <a:lnRef idx="0"/>
-            <a:fillRef idx="0"/>
-            <a:effectRef idx="0"/>
+            <a:lnRef idx="0">
+              <a:scrgbClr r="0" g="0" b="0"/>
+            </a:lnRef>
+            <a:fillRef idx="0">
+              <a:scrgbClr r="0" g="0" b="0"/>
+            </a:fillRef>
+            <a:effectRef idx="0">
+              <a:scrgbClr r="0" g="0" b="0"/>
+            </a:effectRef>
             <a:fontRef idx="minor"/>
           </p:style>
           <p:txBody>
-            <a:bodyPr wrap="none" lIns="90000" rIns="90000" tIns="45000" bIns="45000" anchor="t">
+            <a:bodyPr wrap="none" lIns="90000" tIns="45000" rIns="90000" bIns="45000" anchor="t">
               <a:spAutoFit/>
             </a:bodyPr>
+            <a:lstStyle/>
             <a:p>
               <a:pPr>
                 <a:lnSpc>
@@ -58701,9 +59831,9 @@
                 <a:buNone/>
               </a:pPr>
               <a:r>
-                <a:rPr b="1" lang="ko-KR" sz="1800" spc="-1" strike="noStrike">
+                <a:rPr lang="ko-KR" sz="1800" b="1" strike="noStrike" spc="-1">
                   <a:solidFill>
-                    <a:srgbClr val="00b0f0"/>
+                    <a:srgbClr val="00B0F0"/>
                   </a:solidFill>
                   <a:latin typeface="맑은 고딕"/>
                   <a:ea typeface="DejaVu Sans"/>
@@ -58711,7 +59841,7 @@
                 <a:t>버튼</a:t>
               </a:r>
               <a:r>
-                <a:rPr b="0" lang="ko-KR" sz="1800" spc="-1" strike="noStrike">
+                <a:rPr lang="ko-KR" sz="1800" b="0" strike="noStrike" spc="-1">
                   <a:solidFill>
                     <a:srgbClr val="000000"/>
                   </a:solidFill>
@@ -58720,7 +59850,7 @@
                 </a:rPr>
                 <a:t>이 눌려지는 동안</a:t>
               </a:r>
-              <a:endParaRPr b="0" lang="en-US" sz="1800" spc="-1" strike="noStrike">
+              <a:endParaRPr lang="en-US" sz="1800" b="0" strike="noStrike" spc="-1">
                 <a:latin typeface="Arial"/>
               </a:endParaRPr>
             </a:p>
@@ -58729,19 +59859,14 @@
       </p:grpSp>
     </p:spTree>
   </p:cSld>
-  <mc:AlternateContent>
-    <mc:Choice Requires="p14">
-      <p:transition spd="slow" p14:dur="2000"/>
-    </mc:Choice>
-    <mc:Fallback>
-      <p:transition spd="slow"/>
-    </mc:Fallback>
-  </mc:AlternateContent>
+  <p:clrMapOvr>
+    <a:masterClrMapping/>
+  </p:clrMapOvr>
 </p:sld>
 </file>
 
 <file path=ppt/slides/slide8.xml><?xml version="1.0" encoding="utf-8"?>
-<p:sld xmlns:a="http://schemas.openxmlformats.org/drawingml/2006/main" xmlns:p="http://schemas.openxmlformats.org/presentationml/2006/main" xmlns:r="http://schemas.openxmlformats.org/officeDocument/2006/relationships" xmlns:p14="http://schemas.microsoft.com/office/powerpoint/2010/main" xmlns:p15="http://schemas.microsoft.com/office/powerpoint/2012/main" xmlns:mc="http://schemas.openxmlformats.org/markup-compatibility/2006">
+<p:sld xmlns:a="http://schemas.openxmlformats.org/drawingml/2006/main" xmlns:r="http://schemas.openxmlformats.org/officeDocument/2006/relationships" xmlns:p="http://schemas.openxmlformats.org/presentationml/2006/main">
   <p:cSld>
     <p:spTree>
       <p:nvGrpSpPr>
@@ -58851,15 +59976,22 @@
           </a:ln>
         </p:spPr>
         <p:style>
-          <a:lnRef idx="0"/>
-          <a:fillRef idx="0"/>
-          <a:effectRef idx="0"/>
+          <a:lnRef idx="0">
+            <a:scrgbClr r="0" g="0" b="0"/>
+          </a:lnRef>
+          <a:fillRef idx="0">
+            <a:scrgbClr r="0" g="0" b="0"/>
+          </a:fillRef>
+          <a:effectRef idx="0">
+            <a:scrgbClr r="0" g="0" b="0"/>
+          </a:effectRef>
           <a:fontRef idx="minor"/>
         </p:style>
         <p:txBody>
-          <a:bodyPr lIns="90000" rIns="90000" tIns="45000" bIns="45000" anchor="t">
+          <a:bodyPr lIns="90000" tIns="45000" rIns="90000" bIns="45000" anchor="t">
             <a:spAutoFit/>
           </a:bodyPr>
+          <a:lstStyle/>
           <a:p>
             <a:pPr>
               <a:lnSpc>
@@ -58868,7 +60000,7 @@
               <a:buNone/>
             </a:pPr>
             <a:r>
-              <a:rPr b="0" lang="en-US" sz="1400" spc="-1" strike="noStrike">
+              <a:rPr lang="en-US" sz="1400" b="0" strike="noStrike" spc="-1">
                 <a:solidFill>
                   <a:srgbClr val="000000"/>
                 </a:solidFill>
@@ -58877,7 +60009,7 @@
               </a:rPr>
               <a:t>0m</a:t>
             </a:r>
-            <a:endParaRPr b="0" lang="en-US" sz="1400" spc="-1" strike="noStrike">
+            <a:endParaRPr lang="en-US" sz="1400" b="0" strike="noStrike" spc="-1">
               <a:latin typeface="Arial"/>
             </a:endParaRPr>
           </a:p>
@@ -58903,15 +60035,22 @@
           </a:ln>
         </p:spPr>
         <p:style>
-          <a:lnRef idx="0"/>
-          <a:fillRef idx="0"/>
-          <a:effectRef idx="0"/>
+          <a:lnRef idx="0">
+            <a:scrgbClr r="0" g="0" b="0"/>
+          </a:lnRef>
+          <a:fillRef idx="0">
+            <a:scrgbClr r="0" g="0" b="0"/>
+          </a:fillRef>
+          <a:effectRef idx="0">
+            <a:scrgbClr r="0" g="0" b="0"/>
+          </a:effectRef>
           <a:fontRef idx="minor"/>
         </p:style>
         <p:txBody>
-          <a:bodyPr lIns="90000" rIns="90000" tIns="45000" bIns="45000" anchor="t">
+          <a:bodyPr lIns="90000" tIns="45000" rIns="90000" bIns="45000" anchor="t">
             <a:spAutoFit/>
           </a:bodyPr>
+          <a:lstStyle/>
           <a:p>
             <a:pPr>
               <a:lnSpc>
@@ -58920,7 +60059,7 @@
               <a:buNone/>
             </a:pPr>
             <a:r>
-              <a:rPr b="1" lang="en-US" sz="1600" spc="-1" strike="noStrike">
+              <a:rPr lang="en-US" sz="1600" b="1" strike="noStrike" spc="-1">
                 <a:solidFill>
                   <a:srgbClr val="000000"/>
                 </a:solidFill>
@@ -58929,7 +60068,7 @@
               </a:rPr>
               <a:t>Lv. 0</a:t>
             </a:r>
-            <a:endParaRPr b="0" lang="en-US" sz="1600" spc="-1" strike="noStrike">
+            <a:endParaRPr lang="en-US" sz="1600" b="0" strike="noStrike" spc="-1">
               <a:latin typeface="Arial"/>
             </a:endParaRPr>
           </a:p>
@@ -58955,15 +60094,22 @@
           </a:ln>
         </p:spPr>
         <p:style>
-          <a:lnRef idx="0"/>
-          <a:fillRef idx="0"/>
-          <a:effectRef idx="0"/>
+          <a:lnRef idx="0">
+            <a:scrgbClr r="0" g="0" b="0"/>
+          </a:lnRef>
+          <a:fillRef idx="0">
+            <a:scrgbClr r="0" g="0" b="0"/>
+          </a:fillRef>
+          <a:effectRef idx="0">
+            <a:scrgbClr r="0" g="0" b="0"/>
+          </a:effectRef>
           <a:fontRef idx="minor"/>
         </p:style>
         <p:txBody>
-          <a:bodyPr lIns="90000" rIns="90000" tIns="45000" bIns="45000" anchor="t">
+          <a:bodyPr lIns="90000" tIns="45000" rIns="90000" bIns="45000" anchor="t">
             <a:spAutoFit/>
           </a:bodyPr>
+          <a:lstStyle/>
           <a:p>
             <a:pPr algn="ctr">
               <a:lnSpc>
@@ -58972,7 +60118,7 @@
               <a:buNone/>
             </a:pPr>
             <a:r>
-              <a:rPr b="0" lang="en-US" sz="1800" spc="-1" strike="noStrike">
+              <a:rPr lang="en-US" sz="1800" b="0" strike="noStrike" spc="-1">
                 <a:solidFill>
                   <a:srgbClr val="000000"/>
                 </a:solidFill>
@@ -58981,7 +60127,7 @@
               </a:rPr>
               <a:t>6g x 10g x 4g  </a:t>
             </a:r>
-            <a:endParaRPr b="0" lang="en-US" sz="1800" spc="-1" strike="noStrike">
+            <a:endParaRPr lang="en-US" sz="1800" b="0" strike="noStrike" spc="-1">
               <a:latin typeface="Arial"/>
             </a:endParaRPr>
           </a:p>
@@ -59026,9 +60172,10 @@
           <a:fontRef idx="minor"/>
         </p:style>
         <p:txBody>
-          <a:bodyPr lIns="90000" rIns="90000" tIns="45000" bIns="45000" anchor="ctr">
+          <a:bodyPr lIns="90000" tIns="45000" rIns="90000" bIns="45000" anchor="ctr">
             <a:noAutofit/>
           </a:bodyPr>
+          <a:lstStyle/>
           <a:p>
             <a:pPr algn="ctr">
               <a:lnSpc>
@@ -59037,16 +60184,16 @@
               <a:buNone/>
             </a:pPr>
             <a:r>
-              <a:rPr b="0" lang="en-US" sz="1800" spc="-1" strike="noStrike">
+              <a:rPr lang="en-US" sz="1800" b="0" strike="noStrike" spc="-1">
                 <a:solidFill>
-                  <a:srgbClr val="f2f2f2"/>
+                  <a:srgbClr val="F2F2F2"/>
                 </a:solidFill>
                 <a:latin typeface="맑은 고딕"/>
                 <a:ea typeface="DejaVu Sans"/>
               </a:rPr>
               <a:t>Grand_S5</a:t>
             </a:r>
-            <a:endParaRPr b="0" lang="en-US" sz="1800" spc="-1" strike="noStrike">
+            <a:endParaRPr lang="en-US" sz="1800" b="0" strike="noStrike" spc="-1">
               <a:latin typeface="Arial"/>
             </a:endParaRPr>
           </a:p>
@@ -59308,7 +60455,7 @@
             <a:avLst/>
           </a:prstGeom>
           <a:solidFill>
-            <a:srgbClr val="00b0f0"/>
+            <a:srgbClr val="00B0F0"/>
           </a:solidFill>
           <a:ln>
             <a:solidFill>
@@ -59510,7 +60657,7 @@
             <a:avLst/>
           </a:prstGeom>
           <a:solidFill>
-            <a:srgbClr val="00b0f0"/>
+            <a:srgbClr val="00B0F0"/>
           </a:solidFill>
           <a:ln>
             <a:solidFill>
@@ -60122,7 +61269,7 @@
             <a:avLst/>
           </a:prstGeom>
           <a:solidFill>
-            <a:srgbClr val="00b0f0"/>
+            <a:srgbClr val="00B0F0"/>
           </a:solidFill>
           <a:ln>
             <a:solidFill>
@@ -60242,7 +61389,7 @@
             <a:avLst/>
           </a:prstGeom>
           <a:solidFill>
-            <a:srgbClr val="00b0f0"/>
+            <a:srgbClr val="00B0F0"/>
           </a:solidFill>
           <a:ln>
             <a:solidFill>
@@ -61587,7 +62734,7 @@
             <a:avLst/>
           </a:prstGeom>
           <a:solidFill>
-            <a:srgbClr val="c00000"/>
+            <a:srgbClr val="C00000"/>
           </a:solidFill>
           <a:ln>
             <a:solidFill>
@@ -61610,9 +62757,10 @@
           <a:fontRef idx="minor"/>
         </p:style>
         <p:txBody>
-          <a:bodyPr lIns="90000" rIns="90000" tIns="45000" bIns="45000" anchor="ctr">
+          <a:bodyPr lIns="90000" tIns="45000" rIns="90000" bIns="45000" anchor="ctr">
             <a:noAutofit/>
           </a:bodyPr>
+          <a:lstStyle/>
           <a:p>
             <a:pPr algn="ctr">
               <a:lnSpc>
@@ -61621,16 +62769,16 @@
               <a:buNone/>
             </a:pPr>
             <a:r>
-              <a:rPr b="0" lang="en-US" sz="1340" spc="-1" strike="noStrike">
+              <a:rPr lang="en-US" sz="1340" b="0" strike="noStrike" spc="-1">
                 <a:solidFill>
-                  <a:srgbClr val="ffffff"/>
+                  <a:srgbClr val="FFFFFF"/>
                 </a:solidFill>
                 <a:latin typeface="Arial"/>
                 <a:ea typeface="DejaVu Sans"/>
               </a:rPr>
               <a:t>1</a:t>
             </a:r>
-            <a:endParaRPr b="0" lang="en-US" sz="1340" spc="-1" strike="noStrike">
+            <a:endParaRPr lang="en-US" sz="1340" b="0" strike="noStrike" spc="-1">
               <a:latin typeface="Arial"/>
             </a:endParaRPr>
           </a:p>
@@ -61651,6 +62799,7 @@
             <a:avLst/>
             <a:gdLst/>
             <a:ahLst/>
+            <a:cxnLst/>
             <a:rect l="l" t="t" r="r" b="b"/>
             <a:pathLst>
               <a:path w="21600" h="21600">
@@ -61666,9 +62815,9 @@
           <a:noFill/>
           <a:ln w="28575">
             <a:solidFill>
-              <a:srgbClr val="ffc000"/>
-            </a:solidFill>
-            <a:tailEnd len="med" type="arrow" w="med"/>
+              <a:srgbClr val="FFC000"/>
+            </a:solidFill>
+            <a:tailEnd type="arrow" w="med" len="med"/>
           </a:ln>
         </p:spPr>
         <p:style>
@@ -61735,6 +62884,7 @@
             <a:avLst/>
             <a:gdLst/>
             <a:ahLst/>
+            <a:cxnLst/>
             <a:rect l="l" t="t" r="r" b="b"/>
             <a:pathLst>
               <a:path w="21600" h="21600">
@@ -61750,9 +62900,9 @@
           <a:noFill/>
           <a:ln w="28575">
             <a:solidFill>
-              <a:srgbClr val="ffc000"/>
-            </a:solidFill>
-            <a:tailEnd len="med" type="arrow" w="med"/>
+              <a:srgbClr val="FFC000"/>
+            </a:solidFill>
+            <a:tailEnd type="arrow" w="med" len="med"/>
           </a:ln>
         </p:spPr>
         <p:style>
@@ -61797,7 +62947,7 @@
               <a:avLst/>
             </a:prstGeom>
             <a:solidFill>
-              <a:srgbClr val="c00000"/>
+              <a:srgbClr val="C00000"/>
             </a:solidFill>
             <a:ln>
               <a:solidFill>
@@ -61840,15 +62990,22 @@
             </a:ln>
           </p:spPr>
           <p:style>
-            <a:lnRef idx="0"/>
-            <a:fillRef idx="0"/>
-            <a:effectRef idx="0"/>
+            <a:lnRef idx="0">
+              <a:scrgbClr r="0" g="0" b="0"/>
+            </a:lnRef>
+            <a:fillRef idx="0">
+              <a:scrgbClr r="0" g="0" b="0"/>
+            </a:fillRef>
+            <a:effectRef idx="0">
+              <a:scrgbClr r="0" g="0" b="0"/>
+            </a:effectRef>
             <a:fontRef idx="minor"/>
           </p:style>
           <p:txBody>
-            <a:bodyPr wrap="none" lIns="90000" rIns="90000" tIns="45000" bIns="45000" anchor="t">
+            <a:bodyPr wrap="none" lIns="90000" tIns="45000" rIns="90000" bIns="45000" anchor="t">
               <a:spAutoFit/>
             </a:bodyPr>
+            <a:lstStyle/>
             <a:p>
               <a:pPr>
                 <a:lnSpc>
@@ -61857,16 +63014,16 @@
                 <a:buNone/>
               </a:pPr>
               <a:r>
-                <a:rPr b="0" lang="en-US" sz="1050" spc="-1" strike="noStrike">
+                <a:rPr lang="en-US" sz="1050" b="0" strike="noStrike" spc="-1">
                   <a:solidFill>
-                    <a:srgbClr val="ffffff"/>
+                    <a:srgbClr val="FFFFFF"/>
                   </a:solidFill>
                   <a:latin typeface="맑은 고딕"/>
                   <a:ea typeface="DejaVu Sans"/>
                 </a:rPr>
                 <a:t>15</a:t>
               </a:r>
-              <a:endParaRPr b="0" lang="en-US" sz="1050" spc="-1" strike="noStrike">
+              <a:endParaRPr lang="en-US" sz="1050" b="0" strike="noStrike" spc="-1">
                 <a:latin typeface="Arial"/>
               </a:endParaRPr>
             </a:p>
@@ -61902,7 +63059,7 @@
               <a:avLst/>
             </a:prstGeom>
             <a:solidFill>
-              <a:srgbClr val="c00000"/>
+              <a:srgbClr val="C00000"/>
             </a:solidFill>
             <a:ln>
               <a:solidFill>
@@ -61945,15 +63102,22 @@
             </a:ln>
           </p:spPr>
           <p:style>
-            <a:lnRef idx="0"/>
-            <a:fillRef idx="0"/>
-            <a:effectRef idx="0"/>
+            <a:lnRef idx="0">
+              <a:scrgbClr r="0" g="0" b="0"/>
+            </a:lnRef>
+            <a:fillRef idx="0">
+              <a:scrgbClr r="0" g="0" b="0"/>
+            </a:fillRef>
+            <a:effectRef idx="0">
+              <a:scrgbClr r="0" g="0" b="0"/>
+            </a:effectRef>
             <a:fontRef idx="minor"/>
           </p:style>
           <p:txBody>
-            <a:bodyPr wrap="none" lIns="90000" rIns="90000" tIns="45000" bIns="45000" anchor="t">
+            <a:bodyPr wrap="none" lIns="90000" tIns="45000" rIns="90000" bIns="45000" anchor="t">
               <a:spAutoFit/>
             </a:bodyPr>
+            <a:lstStyle/>
             <a:p>
               <a:pPr>
                 <a:lnSpc>
@@ -61962,16 +63126,16 @@
                 <a:buNone/>
               </a:pPr>
               <a:r>
-                <a:rPr b="0" lang="en-US" sz="1050" spc="-1" strike="noStrike">
+                <a:rPr lang="en-US" sz="1050" b="0" strike="noStrike" spc="-1">
                   <a:solidFill>
-                    <a:srgbClr val="ffffff"/>
+                    <a:srgbClr val="FFFFFF"/>
                   </a:solidFill>
                   <a:latin typeface="맑은 고딕"/>
                   <a:ea typeface="DejaVu Sans"/>
                 </a:rPr>
                 <a:t>15</a:t>
               </a:r>
-              <a:endParaRPr b="0" lang="en-US" sz="1050" spc="-1" strike="noStrike">
+              <a:endParaRPr lang="en-US" sz="1050" b="0" strike="noStrike" spc="-1">
                 <a:latin typeface="Arial"/>
               </a:endParaRPr>
             </a:p>
@@ -62007,7 +63171,7 @@
               <a:avLst/>
             </a:prstGeom>
             <a:solidFill>
-              <a:srgbClr val="c00000"/>
+              <a:srgbClr val="C00000"/>
             </a:solidFill>
             <a:ln>
               <a:solidFill>
@@ -62050,15 +63214,22 @@
             </a:ln>
           </p:spPr>
           <p:style>
-            <a:lnRef idx="0"/>
-            <a:fillRef idx="0"/>
-            <a:effectRef idx="0"/>
+            <a:lnRef idx="0">
+              <a:scrgbClr r="0" g="0" b="0"/>
+            </a:lnRef>
+            <a:fillRef idx="0">
+              <a:scrgbClr r="0" g="0" b="0"/>
+            </a:fillRef>
+            <a:effectRef idx="0">
+              <a:scrgbClr r="0" g="0" b="0"/>
+            </a:effectRef>
             <a:fontRef idx="minor"/>
           </p:style>
           <p:txBody>
-            <a:bodyPr wrap="none" lIns="90000" rIns="90000" tIns="45000" bIns="45000" anchor="t">
+            <a:bodyPr wrap="none" lIns="90000" tIns="45000" rIns="90000" bIns="45000" anchor="t">
               <a:spAutoFit/>
             </a:bodyPr>
+            <a:lstStyle/>
             <a:p>
               <a:pPr>
                 <a:lnSpc>
@@ -62067,16 +63238,16 @@
                 <a:buNone/>
               </a:pPr>
               <a:r>
-                <a:rPr b="0" lang="en-US" sz="1050" spc="-1" strike="noStrike">
+                <a:rPr lang="en-US" sz="1050" b="0" strike="noStrike" spc="-1">
                   <a:solidFill>
-                    <a:srgbClr val="ffffff"/>
+                    <a:srgbClr val="FFFFFF"/>
                   </a:solidFill>
                   <a:latin typeface="맑은 고딕"/>
                   <a:ea typeface="DejaVu Sans"/>
                 </a:rPr>
                 <a:t>15</a:t>
               </a:r>
-              <a:endParaRPr b="0" lang="en-US" sz="1050" spc="-1" strike="noStrike">
+              <a:endParaRPr lang="en-US" sz="1050" b="0" strike="noStrike" spc="-1">
                 <a:latin typeface="Arial"/>
               </a:endParaRPr>
             </a:p>
@@ -62112,7 +63283,7 @@
               <a:avLst/>
             </a:prstGeom>
             <a:solidFill>
-              <a:srgbClr val="c00000"/>
+              <a:srgbClr val="C00000"/>
             </a:solidFill>
             <a:ln>
               <a:solidFill>
@@ -62155,15 +63326,22 @@
             </a:ln>
           </p:spPr>
           <p:style>
-            <a:lnRef idx="0"/>
-            <a:fillRef idx="0"/>
-            <a:effectRef idx="0"/>
+            <a:lnRef idx="0">
+              <a:scrgbClr r="0" g="0" b="0"/>
+            </a:lnRef>
+            <a:fillRef idx="0">
+              <a:scrgbClr r="0" g="0" b="0"/>
+            </a:fillRef>
+            <a:effectRef idx="0">
+              <a:scrgbClr r="0" g="0" b="0"/>
+            </a:effectRef>
             <a:fontRef idx="minor"/>
           </p:style>
           <p:txBody>
-            <a:bodyPr wrap="none" lIns="90000" rIns="90000" tIns="45000" bIns="45000" anchor="t">
+            <a:bodyPr wrap="none" lIns="90000" tIns="45000" rIns="90000" bIns="45000" anchor="t">
               <a:spAutoFit/>
             </a:bodyPr>
+            <a:lstStyle/>
             <a:p>
               <a:pPr>
                 <a:lnSpc>
@@ -62172,16 +63350,16 @@
                 <a:buNone/>
               </a:pPr>
               <a:r>
-                <a:rPr b="0" lang="en-US" sz="1050" spc="-1" strike="noStrike">
+                <a:rPr lang="en-US" sz="1050" b="0" strike="noStrike" spc="-1">
                   <a:solidFill>
-                    <a:srgbClr val="ffffff"/>
+                    <a:srgbClr val="FFFFFF"/>
                   </a:solidFill>
                   <a:latin typeface="맑은 고딕"/>
                   <a:ea typeface="DejaVu Sans"/>
                 </a:rPr>
                 <a:t>15</a:t>
               </a:r>
-              <a:endParaRPr b="0" lang="en-US" sz="1050" spc="-1" strike="noStrike">
+              <a:endParaRPr lang="en-US" sz="1050" b="0" strike="noStrike" spc="-1">
                 <a:latin typeface="Arial"/>
               </a:endParaRPr>
             </a:p>
@@ -62217,7 +63395,7 @@
               <a:avLst/>
             </a:prstGeom>
             <a:solidFill>
-              <a:srgbClr val="c00000"/>
+              <a:srgbClr val="C00000"/>
             </a:solidFill>
             <a:ln>
               <a:solidFill>
@@ -62260,15 +63438,22 @@
             </a:ln>
           </p:spPr>
           <p:style>
-            <a:lnRef idx="0"/>
-            <a:fillRef idx="0"/>
-            <a:effectRef idx="0"/>
+            <a:lnRef idx="0">
+              <a:scrgbClr r="0" g="0" b="0"/>
+            </a:lnRef>
+            <a:fillRef idx="0">
+              <a:scrgbClr r="0" g="0" b="0"/>
+            </a:fillRef>
+            <a:effectRef idx="0">
+              <a:scrgbClr r="0" g="0" b="0"/>
+            </a:effectRef>
             <a:fontRef idx="minor"/>
           </p:style>
           <p:txBody>
-            <a:bodyPr wrap="none" lIns="90000" rIns="90000" tIns="45000" bIns="45000" anchor="t">
+            <a:bodyPr wrap="none" lIns="90000" tIns="45000" rIns="90000" bIns="45000" anchor="t">
               <a:spAutoFit/>
             </a:bodyPr>
+            <a:lstStyle/>
             <a:p>
               <a:pPr>
                 <a:lnSpc>
@@ -62277,16 +63462,16 @@
                 <a:buNone/>
               </a:pPr>
               <a:r>
-                <a:rPr b="0" lang="en-US" sz="1050" spc="-1" strike="noStrike">
+                <a:rPr lang="en-US" sz="1050" b="0" strike="noStrike" spc="-1">
                   <a:solidFill>
-                    <a:srgbClr val="ffffff"/>
+                    <a:srgbClr val="FFFFFF"/>
                   </a:solidFill>
                   <a:latin typeface="맑은 고딕"/>
                   <a:ea typeface="DejaVu Sans"/>
                 </a:rPr>
                 <a:t>11</a:t>
               </a:r>
-              <a:endParaRPr b="0" lang="en-US" sz="1050" spc="-1" strike="noStrike">
+              <a:endParaRPr lang="en-US" sz="1050" b="0" strike="noStrike" spc="-1">
                 <a:latin typeface="Arial"/>
               </a:endParaRPr>
             </a:p>
@@ -62295,19 +63480,14 @@
       </p:grpSp>
     </p:spTree>
   </p:cSld>
-  <mc:AlternateContent>
-    <mc:Choice Requires="p14">
-      <p:transition spd="slow" p14:dur="2000"/>
-    </mc:Choice>
-    <mc:Fallback>
-      <p:transition spd="slow"/>
-    </mc:Fallback>
-  </mc:AlternateContent>
+  <p:clrMapOvr>
+    <a:masterClrMapping/>
+  </p:clrMapOvr>
 </p:sld>
 </file>
 
 <file path=ppt/slides/slide9.xml><?xml version="1.0" encoding="utf-8"?>
-<p:sld xmlns:a="http://schemas.openxmlformats.org/drawingml/2006/main" xmlns:p="http://schemas.openxmlformats.org/presentationml/2006/main" xmlns:r="http://schemas.openxmlformats.org/officeDocument/2006/relationships" xmlns:p14="http://schemas.microsoft.com/office/powerpoint/2010/main" xmlns:p15="http://schemas.microsoft.com/office/powerpoint/2012/main" xmlns:mc="http://schemas.openxmlformats.org/markup-compatibility/2006">
+<p:sld xmlns:a="http://schemas.openxmlformats.org/drawingml/2006/main" xmlns:r="http://schemas.openxmlformats.org/officeDocument/2006/relationships" xmlns:p="http://schemas.openxmlformats.org/presentationml/2006/main">
   <p:cSld>
     <p:spTree>
       <p:nvGrpSpPr>
@@ -62417,15 +63597,22 @@
           </a:ln>
         </p:spPr>
         <p:style>
-          <a:lnRef idx="0"/>
-          <a:fillRef idx="0"/>
-          <a:effectRef idx="0"/>
+          <a:lnRef idx="0">
+            <a:scrgbClr r="0" g="0" b="0"/>
+          </a:lnRef>
+          <a:fillRef idx="0">
+            <a:scrgbClr r="0" g="0" b="0"/>
+          </a:fillRef>
+          <a:effectRef idx="0">
+            <a:scrgbClr r="0" g="0" b="0"/>
+          </a:effectRef>
           <a:fontRef idx="minor"/>
         </p:style>
         <p:txBody>
-          <a:bodyPr lIns="90000" rIns="90000" tIns="45000" bIns="45000" anchor="t">
+          <a:bodyPr lIns="90000" tIns="45000" rIns="90000" bIns="45000" anchor="t">
             <a:spAutoFit/>
           </a:bodyPr>
+          <a:lstStyle/>
           <a:p>
             <a:pPr>
               <a:lnSpc>
@@ -62434,7 +63621,7 @@
               <a:buNone/>
             </a:pPr>
             <a:r>
-              <a:rPr b="0" lang="en-US" sz="1400" spc="-1" strike="noStrike">
+              <a:rPr lang="en-US" sz="1400" b="0" strike="noStrike" spc="-1">
                 <a:solidFill>
                   <a:srgbClr val="000000"/>
                 </a:solidFill>
@@ -62443,7 +63630,7 @@
               </a:rPr>
               <a:t>0m</a:t>
             </a:r>
-            <a:endParaRPr b="0" lang="en-US" sz="1400" spc="-1" strike="noStrike">
+            <a:endParaRPr lang="en-US" sz="1400" b="0" strike="noStrike" spc="-1">
               <a:latin typeface="Arial"/>
             </a:endParaRPr>
           </a:p>
@@ -62469,15 +63656,22 @@
           </a:ln>
         </p:spPr>
         <p:style>
-          <a:lnRef idx="0"/>
-          <a:fillRef idx="0"/>
-          <a:effectRef idx="0"/>
+          <a:lnRef idx="0">
+            <a:scrgbClr r="0" g="0" b="0"/>
+          </a:lnRef>
+          <a:fillRef idx="0">
+            <a:scrgbClr r="0" g="0" b="0"/>
+          </a:fillRef>
+          <a:effectRef idx="0">
+            <a:scrgbClr r="0" g="0" b="0"/>
+          </a:effectRef>
           <a:fontRef idx="minor"/>
         </p:style>
         <p:txBody>
-          <a:bodyPr lIns="90000" rIns="90000" tIns="45000" bIns="45000" anchor="t">
+          <a:bodyPr lIns="90000" tIns="45000" rIns="90000" bIns="45000" anchor="t">
             <a:spAutoFit/>
           </a:bodyPr>
+          <a:lstStyle/>
           <a:p>
             <a:pPr>
               <a:lnSpc>
@@ -62486,7 +63680,7 @@
               <a:buNone/>
             </a:pPr>
             <a:r>
-              <a:rPr b="1" lang="en-US" sz="1600" spc="-1" strike="noStrike">
+              <a:rPr lang="en-US" sz="1600" b="1" strike="noStrike" spc="-1">
                 <a:solidFill>
                   <a:srgbClr val="000000"/>
                 </a:solidFill>
@@ -62495,7 +63689,7 @@
               </a:rPr>
               <a:t>Lv. 0</a:t>
             </a:r>
-            <a:endParaRPr b="0" lang="en-US" sz="1600" spc="-1" strike="noStrike">
+            <a:endParaRPr lang="en-US" sz="1600" b="0" strike="noStrike" spc="-1">
               <a:latin typeface="Arial"/>
             </a:endParaRPr>
           </a:p>
@@ -62521,15 +63715,22 @@
           </a:ln>
         </p:spPr>
         <p:style>
-          <a:lnRef idx="0"/>
-          <a:fillRef idx="0"/>
-          <a:effectRef idx="0"/>
+          <a:lnRef idx="0">
+            <a:scrgbClr r="0" g="0" b="0"/>
+          </a:lnRef>
+          <a:fillRef idx="0">
+            <a:scrgbClr r="0" g="0" b="0"/>
+          </a:fillRef>
+          <a:effectRef idx="0">
+            <a:scrgbClr r="0" g="0" b="0"/>
+          </a:effectRef>
           <a:fontRef idx="minor"/>
         </p:style>
         <p:txBody>
-          <a:bodyPr lIns="90000" rIns="90000" tIns="45000" bIns="45000" anchor="t">
+          <a:bodyPr lIns="90000" tIns="45000" rIns="90000" bIns="45000" anchor="t">
             <a:spAutoFit/>
           </a:bodyPr>
+          <a:lstStyle/>
           <a:p>
             <a:pPr algn="ctr">
               <a:lnSpc>
@@ -62538,7 +63739,7 @@
               <a:buNone/>
             </a:pPr>
             <a:r>
-              <a:rPr b="0" lang="en-US" sz="1800" spc="-1" strike="noStrike">
+              <a:rPr lang="en-US" sz="1800" b="0" strike="noStrike" spc="-1">
                 <a:solidFill>
                   <a:srgbClr val="000000"/>
                 </a:solidFill>
@@ -62547,7 +63748,7 @@
               </a:rPr>
               <a:t>6g x 8g x 6g  </a:t>
             </a:r>
-            <a:endParaRPr b="0" lang="en-US" sz="1800" spc="-1" strike="noStrike">
+            <a:endParaRPr lang="en-US" sz="1800" b="0" strike="noStrike" spc="-1">
               <a:latin typeface="Arial"/>
             </a:endParaRPr>
           </a:p>
@@ -62592,9 +63793,10 @@
           <a:fontRef idx="minor"/>
         </p:style>
         <p:txBody>
-          <a:bodyPr lIns="90000" rIns="90000" tIns="45000" bIns="45000" anchor="ctr">
+          <a:bodyPr lIns="90000" tIns="45000" rIns="90000" bIns="45000" anchor="ctr">
             <a:noAutofit/>
           </a:bodyPr>
+          <a:lstStyle/>
           <a:p>
             <a:pPr algn="ctr">
               <a:lnSpc>
@@ -62603,16 +63805,16 @@
               <a:buNone/>
             </a:pPr>
             <a:r>
-              <a:rPr b="0" lang="en-US" sz="1800" spc="-1" strike="noStrike">
+              <a:rPr lang="en-US" sz="1800" b="0" strike="noStrike" spc="-1">
                 <a:solidFill>
-                  <a:srgbClr val="f2f2f2"/>
+                  <a:srgbClr val="F2F2F2"/>
                 </a:solidFill>
                 <a:latin typeface="맑은 고딕"/>
                 <a:ea typeface="DejaVu Sans"/>
               </a:rPr>
               <a:t>Grand_S6</a:t>
             </a:r>
-            <a:endParaRPr b="0" lang="en-US" sz="1800" spc="-1" strike="noStrike">
+            <a:endParaRPr lang="en-US" sz="1800" b="0" strike="noStrike" spc="-1">
               <a:latin typeface="Arial"/>
             </a:endParaRPr>
           </a:p>
@@ -64673,7 +65875,7 @@
             <a:avLst/>
           </a:prstGeom>
           <a:solidFill>
-            <a:srgbClr val="c00000"/>
+            <a:srgbClr val="C00000"/>
           </a:solidFill>
           <a:ln>
             <a:solidFill>
@@ -64696,9 +65898,10 @@
           <a:fontRef idx="minor"/>
         </p:style>
         <p:txBody>
-          <a:bodyPr lIns="90000" rIns="90000" tIns="45000" bIns="45000" anchor="ctr">
+          <a:bodyPr lIns="90000" tIns="45000" rIns="90000" bIns="45000" anchor="ctr">
             <a:noAutofit/>
           </a:bodyPr>
+          <a:lstStyle/>
           <a:p>
             <a:pPr algn="ctr">
               <a:lnSpc>
@@ -64707,16 +65910,16 @@
               <a:buNone/>
             </a:pPr>
             <a:r>
-              <a:rPr b="0" lang="en-US" sz="1340" spc="-1" strike="noStrike">
+              <a:rPr lang="en-US" sz="1340" b="0" strike="noStrike" spc="-1">
                 <a:solidFill>
-                  <a:srgbClr val="ffffff"/>
+                  <a:srgbClr val="FFFFFF"/>
                 </a:solidFill>
                 <a:latin typeface="Arial"/>
                 <a:ea typeface="DejaVu Sans"/>
               </a:rPr>
               <a:t>1</a:t>
             </a:r>
-            <a:endParaRPr b="0" lang="en-US" sz="1340" spc="-1" strike="noStrike">
+            <a:endParaRPr lang="en-US" sz="1340" b="0" strike="noStrike" spc="-1">
               <a:latin typeface="Arial"/>
             </a:endParaRPr>
           </a:p>
@@ -64737,6 +65940,7 @@
             <a:avLst/>
             <a:gdLst/>
             <a:ahLst/>
+            <a:cxnLst/>
             <a:rect l="l" t="t" r="r" b="b"/>
             <a:pathLst>
               <a:path w="21600" h="21600">
@@ -64752,9 +65956,9 @@
           <a:noFill/>
           <a:ln w="28575">
             <a:solidFill>
-              <a:srgbClr val="ffc000"/>
-            </a:solidFill>
-            <a:tailEnd len="med" type="arrow" w="med"/>
+              <a:srgbClr val="FFC000"/>
+            </a:solidFill>
+            <a:tailEnd type="arrow" w="med" len="med"/>
           </a:ln>
         </p:spPr>
         <p:style>
@@ -64821,7 +66025,7 @@
             <a:avLst/>
           </a:prstGeom>
           <a:solidFill>
-            <a:srgbClr val="c00000"/>
+            <a:srgbClr val="C00000"/>
           </a:solidFill>
           <a:ln>
             <a:solidFill>
@@ -64844,9 +66048,10 @@
           <a:fontRef idx="minor"/>
         </p:style>
         <p:txBody>
-          <a:bodyPr lIns="90000" rIns="90000" tIns="45000" bIns="45000" anchor="ctr">
+          <a:bodyPr lIns="90000" tIns="45000" rIns="90000" bIns="45000" anchor="ctr">
             <a:noAutofit/>
           </a:bodyPr>
+          <a:lstStyle/>
           <a:p>
             <a:pPr algn="ctr">
               <a:lnSpc>
@@ -64855,16 +66060,16 @@
               <a:buNone/>
             </a:pPr>
             <a:r>
-              <a:rPr b="0" lang="en-US" sz="1340" spc="-1" strike="noStrike">
+              <a:rPr lang="en-US" sz="1340" b="0" strike="noStrike" spc="-1">
                 <a:solidFill>
-                  <a:srgbClr val="ffffff"/>
+                  <a:srgbClr val="FFFFFF"/>
                 </a:solidFill>
                 <a:latin typeface="Arial"/>
                 <a:ea typeface="DejaVu Sans"/>
               </a:rPr>
               <a:t>1</a:t>
             </a:r>
-            <a:endParaRPr b="0" lang="en-US" sz="1340" spc="-1" strike="noStrike">
+            <a:endParaRPr lang="en-US" sz="1340" b="0" strike="noStrike" spc="-1">
               <a:latin typeface="Arial"/>
             </a:endParaRPr>
           </a:p>
@@ -64885,6 +66090,7 @@
             <a:avLst/>
             <a:gdLst/>
             <a:ahLst/>
+            <a:cxnLst/>
             <a:rect l="l" t="t" r="r" b="b"/>
             <a:pathLst>
               <a:path w="21600" h="21600">
@@ -64900,9 +66106,9 @@
           <a:noFill/>
           <a:ln w="28575">
             <a:solidFill>
-              <a:srgbClr val="ffc000"/>
-            </a:solidFill>
-            <a:tailEnd len="med" type="arrow" w="med"/>
+              <a:srgbClr val="FFC000"/>
+            </a:solidFill>
+            <a:tailEnd type="arrow" w="med" len="med"/>
           </a:ln>
         </p:spPr>
         <p:style>
@@ -64934,10 +66140,19 @@
           </a:prstGeom>
           <a:ln w="12700">
             <a:solidFill>
-              <a:srgbClr val="ffffff"/>
-            </a:solidFill>
-            <a:tailEnd len="med" type="arrow" w="med"/>
-          </a:ln>
+              <a:srgbClr val="FFFFFF"/>
+            </a:solidFill>
+            <a:headEnd type="arrow" w="med" len="med"/>
+            <a:tailEnd type="arrow" w="med" len="med"/>
+          </a:ln>
+          <a:effectLst>
+            <a:glow rad="101600">
+              <a:schemeClr val="accent5">
+                <a:satMod val="175000"/>
+                <a:alpha val="40000"/>
+              </a:schemeClr>
+            </a:glow>
+          </a:effectLst>
         </p:spPr>
         <p:style>
           <a:lnRef idx="1">
@@ -64967,7 +66182,7 @@
             <a:avLst/>
           </a:prstGeom>
           <a:solidFill>
-            <a:srgbClr val="c00000"/>
+            <a:srgbClr val="C00000"/>
           </a:solidFill>
           <a:ln>
             <a:solidFill>
@@ -65010,15 +66225,22 @@
           </a:ln>
         </p:spPr>
         <p:style>
-          <a:lnRef idx="0"/>
-          <a:fillRef idx="0"/>
-          <a:effectRef idx="0"/>
+          <a:lnRef idx="0">
+            <a:scrgbClr r="0" g="0" b="0"/>
+          </a:lnRef>
+          <a:fillRef idx="0">
+            <a:scrgbClr r="0" g="0" b="0"/>
+          </a:fillRef>
+          <a:effectRef idx="0">
+            <a:scrgbClr r="0" g="0" b="0"/>
+          </a:effectRef>
           <a:fontRef idx="minor"/>
         </p:style>
         <p:txBody>
-          <a:bodyPr wrap="none" lIns="90000" rIns="90000" tIns="45000" bIns="45000" anchor="t">
+          <a:bodyPr wrap="none" lIns="90000" tIns="45000" rIns="90000" bIns="45000" anchor="t">
             <a:spAutoFit/>
           </a:bodyPr>
+          <a:lstStyle/>
           <a:p>
             <a:pPr>
               <a:lnSpc>
@@ -65027,16 +66249,16 @@
               <a:buNone/>
             </a:pPr>
             <a:r>
-              <a:rPr b="0" lang="en-US" sz="1050" spc="-1" strike="noStrike">
+              <a:rPr lang="en-US" sz="1050" b="0" strike="noStrike" spc="-1">
                 <a:solidFill>
-                  <a:srgbClr val="ffffff"/>
+                  <a:srgbClr val="FFFFFF"/>
                 </a:solidFill>
                 <a:latin typeface="맑은 고딕"/>
                 <a:ea typeface="DejaVu Sans"/>
               </a:rPr>
               <a:t>25</a:t>
             </a:r>
-            <a:endParaRPr b="0" lang="en-US" sz="1050" spc="-1" strike="noStrike">
+            <a:endParaRPr lang="en-US" sz="1050" b="0" strike="noStrike" spc="-1">
               <a:latin typeface="Arial"/>
             </a:endParaRPr>
           </a:p>
@@ -65076,9 +66298,10 @@
           <a:fontRef idx="minor"/>
         </p:style>
         <p:txBody>
-          <a:bodyPr lIns="90000" rIns="90000" tIns="45000" bIns="45000" anchor="ctr">
+          <a:bodyPr lIns="90000" tIns="45000" rIns="90000" bIns="45000" anchor="ctr">
             <a:noAutofit/>
           </a:bodyPr>
+          <a:lstStyle/>
           <a:p>
             <a:pPr>
               <a:lnSpc>
@@ -65087,7 +66310,7 @@
               <a:buNone/>
             </a:pPr>
             <a:r>
-              <a:rPr b="0" lang="en-US" sz="1200" spc="-1" strike="noStrike">
+              <a:rPr lang="en-US" sz="1200" b="0" strike="noStrike" spc="-1">
                 <a:solidFill>
                   <a:srgbClr val="808080"/>
                 </a:solidFill>
@@ -65097,7 +66320,7 @@
               <a:t>( </a:t>
             </a:r>
             <a:r>
-              <a:rPr b="0" lang="ko-KR" sz="1200" spc="-1" strike="noStrike">
+              <a:rPr lang="ko-KR" sz="1200" b="0" strike="noStrike" spc="-1">
                 <a:solidFill>
                   <a:srgbClr val="808080"/>
                 </a:solidFill>
@@ -65107,7 +66330,7 @@
               <a:t>레이저가 천장까지 </a:t>
             </a:r>
             <a:r>
-              <a:rPr b="0" lang="en-US" sz="1200" spc="-1" strike="noStrike">
+              <a:rPr lang="en-US" sz="1200" b="0" strike="noStrike" spc="-1">
                 <a:solidFill>
                   <a:srgbClr val="808080"/>
                 </a:solidFill>
@@ -65116,7 +66339,7 @@
               </a:rPr>
               <a:t>0.5m </a:t>
             </a:r>
-            <a:endParaRPr b="0" lang="en-US" sz="1200" spc="-1" strike="noStrike">
+            <a:endParaRPr lang="en-US" sz="1200" b="0" strike="noStrike" spc="-1">
               <a:latin typeface="Arial"/>
             </a:endParaRPr>
           </a:p>
@@ -65128,7 +66351,7 @@
               <a:buNone/>
             </a:pPr>
             <a:r>
-              <a:rPr b="0" lang="ko-KR" sz="1200" spc="-1" strike="noStrike">
+              <a:rPr lang="ko-KR" sz="1200" b="0" strike="noStrike" spc="-1">
                 <a:solidFill>
                   <a:srgbClr val="808080"/>
                 </a:solidFill>
@@ -65138,7 +66361,7 @@
               <a:t>위치부터 </a:t>
             </a:r>
             <a:r>
-              <a:rPr b="0" lang="en-US" sz="1200" spc="-1" strike="noStrike">
+              <a:rPr lang="en-US" sz="1200" b="0" strike="noStrike" spc="-1">
                 <a:solidFill>
                   <a:srgbClr val="808080"/>
                 </a:solidFill>
@@ -65148,7 +66371,7 @@
               <a:t>1m </a:t>
             </a:r>
             <a:r>
-              <a:rPr b="0" lang="ko-KR" sz="1200" spc="-1" strike="noStrike">
+              <a:rPr lang="ko-KR" sz="1200" b="0" strike="noStrike" spc="-1">
                 <a:solidFill>
                   <a:srgbClr val="808080"/>
                 </a:solidFill>
@@ -65158,7 +66381,7 @@
               <a:t>간격으로 하나씩 존재 </a:t>
             </a:r>
             <a:r>
-              <a:rPr b="0" lang="en-US" sz="1200" spc="-1" strike="noStrike">
+              <a:rPr lang="en-US" sz="1200" b="0" strike="noStrike" spc="-1">
                 <a:solidFill>
                   <a:srgbClr val="808080"/>
                 </a:solidFill>
@@ -65167,7 +66390,7 @@
               </a:rPr>
               <a:t>)</a:t>
             </a:r>
-            <a:endParaRPr b="0" lang="en-US" sz="1200" spc="-1" strike="noStrike">
+            <a:endParaRPr lang="en-US" sz="1200" b="0" strike="noStrike" spc="-1">
               <a:latin typeface="Arial"/>
             </a:endParaRPr>
           </a:p>
@@ -65175,14 +66398,9 @@
       </p:sp>
     </p:spTree>
   </p:cSld>
-  <mc:AlternateContent>
-    <mc:Choice Requires="p14">
-      <p:transition spd="slow" p14:dur="2000"/>
-    </mc:Choice>
-    <mc:Fallback>
-      <p:transition spd="slow"/>
-    </mc:Fallback>
-  </mc:AlternateContent>
+  <p:clrMapOvr>
+    <a:masterClrMapping/>
+  </p:clrMapOvr>
 </p:sld>
 </file>
 
@@ -65197,34 +66415,34 @@
         <a:sysClr val="window" lastClr="FFFFFF"/>
       </a:lt1>
       <a:dk2>
-        <a:srgbClr val="44546a"/>
+        <a:srgbClr val="44546A"/>
       </a:dk2>
       <a:lt2>
-        <a:srgbClr val="e7e6e6"/>
+        <a:srgbClr val="E7E6E6"/>
       </a:lt2>
       <a:accent1>
-        <a:srgbClr val="4472c4"/>
+        <a:srgbClr val="4472C4"/>
       </a:accent1>
       <a:accent2>
-        <a:srgbClr val="ed7d31"/>
+        <a:srgbClr val="ED7D31"/>
       </a:accent2>
       <a:accent3>
-        <a:srgbClr val="a5a5a5"/>
+        <a:srgbClr val="A5A5A5"/>
       </a:accent3>
       <a:accent4>
-        <a:srgbClr val="ffc000"/>
+        <a:srgbClr val="FFC000"/>
       </a:accent4>
       <a:accent5>
-        <a:srgbClr val="5b9bd5"/>
+        <a:srgbClr val="5B9BD5"/>
       </a:accent5>
       <a:accent6>
-        <a:srgbClr val="70ad47"/>
+        <a:srgbClr val="70AD47"/>
       </a:accent6>
       <a:hlink>
-        <a:srgbClr val="0563c1"/>
+        <a:srgbClr val="0563C1"/>
       </a:hlink>
       <a:folHlink>
-        <a:srgbClr val="954f72"/>
+        <a:srgbClr val="954F72"/>
       </a:folHlink>
     </a:clrScheme>
     <a:fontScheme name="Office">
@@ -65409,5 +66627,7 @@
       </a:bgFillStyleLst>
     </a:fmtScheme>
   </a:themeElements>
+  <a:objectDefaults/>
+  <a:extraClrSchemeLst/>
 </a:theme>
 </file>